--- a/final-presentations/2021-03-25-iss/06-testing2.pptx
+++ b/final-presentations/2021-03-25-iss/06-testing2.pptx
@@ -5,20 +5,25 @@
     <p:sldMasterId id="2147483935" r:id="rId4"/>
   </p:sldMasterIdLst>
   <p:notesMasterIdLst>
-    <p:notesMasterId r:id="rId13"/>
+    <p:notesMasterId r:id="rId18"/>
   </p:notesMasterIdLst>
   <p:handoutMasterIdLst>
-    <p:handoutMasterId r:id="rId14"/>
+    <p:handoutMasterId r:id="rId19"/>
   </p:handoutMasterIdLst>
   <p:sldIdLst>
-    <p:sldId id="626" r:id="rId5"/>
-    <p:sldId id="587" r:id="rId6"/>
-    <p:sldId id="581" r:id="rId7"/>
-    <p:sldId id="469" r:id="rId8"/>
-    <p:sldId id="472" r:id="rId9"/>
-    <p:sldId id="486" r:id="rId10"/>
-    <p:sldId id="586" r:id="rId11"/>
-    <p:sldId id="571" r:id="rId12"/>
+    <p:sldId id="631" r:id="rId5"/>
+    <p:sldId id="626" r:id="rId6"/>
+    <p:sldId id="487" r:id="rId7"/>
+    <p:sldId id="465" r:id="rId8"/>
+    <p:sldId id="579" r:id="rId9"/>
+    <p:sldId id="580" r:id="rId10"/>
+    <p:sldId id="299" r:id="rId11"/>
+    <p:sldId id="581" r:id="rId12"/>
+    <p:sldId id="469" r:id="rId13"/>
+    <p:sldId id="472" r:id="rId14"/>
+    <p:sldId id="486" r:id="rId15"/>
+    <p:sldId id="586" r:id="rId16"/>
+    <p:sldId id="571" r:id="rId17"/>
   </p:sldIdLst>
   <p:sldSz cx="12188825" cy="6858000"/>
   <p:notesSz cx="7010400" cy="9296400"/>
@@ -262,7 +267,7 @@
           <a:p>
             <a:fld id="{0B842F42-2CE9-4E35-95C1-410DC08A50B1}" type="datetimeFigureOut">
               <a:rPr lang="en-US" smtClean="0"/>
-              <a:t>10/23/20</a:t>
+              <a:t>3/16/21</a:t>
             </a:fld>
             <a:endParaRPr lang="en-US"/>
           </a:p>
@@ -427,7 +432,7 @@
           <a:p>
             <a:fld id="{6F282904-F315-4730-8D91-37D99E141A6F}" type="datetimeFigureOut">
               <a:rPr lang="en-US" smtClean="0"/>
-              <a:t>10/23/20</a:t>
+              <a:t>3/16/21</a:t>
             </a:fld>
             <a:endParaRPr lang="en-US"/>
           </a:p>
@@ -692,6 +697,1691 @@
     </a:lvl9pPr>
   </p:notesStyle>
 </p:notesMaster>
+</file>
+
+<file path=ppt/notesSlides/notesSlide1.xml><?xml version="1.0" encoding="utf-8"?>
+<p:notes xmlns:a="http://schemas.openxmlformats.org/drawingml/2006/main" xmlns:r="http://schemas.openxmlformats.org/officeDocument/2006/relationships" xmlns:p="http://schemas.openxmlformats.org/presentationml/2006/main">
+  <p:cSld>
+    <p:spTree>
+      <p:nvGrpSpPr>
+        <p:cNvPr id="1" name=""/>
+        <p:cNvGrpSpPr/>
+        <p:nvPr/>
+      </p:nvGrpSpPr>
+      <p:grpSpPr>
+        <a:xfrm>
+          <a:off x="0" y="0"/>
+          <a:ext cx="0" cy="0"/>
+          <a:chOff x="0" y="0"/>
+          <a:chExt cx="0" cy="0"/>
+        </a:xfrm>
+      </p:grpSpPr>
+      <p:sp>
+        <p:nvSpPr>
+          <p:cNvPr id="2" name="Slide Image Placeholder 1"/>
+          <p:cNvSpPr>
+            <a:spLocks noGrp="1" noRot="1" noChangeAspect="1"/>
+          </p:cNvSpPr>
+          <p:nvPr>
+            <p:ph type="sldImg"/>
+          </p:nvPr>
+        </p:nvSpPr>
+        <p:spPr/>
+      </p:sp>
+      <p:sp>
+        <p:nvSpPr>
+          <p:cNvPr id="3" name="Notes Placeholder 2"/>
+          <p:cNvSpPr>
+            <a:spLocks noGrp="1"/>
+          </p:cNvSpPr>
+          <p:nvPr>
+            <p:ph type="body" idx="1"/>
+          </p:nvPr>
+        </p:nvSpPr>
+        <p:spPr/>
+        <p:txBody>
+          <a:bodyPr/>
+          <a:lstStyle/>
+          <a:p>
+            <a:pPr marL="0" marR="0" lvl="0" indent="0" algn="l" defTabSz="914400" rtl="0" eaLnBrk="1" fontAlgn="auto" latinLnBrk="0" hangingPunct="1">
+              <a:lnSpc>
+                <a:spcPct val="100000"/>
+              </a:lnSpc>
+              <a:spcBef>
+                <a:spcPts val="0"/>
+              </a:spcBef>
+              <a:spcAft>
+                <a:spcPts val="0"/>
+              </a:spcAft>
+              <a:buClrTx/>
+              <a:buSzTx/>
+              <a:buFontTx/>
+              <a:buNone/>
+              <a:tabLst/>
+              <a:defRPr/>
+            </a:pPr>
+            <a:r>
+              <a:rPr lang="en-US" sz="1200" kern="1200" dirty="0">
+                <a:solidFill>
+                  <a:schemeClr val="tx1"/>
+                </a:solidFill>
+                <a:effectLst/>
+                <a:latin typeface="+mn-lt"/>
+                <a:ea typeface="+mn-ea"/>
+                <a:cs typeface="+mn-cs"/>
+              </a:rPr>
+              <a:t>So, your software's current functionality has been documented, and some initial tests are written.  Where do you go from here?  How do you improve your testing situation to the point where it's considered "done"?</a:t>
+            </a:r>
+          </a:p>
+        </p:txBody>
+      </p:sp>
+      <p:sp>
+        <p:nvSpPr>
+          <p:cNvPr id="4" name="Slide Number Placeholder 3"/>
+          <p:cNvSpPr>
+            <a:spLocks noGrp="1"/>
+          </p:cNvSpPr>
+          <p:nvPr>
+            <p:ph type="sldNum" sz="quarter" idx="5"/>
+          </p:nvPr>
+        </p:nvSpPr>
+        <p:spPr/>
+        <p:txBody>
+          <a:bodyPr/>
+          <a:lstStyle/>
+          <a:p>
+            <a:fld id="{54E672D7-8E2D-4611-973D-F4591A707C34}" type="slidenum">
+              <a:rPr lang="en-US" smtClean="0"/>
+              <a:t>1</a:t>
+            </a:fld>
+            <a:endParaRPr lang="en-US"/>
+          </a:p>
+        </p:txBody>
+      </p:sp>
+    </p:spTree>
+    <p:extLst>
+      <p:ext uri="{BB962C8B-B14F-4D97-AF65-F5344CB8AC3E}">
+        <p14:creationId xmlns:p14="http://schemas.microsoft.com/office/powerpoint/2010/main" val="4052661249"/>
+      </p:ext>
+    </p:extLst>
+  </p:cSld>
+  <p:clrMapOvr>
+    <a:masterClrMapping/>
+  </p:clrMapOvr>
+</p:notes>
+</file>
+
+<file path=ppt/notesSlides/notesSlide10.xml><?xml version="1.0" encoding="utf-8"?>
+<p:notes xmlns:a="http://schemas.openxmlformats.org/drawingml/2006/main" xmlns:r="http://schemas.openxmlformats.org/officeDocument/2006/relationships" xmlns:p="http://schemas.openxmlformats.org/presentationml/2006/main">
+  <p:cSld>
+    <p:spTree>
+      <p:nvGrpSpPr>
+        <p:cNvPr id="1" name=""/>
+        <p:cNvGrpSpPr/>
+        <p:nvPr/>
+      </p:nvGrpSpPr>
+      <p:grpSpPr>
+        <a:xfrm>
+          <a:off x="0" y="0"/>
+          <a:ext cx="0" cy="0"/>
+          <a:chOff x="0" y="0"/>
+          <a:chExt cx="0" cy="0"/>
+        </a:xfrm>
+      </p:grpSpPr>
+      <p:sp>
+        <p:nvSpPr>
+          <p:cNvPr id="2" name="Slide Image Placeholder 1"/>
+          <p:cNvSpPr>
+            <a:spLocks noGrp="1" noRot="1" noChangeAspect="1"/>
+          </p:cNvSpPr>
+          <p:nvPr>
+            <p:ph type="sldImg"/>
+          </p:nvPr>
+        </p:nvSpPr>
+        <p:spPr/>
+      </p:sp>
+      <p:sp>
+        <p:nvSpPr>
+          <p:cNvPr id="3" name="Notes Placeholder 2"/>
+          <p:cNvSpPr>
+            <a:spLocks noGrp="1"/>
+          </p:cNvSpPr>
+          <p:nvPr>
+            <p:ph type="body" idx="1"/>
+          </p:nvPr>
+        </p:nvSpPr>
+        <p:spPr/>
+        <p:txBody>
+          <a:bodyPr/>
+          <a:lstStyle/>
+          <a:p>
+            <a:pPr marL="0" marR="0" lvl="0" indent="0" algn="l" defTabSz="914400" rtl="0" eaLnBrk="1" fontAlgn="auto" latinLnBrk="0" hangingPunct="1">
+              <a:lnSpc>
+                <a:spcPct val="100000"/>
+              </a:lnSpc>
+              <a:spcBef>
+                <a:spcPts val="0"/>
+              </a:spcBef>
+              <a:spcAft>
+                <a:spcPts val="0"/>
+              </a:spcAft>
+              <a:buClrTx/>
+              <a:buSzTx/>
+              <a:buFontTx/>
+              <a:buNone/>
+              <a:tabLst/>
+              <a:defRPr/>
+            </a:pPr>
+            <a:r>
+              <a:rPr lang="en-US" sz="1200" kern="1200" dirty="0">
+                <a:solidFill>
+                  <a:schemeClr val="tx1"/>
+                </a:solidFill>
+                <a:effectLst/>
+                <a:latin typeface="+mn-lt"/>
+                <a:ea typeface="+mn-ea"/>
+                <a:cs typeface="+mn-cs"/>
+              </a:rPr>
+              <a:t>This test can be developed further too.  Changing out the uniform grid for an adaptive mesh, or turning on options for re-gridding should reduce the errors.  If this is not the case, there is a way to quickly pinpoint the underlying cause.</a:t>
+            </a:r>
+          </a:p>
+        </p:txBody>
+      </p:sp>
+      <p:sp>
+        <p:nvSpPr>
+          <p:cNvPr id="4" name="Slide Number Placeholder 3"/>
+          <p:cNvSpPr>
+            <a:spLocks noGrp="1"/>
+          </p:cNvSpPr>
+          <p:nvPr>
+            <p:ph type="sldNum" sz="quarter" idx="5"/>
+          </p:nvPr>
+        </p:nvSpPr>
+        <p:spPr/>
+        <p:txBody>
+          <a:bodyPr/>
+          <a:lstStyle/>
+          <a:p>
+            <a:fld id="{54E672D7-8E2D-4611-973D-F4591A707C34}" type="slidenum">
+              <a:rPr lang="en-US" smtClean="0"/>
+              <a:t>11</a:t>
+            </a:fld>
+            <a:endParaRPr lang="en-US"/>
+          </a:p>
+        </p:txBody>
+      </p:sp>
+    </p:spTree>
+    <p:extLst>
+      <p:ext uri="{BB962C8B-B14F-4D97-AF65-F5344CB8AC3E}">
+        <p14:creationId xmlns:p14="http://schemas.microsoft.com/office/powerpoint/2010/main" val="2492424174"/>
+      </p:ext>
+    </p:extLst>
+  </p:cSld>
+  <p:clrMapOvr>
+    <a:masterClrMapping/>
+  </p:clrMapOvr>
+</p:notes>
+</file>
+
+<file path=ppt/notesSlides/notesSlide11.xml><?xml version="1.0" encoding="utf-8"?>
+<p:notes xmlns:a="http://schemas.openxmlformats.org/drawingml/2006/main" xmlns:r="http://schemas.openxmlformats.org/officeDocument/2006/relationships" xmlns:p="http://schemas.openxmlformats.org/presentationml/2006/main">
+  <p:cSld>
+    <p:spTree>
+      <p:nvGrpSpPr>
+        <p:cNvPr id="1" name=""/>
+        <p:cNvGrpSpPr/>
+        <p:nvPr/>
+      </p:nvGrpSpPr>
+      <p:grpSpPr>
+        <a:xfrm>
+          <a:off x="0" y="0"/>
+          <a:ext cx="0" cy="0"/>
+          <a:chOff x="0" y="0"/>
+          <a:chExt cx="0" cy="0"/>
+        </a:xfrm>
+      </p:grpSpPr>
+      <p:sp>
+        <p:nvSpPr>
+          <p:cNvPr id="2" name="Slide Image Placeholder 1"/>
+          <p:cNvSpPr>
+            <a:spLocks noGrp="1" noRot="1" noChangeAspect="1"/>
+          </p:cNvSpPr>
+          <p:nvPr>
+            <p:ph type="sldImg"/>
+          </p:nvPr>
+        </p:nvSpPr>
+        <p:spPr/>
+      </p:sp>
+      <p:sp>
+        <p:nvSpPr>
+          <p:cNvPr id="3" name="Notes Placeholder 2"/>
+          <p:cNvSpPr>
+            <a:spLocks noGrp="1"/>
+          </p:cNvSpPr>
+          <p:nvPr>
+            <p:ph type="body" idx="1"/>
+          </p:nvPr>
+        </p:nvSpPr>
+        <p:spPr/>
+        <p:txBody>
+          <a:bodyPr/>
+          <a:lstStyle/>
+          <a:p>
+            <a:r>
+              <a:rPr lang="en-US" sz="1200" kern="1200" dirty="0">
+                <a:solidFill>
+                  <a:schemeClr val="tx1"/>
+                </a:solidFill>
+                <a:effectLst/>
+                <a:latin typeface="+mn-lt"/>
+                <a:ea typeface="+mn-ea"/>
+                <a:cs typeface="+mn-cs"/>
+              </a:rPr>
+              <a:t>This final example shows a graphical way to "map" areas of your code for testing.  The x-axis shows different kinds of physical models implemented in FLASH.  The y-axis shows functionalities of the code.  List out all your unit tests and example applications, and put each one in one or more squares.  Here, the </a:t>
+            </a:r>
+            <a:r>
+              <a:rPr lang="en-US" sz="1200" kern="1200" dirty="0" err="1">
+                <a:solidFill>
+                  <a:schemeClr val="tx1"/>
+                </a:solidFill>
+                <a:effectLst/>
+                <a:latin typeface="+mn-lt"/>
+                <a:ea typeface="+mn-ea"/>
+                <a:cs typeface="+mn-cs"/>
+              </a:rPr>
+              <a:t>Sedov</a:t>
+            </a:r>
+            <a:r>
+              <a:rPr lang="en-US" sz="1200" kern="1200" dirty="0">
+                <a:solidFill>
+                  <a:schemeClr val="tx1"/>
+                </a:solidFill>
+                <a:effectLst/>
+                <a:latin typeface="+mn-lt"/>
+                <a:ea typeface="+mn-ea"/>
+                <a:cs typeface="+mn-cs"/>
+              </a:rPr>
+              <a:t> test "SV" exercises the hydro, EOS, and particle models on a uniform grid.  This type of map will show you weak-spots in your testing design.  Not every square needs to be covered, though.  It also helps document areas of your code that are needed for each science scenario.</a:t>
+            </a:r>
+          </a:p>
+          <a:p>
+            <a:r>
+              <a:rPr lang="en-US" sz="1200" kern="1200" dirty="0">
+                <a:solidFill>
+                  <a:schemeClr val="tx1"/>
+                </a:solidFill>
+                <a:effectLst/>
+                <a:latin typeface="+mn-lt"/>
+                <a:ea typeface="+mn-ea"/>
+                <a:cs typeface="+mn-cs"/>
+              </a:rPr>
+              <a:t>This type of map is complementary to code coverage.  If your program is well-structured, there should be some correspondence between this map and the files that coverage shows as "tested".</a:t>
+            </a:r>
+          </a:p>
+        </p:txBody>
+      </p:sp>
+      <p:sp>
+        <p:nvSpPr>
+          <p:cNvPr id="4" name="Slide Number Placeholder 3"/>
+          <p:cNvSpPr>
+            <a:spLocks noGrp="1"/>
+          </p:cNvSpPr>
+          <p:nvPr>
+            <p:ph type="sldNum" sz="quarter" idx="5"/>
+          </p:nvPr>
+        </p:nvSpPr>
+        <p:spPr/>
+        <p:txBody>
+          <a:bodyPr/>
+          <a:lstStyle/>
+          <a:p>
+            <a:fld id="{54E672D7-8E2D-4611-973D-F4591A707C34}" type="slidenum">
+              <a:rPr lang="en-US" smtClean="0"/>
+              <a:t>12</a:t>
+            </a:fld>
+            <a:endParaRPr lang="en-US"/>
+          </a:p>
+        </p:txBody>
+      </p:sp>
+    </p:spTree>
+    <p:extLst>
+      <p:ext uri="{BB962C8B-B14F-4D97-AF65-F5344CB8AC3E}">
+        <p14:creationId xmlns:p14="http://schemas.microsoft.com/office/powerpoint/2010/main" val="2146058748"/>
+      </p:ext>
+    </p:extLst>
+  </p:cSld>
+  <p:clrMapOvr>
+    <a:masterClrMapping/>
+  </p:clrMapOvr>
+</p:notes>
+</file>
+
+<file path=ppt/notesSlides/notesSlide12.xml><?xml version="1.0" encoding="utf-8"?>
+<p:notes xmlns:a="http://schemas.openxmlformats.org/drawingml/2006/main" xmlns:r="http://schemas.openxmlformats.org/officeDocument/2006/relationships" xmlns:p="http://schemas.openxmlformats.org/presentationml/2006/main">
+  <p:cSld>
+    <p:spTree>
+      <p:nvGrpSpPr>
+        <p:cNvPr id="1" name=""/>
+        <p:cNvGrpSpPr/>
+        <p:nvPr/>
+      </p:nvGrpSpPr>
+      <p:grpSpPr>
+        <a:xfrm>
+          <a:off x="0" y="0"/>
+          <a:ext cx="0" cy="0"/>
+          <a:chOff x="0" y="0"/>
+          <a:chExt cx="0" cy="0"/>
+        </a:xfrm>
+      </p:grpSpPr>
+      <p:sp>
+        <p:nvSpPr>
+          <p:cNvPr id="2" name="Slide Image Placeholder 1"/>
+          <p:cNvSpPr>
+            <a:spLocks noGrp="1" noRot="1" noChangeAspect="1"/>
+          </p:cNvSpPr>
+          <p:nvPr>
+            <p:ph type="sldImg"/>
+          </p:nvPr>
+        </p:nvSpPr>
+        <p:spPr/>
+      </p:sp>
+      <p:sp>
+        <p:nvSpPr>
+          <p:cNvPr id="3" name="Notes Placeholder 2"/>
+          <p:cNvSpPr>
+            <a:spLocks noGrp="1"/>
+          </p:cNvSpPr>
+          <p:nvPr>
+            <p:ph type="body" idx="1"/>
+          </p:nvPr>
+        </p:nvSpPr>
+        <p:spPr/>
+        <p:txBody>
+          <a:bodyPr/>
+          <a:lstStyle/>
+          <a:p>
+            <a:pPr marL="0" marR="0" lvl="0" indent="0" algn="l" defTabSz="914400" rtl="0" eaLnBrk="1" fontAlgn="auto" latinLnBrk="0" hangingPunct="1">
+              <a:lnSpc>
+                <a:spcPct val="100000"/>
+              </a:lnSpc>
+              <a:spcBef>
+                <a:spcPts val="0"/>
+              </a:spcBef>
+              <a:spcAft>
+                <a:spcPts val="0"/>
+              </a:spcAft>
+              <a:buClrTx/>
+              <a:buSzTx/>
+              <a:buFontTx/>
+              <a:buNone/>
+              <a:tabLst/>
+              <a:defRPr/>
+            </a:pPr>
+            <a:r>
+              <a:rPr lang="en-US" sz="1200" kern="1200" dirty="0">
+                <a:solidFill>
+                  <a:schemeClr val="tx1"/>
+                </a:solidFill>
+                <a:effectLst/>
+                <a:latin typeface="+mn-lt"/>
+                <a:ea typeface="+mn-ea"/>
+                <a:cs typeface="+mn-cs"/>
+              </a:rPr>
+              <a:t>So here are the key takeaways from this talk.  Testing requires a thoughtful plan that works in the context of your project.  You should pick tests for their ability to quickly pinpoint the source of potential errors.  This includes both unit-level and integration tests.  It also includes tests that run as quick correctness checks and longer-</a:t>
+            </a:r>
+            <a:r>
+              <a:rPr lang="en-US" sz="1200" kern="1200" dirty="0" err="1">
+                <a:solidFill>
+                  <a:schemeClr val="tx1"/>
+                </a:solidFill>
+                <a:effectLst/>
+                <a:latin typeface="+mn-lt"/>
+                <a:ea typeface="+mn-ea"/>
+                <a:cs typeface="+mn-cs"/>
+              </a:rPr>
+              <a:t>runnning</a:t>
+            </a:r>
+            <a:r>
+              <a:rPr lang="en-US" sz="1200" kern="1200" dirty="0">
+                <a:solidFill>
+                  <a:schemeClr val="tx1"/>
+                </a:solidFill>
+                <a:effectLst/>
+                <a:latin typeface="+mn-lt"/>
+                <a:ea typeface="+mn-ea"/>
+                <a:cs typeface="+mn-cs"/>
+              </a:rPr>
+              <a:t> regression testing.  Finally, testing is part of a holistic validation strategy.  As you iterate on the science problem, the importance of features changes, and the implementations can move a lot.  Time and effort spent testing should move your project forward by providing stability where it's most critical.</a:t>
+            </a:r>
+          </a:p>
+        </p:txBody>
+      </p:sp>
+      <p:sp>
+        <p:nvSpPr>
+          <p:cNvPr id="4" name="Slide Number Placeholder 3"/>
+          <p:cNvSpPr>
+            <a:spLocks noGrp="1"/>
+          </p:cNvSpPr>
+          <p:nvPr>
+            <p:ph type="sldNum" sz="quarter" idx="5"/>
+          </p:nvPr>
+        </p:nvSpPr>
+        <p:spPr/>
+        <p:txBody>
+          <a:bodyPr/>
+          <a:lstStyle/>
+          <a:p>
+            <a:fld id="{54E672D7-8E2D-4611-973D-F4591A707C34}" type="slidenum">
+              <a:rPr lang="en-US" smtClean="0"/>
+              <a:t>13</a:t>
+            </a:fld>
+            <a:endParaRPr lang="en-US"/>
+          </a:p>
+        </p:txBody>
+      </p:sp>
+    </p:spTree>
+    <p:extLst>
+      <p:ext uri="{BB962C8B-B14F-4D97-AF65-F5344CB8AC3E}">
+        <p14:creationId xmlns:p14="http://schemas.microsoft.com/office/powerpoint/2010/main" val="2382867484"/>
+      </p:ext>
+    </p:extLst>
+  </p:cSld>
+  <p:clrMapOvr>
+    <a:masterClrMapping/>
+  </p:clrMapOvr>
+</p:notes>
+</file>
+
+<file path=ppt/notesSlides/notesSlide2.xml><?xml version="1.0" encoding="utf-8"?>
+<p:notes xmlns:a="http://schemas.openxmlformats.org/drawingml/2006/main" xmlns:r="http://schemas.openxmlformats.org/officeDocument/2006/relationships" xmlns:p="http://schemas.openxmlformats.org/presentationml/2006/main">
+  <p:cSld>
+    <p:spTree>
+      <p:nvGrpSpPr>
+        <p:cNvPr id="1" name=""/>
+        <p:cNvGrpSpPr/>
+        <p:nvPr/>
+      </p:nvGrpSpPr>
+      <p:grpSpPr>
+        <a:xfrm>
+          <a:off x="0" y="0"/>
+          <a:ext cx="0" cy="0"/>
+          <a:chOff x="0" y="0"/>
+          <a:chExt cx="0" cy="0"/>
+        </a:xfrm>
+      </p:grpSpPr>
+      <p:sp>
+        <p:nvSpPr>
+          <p:cNvPr id="2" name="Slide Image Placeholder 1"/>
+          <p:cNvSpPr>
+            <a:spLocks noGrp="1" noRot="1" noChangeAspect="1"/>
+          </p:cNvSpPr>
+          <p:nvPr>
+            <p:ph type="sldImg"/>
+          </p:nvPr>
+        </p:nvSpPr>
+        <p:spPr/>
+      </p:sp>
+      <p:sp>
+        <p:nvSpPr>
+          <p:cNvPr id="3" name="Notes Placeholder 2"/>
+          <p:cNvSpPr>
+            <a:spLocks noGrp="1"/>
+          </p:cNvSpPr>
+          <p:nvPr>
+            <p:ph type="body" idx="1"/>
+          </p:nvPr>
+        </p:nvSpPr>
+        <p:spPr/>
+        <p:txBody>
+          <a:bodyPr/>
+          <a:lstStyle/>
+          <a:p>
+            <a:r>
+              <a:rPr lang="en-US" sz="1200" kern="1200" dirty="0">
+                <a:solidFill>
+                  <a:schemeClr val="tx1"/>
+                </a:solidFill>
+                <a:effectLst/>
+                <a:latin typeface="+mn-lt"/>
+                <a:ea typeface="+mn-ea"/>
+                <a:cs typeface="+mn-cs"/>
+              </a:rPr>
+              <a:t>Let's think about this problem as "selecting the right tests."  Taking a step back, there are two 'levels' of tests (regression testing and CI-type tests), and there are multiple 'granularities' of tests (from unit to integration).  Computer scientists tend to gravitate towards tests that run quickly and check data structures, types, definitions, syntax, and error reporting.  These quick tests are great for a continuous integration suite.  Domain scientists tend to think of ways to compare program outputs to external </a:t>
+            </a:r>
+            <a:r>
+              <a:rPr lang="en-US" sz="1200" kern="1200" dirty="0" err="1">
+                <a:solidFill>
+                  <a:schemeClr val="tx1"/>
+                </a:solidFill>
+                <a:effectLst/>
+                <a:latin typeface="+mn-lt"/>
+                <a:ea typeface="+mn-ea"/>
+                <a:cs typeface="+mn-cs"/>
+              </a:rPr>
+              <a:t>mesures</a:t>
+            </a:r>
+            <a:r>
+              <a:rPr lang="en-US" sz="1200" kern="1200" dirty="0">
+                <a:solidFill>
+                  <a:schemeClr val="tx1"/>
+                </a:solidFill>
+                <a:effectLst/>
+                <a:latin typeface="+mn-lt"/>
+                <a:ea typeface="+mn-ea"/>
+                <a:cs typeface="+mn-cs"/>
+              </a:rPr>
+              <a:t> - like known solutions and example run cases.  These tests can be long-running, and need interpretation to understand what's going on.  Such tests are often better suited for regression testing - which can be set up to run on dedicated servers on a nightly or weekly schedule.</a:t>
+            </a:r>
+          </a:p>
+          <a:p>
+            <a:r>
+              <a:rPr lang="en-US" sz="1200" kern="1200" dirty="0">
+                <a:solidFill>
+                  <a:schemeClr val="tx1"/>
+                </a:solidFill>
+                <a:effectLst/>
+                <a:latin typeface="+mn-lt"/>
+                <a:ea typeface="+mn-ea"/>
+                <a:cs typeface="+mn-cs"/>
+              </a:rPr>
+              <a:t>Since testing is so broad, individual tests can also vary in complexity.  As a rule of thumb, complicated tests get -100 points.  Tests should be as simple as possible, and always provide information on what went wrong.  If a test can't help to diagnose an error condition, it's not a useful test.</a:t>
+            </a:r>
+          </a:p>
+        </p:txBody>
+      </p:sp>
+      <p:sp>
+        <p:nvSpPr>
+          <p:cNvPr id="4" name="Slide Number Placeholder 3"/>
+          <p:cNvSpPr>
+            <a:spLocks noGrp="1"/>
+          </p:cNvSpPr>
+          <p:nvPr>
+            <p:ph type="sldNum" sz="quarter" idx="5"/>
+          </p:nvPr>
+        </p:nvSpPr>
+        <p:spPr/>
+        <p:txBody>
+          <a:bodyPr/>
+          <a:lstStyle/>
+          <a:p>
+            <a:fld id="{54E672D7-8E2D-4611-973D-F4591A707C34}" type="slidenum">
+              <a:rPr lang="en-US" smtClean="0"/>
+              <a:t>3</a:t>
+            </a:fld>
+            <a:endParaRPr lang="en-US"/>
+          </a:p>
+        </p:txBody>
+      </p:sp>
+    </p:spTree>
+    <p:extLst>
+      <p:ext uri="{BB962C8B-B14F-4D97-AF65-F5344CB8AC3E}">
+        <p14:creationId xmlns:p14="http://schemas.microsoft.com/office/powerpoint/2010/main" val="2166488769"/>
+      </p:ext>
+    </p:extLst>
+  </p:cSld>
+  <p:clrMapOvr>
+    <a:masterClrMapping/>
+  </p:clrMapOvr>
+</p:notes>
+</file>
+
+<file path=ppt/notesSlides/notesSlide3.xml><?xml version="1.0" encoding="utf-8"?>
+<p:notes xmlns:a="http://schemas.openxmlformats.org/drawingml/2006/main" xmlns:r="http://schemas.openxmlformats.org/officeDocument/2006/relationships" xmlns:p="http://schemas.openxmlformats.org/presentationml/2006/main">
+  <p:cSld>
+    <p:spTree>
+      <p:nvGrpSpPr>
+        <p:cNvPr id="1" name=""/>
+        <p:cNvGrpSpPr/>
+        <p:nvPr/>
+      </p:nvGrpSpPr>
+      <p:grpSpPr>
+        <a:xfrm>
+          <a:off x="0" y="0"/>
+          <a:ext cx="0" cy="0"/>
+          <a:chOff x="0" y="0"/>
+          <a:chExt cx="0" cy="0"/>
+        </a:xfrm>
+      </p:grpSpPr>
+      <p:sp>
+        <p:nvSpPr>
+          <p:cNvPr id="2" name="Slide Image Placeholder 1"/>
+          <p:cNvSpPr>
+            <a:spLocks noGrp="1" noRot="1" noChangeAspect="1"/>
+          </p:cNvSpPr>
+          <p:nvPr>
+            <p:ph type="sldImg"/>
+          </p:nvPr>
+        </p:nvSpPr>
+        <p:spPr>
+          <a:xfrm>
+            <a:off x="407988" y="696913"/>
+            <a:ext cx="6194425" cy="3486150"/>
+          </a:xfrm>
+        </p:spPr>
+      </p:sp>
+      <p:sp>
+        <p:nvSpPr>
+          <p:cNvPr id="3" name="Notes Placeholder 2"/>
+          <p:cNvSpPr>
+            <a:spLocks noGrp="1"/>
+          </p:cNvSpPr>
+          <p:nvPr>
+            <p:ph type="body" idx="1"/>
+          </p:nvPr>
+        </p:nvSpPr>
+        <p:spPr/>
+        <p:txBody>
+          <a:bodyPr/>
+          <a:lstStyle/>
+          <a:p>
+            <a:r>
+              <a:rPr lang="en-US" sz="1200" kern="1200" dirty="0">
+                <a:solidFill>
+                  <a:schemeClr val="tx1"/>
+                </a:solidFill>
+                <a:effectLst/>
+                <a:latin typeface="+mn-lt"/>
+                <a:ea typeface="+mn-ea"/>
+                <a:cs typeface="+mn-cs"/>
+              </a:rPr>
+              <a:t>You might be tempted to get overly creative with test cases, or turn every possible scenario into a test.  This can be counterproductive.  Time spent on creating, maintaining, and interpreting tests takes team resources.  Ideally, tests are closely aligned with the science objectives.  Then the tests themselves provide baselines, and are motivating to create and maintain.  If testing goes too far away from that, it can distract the project away from achieving its next great features.</a:t>
+            </a:r>
+          </a:p>
+          <a:p>
+            <a:r>
+              <a:rPr lang="en-US" sz="1200" kern="1200" dirty="0">
+                <a:solidFill>
+                  <a:schemeClr val="tx1"/>
+                </a:solidFill>
+                <a:effectLst/>
+                <a:latin typeface="+mn-lt"/>
+                <a:ea typeface="+mn-ea"/>
+                <a:cs typeface="+mn-cs"/>
+              </a:rPr>
+              <a:t>On the other hand, if there is not enough testing, then defects in the code can slip through.  For example, users might assume the overlap region between processors is communicated correctly during a halo exchange.  If there's no test that tries this out with varying halo size, there's no way to know when that assumption breaks down.</a:t>
+            </a:r>
+          </a:p>
+          <a:p>
+            <a:r>
+              <a:rPr lang="en-US" sz="1200" kern="1200" dirty="0">
+                <a:solidFill>
+                  <a:schemeClr val="tx1"/>
+                </a:solidFill>
+                <a:effectLst/>
+                <a:latin typeface="+mn-lt"/>
+                <a:ea typeface="+mn-ea"/>
+                <a:cs typeface="+mn-cs"/>
+              </a:rPr>
+              <a:t>This line of thought leads to the idea of a team meeting focused specifically on creating a "testing plan".  The goal of such a meeting is to clearly map out the expected use of the code.  What parts of the code are critical to long-term stability?  Who on your team should be responsible for ensuring each piece works?  Are there additional difficulties coming from interacting modules?  How can these be reasonably addressed with example use cases?</a:t>
+            </a:r>
+          </a:p>
+        </p:txBody>
+      </p:sp>
+      <p:sp>
+        <p:nvSpPr>
+          <p:cNvPr id="4" name="Slide Number Placeholder 3"/>
+          <p:cNvSpPr>
+            <a:spLocks noGrp="1"/>
+          </p:cNvSpPr>
+          <p:nvPr>
+            <p:ph type="sldNum" sz="quarter" idx="10"/>
+          </p:nvPr>
+        </p:nvSpPr>
+        <p:spPr/>
+        <p:txBody>
+          <a:bodyPr/>
+          <a:lstStyle/>
+          <a:p>
+            <a:fld id="{A546EF7F-2180-5947-8246-D3E867E2B048}" type="slidenum">
+              <a:rPr lang="en-US" smtClean="0"/>
+              <a:t>4</a:t>
+            </a:fld>
+            <a:endParaRPr lang="en-US"/>
+          </a:p>
+        </p:txBody>
+      </p:sp>
+    </p:spTree>
+    <p:extLst>
+      <p:ext uri="{BB962C8B-B14F-4D97-AF65-F5344CB8AC3E}">
+        <p14:creationId xmlns:p14="http://schemas.microsoft.com/office/powerpoint/2010/main" val="3786772814"/>
+      </p:ext>
+    </p:extLst>
+  </p:cSld>
+  <p:clrMapOvr>
+    <a:masterClrMapping/>
+  </p:clrMapOvr>
+</p:notes>
+</file>
+
+<file path=ppt/notesSlides/notesSlide4.xml><?xml version="1.0" encoding="utf-8"?>
+<p:notes xmlns:a="http://schemas.openxmlformats.org/drawingml/2006/main" xmlns:r="http://schemas.openxmlformats.org/officeDocument/2006/relationships" xmlns:p="http://schemas.openxmlformats.org/presentationml/2006/main">
+  <p:cSld>
+    <p:spTree>
+      <p:nvGrpSpPr>
+        <p:cNvPr id="1" name=""/>
+        <p:cNvGrpSpPr/>
+        <p:nvPr/>
+      </p:nvGrpSpPr>
+      <p:grpSpPr>
+        <a:xfrm>
+          <a:off x="0" y="0"/>
+          <a:ext cx="0" cy="0"/>
+          <a:chOff x="0" y="0"/>
+          <a:chExt cx="0" cy="0"/>
+        </a:xfrm>
+      </p:grpSpPr>
+      <p:sp>
+        <p:nvSpPr>
+          <p:cNvPr id="2" name="Slide Image Placeholder 1"/>
+          <p:cNvSpPr>
+            <a:spLocks noGrp="1" noRot="1" noChangeAspect="1"/>
+          </p:cNvSpPr>
+          <p:nvPr>
+            <p:ph type="sldImg"/>
+          </p:nvPr>
+        </p:nvSpPr>
+        <p:spPr/>
+      </p:sp>
+      <p:sp>
+        <p:nvSpPr>
+          <p:cNvPr id="3" name="Notes Placeholder 2"/>
+          <p:cNvSpPr>
+            <a:spLocks noGrp="1"/>
+          </p:cNvSpPr>
+          <p:nvPr>
+            <p:ph type="body" idx="1"/>
+          </p:nvPr>
+        </p:nvSpPr>
+        <p:spPr/>
+        <p:txBody>
+          <a:bodyPr/>
+          <a:lstStyle/>
+          <a:p>
+            <a:pPr marL="0" marR="0" lvl="0" indent="0" algn="l" defTabSz="914400" rtl="0" eaLnBrk="1" fontAlgn="auto" latinLnBrk="0" hangingPunct="1">
+              <a:lnSpc>
+                <a:spcPct val="100000"/>
+              </a:lnSpc>
+              <a:spcBef>
+                <a:spcPts val="0"/>
+              </a:spcBef>
+              <a:spcAft>
+                <a:spcPts val="0"/>
+              </a:spcAft>
+              <a:buClrTx/>
+              <a:buSzTx/>
+              <a:buFontTx/>
+              <a:buNone/>
+              <a:tabLst/>
+              <a:defRPr/>
+            </a:pPr>
+            <a:r>
+              <a:rPr lang="en-US" sz="1200" kern="1200" dirty="0">
+                <a:solidFill>
+                  <a:schemeClr val="tx1"/>
+                </a:solidFill>
+                <a:effectLst/>
+                <a:latin typeface="+mn-lt"/>
+                <a:ea typeface="+mn-ea"/>
+                <a:cs typeface="+mn-cs"/>
+              </a:rPr>
+              <a:t>OK - now everyone is onboard with your testing plan, and your code is in a good place.  What happens next?  You can double-check your work using a code coverage tool.  You can create a policy on what to do with failed tests and issues marked as "bugs."  It helps to assign responsibility for the test suite - both so that things happen, and also so that you can recognize the hard work put in by that team member.  You should consider your test suite during </a:t>
+            </a:r>
+            <a:r>
+              <a:rPr lang="en-US" sz="1200" kern="1200" dirty="0" err="1">
+                <a:solidFill>
+                  <a:schemeClr val="tx1"/>
+                </a:solidFill>
+                <a:effectLst/>
+                <a:latin typeface="+mn-lt"/>
+                <a:ea typeface="+mn-ea"/>
+                <a:cs typeface="+mn-cs"/>
+              </a:rPr>
+              <a:t>refactorings</a:t>
+            </a:r>
+            <a:r>
+              <a:rPr lang="en-US" sz="1200" kern="1200" dirty="0">
+                <a:solidFill>
+                  <a:schemeClr val="tx1"/>
+                </a:solidFill>
+                <a:effectLst/>
+                <a:latin typeface="+mn-lt"/>
+                <a:ea typeface="+mn-ea"/>
+                <a:cs typeface="+mn-cs"/>
+              </a:rPr>
+              <a:t>, and use it for the code release process.  Cost-effectiveness comes in here because, if you already have defined functionalities and tests, then it's much less likely that your team will get side-tracked by maintaining fixes and patches for past releases.  That is a rabbit-hole nobody wants to go down.</a:t>
+            </a:r>
+          </a:p>
+        </p:txBody>
+      </p:sp>
+      <p:sp>
+        <p:nvSpPr>
+          <p:cNvPr id="4" name="Slide Number Placeholder 3"/>
+          <p:cNvSpPr>
+            <a:spLocks noGrp="1"/>
+          </p:cNvSpPr>
+          <p:nvPr>
+            <p:ph type="sldNum" sz="quarter" idx="5"/>
+          </p:nvPr>
+        </p:nvSpPr>
+        <p:spPr/>
+        <p:txBody>
+          <a:bodyPr/>
+          <a:lstStyle/>
+          <a:p>
+            <a:fld id="{54E672D7-8E2D-4611-973D-F4591A707C34}" type="slidenum">
+              <a:rPr lang="en-US" smtClean="0"/>
+              <a:t>5</a:t>
+            </a:fld>
+            <a:endParaRPr lang="en-US"/>
+          </a:p>
+        </p:txBody>
+      </p:sp>
+    </p:spTree>
+    <p:extLst>
+      <p:ext uri="{BB962C8B-B14F-4D97-AF65-F5344CB8AC3E}">
+        <p14:creationId xmlns:p14="http://schemas.microsoft.com/office/powerpoint/2010/main" val="4240883905"/>
+      </p:ext>
+    </p:extLst>
+  </p:cSld>
+  <p:clrMapOvr>
+    <a:masterClrMapping/>
+  </p:clrMapOvr>
+</p:notes>
+</file>
+
+<file path=ppt/notesSlides/notesSlide5.xml><?xml version="1.0" encoding="utf-8"?>
+<p:notes xmlns:a="http://schemas.openxmlformats.org/drawingml/2006/main" xmlns:r="http://schemas.openxmlformats.org/officeDocument/2006/relationships" xmlns:p="http://schemas.openxmlformats.org/presentationml/2006/main">
+  <p:cSld>
+    <p:spTree>
+      <p:nvGrpSpPr>
+        <p:cNvPr id="1" name=""/>
+        <p:cNvGrpSpPr/>
+        <p:nvPr/>
+      </p:nvGrpSpPr>
+      <p:grpSpPr>
+        <a:xfrm>
+          <a:off x="0" y="0"/>
+          <a:ext cx="0" cy="0"/>
+          <a:chOff x="0" y="0"/>
+          <a:chExt cx="0" cy="0"/>
+        </a:xfrm>
+      </p:grpSpPr>
+      <p:sp>
+        <p:nvSpPr>
+          <p:cNvPr id="2" name="Slide Image Placeholder 1"/>
+          <p:cNvSpPr>
+            <a:spLocks noGrp="1" noRot="1" noChangeAspect="1"/>
+          </p:cNvSpPr>
+          <p:nvPr>
+            <p:ph type="sldImg"/>
+          </p:nvPr>
+        </p:nvSpPr>
+        <p:spPr/>
+      </p:sp>
+      <p:sp>
+        <p:nvSpPr>
+          <p:cNvPr id="3" name="Notes Placeholder 2"/>
+          <p:cNvSpPr>
+            <a:spLocks noGrp="1"/>
+          </p:cNvSpPr>
+          <p:nvPr>
+            <p:ph type="body" idx="1"/>
+          </p:nvPr>
+        </p:nvSpPr>
+        <p:spPr/>
+        <p:txBody>
+          <a:bodyPr/>
+          <a:lstStyle/>
+          <a:p>
+            <a:pPr marL="0" marR="0" lvl="0" indent="0" algn="l" defTabSz="914400" rtl="0" eaLnBrk="1" fontAlgn="auto" latinLnBrk="0" hangingPunct="1">
+              <a:lnSpc>
+                <a:spcPct val="100000"/>
+              </a:lnSpc>
+              <a:spcBef>
+                <a:spcPts val="0"/>
+              </a:spcBef>
+              <a:spcAft>
+                <a:spcPts val="0"/>
+              </a:spcAft>
+              <a:buClrTx/>
+              <a:buSzTx/>
+              <a:buFontTx/>
+              <a:buNone/>
+              <a:tabLst/>
+              <a:defRPr/>
+            </a:pPr>
+            <a:r>
+              <a:rPr lang="en-US" sz="1200" kern="1200" dirty="0">
+                <a:solidFill>
+                  <a:schemeClr val="tx1"/>
+                </a:solidFill>
+                <a:effectLst/>
+                <a:latin typeface="+mn-lt"/>
+                <a:ea typeface="+mn-ea"/>
+                <a:cs typeface="+mn-cs"/>
+              </a:rPr>
+              <a:t>With those general guidelines in mind, let's get down to some specific examples from the collected experiences of our team members.  Many of these come from </a:t>
+            </a:r>
+            <a:r>
+              <a:rPr lang="en-US" sz="1200" kern="1200" dirty="0" err="1">
+                <a:solidFill>
+                  <a:schemeClr val="tx1"/>
+                </a:solidFill>
+                <a:effectLst/>
+                <a:latin typeface="+mn-lt"/>
+                <a:ea typeface="+mn-ea"/>
+                <a:cs typeface="+mn-cs"/>
+              </a:rPr>
+              <a:t>Anshu</a:t>
+            </a:r>
+            <a:r>
+              <a:rPr lang="en-US" sz="1200" kern="1200" dirty="0">
+                <a:solidFill>
+                  <a:schemeClr val="tx1"/>
+                </a:solidFill>
+                <a:effectLst/>
+                <a:latin typeface="+mn-lt"/>
+                <a:ea typeface="+mn-ea"/>
+                <a:cs typeface="+mn-cs"/>
+              </a:rPr>
+              <a:t> Dubey's work with the E3SM and Flash codes.  Example 1 is an ideal case.  You're developing a new code, and develop your diagnostics as your developing the code itself.  Taking the extra time to harden those diagnostics into a test suite will save you headaches later.  You'll likely have a lot of comparisons against known, expected solutions.  You should try and make things as granular as possible, though.  The scaffolding idea, discussed next, finds a way to "build up" a program, testing each new piece.  Remember to inject errors, so that you know your code will discover </a:t>
+            </a:r>
+            <a:r>
+              <a:rPr lang="en-US" sz="1200" kern="1200" dirty="0" err="1">
+                <a:solidFill>
+                  <a:schemeClr val="tx1"/>
+                </a:solidFill>
+                <a:effectLst/>
+                <a:latin typeface="+mn-lt"/>
+                <a:ea typeface="+mn-ea"/>
+                <a:cs typeface="+mn-cs"/>
+              </a:rPr>
+              <a:t>erroroneous</a:t>
+            </a:r>
+            <a:r>
+              <a:rPr lang="en-US" sz="1200" kern="1200" dirty="0">
+                <a:solidFill>
+                  <a:schemeClr val="tx1"/>
+                </a:solidFill>
+                <a:effectLst/>
+                <a:latin typeface="+mn-lt"/>
+                <a:ea typeface="+mn-ea"/>
+                <a:cs typeface="+mn-cs"/>
+              </a:rPr>
+              <a:t> input correctly.  As the package gets more complex, it's non-trivial to devise good tests.  Nevertheless, good tests are extremely important.</a:t>
+            </a:r>
+          </a:p>
+        </p:txBody>
+      </p:sp>
+      <p:sp>
+        <p:nvSpPr>
+          <p:cNvPr id="4" name="Slide Number Placeholder 3"/>
+          <p:cNvSpPr>
+            <a:spLocks noGrp="1"/>
+          </p:cNvSpPr>
+          <p:nvPr>
+            <p:ph type="sldNum" sz="quarter" idx="5"/>
+          </p:nvPr>
+        </p:nvSpPr>
+        <p:spPr/>
+        <p:txBody>
+          <a:bodyPr/>
+          <a:lstStyle/>
+          <a:p>
+            <a:fld id="{54E672D7-8E2D-4611-973D-F4591A707C34}" type="slidenum">
+              <a:rPr lang="en-US" smtClean="0"/>
+              <a:t>6</a:t>
+            </a:fld>
+            <a:endParaRPr lang="en-US"/>
+          </a:p>
+        </p:txBody>
+      </p:sp>
+    </p:spTree>
+    <p:extLst>
+      <p:ext uri="{BB962C8B-B14F-4D97-AF65-F5344CB8AC3E}">
+        <p14:creationId xmlns:p14="http://schemas.microsoft.com/office/powerpoint/2010/main" val="1900866051"/>
+      </p:ext>
+    </p:extLst>
+  </p:cSld>
+  <p:clrMapOvr>
+    <a:masterClrMapping/>
+  </p:clrMapOvr>
+</p:notes>
+</file>
+
+<file path=ppt/notesSlides/notesSlide6.xml><?xml version="1.0" encoding="utf-8"?>
+<p:notes xmlns:a="http://schemas.openxmlformats.org/drawingml/2006/main" xmlns:r="http://schemas.openxmlformats.org/officeDocument/2006/relationships" xmlns:p="http://schemas.openxmlformats.org/presentationml/2006/main">
+  <p:cSld>
+    <p:spTree>
+      <p:nvGrpSpPr>
+        <p:cNvPr id="1" name=""/>
+        <p:cNvGrpSpPr/>
+        <p:nvPr/>
+      </p:nvGrpSpPr>
+      <p:grpSpPr>
+        <a:xfrm>
+          <a:off x="0" y="0"/>
+          <a:ext cx="0" cy="0"/>
+          <a:chOff x="0" y="0"/>
+          <a:chExt cx="0" cy="0"/>
+        </a:xfrm>
+      </p:grpSpPr>
+      <p:sp>
+        <p:nvSpPr>
+          <p:cNvPr id="2" name="Slide Image Placeholder 1"/>
+          <p:cNvSpPr>
+            <a:spLocks noGrp="1" noRot="1" noChangeAspect="1"/>
+          </p:cNvSpPr>
+          <p:nvPr>
+            <p:ph type="sldImg"/>
+          </p:nvPr>
+        </p:nvSpPr>
+        <p:spPr/>
+      </p:sp>
+      <p:sp>
+        <p:nvSpPr>
+          <p:cNvPr id="3" name="Notes Placeholder 2"/>
+          <p:cNvSpPr>
+            <a:spLocks noGrp="1"/>
+          </p:cNvSpPr>
+          <p:nvPr>
+            <p:ph type="body" idx="1"/>
+          </p:nvPr>
+        </p:nvSpPr>
+        <p:spPr/>
+        <p:txBody>
+          <a:bodyPr/>
+          <a:lstStyle/>
+          <a:p>
+            <a:r>
+              <a:rPr lang="en-US" sz="1200" kern="1200" dirty="0">
+                <a:solidFill>
+                  <a:schemeClr val="tx1"/>
+                </a:solidFill>
+                <a:effectLst/>
+                <a:latin typeface="+mn-lt"/>
+                <a:ea typeface="+mn-ea"/>
+                <a:cs typeface="+mn-cs"/>
+              </a:rPr>
+              <a:t>Here's an example from the E3SM code, the </a:t>
+            </a:r>
+            <a:r>
+              <a:rPr lang="en-US" sz="1200" kern="1200" dirty="0" err="1">
+                <a:solidFill>
+                  <a:schemeClr val="tx1"/>
+                </a:solidFill>
+                <a:effectLst/>
+                <a:latin typeface="+mn-lt"/>
+                <a:ea typeface="+mn-ea"/>
+                <a:cs typeface="+mn-cs"/>
+              </a:rPr>
+              <a:t>Exascale</a:t>
+            </a:r>
+            <a:r>
+              <a:rPr lang="en-US" sz="1200" kern="1200" dirty="0">
+                <a:solidFill>
+                  <a:schemeClr val="tx1"/>
+                </a:solidFill>
+                <a:effectLst/>
+                <a:latin typeface="+mn-lt"/>
+                <a:ea typeface="+mn-ea"/>
+                <a:cs typeface="+mn-cs"/>
+              </a:rPr>
+              <a:t> Earth System Model.  Although advanced now, it originated in a combination of Fortran codes dealing with various aspects of climate modeling.  As a combination of many modules, it was difficult to create an overall testing strategy.</a:t>
+            </a:r>
+          </a:p>
+          <a:p>
+            <a:r>
+              <a:rPr lang="en-US" sz="1200" kern="1200" dirty="0">
+                <a:solidFill>
+                  <a:schemeClr val="tx1"/>
+                </a:solidFill>
+                <a:effectLst/>
+                <a:latin typeface="+mn-lt"/>
+                <a:ea typeface="+mn-ea"/>
+                <a:cs typeface="+mn-cs"/>
+              </a:rPr>
+              <a:t>a) Separate a unit.</a:t>
+            </a:r>
+          </a:p>
+          <a:p>
+            <a:r>
+              <a:rPr lang="en-US" sz="1200" kern="1200" dirty="0">
+                <a:solidFill>
+                  <a:schemeClr val="tx1"/>
+                </a:solidFill>
+                <a:effectLst/>
+                <a:latin typeface="+mn-lt"/>
+                <a:ea typeface="+mn-ea"/>
+                <a:cs typeface="+mn-cs"/>
+              </a:rPr>
+              <a:t>b) Capture the state of the program inputting to that unit.</a:t>
+            </a:r>
+          </a:p>
+          <a:p>
+            <a:r>
+              <a:rPr lang="en-US" sz="1200" kern="1200" dirty="0">
+                <a:solidFill>
+                  <a:schemeClr val="tx1"/>
+                </a:solidFill>
+                <a:effectLst/>
+                <a:latin typeface="+mn-lt"/>
+                <a:ea typeface="+mn-ea"/>
+                <a:cs typeface="+mn-cs"/>
+              </a:rPr>
+              <a:t>c) Create a test driver to load the state and exercise the unit.</a:t>
+            </a:r>
+          </a:p>
+          <a:p>
+            <a:r>
+              <a:rPr lang="en-US" sz="1200" kern="1200" dirty="0">
+                <a:solidFill>
+                  <a:schemeClr val="tx1"/>
+                </a:solidFill>
+                <a:effectLst/>
+                <a:latin typeface="+mn-lt"/>
+                <a:ea typeface="+mn-ea"/>
+                <a:cs typeface="+mn-cs"/>
+              </a:rPr>
+              <a:t>d) If extra functions from the code were accessed, these were </a:t>
+            </a:r>
+            <a:r>
+              <a:rPr lang="en-US" sz="1200" kern="1200" dirty="0" err="1">
+                <a:solidFill>
+                  <a:schemeClr val="tx1"/>
+                </a:solidFill>
+                <a:effectLst/>
+                <a:latin typeface="+mn-lt"/>
+                <a:ea typeface="+mn-ea"/>
+                <a:cs typeface="+mn-cs"/>
+              </a:rPr>
+              <a:t>sym</a:t>
+            </a:r>
+            <a:r>
+              <a:rPr lang="en-US" sz="1200" kern="1200" dirty="0">
+                <a:solidFill>
+                  <a:schemeClr val="tx1"/>
+                </a:solidFill>
+                <a:effectLst/>
+                <a:latin typeface="+mn-lt"/>
+                <a:ea typeface="+mn-ea"/>
+                <a:cs typeface="+mn-cs"/>
+              </a:rPr>
+              <a:t>-linked into the test directory.  Here, the branch at the right represents some helper functions that can be imported easily.</a:t>
+            </a:r>
+          </a:p>
+          <a:p>
+            <a:r>
+              <a:rPr lang="en-US" sz="1200" kern="1200" dirty="0">
+                <a:solidFill>
+                  <a:schemeClr val="tx1"/>
+                </a:solidFill>
+                <a:effectLst/>
+                <a:latin typeface="+mn-lt"/>
+                <a:ea typeface="+mn-ea"/>
+                <a:cs typeface="+mn-cs"/>
+              </a:rPr>
+              <a:t>e) That doesn't always work.  The red dot represents a module with lots of dependencies - not needed for this test.  In these cases, the module was modified to remove unnecessary dependencies.</a:t>
+            </a:r>
+          </a:p>
+          <a:p>
+            <a:r>
+              <a:rPr lang="en-US" sz="1200" kern="1200" dirty="0">
+                <a:solidFill>
+                  <a:schemeClr val="tx1"/>
+                </a:solidFill>
+                <a:effectLst/>
+                <a:latin typeface="+mn-lt"/>
+                <a:ea typeface="+mn-ea"/>
+                <a:cs typeface="+mn-cs"/>
+              </a:rPr>
+              <a:t>f) With all the code dependencies sorted out, the test driver itself becomes an isolated unit.  For this example, the original test took hours to run through the batch queue of a cluster.  The new unit test ran in 20 seconds on a developer's laptop.</a:t>
+            </a:r>
+          </a:p>
+        </p:txBody>
+      </p:sp>
+      <p:sp>
+        <p:nvSpPr>
+          <p:cNvPr id="4" name="Slide Number Placeholder 3"/>
+          <p:cNvSpPr>
+            <a:spLocks noGrp="1"/>
+          </p:cNvSpPr>
+          <p:nvPr>
+            <p:ph type="sldNum" sz="quarter" idx="5"/>
+          </p:nvPr>
+        </p:nvSpPr>
+        <p:spPr/>
+        <p:txBody>
+          <a:bodyPr/>
+          <a:lstStyle/>
+          <a:p>
+            <a:fld id="{54E672D7-8E2D-4611-973D-F4591A707C34}" type="slidenum">
+              <a:rPr lang="en-US" smtClean="0"/>
+              <a:t>7</a:t>
+            </a:fld>
+            <a:endParaRPr lang="en-US"/>
+          </a:p>
+        </p:txBody>
+      </p:sp>
+    </p:spTree>
+    <p:extLst>
+      <p:ext uri="{BB962C8B-B14F-4D97-AF65-F5344CB8AC3E}">
+        <p14:creationId xmlns:p14="http://schemas.microsoft.com/office/powerpoint/2010/main" val="4128517335"/>
+      </p:ext>
+    </p:extLst>
+  </p:cSld>
+  <p:clrMapOvr>
+    <a:masterClrMapping/>
+  </p:clrMapOvr>
+</p:notes>
+</file>
+
+<file path=ppt/notesSlides/notesSlide7.xml><?xml version="1.0" encoding="utf-8"?>
+<p:notes xmlns:a="http://schemas.openxmlformats.org/drawingml/2006/main" xmlns:r="http://schemas.openxmlformats.org/officeDocument/2006/relationships" xmlns:p="http://schemas.openxmlformats.org/presentationml/2006/main">
+  <p:cSld>
+    <p:spTree>
+      <p:nvGrpSpPr>
+        <p:cNvPr id="1" name=""/>
+        <p:cNvGrpSpPr/>
+        <p:nvPr/>
+      </p:nvGrpSpPr>
+      <p:grpSpPr>
+        <a:xfrm>
+          <a:off x="0" y="0"/>
+          <a:ext cx="0" cy="0"/>
+          <a:chOff x="0" y="0"/>
+          <a:chExt cx="0" cy="0"/>
+        </a:xfrm>
+      </p:grpSpPr>
+      <p:sp>
+        <p:nvSpPr>
+          <p:cNvPr id="2" name="Slide Image Placeholder 1"/>
+          <p:cNvSpPr>
+            <a:spLocks noGrp="1" noRot="1" noChangeAspect="1"/>
+          </p:cNvSpPr>
+          <p:nvPr>
+            <p:ph type="sldImg"/>
+          </p:nvPr>
+        </p:nvSpPr>
+        <p:spPr/>
+      </p:sp>
+      <p:sp>
+        <p:nvSpPr>
+          <p:cNvPr id="3" name="Notes Placeholder 2"/>
+          <p:cNvSpPr>
+            <a:spLocks noGrp="1"/>
+          </p:cNvSpPr>
+          <p:nvPr>
+            <p:ph type="body" idx="1"/>
+          </p:nvPr>
+        </p:nvSpPr>
+        <p:spPr/>
+        <p:txBody>
+          <a:bodyPr/>
+          <a:lstStyle/>
+          <a:p>
+            <a:pPr marL="0" marR="0" lvl="0" indent="0" algn="l" defTabSz="914400" rtl="0" eaLnBrk="1" fontAlgn="auto" latinLnBrk="0" hangingPunct="1">
+              <a:lnSpc>
+                <a:spcPct val="100000"/>
+              </a:lnSpc>
+              <a:spcBef>
+                <a:spcPts val="0"/>
+              </a:spcBef>
+              <a:spcAft>
+                <a:spcPts val="0"/>
+              </a:spcAft>
+              <a:buClrTx/>
+              <a:buSzTx/>
+              <a:buFontTx/>
+              <a:buNone/>
+              <a:tabLst/>
+              <a:defRPr/>
+            </a:pPr>
+            <a:r>
+              <a:rPr lang="en-US" sz="1200" kern="1200" dirty="0">
+                <a:solidFill>
+                  <a:schemeClr val="tx1"/>
+                </a:solidFill>
+                <a:effectLst/>
+                <a:latin typeface="+mn-lt"/>
+                <a:ea typeface="+mn-ea"/>
+                <a:cs typeface="+mn-cs"/>
+              </a:rPr>
+              <a:t>This third example comes from the FLASH code, which simulates particles and fields in astrophysics, like exploding stars.  Here, the unit-testing framework was developed as a series of layers that build up from basic to advanced functionality.  For example, the cell grid can be tested by creating "fake" functions to put onto the grid, and verifying their behavior.  This mocked dependency means that the test looks directly at the cell grid implementation.  After checking the cell grid works, we are free to use it as a real dependency in subsequent tests of more complicated objects.</a:t>
+            </a:r>
+          </a:p>
+        </p:txBody>
+      </p:sp>
+      <p:sp>
+        <p:nvSpPr>
+          <p:cNvPr id="4" name="Slide Number Placeholder 3"/>
+          <p:cNvSpPr>
+            <a:spLocks noGrp="1"/>
+          </p:cNvSpPr>
+          <p:nvPr>
+            <p:ph type="sldNum" sz="quarter" idx="5"/>
+          </p:nvPr>
+        </p:nvSpPr>
+        <p:spPr/>
+        <p:txBody>
+          <a:bodyPr/>
+          <a:lstStyle/>
+          <a:p>
+            <a:fld id="{54E672D7-8E2D-4611-973D-F4591A707C34}" type="slidenum">
+              <a:rPr lang="en-US" smtClean="0"/>
+              <a:t>8</a:t>
+            </a:fld>
+            <a:endParaRPr lang="en-US"/>
+          </a:p>
+        </p:txBody>
+      </p:sp>
+    </p:spTree>
+    <p:extLst>
+      <p:ext uri="{BB962C8B-B14F-4D97-AF65-F5344CB8AC3E}">
+        <p14:creationId xmlns:p14="http://schemas.microsoft.com/office/powerpoint/2010/main" val="2943802418"/>
+      </p:ext>
+    </p:extLst>
+  </p:cSld>
+  <p:clrMapOvr>
+    <a:masterClrMapping/>
+  </p:clrMapOvr>
+</p:notes>
+</file>
+
+<file path=ppt/notesSlides/notesSlide8.xml><?xml version="1.0" encoding="utf-8"?>
+<p:notes xmlns:a="http://schemas.openxmlformats.org/drawingml/2006/main" xmlns:r="http://schemas.openxmlformats.org/officeDocument/2006/relationships" xmlns:p="http://schemas.openxmlformats.org/presentationml/2006/main">
+  <p:cSld>
+    <p:spTree>
+      <p:nvGrpSpPr>
+        <p:cNvPr id="1" name=""/>
+        <p:cNvGrpSpPr/>
+        <p:nvPr/>
+      </p:nvGrpSpPr>
+      <p:grpSpPr>
+        <a:xfrm>
+          <a:off x="0" y="0"/>
+          <a:ext cx="0" cy="0"/>
+          <a:chOff x="0" y="0"/>
+          <a:chExt cx="0" cy="0"/>
+        </a:xfrm>
+      </p:grpSpPr>
+      <p:sp>
+        <p:nvSpPr>
+          <p:cNvPr id="2" name="Slide Image Placeholder 1"/>
+          <p:cNvSpPr>
+            <a:spLocks noGrp="1" noRot="1" noChangeAspect="1"/>
+          </p:cNvSpPr>
+          <p:nvPr>
+            <p:ph type="sldImg"/>
+          </p:nvPr>
+        </p:nvSpPr>
+        <p:spPr/>
+      </p:sp>
+      <p:sp>
+        <p:nvSpPr>
+          <p:cNvPr id="3" name="Notes Placeholder 2"/>
+          <p:cNvSpPr>
+            <a:spLocks noGrp="1"/>
+          </p:cNvSpPr>
+          <p:nvPr>
+            <p:ph type="body" idx="1"/>
+          </p:nvPr>
+        </p:nvSpPr>
+        <p:spPr/>
+        <p:txBody>
+          <a:bodyPr/>
+          <a:lstStyle/>
+          <a:p>
+            <a:pPr marL="0" marR="0" lvl="0" indent="0" algn="l" defTabSz="914400" rtl="0" eaLnBrk="1" fontAlgn="auto" latinLnBrk="0" hangingPunct="1">
+              <a:lnSpc>
+                <a:spcPct val="100000"/>
+              </a:lnSpc>
+              <a:spcBef>
+                <a:spcPts val="0"/>
+              </a:spcBef>
+              <a:spcAft>
+                <a:spcPts val="0"/>
+              </a:spcAft>
+              <a:buClrTx/>
+              <a:buSzTx/>
+              <a:buFontTx/>
+              <a:buNone/>
+              <a:tabLst/>
+              <a:defRPr/>
+            </a:pPr>
+            <a:r>
+              <a:rPr lang="en-US" sz="1200" kern="1200" dirty="0">
+                <a:solidFill>
+                  <a:schemeClr val="tx1"/>
+                </a:solidFill>
+                <a:effectLst/>
+                <a:latin typeface="+mn-lt"/>
+                <a:ea typeface="+mn-ea"/>
+                <a:cs typeface="+mn-cs"/>
+              </a:rPr>
+              <a:t>Here's another example of </a:t>
+            </a:r>
+            <a:r>
+              <a:rPr lang="en-US" sz="1200" kern="1200" dirty="0" err="1">
+                <a:solidFill>
+                  <a:schemeClr val="tx1"/>
+                </a:solidFill>
+                <a:effectLst/>
+                <a:latin typeface="+mn-lt"/>
+                <a:ea typeface="+mn-ea"/>
+                <a:cs typeface="+mn-cs"/>
+              </a:rPr>
+              <a:t>veryifying</a:t>
+            </a:r>
+            <a:r>
+              <a:rPr lang="en-US" sz="1200" kern="1200" dirty="0">
+                <a:solidFill>
+                  <a:schemeClr val="tx1"/>
+                </a:solidFill>
+                <a:effectLst/>
+                <a:latin typeface="+mn-lt"/>
+                <a:ea typeface="+mn-ea"/>
+                <a:cs typeface="+mn-cs"/>
+              </a:rPr>
+              <a:t> the halo exchange on a cell grid.  The test initializes interior cells with a known function, does the halo exchange, and checks whether the guard cell has been properly copied over.  Similarly, a unit test can be written to verify parts of the computations - like computing energy from pressure and temperature.</a:t>
+            </a:r>
+          </a:p>
+        </p:txBody>
+      </p:sp>
+      <p:sp>
+        <p:nvSpPr>
+          <p:cNvPr id="4" name="Slide Number Placeholder 3"/>
+          <p:cNvSpPr>
+            <a:spLocks noGrp="1"/>
+          </p:cNvSpPr>
+          <p:nvPr>
+            <p:ph type="sldNum" sz="quarter" idx="5"/>
+          </p:nvPr>
+        </p:nvSpPr>
+        <p:spPr/>
+        <p:txBody>
+          <a:bodyPr/>
+          <a:lstStyle/>
+          <a:p>
+            <a:fld id="{54E672D7-8E2D-4611-973D-F4591A707C34}" type="slidenum">
+              <a:rPr lang="en-US" smtClean="0"/>
+              <a:t>9</a:t>
+            </a:fld>
+            <a:endParaRPr lang="en-US"/>
+          </a:p>
+        </p:txBody>
+      </p:sp>
+    </p:spTree>
+    <p:extLst>
+      <p:ext uri="{BB962C8B-B14F-4D97-AF65-F5344CB8AC3E}">
+        <p14:creationId xmlns:p14="http://schemas.microsoft.com/office/powerpoint/2010/main" val="2514086208"/>
+      </p:ext>
+    </p:extLst>
+  </p:cSld>
+  <p:clrMapOvr>
+    <a:masterClrMapping/>
+  </p:clrMapOvr>
+</p:notes>
+</file>
+
+<file path=ppt/notesSlides/notesSlide9.xml><?xml version="1.0" encoding="utf-8"?>
+<p:notes xmlns:a="http://schemas.openxmlformats.org/drawingml/2006/main" xmlns:r="http://schemas.openxmlformats.org/officeDocument/2006/relationships" xmlns:p="http://schemas.openxmlformats.org/presentationml/2006/main">
+  <p:cSld>
+    <p:spTree>
+      <p:nvGrpSpPr>
+        <p:cNvPr id="1" name=""/>
+        <p:cNvGrpSpPr/>
+        <p:nvPr/>
+      </p:nvGrpSpPr>
+      <p:grpSpPr>
+        <a:xfrm>
+          <a:off x="0" y="0"/>
+          <a:ext cx="0" cy="0"/>
+          <a:chOff x="0" y="0"/>
+          <a:chExt cx="0" cy="0"/>
+        </a:xfrm>
+      </p:grpSpPr>
+      <p:sp>
+        <p:nvSpPr>
+          <p:cNvPr id="2" name="Slide Image Placeholder 1"/>
+          <p:cNvSpPr>
+            <a:spLocks noGrp="1" noRot="1" noChangeAspect="1"/>
+          </p:cNvSpPr>
+          <p:nvPr>
+            <p:ph type="sldImg"/>
+          </p:nvPr>
+        </p:nvSpPr>
+        <p:spPr/>
+      </p:sp>
+      <p:sp>
+        <p:nvSpPr>
+          <p:cNvPr id="3" name="Notes Placeholder 2"/>
+          <p:cNvSpPr>
+            <a:spLocks noGrp="1"/>
+          </p:cNvSpPr>
+          <p:nvPr>
+            <p:ph type="body" idx="1"/>
+          </p:nvPr>
+        </p:nvSpPr>
+        <p:spPr/>
+        <p:txBody>
+          <a:bodyPr/>
+          <a:lstStyle/>
+          <a:p>
+            <a:pPr marL="0" marR="0" lvl="0" indent="0" algn="l" defTabSz="914400" rtl="0" eaLnBrk="1" fontAlgn="auto" latinLnBrk="0" hangingPunct="1">
+              <a:lnSpc>
+                <a:spcPct val="100000"/>
+              </a:lnSpc>
+              <a:spcBef>
+                <a:spcPts val="0"/>
+              </a:spcBef>
+              <a:spcAft>
+                <a:spcPts val="0"/>
+              </a:spcAft>
+              <a:buClrTx/>
+              <a:buSzTx/>
+              <a:buFontTx/>
+              <a:buNone/>
+              <a:tabLst/>
+              <a:defRPr/>
+            </a:pPr>
+            <a:r>
+              <a:rPr lang="en-US" sz="1200" kern="1200" dirty="0">
+                <a:solidFill>
+                  <a:schemeClr val="tx1"/>
+                </a:solidFill>
+                <a:effectLst/>
+                <a:latin typeface="+mn-lt"/>
+                <a:ea typeface="+mn-ea"/>
+                <a:cs typeface="+mn-cs"/>
+              </a:rPr>
+              <a:t>Once those basic unit tests are done, we can create a unit test at the next level.  Here, the </a:t>
+            </a:r>
+            <a:r>
+              <a:rPr lang="en-US" sz="1200" kern="1200" dirty="0" err="1">
+                <a:solidFill>
+                  <a:schemeClr val="tx1"/>
+                </a:solidFill>
+                <a:effectLst/>
+                <a:latin typeface="+mn-lt"/>
+                <a:ea typeface="+mn-ea"/>
+                <a:cs typeface="+mn-cs"/>
+              </a:rPr>
+              <a:t>Sedov</a:t>
+            </a:r>
+            <a:r>
+              <a:rPr lang="en-US" sz="1200" kern="1200" dirty="0">
+                <a:solidFill>
+                  <a:schemeClr val="tx1"/>
+                </a:solidFill>
+                <a:effectLst/>
+                <a:latin typeface="+mn-lt"/>
+                <a:ea typeface="+mn-ea"/>
+                <a:cs typeface="+mn-cs"/>
+              </a:rPr>
+              <a:t> blast wave is simulated using the cell grid and equation of state previously tested.  The </a:t>
+            </a:r>
+            <a:r>
+              <a:rPr lang="en-US" sz="1200" kern="1200" dirty="0" err="1">
+                <a:solidFill>
+                  <a:schemeClr val="tx1"/>
+                </a:solidFill>
+                <a:effectLst/>
+                <a:latin typeface="+mn-lt"/>
+                <a:ea typeface="+mn-ea"/>
+                <a:cs typeface="+mn-cs"/>
+              </a:rPr>
+              <a:t>Sedov</a:t>
+            </a:r>
+            <a:r>
+              <a:rPr lang="en-US" sz="1200" kern="1200" dirty="0">
+                <a:solidFill>
+                  <a:schemeClr val="tx1"/>
+                </a:solidFill>
+                <a:effectLst/>
+                <a:latin typeface="+mn-lt"/>
+                <a:ea typeface="+mn-ea"/>
+                <a:cs typeface="+mn-cs"/>
+              </a:rPr>
+              <a:t> wave has a known analytical solution, which provides an error estimate for the implementation.  Out-of-tolerance errors at this stage indicate a problem specific to hydrodynamics, since the cells and equation of state are already tested.  In addition, plotting errors vs. space and time helps to train graduate students.</a:t>
+            </a:r>
+          </a:p>
+        </p:txBody>
+      </p:sp>
+      <p:sp>
+        <p:nvSpPr>
+          <p:cNvPr id="4" name="Slide Number Placeholder 3"/>
+          <p:cNvSpPr>
+            <a:spLocks noGrp="1"/>
+          </p:cNvSpPr>
+          <p:nvPr>
+            <p:ph type="sldNum" sz="quarter" idx="5"/>
+          </p:nvPr>
+        </p:nvSpPr>
+        <p:spPr/>
+        <p:txBody>
+          <a:bodyPr/>
+          <a:lstStyle/>
+          <a:p>
+            <a:fld id="{54E672D7-8E2D-4611-973D-F4591A707C34}" type="slidenum">
+              <a:rPr lang="en-US" smtClean="0"/>
+              <a:t>10</a:t>
+            </a:fld>
+            <a:endParaRPr lang="en-US"/>
+          </a:p>
+        </p:txBody>
+      </p:sp>
+    </p:spTree>
+    <p:extLst>
+      <p:ext uri="{BB962C8B-B14F-4D97-AF65-F5344CB8AC3E}">
+        <p14:creationId xmlns:p14="http://schemas.microsoft.com/office/powerpoint/2010/main" val="1935325995"/>
+      </p:ext>
+    </p:extLst>
+  </p:cSld>
+  <p:clrMapOvr>
+    <a:masterClrMapping/>
+  </p:clrMapOvr>
+</p:notes>
 </file>
 
 <file path=ppt/slideLayouts/slideLayout1.xml><?xml version="1.0" encoding="utf-8"?>
@@ -4896,77 +6586,8 @@
           <a:p>
             <a:r>
               <a:rPr lang="en-US" dirty="0"/>
-              <a:t>Software Testing 2</a:t>
-            </a:r>
-            <a:br>
-              <a:rPr lang="en-US" dirty="0"/>
-            </a:br>
-            <a:r>
-              <a:rPr lang="en-US" dirty="0"/>
-              <a:t>Example for Building a Test-Suite</a:t>
-            </a:r>
-          </a:p>
-        </p:txBody>
-      </p:sp>
-      <p:sp>
-        <p:nvSpPr>
-          <p:cNvPr id="5" name="Subtitle 4">
-            <a:extLst>
-              <a:ext uri="{FF2B5EF4-FFF2-40B4-BE49-F238E27FC236}">
-                <a16:creationId xmlns:a16="http://schemas.microsoft.com/office/drawing/2014/main" id="{E9C36191-4CD4-4D95-BBB8-C25F2055F697}"/>
-              </a:ext>
-            </a:extLst>
-          </p:cNvPr>
-          <p:cNvSpPr>
-            <a:spLocks noGrp="1"/>
-          </p:cNvSpPr>
-          <p:nvPr>
-            <p:ph type="subTitle" idx="1"/>
-          </p:nvPr>
-        </p:nvSpPr>
-        <p:spPr/>
-        <p:txBody>
-          <a:bodyPr/>
-          <a:lstStyle/>
-          <a:p>
-            <a:r>
-              <a:rPr lang="en-US" u="sng" dirty="0"/>
-              <a:t>Anshu Dubey</a:t>
-            </a:r>
-            <a:br>
-              <a:rPr lang="en-US" dirty="0"/>
-            </a:br>
-            <a:r>
-              <a:rPr lang="en-US" sz="2000" dirty="0"/>
-              <a:t>Argonne National Laboratory</a:t>
-            </a:r>
-            <a:endParaRPr lang="en-US" dirty="0"/>
-          </a:p>
-          <a:p>
-            <a:pPr>
-              <a:spcBef>
-                <a:spcPts val="2400"/>
-              </a:spcBef>
-            </a:pPr>
-            <a:r>
-              <a:rPr lang="en-US" sz="2000" b="1" dirty="0"/>
-              <a:t>Better Scientific Software Tutorial, SC20, November 2020</a:t>
-            </a:r>
-            <a:br>
-              <a:rPr lang="en-US" sz="2000" dirty="0"/>
-            </a:br>
-            <a:endParaRPr lang="en-US" sz="2000" dirty="0"/>
-          </a:p>
-          <a:p>
-            <a:pPr>
-              <a:spcBef>
-                <a:spcPts val="2400"/>
-              </a:spcBef>
-            </a:pPr>
-            <a:br>
-              <a:rPr lang="en-US" sz="2000" dirty="0"/>
-            </a:br>
-            <a:endParaRPr lang="en-US" sz="2000" dirty="0"/>
+              <a:t>Software Testing – Part 2</a:t>
+            </a:r>
           </a:p>
         </p:txBody>
       </p:sp>
@@ -4985,7 +6606,7 @@
           <p:nvPr/>
         </p:nvPicPr>
         <p:blipFill>
-          <a:blip r:embed="rId2">
+          <a:blip r:embed="rId3">
             <a:extLst>
               <a:ext uri="{28A0092B-C50C-407E-A947-70E740481C1C}">
                 <a14:useLocalDpi xmlns:a14="http://schemas.microsoft.com/office/drawing/2010/main" val="0"/>
@@ -5072,7 +6693,7 @@
           <p:nvPr/>
         </p:nvPicPr>
         <p:blipFill>
-          <a:blip r:embed="rId3" cstate="print">
+          <a:blip r:embed="rId4" cstate="print">
             <a:extLst>
               <a:ext uri="{28A0092B-C50C-407E-A947-70E740481C1C}">
                 <a14:useLocalDpi xmlns:a14="http://schemas.microsoft.com/office/drawing/2010/main" val="0"/>
@@ -5093,10 +6714,277 @@
           </a:prstGeom>
         </p:spPr>
       </p:pic>
+      <p:sp>
+        <p:nvSpPr>
+          <p:cNvPr id="9" name="Google Shape;51;g60257ae959_0_0">
+            <a:extLst>
+              <a:ext uri="{FF2B5EF4-FFF2-40B4-BE49-F238E27FC236}">
+                <a16:creationId xmlns:a16="http://schemas.microsoft.com/office/drawing/2014/main" id="{4DA5FBE5-DA1D-884D-929F-4C0D3BCD82E9}"/>
+              </a:ext>
+            </a:extLst>
+          </p:cNvPr>
+          <p:cNvSpPr txBox="1">
+            <a:spLocks noGrp="1"/>
+          </p:cNvSpPr>
+          <p:nvPr>
+            <p:ph type="subTitle" idx="1"/>
+          </p:nvPr>
+        </p:nvSpPr>
+        <p:spPr>
+          <a:xfrm>
+            <a:off x="4736917" y="1998821"/>
+            <a:ext cx="3539707" cy="2855400"/>
+          </a:xfrm>
+          <a:prstGeom prst="rect">
+            <a:avLst/>
+          </a:prstGeom>
+          <a:noFill/>
+          <a:ln>
+            <a:noFill/>
+          </a:ln>
+        </p:spPr>
+        <p:txBody>
+          <a:bodyPr spcFirstLastPara="1" wrap="square" lIns="109725" tIns="45700" rIns="91425" bIns="45700" anchor="t" anchorCtr="0">
+            <a:noAutofit/>
+          </a:bodyPr>
+          <a:lstStyle/>
+          <a:p>
+            <a:pPr marL="0" indent="0">
+              <a:lnSpc>
+                <a:spcPct val="100000"/>
+              </a:lnSpc>
+              <a:spcBef>
+                <a:spcPts val="0"/>
+              </a:spcBef>
+              <a:buSzPts val="2000"/>
+            </a:pPr>
+            <a:r>
+              <a:rPr lang="en-US" b="1" dirty="0">
+                <a:solidFill>
+                  <a:srgbClr val="000000"/>
+                </a:solidFill>
+              </a:rPr>
+              <a:t>David M. Rogers</a:t>
+            </a:r>
+            <a:br>
+              <a:rPr lang="en-US" dirty="0">
+                <a:solidFill>
+                  <a:srgbClr val="000000"/>
+                </a:solidFill>
+              </a:rPr>
+            </a:br>
+            <a:r>
+              <a:rPr lang="en-US" sz="1800" dirty="0">
+                <a:solidFill>
+                  <a:srgbClr val="000000"/>
+                </a:solidFill>
+              </a:rPr>
+              <a:t>Oak Ridge National Laboratory</a:t>
+            </a:r>
+          </a:p>
+          <a:p>
+            <a:pPr marL="0" lvl="0" indent="0" algn="l" rtl="0">
+              <a:lnSpc>
+                <a:spcPct val="90000"/>
+              </a:lnSpc>
+              <a:spcBef>
+                <a:spcPts val="1400"/>
+              </a:spcBef>
+              <a:spcAft>
+                <a:spcPts val="0"/>
+              </a:spcAft>
+              <a:buSzPts val="2000"/>
+              <a:buNone/>
+            </a:pPr>
+            <a:r>
+              <a:rPr lang="en-US" b="1" dirty="0">
+                <a:solidFill>
+                  <a:srgbClr val="000000"/>
+                </a:solidFill>
+              </a:rPr>
+              <a:t>Rinku Gupta</a:t>
+            </a:r>
+            <a:br>
+              <a:rPr lang="en-US" dirty="0">
+                <a:solidFill>
+                  <a:srgbClr val="000000"/>
+                </a:solidFill>
+              </a:rPr>
+            </a:br>
+            <a:r>
+              <a:rPr lang="en-US" sz="1800" dirty="0">
+                <a:solidFill>
+                  <a:srgbClr val="000000"/>
+                </a:solidFill>
+              </a:rPr>
+              <a:t>Sandia National Laboratories</a:t>
+            </a:r>
+          </a:p>
+          <a:p>
+            <a:pPr marL="0" indent="0">
+              <a:buClr>
+                <a:srgbClr val="000000"/>
+              </a:buClr>
+              <a:buSzPts val="2000"/>
+            </a:pPr>
+            <a:r>
+              <a:rPr lang="en-US" b="1" dirty="0" err="1">
+                <a:solidFill>
+                  <a:srgbClr val="000000"/>
+                </a:solidFill>
+              </a:rPr>
+              <a:t>Anshu</a:t>
+            </a:r>
+            <a:r>
+              <a:rPr lang="en-US" b="1" dirty="0">
+                <a:solidFill>
+                  <a:srgbClr val="000000"/>
+                </a:solidFill>
+              </a:rPr>
+              <a:t> Dubey</a:t>
+            </a:r>
+            <a:br>
+              <a:rPr lang="en-US" dirty="0">
+                <a:solidFill>
+                  <a:srgbClr val="000000"/>
+                </a:solidFill>
+              </a:rPr>
+            </a:br>
+            <a:r>
+              <a:rPr lang="en-US" sz="1800" dirty="0">
+                <a:solidFill>
+                  <a:srgbClr val="000000"/>
+                </a:solidFill>
+              </a:rPr>
+              <a:t>Argonne National Laboratory</a:t>
+            </a:r>
+            <a:endParaRPr lang="en-US" sz="1800" dirty="0"/>
+          </a:p>
+          <a:p>
+            <a:pPr marL="0" indent="0">
+              <a:lnSpc>
+                <a:spcPct val="100000"/>
+              </a:lnSpc>
+              <a:spcBef>
+                <a:spcPts val="0"/>
+              </a:spcBef>
+              <a:buSzPts val="2000"/>
+            </a:pPr>
+            <a:endParaRPr lang="en-US" sz="1400" dirty="0"/>
+          </a:p>
+          <a:p>
+            <a:pPr marL="0" indent="0">
+              <a:lnSpc>
+                <a:spcPct val="100000"/>
+              </a:lnSpc>
+              <a:spcBef>
+                <a:spcPts val="0"/>
+              </a:spcBef>
+              <a:buSzPts val="2000"/>
+            </a:pPr>
+            <a:endParaRPr lang="en-US" sz="1400" dirty="0"/>
+          </a:p>
+          <a:p>
+            <a:pPr marL="0" lvl="0" indent="0" algn="l" rtl="0">
+              <a:lnSpc>
+                <a:spcPct val="90000"/>
+              </a:lnSpc>
+              <a:spcBef>
+                <a:spcPts val="1400"/>
+              </a:spcBef>
+              <a:spcAft>
+                <a:spcPts val="0"/>
+              </a:spcAft>
+              <a:buSzPts val="2000"/>
+              <a:buNone/>
+            </a:pPr>
+            <a:endParaRPr sz="1400" dirty="0"/>
+          </a:p>
+          <a:p>
+            <a:pPr marL="0" lvl="0" indent="0" algn="l" rtl="0">
+              <a:lnSpc>
+                <a:spcPct val="90000"/>
+              </a:lnSpc>
+              <a:spcBef>
+                <a:spcPts val="1400"/>
+              </a:spcBef>
+              <a:spcAft>
+                <a:spcPts val="0"/>
+              </a:spcAft>
+              <a:buSzPts val="2000"/>
+              <a:buNone/>
+            </a:pPr>
+            <a:endParaRPr dirty="0">
+              <a:solidFill>
+                <a:srgbClr val="000000"/>
+              </a:solidFill>
+            </a:endParaRPr>
+          </a:p>
+          <a:p>
+            <a:pPr marL="0" lvl="0" indent="0" algn="l" rtl="0">
+              <a:lnSpc>
+                <a:spcPct val="90000"/>
+              </a:lnSpc>
+              <a:spcBef>
+                <a:spcPts val="1400"/>
+              </a:spcBef>
+              <a:spcAft>
+                <a:spcPts val="0"/>
+              </a:spcAft>
+              <a:buSzPts val="2000"/>
+              <a:buNone/>
+            </a:pPr>
+            <a:endParaRPr sz="2000" dirty="0"/>
+          </a:p>
+        </p:txBody>
+      </p:sp>
+      <p:sp>
+        <p:nvSpPr>
+          <p:cNvPr id="10" name="Rectangle 9">
+            <a:extLst>
+              <a:ext uri="{FF2B5EF4-FFF2-40B4-BE49-F238E27FC236}">
+                <a16:creationId xmlns:a16="http://schemas.microsoft.com/office/drawing/2014/main" id="{CA9ED99E-FE82-7B46-A1FD-FD051AAE9373}"/>
+              </a:ext>
+            </a:extLst>
+          </p:cNvPr>
+          <p:cNvSpPr/>
+          <p:nvPr/>
+        </p:nvSpPr>
+        <p:spPr>
+          <a:xfrm>
+            <a:off x="7384026" y="5657306"/>
+            <a:ext cx="6092825" cy="646331"/>
+          </a:xfrm>
+          <a:prstGeom prst="rect">
+            <a:avLst/>
+          </a:prstGeom>
+        </p:spPr>
+        <p:txBody>
+          <a:bodyPr>
+            <a:spAutoFit/>
+          </a:bodyPr>
+          <a:lstStyle/>
+          <a:p>
+            <a:pPr>
+              <a:spcBef>
+                <a:spcPts val="2400"/>
+              </a:spcBef>
+            </a:pPr>
+            <a:r>
+              <a:rPr lang="en-US" b="1" dirty="0"/>
+              <a:t>NCAR ISS Tutorial, March 2021</a:t>
+            </a:r>
+            <a:br>
+              <a:rPr lang="en-US" dirty="0"/>
+            </a:br>
+            <a:endParaRPr lang="en-US" dirty="0"/>
+          </a:p>
+        </p:txBody>
+      </p:sp>
     </p:spTree>
     <p:extLst>
       <p:ext uri="{BB962C8B-B14F-4D97-AF65-F5344CB8AC3E}">
-        <p14:creationId xmlns:p14="http://schemas.microsoft.com/office/powerpoint/2010/main" val="1684635661"/>
+        <p14:creationId xmlns:p14="http://schemas.microsoft.com/office/powerpoint/2010/main" val="1961116339"/>
       </p:ext>
     </p:extLst>
   </p:cSld>
@@ -5105,1642 +6993,16 @@
   </p:clrMapOvr>
   <mc:AlternateContent xmlns:mc="http://schemas.openxmlformats.org/markup-compatibility/2006" xmlns:p14="http://schemas.microsoft.com/office/powerpoint/2010/main">
     <mc:Choice Requires="p14">
-      <p:transition spd="slow" p14:dur="2000" advTm="47240"/>
+      <p:transition spd="slow" p14:dur="2000" advTm="16243"/>
     </mc:Choice>
     <mc:Fallback xmlns="">
-      <p:transition spd="slow" advTm="47240"/>
+      <p:transition spd="slow" advTm="16243"/>
     </mc:Fallback>
   </mc:AlternateContent>
 </p:sld>
 </file>
 
-<file path=ppt/slides/slide2.xml><?xml version="1.0" encoding="utf-8"?>
-<p:sld xmlns:a="http://schemas.openxmlformats.org/drawingml/2006/main" xmlns:r="http://schemas.openxmlformats.org/officeDocument/2006/relationships" xmlns:p="http://schemas.openxmlformats.org/presentationml/2006/main">
-  <p:cSld>
-    <p:spTree>
-      <p:nvGrpSpPr>
-        <p:cNvPr id="1" name=""/>
-        <p:cNvGrpSpPr/>
-        <p:nvPr/>
-      </p:nvGrpSpPr>
-      <p:grpSpPr>
-        <a:xfrm>
-          <a:off x="0" y="0"/>
-          <a:ext cx="0" cy="0"/>
-          <a:chOff x="0" y="0"/>
-          <a:chExt cx="0" cy="0"/>
-        </a:xfrm>
-      </p:grpSpPr>
-      <p:sp>
-        <p:nvSpPr>
-          <p:cNvPr id="2" name="Title 1">
-            <a:extLst>
-              <a:ext uri="{FF2B5EF4-FFF2-40B4-BE49-F238E27FC236}">
-                <a16:creationId xmlns:a16="http://schemas.microsoft.com/office/drawing/2014/main" id="{6442C24D-D970-4D40-8F14-D70C10A96304}"/>
-              </a:ext>
-            </a:extLst>
-          </p:cNvPr>
-          <p:cNvSpPr>
-            <a:spLocks noGrp="1"/>
-          </p:cNvSpPr>
-          <p:nvPr>
-            <p:ph type="title"/>
-          </p:nvPr>
-        </p:nvSpPr>
-        <p:spPr>
-          <a:xfrm>
-            <a:off x="363096" y="112911"/>
-            <a:ext cx="11372473" cy="914400"/>
-          </a:xfrm>
-        </p:spPr>
-        <p:txBody>
-          <a:bodyPr/>
-          <a:lstStyle/>
-          <a:p>
-            <a:r>
-              <a:rPr lang="en-US" dirty="0"/>
-              <a:t>License, Citation and Acknowledgements</a:t>
-            </a:r>
-          </a:p>
-        </p:txBody>
-      </p:sp>
-      <p:sp>
-        <p:nvSpPr>
-          <p:cNvPr id="3" name="Content Placeholder 2">
-            <a:extLst>
-              <a:ext uri="{FF2B5EF4-FFF2-40B4-BE49-F238E27FC236}">
-                <a16:creationId xmlns:a16="http://schemas.microsoft.com/office/drawing/2014/main" id="{0385A3AB-B258-4D59-B407-F7D57545A163}"/>
-              </a:ext>
-            </a:extLst>
-          </p:cNvPr>
-          <p:cNvSpPr>
-            <a:spLocks noGrp="1"/>
-          </p:cNvSpPr>
-          <p:nvPr>
-            <p:ph idx="1"/>
-          </p:nvPr>
-        </p:nvSpPr>
-        <p:spPr>
-          <a:xfrm>
-            <a:off x="409507" y="570111"/>
-            <a:ext cx="11369809" cy="4047778"/>
-          </a:xfrm>
-        </p:spPr>
-        <p:txBody>
-          <a:bodyPr/>
-          <a:lstStyle/>
-          <a:p>
-            <a:pPr marL="0" indent="0">
-              <a:buNone/>
-            </a:pPr>
-            <a:r>
-              <a:rPr lang="en-US" sz="2000" b="1" dirty="0"/>
-              <a:t>License and Citation</a:t>
-            </a:r>
-          </a:p>
-          <a:p>
-            <a:pPr>
-              <a:spcBef>
-                <a:spcPts val="400"/>
-              </a:spcBef>
-            </a:pPr>
-            <a:r>
-              <a:rPr lang="en-US" sz="1600" dirty="0"/>
-              <a:t>This work is licensed under a </a:t>
-            </a:r>
-            <a:r>
-              <a:rPr lang="en-US" sz="1600" dirty="0">
-                <a:hlinkClick r:id="rId2"/>
-              </a:rPr>
-              <a:t>Creative</a:t>
-            </a:r>
-            <a:r>
-              <a:rPr lang="en-US" sz="1600" dirty="0">
-                <a:hlinkClick r:id="rId3"/>
-              </a:rPr>
-              <a:t> Commons Attribution 4.0 International License</a:t>
-            </a:r>
-            <a:r>
-              <a:rPr lang="en-US" sz="1600" dirty="0"/>
-              <a:t> (CC BY 4.0).</a:t>
-            </a:r>
-          </a:p>
-          <a:p>
-            <a:pPr>
-              <a:spcBef>
-                <a:spcPts val="400"/>
-              </a:spcBef>
-            </a:pPr>
-            <a:r>
-              <a:rPr lang="en-US" sz="1600" b="1" dirty="0"/>
-              <a:t>The requested citation the overall tutorial is: David E. Bernholdt, Anshu Dubey, Patricia A. Grubel, Rinku K. Gupta, Better Scientific Software tutorial, in SC ‘20: International Conference for High Performance Computing, Networking, Storage and Analysis, online, 2020. DOI: </a:t>
-            </a:r>
-            <a:r>
-              <a:rPr lang="en-US" sz="1600" b="1" dirty="0">
-                <a:hlinkClick r:id="rId4"/>
-              </a:rPr>
-              <a:t>10.6084/m9.figshare.12994376</a:t>
-            </a:r>
-            <a:endParaRPr lang="en-US" sz="1600" b="1" dirty="0"/>
-          </a:p>
-          <a:p>
-            <a:pPr>
-              <a:spcBef>
-                <a:spcPts val="400"/>
-              </a:spcBef>
-            </a:pPr>
-            <a:r>
-              <a:rPr lang="en-US" sz="1600" dirty="0"/>
-              <a:t>Individual modules may be cited as </a:t>
-            </a:r>
-            <a:r>
-              <a:rPr lang="en-US" sz="1600" i="1" dirty="0"/>
-              <a:t>Speaker, Module Title</a:t>
-            </a:r>
-            <a:r>
-              <a:rPr lang="en-US" sz="1600" dirty="0"/>
-              <a:t>, in Better Scientific Software tutorial…</a:t>
-            </a:r>
-          </a:p>
-          <a:p>
-            <a:pPr marL="0" indent="0">
-              <a:spcBef>
-                <a:spcPts val="800"/>
-              </a:spcBef>
-              <a:buNone/>
-            </a:pPr>
-            <a:r>
-              <a:rPr lang="en-US" sz="2000" b="1" dirty="0"/>
-              <a:t>Acknowledgements</a:t>
-            </a:r>
-          </a:p>
-          <a:p>
-            <a:pPr>
-              <a:spcBef>
-                <a:spcPts val="400"/>
-              </a:spcBef>
-            </a:pPr>
-            <a:r>
-              <a:rPr lang="en-US" sz="1400" dirty="0"/>
-              <a:t>Additional contributors include: Mike </a:t>
-            </a:r>
-            <a:r>
-              <a:rPr lang="en-US" sz="1400" dirty="0" err="1"/>
-              <a:t>Heroux</a:t>
-            </a:r>
-            <a:r>
-              <a:rPr lang="en-US" sz="1400" dirty="0"/>
-              <a:t>, Alicia </a:t>
-            </a:r>
-            <a:r>
-              <a:rPr lang="en-US" sz="1400" dirty="0" err="1"/>
-              <a:t>Klinvex</a:t>
-            </a:r>
-            <a:r>
-              <a:rPr lang="en-US" sz="1400" dirty="0"/>
-              <a:t>, Mark Miller, Jared O’Neal, Katherine Riley, David Rogers, Deborah Stevens, James </a:t>
-            </a:r>
-            <a:r>
-              <a:rPr lang="en-US" sz="1400" dirty="0" err="1"/>
-              <a:t>Willenbring</a:t>
-            </a:r>
-            <a:endParaRPr lang="en-US" sz="1400" dirty="0"/>
-          </a:p>
-          <a:p>
-            <a:pPr>
-              <a:spcBef>
-                <a:spcPts val="400"/>
-              </a:spcBef>
-            </a:pPr>
-            <a:r>
-              <a:rPr lang="en-US" sz="1400" dirty="0"/>
-              <a:t>This work was supported by the U.S. Department of Energy Office of Science, Office of Advanced Scientific Computing Research (ASCR), and by the </a:t>
-            </a:r>
-            <a:r>
-              <a:rPr lang="en-US" sz="1400" dirty="0" err="1"/>
-              <a:t>Exascale</a:t>
-            </a:r>
-            <a:r>
-              <a:rPr lang="en-US" sz="1400" dirty="0"/>
-              <a:t> Computing Project (17-SC-20-SC), a collaborative effort of the U.S. Department of Energy Office of Science and the National Nuclear Security Administration</a:t>
-            </a:r>
-            <a:r>
-              <a:rPr lang="en-US" sz="1400" i="1" dirty="0"/>
-              <a:t>.</a:t>
-            </a:r>
-            <a:endParaRPr lang="en-US" sz="1400" dirty="0"/>
-          </a:p>
-          <a:p>
-            <a:pPr>
-              <a:spcBef>
-                <a:spcPts val="400"/>
-              </a:spcBef>
-            </a:pPr>
-            <a:r>
-              <a:rPr lang="en-US" sz="1400" dirty="0"/>
-              <a:t>This work was performed in part at the Argonne National Laboratory, which is managed by </a:t>
-            </a:r>
-            <a:r>
-              <a:rPr lang="en-US" sz="1400" dirty="0" err="1"/>
-              <a:t>UChicago</a:t>
-            </a:r>
-            <a:r>
-              <a:rPr lang="en-US" sz="1400" dirty="0"/>
-              <a:t> Argonne, LLC for the U.S. Department of Energy under Contract No. DE-AC02-06CH11357.</a:t>
-            </a:r>
-          </a:p>
-          <a:p>
-            <a:pPr>
-              <a:spcBef>
-                <a:spcPts val="400"/>
-              </a:spcBef>
-            </a:pPr>
-            <a:r>
-              <a:rPr lang="en-US" sz="1400" dirty="0"/>
-              <a:t>This work was performed in part at the Oak Ridge National Laboratory, which is managed by UT-Battelle, LLC for the U.S. Department of Energy under Contract No. DE-AC05-00OR22725.</a:t>
-            </a:r>
-          </a:p>
-          <a:p>
-            <a:pPr>
-              <a:spcBef>
-                <a:spcPts val="400"/>
-              </a:spcBef>
-            </a:pPr>
-            <a:r>
-              <a:rPr lang="en-US" sz="1400" dirty="0"/>
-              <a:t>This work was performed in part at the Lawrence Livermore National Laboratory, which is managed by Lawrence Livermore National Security, LLC for the U.S. Department of Energy under Contract No. DE-AC52-07NA27344.</a:t>
-            </a:r>
-          </a:p>
-          <a:p>
-            <a:pPr>
-              <a:spcBef>
-                <a:spcPts val="400"/>
-              </a:spcBef>
-            </a:pPr>
-            <a:r>
-              <a:rPr lang="en-US" sz="1400" dirty="0"/>
-              <a:t>This work was performed in part at the Los Alamos National Laboratory, which is managed by Triad National Security, LLC for the U.S. Department of Energy under Contract No.89233218CNA000001</a:t>
-            </a:r>
-          </a:p>
-          <a:p>
-            <a:pPr>
-              <a:spcBef>
-                <a:spcPts val="400"/>
-              </a:spcBef>
-            </a:pPr>
-            <a:r>
-              <a:rPr lang="en-US" sz="1400" dirty="0"/>
-              <a:t>This work was performed in part at Sandia National Laboratories. Sandia National Laboratories is a multi-mission laboratory managed and operated by National Technology and Engineering Solutions of Sandia, LLC., a wholly owned subsidiary of Honeywell International, Inc., for the U.S. Department of Energy’s National Nuclear Security Administration under contract DE-NA0003525.</a:t>
-            </a:r>
-          </a:p>
-        </p:txBody>
-      </p:sp>
-      <p:pic>
-        <p:nvPicPr>
-          <p:cNvPr id="4" name="Picture 2" descr="https://licensebuttons.net/l/by/4.0/88x31.png">
-            <a:extLst>
-              <a:ext uri="{FF2B5EF4-FFF2-40B4-BE49-F238E27FC236}">
-                <a16:creationId xmlns:a16="http://schemas.microsoft.com/office/drawing/2014/main" id="{61840015-22A0-4634-A2DE-AA05F998FD3A}"/>
-              </a:ext>
-            </a:extLst>
-          </p:cNvPr>
-          <p:cNvPicPr>
-            <a:picLocks noChangeAspect="1" noChangeArrowheads="1"/>
-          </p:cNvPicPr>
-          <p:nvPr/>
-        </p:nvPicPr>
-        <p:blipFill>
-          <a:blip r:embed="rId5">
-            <a:extLst>
-              <a:ext uri="{28A0092B-C50C-407E-A947-70E740481C1C}">
-                <a14:useLocalDpi xmlns:a14="http://schemas.microsoft.com/office/drawing/2010/main" val="0"/>
-              </a:ext>
-            </a:extLst>
-          </a:blip>
-          <a:srcRect/>
-          <a:stretch>
-            <a:fillRect/>
-          </a:stretch>
-        </p:blipFill>
-        <p:spPr bwMode="auto">
-          <a:xfrm>
-            <a:off x="10249254" y="570111"/>
-            <a:ext cx="1661258" cy="585216"/>
-          </a:xfrm>
-          <a:prstGeom prst="rect">
-            <a:avLst/>
-          </a:prstGeom>
-          <a:noFill/>
-          <a:extLst>
-            <a:ext uri="{909E8E84-426E-40DD-AFC4-6F175D3DCCD1}">
-              <a14:hiddenFill xmlns:a14="http://schemas.microsoft.com/office/drawing/2010/main">
-                <a:solidFill>
-                  <a:srgbClr val="FFFFFF"/>
-                </a:solidFill>
-              </a14:hiddenFill>
-            </a:ext>
-          </a:extLst>
-        </p:spPr>
-      </p:pic>
-    </p:spTree>
-    <p:extLst>
-      <p:ext uri="{BB962C8B-B14F-4D97-AF65-F5344CB8AC3E}">
-        <p14:creationId xmlns:p14="http://schemas.microsoft.com/office/powerpoint/2010/main" val="1290504448"/>
-      </p:ext>
-    </p:extLst>
-  </p:cSld>
-  <p:clrMapOvr>
-    <a:masterClrMapping/>
-  </p:clrMapOvr>
-  <mc:AlternateContent xmlns:mc="http://schemas.openxmlformats.org/markup-compatibility/2006" xmlns:p14="http://schemas.microsoft.com/office/powerpoint/2010/main">
-    <mc:Choice Requires="p14">
-      <p:transition spd="slow" p14:dur="2000" advTm="4000"/>
-    </mc:Choice>
-    <mc:Fallback xmlns="">
-      <p:transition spd="slow" advTm="4000"/>
-    </mc:Fallback>
-  </mc:AlternateContent>
-</p:sld>
-</file>
-
-<file path=ppt/slides/slide3.xml><?xml version="1.0" encoding="utf-8"?>
-<p:sld xmlns:a="http://schemas.openxmlformats.org/drawingml/2006/main" xmlns:r="http://schemas.openxmlformats.org/officeDocument/2006/relationships" xmlns:p="http://schemas.openxmlformats.org/presentationml/2006/main">
-  <p:cSld>
-    <p:spTree>
-      <p:nvGrpSpPr>
-        <p:cNvPr id="1" name=""/>
-        <p:cNvGrpSpPr/>
-        <p:nvPr/>
-      </p:nvGrpSpPr>
-      <p:grpSpPr>
-        <a:xfrm>
-          <a:off x="0" y="0"/>
-          <a:ext cx="0" cy="0"/>
-          <a:chOff x="0" y="0"/>
-          <a:chExt cx="0" cy="0"/>
-        </a:xfrm>
-      </p:grpSpPr>
-      <p:sp>
-        <p:nvSpPr>
-          <p:cNvPr id="2" name="Title 1">
-            <a:extLst>
-              <a:ext uri="{FF2B5EF4-FFF2-40B4-BE49-F238E27FC236}">
-                <a16:creationId xmlns:a16="http://schemas.microsoft.com/office/drawing/2014/main" id="{E5D0BC0F-AE8E-364D-829C-80FE6B2421CB}"/>
-              </a:ext>
-            </a:extLst>
-          </p:cNvPr>
-          <p:cNvSpPr>
-            <a:spLocks noGrp="1"/>
-          </p:cNvSpPr>
-          <p:nvPr>
-            <p:ph type="title"/>
-          </p:nvPr>
-        </p:nvSpPr>
-        <p:spPr/>
-        <p:txBody>
-          <a:bodyPr/>
-          <a:lstStyle/>
-          <a:p>
-            <a:r>
-              <a:rPr lang="en-US" dirty="0"/>
-              <a:t>How do you build a scaffolding of tests ?</a:t>
-            </a:r>
-          </a:p>
-        </p:txBody>
-      </p:sp>
-      <p:sp>
-        <p:nvSpPr>
-          <p:cNvPr id="3" name="Content Placeholder 2">
-            <a:extLst>
-              <a:ext uri="{FF2B5EF4-FFF2-40B4-BE49-F238E27FC236}">
-                <a16:creationId xmlns:a16="http://schemas.microsoft.com/office/drawing/2014/main" id="{35C292C8-7C70-414C-96AC-F2D88843B964}"/>
-              </a:ext>
-            </a:extLst>
-          </p:cNvPr>
-          <p:cNvSpPr>
-            <a:spLocks noGrp="1"/>
-          </p:cNvSpPr>
-          <p:nvPr>
-            <p:ph idx="1"/>
-          </p:nvPr>
-        </p:nvSpPr>
-        <p:spPr>
-          <a:xfrm>
-            <a:off x="365760" y="1615440"/>
-            <a:ext cx="5134495" cy="4272742"/>
-          </a:xfrm>
-        </p:spPr>
-        <p:txBody>
-          <a:bodyPr/>
-          <a:lstStyle/>
-          <a:p>
-            <a:r>
-              <a:rPr lang="en-US" dirty="0"/>
-              <a:t>Approach the problem sideways</a:t>
-            </a:r>
-          </a:p>
-          <a:p>
-            <a:pPr lvl="1"/>
-            <a:r>
-              <a:rPr lang="en-US" dirty="0"/>
-              <a:t>Components can be exercised against known simpler applications</a:t>
-            </a:r>
-          </a:p>
-          <a:p>
-            <a:pPr lvl="1"/>
-            <a:r>
-              <a:rPr lang="en-US" dirty="0"/>
-              <a:t>Same applies to combination of components</a:t>
-            </a:r>
-          </a:p>
-          <a:p>
-            <a:r>
-              <a:rPr lang="en-US" dirty="0"/>
-              <a:t>Build a scaffolding of verification tests to gain confidence</a:t>
-            </a:r>
-          </a:p>
-          <a:p>
-            <a:pPr marL="346075" lvl="1" indent="0">
-              <a:buNone/>
-            </a:pPr>
-            <a:endParaRPr lang="en-US" dirty="0"/>
-          </a:p>
-        </p:txBody>
-      </p:sp>
-      <p:grpSp>
-        <p:nvGrpSpPr>
-          <p:cNvPr id="4" name="Group 3">
-            <a:extLst>
-              <a:ext uri="{FF2B5EF4-FFF2-40B4-BE49-F238E27FC236}">
-                <a16:creationId xmlns:a16="http://schemas.microsoft.com/office/drawing/2014/main" id="{CED43FD5-A8C1-F54E-B2C6-9E9A7A00C8BB}"/>
-              </a:ext>
-            </a:extLst>
-          </p:cNvPr>
-          <p:cNvGrpSpPr/>
-          <p:nvPr/>
-        </p:nvGrpSpPr>
-        <p:grpSpPr>
-          <a:xfrm>
-            <a:off x="5500255" y="673260"/>
-            <a:ext cx="6591349" cy="4860015"/>
-            <a:chOff x="3304135" y="1211668"/>
-            <a:chExt cx="6591349" cy="4860015"/>
-          </a:xfrm>
-        </p:grpSpPr>
-        <p:sp>
-          <p:nvSpPr>
-            <p:cNvPr id="5" name="Donut 4">
-              <a:extLst>
-                <a:ext uri="{FF2B5EF4-FFF2-40B4-BE49-F238E27FC236}">
-                  <a16:creationId xmlns:a16="http://schemas.microsoft.com/office/drawing/2014/main" id="{8DE58AA3-6E1E-BE42-9F89-BDAE22ABC129}"/>
-                </a:ext>
-              </a:extLst>
-            </p:cNvPr>
-            <p:cNvSpPr/>
-            <p:nvPr/>
-          </p:nvSpPr>
-          <p:spPr>
-            <a:xfrm>
-              <a:off x="3540904" y="4312862"/>
-              <a:ext cx="1847200" cy="1758821"/>
-            </a:xfrm>
-            <a:prstGeom prst="donut">
-              <a:avLst/>
-            </a:prstGeom>
-            <a:solidFill>
-              <a:schemeClr val="accent6">
-                <a:lumMod val="40000"/>
-                <a:lumOff val="60000"/>
-              </a:schemeClr>
-            </a:solidFill>
-            <a:ln>
-              <a:solidFill>
-                <a:schemeClr val="tx1"/>
-              </a:solidFill>
-            </a:ln>
-          </p:spPr>
-          <p:style>
-            <a:lnRef idx="1">
-              <a:schemeClr val="accent1"/>
-            </a:lnRef>
-            <a:fillRef idx="3">
-              <a:schemeClr val="accent1"/>
-            </a:fillRef>
-            <a:effectRef idx="2">
-              <a:schemeClr val="accent1"/>
-            </a:effectRef>
-            <a:fontRef idx="minor">
-              <a:schemeClr val="lt1"/>
-            </a:fontRef>
-          </p:style>
-          <p:txBody>
-            <a:bodyPr rtlCol="0" anchor="ctr"/>
-            <a:lstStyle/>
-            <a:p>
-              <a:pPr algn="ctr"/>
-              <a:r>
-                <a:rPr lang="en-US" dirty="0">
-                  <a:solidFill>
-                    <a:schemeClr val="tx1"/>
-                  </a:solidFill>
-                </a:rPr>
-                <a:t>Unit test</a:t>
-              </a:r>
-            </a:p>
-          </p:txBody>
-        </p:sp>
-        <p:sp>
-          <p:nvSpPr>
-            <p:cNvPr id="6" name="Block Arc 5">
-              <a:extLst>
-                <a:ext uri="{FF2B5EF4-FFF2-40B4-BE49-F238E27FC236}">
-                  <a16:creationId xmlns:a16="http://schemas.microsoft.com/office/drawing/2014/main" id="{FA657B8F-95C7-D44F-AC13-32ACCE427E9D}"/>
-                </a:ext>
-              </a:extLst>
-            </p:cNvPr>
-            <p:cNvSpPr/>
-            <p:nvPr/>
-          </p:nvSpPr>
-          <p:spPr>
-            <a:xfrm>
-              <a:off x="3304135" y="2286536"/>
-              <a:ext cx="2309000" cy="2026325"/>
-            </a:xfrm>
-            <a:prstGeom prst="blockArc">
-              <a:avLst/>
-            </a:prstGeom>
-            <a:solidFill>
-              <a:schemeClr val="accent6">
-                <a:lumMod val="40000"/>
-                <a:lumOff val="60000"/>
-              </a:schemeClr>
-            </a:solidFill>
-            <a:ln>
-              <a:solidFill>
-                <a:schemeClr val="tx1"/>
-              </a:solidFill>
-            </a:ln>
-          </p:spPr>
-          <p:style>
-            <a:lnRef idx="1">
-              <a:schemeClr val="accent1"/>
-            </a:lnRef>
-            <a:fillRef idx="3">
-              <a:schemeClr val="accent1"/>
-            </a:fillRef>
-            <a:effectRef idx="2">
-              <a:schemeClr val="accent1"/>
-            </a:effectRef>
-            <a:fontRef idx="minor">
-              <a:schemeClr val="lt1"/>
-            </a:fontRef>
-          </p:style>
-          <p:txBody>
-            <a:bodyPr rtlCol="0" anchor="ctr"/>
-            <a:lstStyle/>
-            <a:p>
-              <a:pPr algn="ctr"/>
-              <a:endParaRPr lang="en-US">
-                <a:solidFill>
-                  <a:schemeClr val="tx1"/>
-                </a:solidFill>
-              </a:endParaRPr>
-            </a:p>
-          </p:txBody>
-        </p:sp>
-        <p:sp>
-          <p:nvSpPr>
-            <p:cNvPr id="7" name="Block Arc 6">
-              <a:extLst>
-                <a:ext uri="{FF2B5EF4-FFF2-40B4-BE49-F238E27FC236}">
-                  <a16:creationId xmlns:a16="http://schemas.microsoft.com/office/drawing/2014/main" id="{8C26E3A5-01DF-554A-9CE0-F83C73B0A51A}"/>
-                </a:ext>
-              </a:extLst>
-            </p:cNvPr>
-            <p:cNvSpPr/>
-            <p:nvPr/>
-          </p:nvSpPr>
-          <p:spPr>
-            <a:xfrm flipV="1">
-              <a:off x="3304135" y="2285405"/>
-              <a:ext cx="2309000" cy="2027456"/>
-            </a:xfrm>
-            <a:prstGeom prst="blockArc">
-              <a:avLst/>
-            </a:prstGeom>
-            <a:solidFill>
-              <a:schemeClr val="accent3">
-                <a:lumMod val="75000"/>
-              </a:schemeClr>
-            </a:solidFill>
-            <a:ln>
-              <a:solidFill>
-                <a:schemeClr val="tx1"/>
-              </a:solidFill>
-            </a:ln>
-          </p:spPr>
-          <p:style>
-            <a:lnRef idx="1">
-              <a:schemeClr val="accent1"/>
-            </a:lnRef>
-            <a:fillRef idx="3">
-              <a:schemeClr val="accent1"/>
-            </a:fillRef>
-            <a:effectRef idx="2">
-              <a:schemeClr val="accent1"/>
-            </a:effectRef>
-            <a:fontRef idx="minor">
-              <a:schemeClr val="lt1"/>
-            </a:fontRef>
-          </p:style>
-          <p:txBody>
-            <a:bodyPr rtlCol="0" anchor="ctr"/>
-            <a:lstStyle/>
-            <a:p>
-              <a:pPr algn="ctr"/>
-              <a:endParaRPr lang="en-US">
-                <a:ln>
-                  <a:solidFill>
-                    <a:srgbClr val="9BBB59"/>
-                  </a:solidFill>
-                </a:ln>
-                <a:solidFill>
-                  <a:schemeClr val="accent3">
-                    <a:lumMod val="75000"/>
-                  </a:schemeClr>
-                </a:solidFill>
-              </a:endParaRPr>
-            </a:p>
-          </p:txBody>
-        </p:sp>
-        <p:sp>
-          <p:nvSpPr>
-            <p:cNvPr id="8" name="TextBox 7">
-              <a:extLst>
-                <a:ext uri="{FF2B5EF4-FFF2-40B4-BE49-F238E27FC236}">
-                  <a16:creationId xmlns:a16="http://schemas.microsoft.com/office/drawing/2014/main" id="{08FCA895-A7E9-F949-9B76-56112C06C5BC}"/>
-                </a:ext>
-              </a:extLst>
-            </p:cNvPr>
-            <p:cNvSpPr txBox="1"/>
-            <p:nvPr/>
-          </p:nvSpPr>
-          <p:spPr>
-            <a:xfrm>
-              <a:off x="3930007" y="3059544"/>
-              <a:ext cx="1031051" cy="369332"/>
-            </a:xfrm>
-            <a:prstGeom prst="rect">
-              <a:avLst/>
-            </a:prstGeom>
-            <a:noFill/>
-          </p:spPr>
-          <p:txBody>
-            <a:bodyPr wrap="none" rtlCol="0">
-              <a:spAutoFit/>
-            </a:bodyPr>
-            <a:lstStyle/>
-            <a:p>
-              <a:r>
-                <a:rPr lang="en-US" dirty="0"/>
-                <a:t>Unit test</a:t>
-              </a:r>
-            </a:p>
-          </p:txBody>
-        </p:sp>
-        <p:sp>
-          <p:nvSpPr>
-            <p:cNvPr id="9" name="Rectangle 8">
-              <a:extLst>
-                <a:ext uri="{FF2B5EF4-FFF2-40B4-BE49-F238E27FC236}">
-                  <a16:creationId xmlns:a16="http://schemas.microsoft.com/office/drawing/2014/main" id="{283F9715-7634-0744-8505-079BCADA5C89}"/>
-                </a:ext>
-              </a:extLst>
-            </p:cNvPr>
-            <p:cNvSpPr/>
-            <p:nvPr/>
-          </p:nvSpPr>
-          <p:spPr>
-            <a:xfrm>
-              <a:off x="7507401" y="1284297"/>
-              <a:ext cx="408055" cy="202024"/>
-            </a:xfrm>
-            <a:prstGeom prst="rect">
-              <a:avLst/>
-            </a:prstGeom>
-            <a:solidFill>
-              <a:schemeClr val="accent3">
-                <a:lumMod val="75000"/>
-              </a:schemeClr>
-            </a:solidFill>
-            <a:ln>
-              <a:solidFill>
-                <a:schemeClr val="tx1"/>
-              </a:solidFill>
-            </a:ln>
-          </p:spPr>
-          <p:style>
-            <a:lnRef idx="1">
-              <a:schemeClr val="accent1"/>
-            </a:lnRef>
-            <a:fillRef idx="3">
-              <a:schemeClr val="accent1"/>
-            </a:fillRef>
-            <a:effectRef idx="2">
-              <a:schemeClr val="accent1"/>
-            </a:effectRef>
-            <a:fontRef idx="minor">
-              <a:schemeClr val="lt1"/>
-            </a:fontRef>
-          </p:style>
-          <p:txBody>
-            <a:bodyPr rtlCol="0" anchor="ctr"/>
-            <a:lstStyle/>
-            <a:p>
-              <a:pPr algn="ctr"/>
-              <a:endParaRPr lang="en-US"/>
-            </a:p>
-          </p:txBody>
-        </p:sp>
-        <p:sp>
-          <p:nvSpPr>
-            <p:cNvPr id="10" name="Rectangle 9">
-              <a:extLst>
-                <a:ext uri="{FF2B5EF4-FFF2-40B4-BE49-F238E27FC236}">
-                  <a16:creationId xmlns:a16="http://schemas.microsoft.com/office/drawing/2014/main" id="{9D953E38-8BCA-9640-B2FA-D0D1A572BCBA}"/>
-                </a:ext>
-              </a:extLst>
-            </p:cNvPr>
-            <p:cNvSpPr/>
-            <p:nvPr/>
-          </p:nvSpPr>
-          <p:spPr>
-            <a:xfrm>
-              <a:off x="7507401" y="1783024"/>
-              <a:ext cx="408055" cy="202024"/>
-            </a:xfrm>
-            <a:prstGeom prst="rect">
-              <a:avLst/>
-            </a:prstGeom>
-            <a:solidFill>
-              <a:schemeClr val="accent6">
-                <a:lumMod val="40000"/>
-                <a:lumOff val="60000"/>
-              </a:schemeClr>
-            </a:solidFill>
-            <a:ln>
-              <a:solidFill>
-                <a:schemeClr val="tx1"/>
-              </a:solidFill>
-            </a:ln>
-          </p:spPr>
-          <p:style>
-            <a:lnRef idx="1">
-              <a:schemeClr val="accent1"/>
-            </a:lnRef>
-            <a:fillRef idx="3">
-              <a:schemeClr val="accent1"/>
-            </a:fillRef>
-            <a:effectRef idx="2">
-              <a:schemeClr val="accent1"/>
-            </a:effectRef>
-            <a:fontRef idx="minor">
-              <a:schemeClr val="lt1"/>
-            </a:fontRef>
-          </p:style>
-          <p:txBody>
-            <a:bodyPr rtlCol="0" anchor="ctr"/>
-            <a:lstStyle/>
-            <a:p>
-              <a:pPr algn="ctr"/>
-              <a:endParaRPr lang="en-US"/>
-            </a:p>
-          </p:txBody>
-        </p:sp>
-        <p:sp>
-          <p:nvSpPr>
-            <p:cNvPr id="11" name="TextBox 10">
-              <a:extLst>
-                <a:ext uri="{FF2B5EF4-FFF2-40B4-BE49-F238E27FC236}">
-                  <a16:creationId xmlns:a16="http://schemas.microsoft.com/office/drawing/2014/main" id="{BB593106-7995-0146-A61C-AA30D3C88C1B}"/>
-                </a:ext>
-              </a:extLst>
-            </p:cNvPr>
-            <p:cNvSpPr txBox="1"/>
-            <p:nvPr/>
-          </p:nvSpPr>
-          <p:spPr>
-            <a:xfrm>
-              <a:off x="7915456" y="1670987"/>
-              <a:ext cx="1441420" cy="646331"/>
-            </a:xfrm>
-            <a:prstGeom prst="rect">
-              <a:avLst/>
-            </a:prstGeom>
-            <a:noFill/>
-          </p:spPr>
-          <p:txBody>
-            <a:bodyPr wrap="none" rtlCol="0">
-              <a:spAutoFit/>
-            </a:bodyPr>
-            <a:lstStyle/>
-            <a:p>
-              <a:r>
-                <a:rPr lang="en-US" dirty="0"/>
-                <a:t>Mocked up </a:t>
-              </a:r>
-            </a:p>
-            <a:p>
-              <a:r>
-                <a:rPr lang="en-US" dirty="0"/>
-                <a:t>dependency</a:t>
-              </a:r>
-            </a:p>
-          </p:txBody>
-        </p:sp>
-        <p:sp>
-          <p:nvSpPr>
-            <p:cNvPr id="12" name="TextBox 11">
-              <a:extLst>
-                <a:ext uri="{FF2B5EF4-FFF2-40B4-BE49-F238E27FC236}">
-                  <a16:creationId xmlns:a16="http://schemas.microsoft.com/office/drawing/2014/main" id="{79799BDB-C20C-2443-9BB8-7F690DB08D4C}"/>
-                </a:ext>
-              </a:extLst>
-            </p:cNvPr>
-            <p:cNvSpPr txBox="1"/>
-            <p:nvPr/>
-          </p:nvSpPr>
-          <p:spPr>
-            <a:xfrm>
-              <a:off x="7915455" y="1211668"/>
-              <a:ext cx="1980029" cy="369332"/>
-            </a:xfrm>
-            <a:prstGeom prst="rect">
-              <a:avLst/>
-            </a:prstGeom>
-            <a:noFill/>
-          </p:spPr>
-          <p:txBody>
-            <a:bodyPr wrap="none" rtlCol="0">
-              <a:spAutoFit/>
-            </a:bodyPr>
-            <a:lstStyle/>
-            <a:p>
-              <a:r>
-                <a:rPr lang="en-US" dirty="0"/>
-                <a:t>Real dependency</a:t>
-              </a:r>
-            </a:p>
-          </p:txBody>
-        </p:sp>
-        <p:sp>
-          <p:nvSpPr>
-            <p:cNvPr id="13" name="Block Arc 12">
-              <a:extLst>
-                <a:ext uri="{FF2B5EF4-FFF2-40B4-BE49-F238E27FC236}">
-                  <a16:creationId xmlns:a16="http://schemas.microsoft.com/office/drawing/2014/main" id="{CE87C671-1F12-AC40-9BC4-1B091AE498DB}"/>
-                </a:ext>
-              </a:extLst>
-            </p:cNvPr>
-            <p:cNvSpPr/>
-            <p:nvPr/>
-          </p:nvSpPr>
-          <p:spPr>
-            <a:xfrm>
-              <a:off x="6352900" y="2320868"/>
-              <a:ext cx="2309000" cy="2026325"/>
-            </a:xfrm>
-            <a:prstGeom prst="blockArc">
-              <a:avLst/>
-            </a:prstGeom>
-            <a:solidFill>
-              <a:schemeClr val="accent3">
-                <a:lumMod val="75000"/>
-              </a:schemeClr>
-            </a:solidFill>
-            <a:ln>
-              <a:solidFill>
-                <a:schemeClr val="tx1"/>
-              </a:solidFill>
-            </a:ln>
-          </p:spPr>
-          <p:style>
-            <a:lnRef idx="1">
-              <a:schemeClr val="accent1"/>
-            </a:lnRef>
-            <a:fillRef idx="3">
-              <a:schemeClr val="accent1"/>
-            </a:fillRef>
-            <a:effectRef idx="2">
-              <a:schemeClr val="accent1"/>
-            </a:effectRef>
-            <a:fontRef idx="minor">
-              <a:schemeClr val="lt1"/>
-            </a:fontRef>
-          </p:style>
-          <p:txBody>
-            <a:bodyPr rtlCol="0" anchor="ctr"/>
-            <a:lstStyle/>
-            <a:p>
-              <a:pPr algn="ctr"/>
-              <a:endParaRPr lang="en-US">
-                <a:solidFill>
-                  <a:schemeClr val="tx1"/>
-                </a:solidFill>
-              </a:endParaRPr>
-            </a:p>
-          </p:txBody>
-        </p:sp>
-        <p:sp>
-          <p:nvSpPr>
-            <p:cNvPr id="14" name="Block Arc 13">
-              <a:extLst>
-                <a:ext uri="{FF2B5EF4-FFF2-40B4-BE49-F238E27FC236}">
-                  <a16:creationId xmlns:a16="http://schemas.microsoft.com/office/drawing/2014/main" id="{7BF11E91-E16B-E741-997E-AF813D313E3B}"/>
-                </a:ext>
-              </a:extLst>
-            </p:cNvPr>
-            <p:cNvSpPr/>
-            <p:nvPr/>
-          </p:nvSpPr>
-          <p:spPr>
-            <a:xfrm flipV="1">
-              <a:off x="6352900" y="2319737"/>
-              <a:ext cx="2309000" cy="2027456"/>
-            </a:xfrm>
-            <a:prstGeom prst="blockArc">
-              <a:avLst/>
-            </a:prstGeom>
-            <a:solidFill>
-              <a:schemeClr val="accent3">
-                <a:lumMod val="75000"/>
-              </a:schemeClr>
-            </a:solidFill>
-            <a:ln>
-              <a:solidFill>
-                <a:schemeClr val="tx1"/>
-              </a:solidFill>
-            </a:ln>
-          </p:spPr>
-          <p:style>
-            <a:lnRef idx="1">
-              <a:schemeClr val="accent1"/>
-            </a:lnRef>
-            <a:fillRef idx="3">
-              <a:schemeClr val="accent1"/>
-            </a:fillRef>
-            <a:effectRef idx="2">
-              <a:schemeClr val="accent1"/>
-            </a:effectRef>
-            <a:fontRef idx="minor">
-              <a:schemeClr val="lt1"/>
-            </a:fontRef>
-          </p:style>
-          <p:txBody>
-            <a:bodyPr rtlCol="0" anchor="ctr"/>
-            <a:lstStyle/>
-            <a:p>
-              <a:pPr algn="ctr"/>
-              <a:endParaRPr lang="en-US">
-                <a:ln>
-                  <a:solidFill>
-                    <a:srgbClr val="9BBB59"/>
-                  </a:solidFill>
-                </a:ln>
-                <a:solidFill>
-                  <a:schemeClr val="accent3">
-                    <a:lumMod val="75000"/>
-                  </a:schemeClr>
-                </a:solidFill>
-              </a:endParaRPr>
-            </a:p>
-          </p:txBody>
-        </p:sp>
-        <p:sp>
-          <p:nvSpPr>
-            <p:cNvPr id="15" name="TextBox 14">
-              <a:extLst>
-                <a:ext uri="{FF2B5EF4-FFF2-40B4-BE49-F238E27FC236}">
-                  <a16:creationId xmlns:a16="http://schemas.microsoft.com/office/drawing/2014/main" id="{F7FEFA12-95D3-2043-A9C4-533287D19328}"/>
-                </a:ext>
-              </a:extLst>
-            </p:cNvPr>
-            <p:cNvSpPr txBox="1"/>
-            <p:nvPr/>
-          </p:nvSpPr>
-          <p:spPr>
-            <a:xfrm>
-              <a:off x="6978772" y="3093876"/>
-              <a:ext cx="1031051" cy="369332"/>
-            </a:xfrm>
-            <a:prstGeom prst="rect">
-              <a:avLst/>
-            </a:prstGeom>
-            <a:noFill/>
-          </p:spPr>
-          <p:txBody>
-            <a:bodyPr wrap="none" rtlCol="0">
-              <a:spAutoFit/>
-            </a:bodyPr>
-            <a:lstStyle/>
-            <a:p>
-              <a:r>
-                <a:rPr lang="en-US" dirty="0"/>
-                <a:t>Unit test</a:t>
-              </a:r>
-            </a:p>
-          </p:txBody>
-        </p:sp>
-        <p:sp>
-          <p:nvSpPr>
-            <p:cNvPr id="16" name="Right Arrow 15">
-              <a:extLst>
-                <a:ext uri="{FF2B5EF4-FFF2-40B4-BE49-F238E27FC236}">
-                  <a16:creationId xmlns:a16="http://schemas.microsoft.com/office/drawing/2014/main" id="{63EB76E8-8912-8543-9442-4548F1A4F1B6}"/>
-                </a:ext>
-              </a:extLst>
-            </p:cNvPr>
-            <p:cNvSpPr/>
-            <p:nvPr/>
-          </p:nvSpPr>
-          <p:spPr>
-            <a:xfrm>
-              <a:off x="5767840" y="3142863"/>
-              <a:ext cx="519745" cy="369332"/>
-            </a:xfrm>
-            <a:prstGeom prst="rightArrow">
-              <a:avLst/>
-            </a:prstGeom>
-            <a:solidFill>
-              <a:schemeClr val="tx1"/>
-            </a:solidFill>
-          </p:spPr>
-          <p:style>
-            <a:lnRef idx="1">
-              <a:schemeClr val="accent1"/>
-            </a:lnRef>
-            <a:fillRef idx="3">
-              <a:schemeClr val="accent1"/>
-            </a:fillRef>
-            <a:effectRef idx="2">
-              <a:schemeClr val="accent1"/>
-            </a:effectRef>
-            <a:fontRef idx="minor">
-              <a:schemeClr val="lt1"/>
-            </a:fontRef>
-          </p:style>
-          <p:txBody>
-            <a:bodyPr rtlCol="0" anchor="ctr"/>
-            <a:lstStyle/>
-            <a:p>
-              <a:pPr algn="ctr"/>
-              <a:endParaRPr lang="en-US"/>
-            </a:p>
-          </p:txBody>
-        </p:sp>
-      </p:grpSp>
-    </p:spTree>
-    <p:custDataLst>
-      <p:tags r:id="rId1"/>
-    </p:custDataLst>
-    <p:extLst>
-      <p:ext uri="{BB962C8B-B14F-4D97-AF65-F5344CB8AC3E}">
-        <p14:creationId xmlns:p14="http://schemas.microsoft.com/office/powerpoint/2010/main" val="1921794061"/>
-      </p:ext>
-    </p:extLst>
-  </p:cSld>
-  <p:clrMapOvr>
-    <a:masterClrMapping/>
-  </p:clrMapOvr>
-  <mc:AlternateContent xmlns:mc="http://schemas.openxmlformats.org/markup-compatibility/2006" xmlns:p14="http://schemas.microsoft.com/office/powerpoint/2010/main">
-    <mc:Choice Requires="p14">
-      <p:transition spd="slow" p14:dur="2000" advTm="197886"/>
-    </mc:Choice>
-    <mc:Fallback xmlns="">
-      <p:transition spd="slow" advTm="197886"/>
-    </mc:Fallback>
-  </mc:AlternateContent>
-  <p:timing>
-    <p:tnLst>
-      <p:par>
-        <p:cTn id="1" dur="indefinite" restart="never" nodeType="tmRoot">
-          <p:childTnLst>
-            <p:seq concurrent="1" nextAc="seek">
-              <p:cTn id="2" dur="indefinite" nodeType="mainSeq">
-                <p:childTnLst>
-                  <p:par>
-                    <p:cTn id="3" fill="hold">
-                      <p:stCondLst>
-                        <p:cond delay="indefinite"/>
-                      </p:stCondLst>
-                      <p:childTnLst>
-                        <p:par>
-                          <p:cTn id="4" fill="hold">
-                            <p:stCondLst>
-                              <p:cond delay="0"/>
-                            </p:stCondLst>
-                            <p:childTnLst>
-                              <p:par>
-                                <p:cTn id="5" presetID="1" presetClass="entr" presetSubtype="0" fill="hold" nodeType="clickEffect">
-                                  <p:stCondLst>
-                                    <p:cond delay="0"/>
-                                  </p:stCondLst>
-                                  <p:childTnLst>
-                                    <p:set>
-                                      <p:cBhvr>
-                                        <p:cTn id="6" dur="1" fill="hold">
-                                          <p:stCondLst>
-                                            <p:cond delay="0"/>
-                                          </p:stCondLst>
-                                        </p:cTn>
-                                        <p:tgtEl>
-                                          <p:spTgt spid="4"/>
-                                        </p:tgtEl>
-                                        <p:attrNameLst>
-                                          <p:attrName>style.visibility</p:attrName>
-                                        </p:attrNameLst>
-                                      </p:cBhvr>
-                                      <p:to>
-                                        <p:strVal val="visible"/>
-                                      </p:to>
-                                    </p:set>
-                                  </p:childTnLst>
-                                </p:cTn>
-                              </p:par>
-                            </p:childTnLst>
-                          </p:cTn>
-                        </p:par>
-                      </p:childTnLst>
-                    </p:cTn>
-                  </p:par>
-                </p:childTnLst>
-              </p:cTn>
-              <p:prevCondLst>
-                <p:cond evt="onPrev" delay="0">
-                  <p:tgtEl>
-                    <p:sldTgt/>
-                  </p:tgtEl>
-                </p:cond>
-              </p:prevCondLst>
-              <p:nextCondLst>
-                <p:cond evt="onNext" delay="0">
-                  <p:tgtEl>
-                    <p:sldTgt/>
-                  </p:tgtEl>
-                </p:cond>
-              </p:nextCondLst>
-            </p:seq>
-          </p:childTnLst>
-        </p:cTn>
-      </p:par>
-    </p:tnLst>
-  </p:timing>
-</p:sld>
-</file>
-
-<file path=ppt/slides/slide4.xml><?xml version="1.0" encoding="utf-8"?>
-<p:sld xmlns:a="http://schemas.openxmlformats.org/drawingml/2006/main" xmlns:r="http://schemas.openxmlformats.org/officeDocument/2006/relationships" xmlns:p="http://schemas.openxmlformats.org/presentationml/2006/main">
-  <p:cSld>
-    <p:spTree>
-      <p:nvGrpSpPr>
-        <p:cNvPr id="1" name=""/>
-        <p:cNvGrpSpPr/>
-        <p:nvPr/>
-      </p:nvGrpSpPr>
-      <p:grpSpPr>
-        <a:xfrm>
-          <a:off x="0" y="0"/>
-          <a:ext cx="0" cy="0"/>
-          <a:chOff x="0" y="0"/>
-          <a:chExt cx="0" cy="0"/>
-        </a:xfrm>
-      </p:grpSpPr>
-      <p:sp>
-        <p:nvSpPr>
-          <p:cNvPr id="2" name="Title 1"/>
-          <p:cNvSpPr>
-            <a:spLocks noGrp="1"/>
-          </p:cNvSpPr>
-          <p:nvPr>
-            <p:ph type="title"/>
-          </p:nvPr>
-        </p:nvSpPr>
-        <p:spPr/>
-        <p:txBody>
-          <a:bodyPr/>
-          <a:lstStyle/>
-          <a:p>
-            <a:r>
-              <a:rPr lang="en-US" dirty="0"/>
-              <a:t>Scaffolding Example from FLASH</a:t>
-            </a:r>
-          </a:p>
-        </p:txBody>
-      </p:sp>
-      <p:sp>
-        <p:nvSpPr>
-          <p:cNvPr id="5" name="Content Placeholder 4"/>
-          <p:cNvSpPr>
-            <a:spLocks noGrp="1"/>
-          </p:cNvSpPr>
-          <p:nvPr>
-            <p:ph sz="quarter" idx="1"/>
-          </p:nvPr>
-        </p:nvSpPr>
-        <p:spPr>
-          <a:xfrm>
-            <a:off x="496346" y="1133098"/>
-            <a:ext cx="4761454" cy="4703822"/>
-          </a:xfrm>
-        </p:spPr>
-        <p:txBody>
-          <a:bodyPr/>
-          <a:lstStyle/>
-          <a:p>
-            <a:pPr marL="0" indent="0">
-              <a:buNone/>
-            </a:pPr>
-            <a:r>
-              <a:rPr lang="en-US" b="1" dirty="0"/>
-              <a:t>Unit test for Grid halo cell fill</a:t>
-            </a:r>
-          </a:p>
-          <a:p>
-            <a:r>
-              <a:rPr lang="en-US" dirty="0"/>
-              <a:t>Verification of guard/ghost/halo  cell fill</a:t>
-            </a:r>
-          </a:p>
-          <a:p>
-            <a:r>
-              <a:rPr lang="en-US" dirty="0"/>
-              <a:t>Use two variables A &amp; B</a:t>
-            </a:r>
-          </a:p>
-          <a:p>
-            <a:r>
-              <a:rPr lang="en-US" dirty="0"/>
-              <a:t>Initialize A in all cells and B only in the interior cells (red)</a:t>
-            </a:r>
-          </a:p>
-          <a:p>
-            <a:r>
-              <a:rPr lang="en-US" dirty="0"/>
-              <a:t>Apply guard cell fill to B </a:t>
-            </a:r>
-          </a:p>
-        </p:txBody>
-      </p:sp>
-      <p:pic>
-        <p:nvPicPr>
-          <p:cNvPr id="7" name="Picture 3"/>
-          <p:cNvPicPr>
-            <a:picLocks noChangeAspect="1" noChangeArrowheads="1"/>
-          </p:cNvPicPr>
-          <p:nvPr/>
-        </p:nvPicPr>
-        <p:blipFill rotWithShape="1">
-          <a:blip r:embed="rId3" cstate="email">
-            <a:extLst>
-              <a:ext uri="{28A0092B-C50C-407E-A947-70E740481C1C}">
-                <a14:useLocalDpi xmlns:a14="http://schemas.microsoft.com/office/drawing/2010/main" val="0"/>
-              </a:ext>
-            </a:extLst>
-          </a:blip>
-          <a:srcRect t="8785" b="22588"/>
-          <a:stretch/>
-        </p:blipFill>
-        <p:spPr>
-          <a:xfrm>
-            <a:off x="5704700" y="1517589"/>
-            <a:ext cx="4960523" cy="3846313"/>
-          </a:xfrm>
-          <a:prstGeom prst="rect">
-            <a:avLst/>
-          </a:prstGeom>
-        </p:spPr>
-      </p:pic>
-      <p:sp>
-        <p:nvSpPr>
-          <p:cNvPr id="6" name="Donut 5">
-            <a:extLst>
-              <a:ext uri="{FF2B5EF4-FFF2-40B4-BE49-F238E27FC236}">
-                <a16:creationId xmlns:a16="http://schemas.microsoft.com/office/drawing/2014/main" id="{AF11DFE6-1CA6-7B47-BB91-0A4FD7EE6189}"/>
-              </a:ext>
-            </a:extLst>
-          </p:cNvPr>
-          <p:cNvSpPr/>
-          <p:nvPr/>
-        </p:nvSpPr>
-        <p:spPr>
-          <a:xfrm>
-            <a:off x="164373" y="4278246"/>
-            <a:ext cx="1847200" cy="1758821"/>
-          </a:xfrm>
-          <a:prstGeom prst="donut">
-            <a:avLst/>
-          </a:prstGeom>
-          <a:solidFill>
-            <a:schemeClr val="accent6">
-              <a:lumMod val="40000"/>
-              <a:lumOff val="60000"/>
-            </a:schemeClr>
-          </a:solidFill>
-          <a:ln>
-            <a:solidFill>
-              <a:schemeClr val="tx1"/>
-            </a:solidFill>
-          </a:ln>
-        </p:spPr>
-        <p:style>
-          <a:lnRef idx="1">
-            <a:schemeClr val="accent1"/>
-          </a:lnRef>
-          <a:fillRef idx="3">
-            <a:schemeClr val="accent1"/>
-          </a:fillRef>
-          <a:effectRef idx="2">
-            <a:schemeClr val="accent1"/>
-          </a:effectRef>
-          <a:fontRef idx="minor">
-            <a:schemeClr val="lt1"/>
-          </a:fontRef>
-        </p:style>
-        <p:txBody>
-          <a:bodyPr rtlCol="0" anchor="ctr"/>
-          <a:lstStyle/>
-          <a:p>
-            <a:pPr algn="ctr"/>
-            <a:r>
-              <a:rPr lang="en-US" dirty="0" err="1">
-                <a:solidFill>
-                  <a:schemeClr val="tx1"/>
-                </a:solidFill>
-              </a:rPr>
-              <a:t>gc</a:t>
-            </a:r>
-            <a:r>
-              <a:rPr lang="en-US" dirty="0">
-                <a:solidFill>
-                  <a:schemeClr val="tx1"/>
-                </a:solidFill>
-              </a:rPr>
-              <a:t> test</a:t>
-            </a:r>
-          </a:p>
-        </p:txBody>
-      </p:sp>
-      <p:sp>
-        <p:nvSpPr>
-          <p:cNvPr id="8" name="Donut 7">
-            <a:extLst>
-              <a:ext uri="{FF2B5EF4-FFF2-40B4-BE49-F238E27FC236}">
-                <a16:creationId xmlns:a16="http://schemas.microsoft.com/office/drawing/2014/main" id="{C8782544-B531-1D40-A502-BF7E9615BCB6}"/>
-              </a:ext>
-            </a:extLst>
-          </p:cNvPr>
-          <p:cNvSpPr/>
-          <p:nvPr/>
-        </p:nvSpPr>
-        <p:spPr>
-          <a:xfrm>
-            <a:off x="2578899" y="4278245"/>
-            <a:ext cx="1847200" cy="1758821"/>
-          </a:xfrm>
-          <a:prstGeom prst="donut">
-            <a:avLst/>
-          </a:prstGeom>
-          <a:solidFill>
-            <a:schemeClr val="accent6">
-              <a:lumMod val="40000"/>
-              <a:lumOff val="60000"/>
-            </a:schemeClr>
-          </a:solidFill>
-          <a:ln>
-            <a:solidFill>
-              <a:schemeClr val="tx1"/>
-            </a:solidFill>
-          </a:ln>
-        </p:spPr>
-        <p:style>
-          <a:lnRef idx="1">
-            <a:schemeClr val="accent1"/>
-          </a:lnRef>
-          <a:fillRef idx="3">
-            <a:schemeClr val="accent1"/>
-          </a:fillRef>
-          <a:effectRef idx="2">
-            <a:schemeClr val="accent1"/>
-          </a:effectRef>
-          <a:fontRef idx="minor">
-            <a:schemeClr val="lt1"/>
-          </a:fontRef>
-        </p:style>
-        <p:txBody>
-          <a:bodyPr rtlCol="0" anchor="ctr"/>
-          <a:lstStyle/>
-          <a:p>
-            <a:pPr algn="ctr"/>
-            <a:r>
-              <a:rPr lang="en-US" dirty="0">
-                <a:solidFill>
-                  <a:schemeClr val="tx1"/>
-                </a:solidFill>
-              </a:rPr>
-              <a:t>Eos test</a:t>
-            </a:r>
-          </a:p>
-        </p:txBody>
-      </p:sp>
-      <p:sp>
-        <p:nvSpPr>
-          <p:cNvPr id="3" name="TextBox 2">
-            <a:extLst>
-              <a:ext uri="{FF2B5EF4-FFF2-40B4-BE49-F238E27FC236}">
-                <a16:creationId xmlns:a16="http://schemas.microsoft.com/office/drawing/2014/main" id="{EA2BEC30-2CA8-E946-81D4-8C60BCD9EF89}"/>
-              </a:ext>
-            </a:extLst>
-          </p:cNvPr>
-          <p:cNvSpPr txBox="1"/>
-          <p:nvPr/>
-        </p:nvSpPr>
-        <p:spPr>
-          <a:xfrm>
-            <a:off x="1704255" y="6037066"/>
-            <a:ext cx="4232762" cy="433965"/>
-          </a:xfrm>
-          <a:prstGeom prst="rect">
-            <a:avLst/>
-          </a:prstGeom>
-          <a:noFill/>
-        </p:spPr>
-        <p:txBody>
-          <a:bodyPr wrap="none" lIns="118872" tIns="91440" rIns="118872" bIns="91440" rtlCol="0" anchor="ctr" anchorCtr="0">
-            <a:spAutoFit/>
-          </a:bodyPr>
-          <a:lstStyle/>
-          <a:p>
-            <a:pPr algn="l">
-              <a:lnSpc>
-                <a:spcPct val="90000"/>
-              </a:lnSpc>
-            </a:pPr>
-            <a:r>
-              <a:rPr lang="en-US" dirty="0"/>
-              <a:t>Similarly, it is possible to build Eos Test</a:t>
-            </a:r>
-          </a:p>
-        </p:txBody>
-      </p:sp>
-    </p:spTree>
-    <p:custDataLst>
-      <p:tags r:id="rId1"/>
-    </p:custDataLst>
-    <p:extLst>
-      <p:ext uri="{BB962C8B-B14F-4D97-AF65-F5344CB8AC3E}">
-        <p14:creationId xmlns:p14="http://schemas.microsoft.com/office/powerpoint/2010/main" val="372551649"/>
-      </p:ext>
-    </p:extLst>
-  </p:cSld>
-  <p:clrMapOvr>
-    <a:masterClrMapping/>
-  </p:clrMapOvr>
-  <mc:AlternateContent xmlns:mc="http://schemas.openxmlformats.org/markup-compatibility/2006" xmlns:p14="http://schemas.microsoft.com/office/powerpoint/2010/main">
-    <mc:Choice Requires="p14">
-      <p:transition spd="slow" p14:dur="2000" advTm="126757"/>
-    </mc:Choice>
-    <mc:Fallback xmlns="">
-      <p:transition spd="slow" advTm="126757"/>
-    </mc:Fallback>
-  </mc:AlternateContent>
-  <p:timing>
-    <p:tnLst>
-      <p:par>
-        <p:cTn id="1" dur="indefinite" restart="never" nodeType="tmRoot">
-          <p:childTnLst>
-            <p:seq concurrent="1" nextAc="seek">
-              <p:cTn id="2" dur="indefinite" nodeType="mainSeq">
-                <p:childTnLst>
-                  <p:par>
-                    <p:cTn id="3" fill="hold">
-                      <p:stCondLst>
-                        <p:cond delay="indefinite"/>
-                      </p:stCondLst>
-                      <p:childTnLst>
-                        <p:par>
-                          <p:cTn id="4" fill="hold">
-                            <p:stCondLst>
-                              <p:cond delay="0"/>
-                            </p:stCondLst>
-                            <p:childTnLst>
-                              <p:par>
-                                <p:cTn id="5" presetID="1" presetClass="entr" presetSubtype="0" fill="hold" grpId="0" nodeType="clickEffect">
-                                  <p:stCondLst>
-                                    <p:cond delay="0"/>
-                                  </p:stCondLst>
-                                  <p:childTnLst>
-                                    <p:set>
-                                      <p:cBhvr>
-                                        <p:cTn id="6" dur="1" fill="hold">
-                                          <p:stCondLst>
-                                            <p:cond delay="0"/>
-                                          </p:stCondLst>
-                                        </p:cTn>
-                                        <p:tgtEl>
-                                          <p:spTgt spid="6"/>
-                                        </p:tgtEl>
-                                        <p:attrNameLst>
-                                          <p:attrName>style.visibility</p:attrName>
-                                        </p:attrNameLst>
-                                      </p:cBhvr>
-                                      <p:to>
-                                        <p:strVal val="visible"/>
-                                      </p:to>
-                                    </p:set>
-                                  </p:childTnLst>
-                                </p:cTn>
-                              </p:par>
-                            </p:childTnLst>
-                          </p:cTn>
-                        </p:par>
-                      </p:childTnLst>
-                    </p:cTn>
-                  </p:par>
-                  <p:par>
-                    <p:cTn id="7" fill="hold">
-                      <p:stCondLst>
-                        <p:cond delay="indefinite"/>
-                      </p:stCondLst>
-                      <p:childTnLst>
-                        <p:par>
-                          <p:cTn id="8" fill="hold">
-                            <p:stCondLst>
-                              <p:cond delay="0"/>
-                            </p:stCondLst>
-                            <p:childTnLst>
-                              <p:par>
-                                <p:cTn id="9" presetID="1" presetClass="entr" presetSubtype="0" fill="hold" grpId="0" nodeType="clickEffect">
-                                  <p:stCondLst>
-                                    <p:cond delay="0"/>
-                                  </p:stCondLst>
-                                  <p:childTnLst>
-                                    <p:set>
-                                      <p:cBhvr>
-                                        <p:cTn id="10" dur="1" fill="hold">
-                                          <p:stCondLst>
-                                            <p:cond delay="0"/>
-                                          </p:stCondLst>
-                                        </p:cTn>
-                                        <p:tgtEl>
-                                          <p:spTgt spid="8"/>
-                                        </p:tgtEl>
-                                        <p:attrNameLst>
-                                          <p:attrName>style.visibility</p:attrName>
-                                        </p:attrNameLst>
-                                      </p:cBhvr>
-                                      <p:to>
-                                        <p:strVal val="visible"/>
-                                      </p:to>
-                                    </p:set>
-                                  </p:childTnLst>
-                                </p:cTn>
-                              </p:par>
-                            </p:childTnLst>
-                          </p:cTn>
-                        </p:par>
-                      </p:childTnLst>
-                    </p:cTn>
-                  </p:par>
-                </p:childTnLst>
-              </p:cTn>
-              <p:prevCondLst>
-                <p:cond evt="onPrev" delay="0">
-                  <p:tgtEl>
-                    <p:sldTgt/>
-                  </p:tgtEl>
-                </p:cond>
-              </p:prevCondLst>
-              <p:nextCondLst>
-                <p:cond evt="onNext" delay="0">
-                  <p:tgtEl>
-                    <p:sldTgt/>
-                  </p:tgtEl>
-                </p:cond>
-              </p:nextCondLst>
-            </p:seq>
-          </p:childTnLst>
-        </p:cTn>
-      </p:par>
-    </p:tnLst>
-    <p:bldLst>
-      <p:bldP spid="6" grpId="0" animBg="1"/>
-      <p:bldP spid="8" grpId="0" animBg="1"/>
-    </p:bldLst>
-  </p:timing>
-</p:sld>
-</file>
-
-<file path=ppt/slides/slide5.xml><?xml version="1.0" encoding="utf-8"?>
+<file path=ppt/slides/slide10.xml><?xml version="1.0" encoding="utf-8"?>
 <p:sld xmlns:a="http://schemas.openxmlformats.org/drawingml/2006/main" xmlns:r="http://schemas.openxmlformats.org/officeDocument/2006/relationships" xmlns:p="http://schemas.openxmlformats.org/presentationml/2006/main">
   <p:cSld>
     <p:spTree>
@@ -6836,7 +7098,7 @@
           <p:nvPr/>
         </p:nvPicPr>
         <p:blipFill>
-          <a:blip r:embed="rId3" cstate="email">
+          <a:blip r:embed="rId4" cstate="email">
             <a:extLst>
               <a:ext uri="{28A0092B-C50C-407E-A947-70E740481C1C}">
                 <a14:useLocalDpi xmlns:a14="http://schemas.microsoft.com/office/drawing/2010/main" val="0"/>
@@ -6859,7 +7121,7 @@
           <a:noFill/>
           <a:extLst>
             <a:ext uri="{909E8E84-426E-40dd-AFC4-6F175D3DCCD1}">
-              <a14:hiddenFill xmlns:a14="http://schemas.microsoft.com/office/drawing/2010/main" xmlns="">
+              <a14:hiddenFill xmlns="" xmlns:a14="http://schemas.microsoft.com/office/drawing/2010/main">
                 <a:solidFill>
                   <a:srgbClr val="FFFFFF"/>
                 </a:solidFill>
@@ -7224,7 +7486,7 @@
           <a:p>
             <a:r>
               <a:rPr lang="en-US" dirty="0"/>
-              <a:t>Scaffolding Example from FLASH</a:t>
+              <a:t>Example 3: Structured Testing</a:t>
             </a:r>
           </a:p>
         </p:txBody>
@@ -7235,7 +7497,7 @@
     </p:custDataLst>
     <p:extLst>
       <p:ext uri="{BB962C8B-B14F-4D97-AF65-F5344CB8AC3E}">
-        <p14:creationId xmlns:p14="http://schemas.microsoft.com/office/powerpoint/2010/main" val="389952469"/>
+        <p14:creationId xmlns:p14="http://schemas.microsoft.com/office/powerpoint/2010/main" val="217788325"/>
       </p:ext>
     </p:extLst>
   </p:cSld>
@@ -7515,7 +7777,7 @@
 </p:sld>
 </file>
 
-<file path=ppt/slides/slide6.xml><?xml version="1.0" encoding="utf-8"?>
+<file path=ppt/slides/slide11.xml><?xml version="1.0" encoding="utf-8"?>
 <p:sld xmlns:a="http://schemas.openxmlformats.org/drawingml/2006/main" xmlns:r="http://schemas.openxmlformats.org/officeDocument/2006/relationships" xmlns:p="http://schemas.openxmlformats.org/presentationml/2006/main">
   <p:cSld>
     <p:spTree>
@@ -7875,7 +8137,7 @@
           <a:p>
             <a:r>
               <a:rPr lang="en-US" dirty="0"/>
-              <a:t>Scaffolding Example from FLASH</a:t>
+              <a:t>Example 3: Structured Testing</a:t>
             </a:r>
           </a:p>
         </p:txBody>
@@ -7883,7 +8145,7 @@
     </p:spTree>
     <p:extLst>
       <p:ext uri="{BB962C8B-B14F-4D97-AF65-F5344CB8AC3E}">
-        <p14:creationId xmlns:p14="http://schemas.microsoft.com/office/powerpoint/2010/main" val="1994422126"/>
+        <p14:creationId xmlns:p14="http://schemas.microsoft.com/office/powerpoint/2010/main" val="2981466927"/>
       </p:ext>
     </p:extLst>
   </p:cSld>
@@ -7901,7 +8163,7 @@
 </p:sld>
 </file>
 
-<file path=ppt/slides/slide7.xml><?xml version="1.0" encoding="utf-8"?>
+<file path=ppt/slides/slide12.xml><?xml version="1.0" encoding="utf-8"?>
 <p:sld xmlns:a="http://schemas.openxmlformats.org/drawingml/2006/main" xmlns:r="http://schemas.openxmlformats.org/officeDocument/2006/relationships" xmlns:p="http://schemas.openxmlformats.org/presentationml/2006/main">
   <p:cSld>
     <p:spTree>
@@ -7935,7 +8197,7 @@
           <a:p>
             <a:r>
               <a:rPr lang="en-US" dirty="0"/>
-              <a:t>Test Selection</a:t>
+              <a:t>Example 4: Coverage Matrix (physics vs. functionalities)</a:t>
             </a:r>
           </a:p>
         </p:txBody>
@@ -7999,7 +8261,7 @@
         </p:nvSpPr>
         <p:spPr bwMode="auto">
           <a:xfrm>
-            <a:off x="3617843" y="3355804"/>
+            <a:off x="3578749" y="3611769"/>
             <a:ext cx="7980149" cy="2524362"/>
           </a:xfrm>
           <a:prstGeom prst="rect">
@@ -8018,7 +8280,7 @@
             <a:prstTxWarp prst="textNoShape">
               <a:avLst/>
             </a:prstTxWarp>
-            <a:normAutofit fontScale="70000" lnSpcReduction="20000"/>
+            <a:normAutofit fontScale="92500" lnSpcReduction="10000"/>
           </a:bodyPr>
           <a:lstStyle>
             <a:lvl1pPr marL="230188" indent="-230188" algn="l" rtl="0" eaLnBrk="1" fontAlgn="base" hangingPunct="1">
@@ -8205,21 +8467,7 @@
           <a:p>
             <a:r>
               <a:rPr lang="en-US" dirty="0"/>
-              <a:t>Build a functionality matrix</a:t>
-            </a:r>
-          </a:p>
-          <a:p>
-            <a:r>
-              <a:rPr lang="en-US" dirty="0"/>
-              <a:t>Mark &lt;</a:t>
-            </a:r>
-            <a:r>
-              <a:rPr lang="en-US" dirty="0" err="1"/>
-              <a:t>i,j</a:t>
-            </a:r>
-            <a:r>
-              <a:rPr lang="en-US" dirty="0"/>
-              <a:t>&gt; if test covers corresponding features, and is a valid combination</a:t>
+              <a:t>Map your tests and examples – what do they do?</a:t>
             </a:r>
           </a:p>
           <a:p>
@@ -8232,28 +8480,36 @@
             <a:pPr lvl="1"/>
             <a:r>
               <a:rPr lang="en-US" dirty="0"/>
-              <a:t>All unit tests – including full module tests</a:t>
+              <a:t>All unit tests – including full module tests (e.g. CL)</a:t>
             </a:r>
           </a:p>
           <a:p>
             <a:pPr lvl="1"/>
             <a:r>
               <a:rPr lang="en-US" dirty="0"/>
-              <a:t>Tests sensitive to perturbations</a:t>
+              <a:t>Tests sensitive to perturbations (e.g. SV)</a:t>
             </a:r>
           </a:p>
           <a:p>
             <a:pPr lvl="1"/>
             <a:r>
               <a:rPr lang="en-US" dirty="0"/>
-              <a:t>Most stringent tests for solvers</a:t>
+              <a:t>Most stringent tests for solvers (e.g. WD, PT)</a:t>
             </a:r>
           </a:p>
           <a:p>
             <a:pPr lvl="1"/>
             <a:r>
               <a:rPr lang="en-US" dirty="0"/>
-              <a:t>Least complex test to cover remaining spots</a:t>
+              <a:t>Least complex test to cover remaining spots (</a:t>
+            </a:r>
+            <a:r>
+              <a:rPr lang="en-US" b="1" dirty="0"/>
+              <a:t>Aha!</a:t>
+            </a:r>
+            <a:r>
+              <a:rPr lang="en-US" dirty="0"/>
+              <a:t>)</a:t>
             </a:r>
           </a:p>
           <a:p>
@@ -8557,7 +8813,7 @@
         </p:nvGrpSpPr>
         <p:grpSpPr>
           <a:xfrm>
-            <a:off x="3294356" y="1195092"/>
+            <a:off x="3294356" y="1412064"/>
             <a:ext cx="8690163" cy="2254933"/>
             <a:chOff x="0" y="1600200"/>
             <a:chExt cx="8692427" cy="2255520"/>
@@ -9023,7 +9279,7 @@
             <p:nvPr/>
           </p:nvPicPr>
           <p:blipFill rotWithShape="1">
-            <a:blip r:embed="rId2">
+            <a:blip r:embed="rId3">
               <a:extLst>
                 <a:ext uri="{28A0092B-C50C-407E-A947-70E740481C1C}">
                   <a14:useLocalDpi xmlns:a14="http://schemas.microsoft.com/office/drawing/2010/main" val="0"/>
@@ -9047,7 +9303,7 @@
     </p:spTree>
     <p:extLst>
       <p:ext uri="{BB962C8B-B14F-4D97-AF65-F5344CB8AC3E}">
-        <p14:creationId xmlns:p14="http://schemas.microsoft.com/office/powerpoint/2010/main" val="3767531542"/>
+        <p14:creationId xmlns:p14="http://schemas.microsoft.com/office/powerpoint/2010/main" val="2920270398"/>
       </p:ext>
     </p:extLst>
   </p:cSld>
@@ -9065,7 +9321,7 @@
 </p:sld>
 </file>
 
-<file path=ppt/slides/slide8.xml><?xml version="1.0" encoding="utf-8"?>
+<file path=ppt/slides/slide13.xml><?xml version="1.0" encoding="utf-8"?>
 <p:sld xmlns:a="http://schemas.openxmlformats.org/drawingml/2006/main" xmlns:r="http://schemas.openxmlformats.org/officeDocument/2006/relationships" xmlns:p="http://schemas.openxmlformats.org/presentationml/2006/main">
   <p:cSld>
     <p:spTree>
@@ -9122,7 +9378,7 @@
             </a:pPr>
             <a:r>
               <a:rPr lang="en-US" dirty="0"/>
-              <a:t>Testing at various granularities helps build confidence</a:t>
+              <a:t>Context: understand testing needs and costs</a:t>
             </a:r>
           </a:p>
           <a:p>
@@ -9148,7 +9404,7 @@
             </a:pPr>
             <a:r>
               <a:rPr lang="en-US" dirty="0"/>
-              <a:t>Same applies to ensuring coverage</a:t>
+              <a:t>test at various granularities – bottom-up (UNIT/verification) through top-down (integration/validation)</a:t>
             </a:r>
           </a:p>
           <a:p>
@@ -9161,24 +9417,34 @@
             </a:pPr>
             <a:r>
               <a:rPr lang="en-US" dirty="0"/>
-              <a:t>Make sure that your tests fail when they should</a:t>
-            </a:r>
-          </a:p>
-          <a:p>
+              <a:t>Tests at various difficulties – CI vs. regression</a:t>
+            </a:r>
+          </a:p>
+          <a:p>
+            <a:pPr marL="457200" indent="-457200">
+              <a:buClr>
+                <a:schemeClr val="bg1"/>
+              </a:buClr>
+              <a:buFont typeface="Arial" panose="020B0604020202020204" pitchFamily="34" charset="0"/>
+              <a:buChar char="•"/>
+            </a:pPr>
             <a:r>
               <a:rPr lang="en-US" dirty="0"/>
-              <a:t>…….Questions ? </a:t>
-            </a:r>
-          </a:p>
-          <a:p>
-            <a:endParaRPr lang="en-US" dirty="0"/>
+              <a:t>Maintain a holistic validation strategy: think globally, act locally</a:t>
+            </a:r>
+          </a:p>
+          <a:p>
+            <a:r>
+              <a:rPr lang="en-US" dirty="0"/>
+              <a:t>…….Questions ?</a:t>
+            </a:r>
           </a:p>
         </p:txBody>
       </p:sp>
     </p:spTree>
     <p:extLst>
       <p:ext uri="{BB962C8B-B14F-4D97-AF65-F5344CB8AC3E}">
-        <p14:creationId xmlns:p14="http://schemas.microsoft.com/office/powerpoint/2010/main" val="4007319421"/>
+        <p14:creationId xmlns:p14="http://schemas.microsoft.com/office/powerpoint/2010/main" val="275738628"/>
       </p:ext>
     </p:extLst>
   </p:cSld>
@@ -9200,19 +9466,4857 @@
 </p:sld>
 </file>
 
+<file path=ppt/slides/slide2.xml><?xml version="1.0" encoding="utf-8"?>
+<p:sld xmlns:a="http://schemas.openxmlformats.org/drawingml/2006/main" xmlns:r="http://schemas.openxmlformats.org/officeDocument/2006/relationships" xmlns:p="http://schemas.openxmlformats.org/presentationml/2006/main">
+  <p:cSld>
+    <p:spTree>
+      <p:nvGrpSpPr>
+        <p:cNvPr id="1" name=""/>
+        <p:cNvGrpSpPr/>
+        <p:nvPr/>
+      </p:nvGrpSpPr>
+      <p:grpSpPr>
+        <a:xfrm>
+          <a:off x="0" y="0"/>
+          <a:ext cx="0" cy="0"/>
+          <a:chOff x="0" y="0"/>
+          <a:chExt cx="0" cy="0"/>
+        </a:xfrm>
+      </p:grpSpPr>
+      <p:sp>
+        <p:nvSpPr>
+          <p:cNvPr id="2" name="Title 1">
+            <a:extLst>
+              <a:ext uri="{FF2B5EF4-FFF2-40B4-BE49-F238E27FC236}">
+                <a16:creationId xmlns:a16="http://schemas.microsoft.com/office/drawing/2014/main" id="{6442C24D-D970-4D40-8F14-D70C10A96304}"/>
+              </a:ext>
+            </a:extLst>
+          </p:cNvPr>
+          <p:cNvSpPr>
+            <a:spLocks noGrp="1"/>
+          </p:cNvSpPr>
+          <p:nvPr>
+            <p:ph type="title"/>
+          </p:nvPr>
+        </p:nvSpPr>
+        <p:spPr>
+          <a:xfrm>
+            <a:off x="363096" y="112911"/>
+            <a:ext cx="11372473" cy="914400"/>
+          </a:xfrm>
+        </p:spPr>
+        <p:txBody>
+          <a:bodyPr/>
+          <a:lstStyle/>
+          <a:p>
+            <a:r>
+              <a:rPr lang="en-US" dirty="0"/>
+              <a:t>License, Citation and Acknowledgements</a:t>
+            </a:r>
+          </a:p>
+        </p:txBody>
+      </p:sp>
+      <p:sp>
+        <p:nvSpPr>
+          <p:cNvPr id="3" name="Content Placeholder 2">
+            <a:extLst>
+              <a:ext uri="{FF2B5EF4-FFF2-40B4-BE49-F238E27FC236}">
+                <a16:creationId xmlns:a16="http://schemas.microsoft.com/office/drawing/2014/main" id="{0385A3AB-B258-4D59-B407-F7D57545A163}"/>
+              </a:ext>
+            </a:extLst>
+          </p:cNvPr>
+          <p:cNvSpPr>
+            <a:spLocks noGrp="1"/>
+          </p:cNvSpPr>
+          <p:nvPr>
+            <p:ph idx="1"/>
+          </p:nvPr>
+        </p:nvSpPr>
+        <p:spPr>
+          <a:xfrm>
+            <a:off x="409507" y="570111"/>
+            <a:ext cx="11369809" cy="4047778"/>
+          </a:xfrm>
+        </p:spPr>
+        <p:txBody>
+          <a:bodyPr/>
+          <a:lstStyle/>
+          <a:p>
+            <a:pPr marL="0" indent="0">
+              <a:buNone/>
+            </a:pPr>
+            <a:r>
+              <a:rPr lang="en-US" sz="2000" b="1" dirty="0"/>
+              <a:t>License and Citation</a:t>
+            </a:r>
+          </a:p>
+          <a:p>
+            <a:pPr>
+              <a:spcBef>
+                <a:spcPts val="400"/>
+              </a:spcBef>
+            </a:pPr>
+            <a:r>
+              <a:rPr lang="en-US" sz="1600" dirty="0"/>
+              <a:t>This work is licensed under a </a:t>
+            </a:r>
+            <a:r>
+              <a:rPr lang="en-US" sz="1600" dirty="0">
+                <a:hlinkClick r:id="rId2"/>
+              </a:rPr>
+              <a:t>Creative</a:t>
+            </a:r>
+            <a:r>
+              <a:rPr lang="en-US" sz="1600" dirty="0">
+                <a:hlinkClick r:id="rId3"/>
+              </a:rPr>
+              <a:t> Commons Attribution 4.0 International License</a:t>
+            </a:r>
+            <a:r>
+              <a:rPr lang="en-US" sz="1600" dirty="0"/>
+              <a:t> (CC BY 4.0).</a:t>
+            </a:r>
+          </a:p>
+          <a:p>
+            <a:pPr>
+              <a:spcBef>
+                <a:spcPts val="400"/>
+              </a:spcBef>
+            </a:pPr>
+            <a:r>
+              <a:rPr lang="en-US" sz="1600" b="1" dirty="0"/>
+              <a:t>Requested citation for the overall tutorial: David E. Bernholdt, Anshu Dubey, David M. Rogers, Rinku K. Gupta, Better Scientific Software tutorial, in ISS ‘21: 2021. DOI: (</a:t>
+            </a:r>
+            <a:r>
+              <a:rPr lang="en-US" sz="1600" b="1" dirty="0" err="1"/>
+              <a:t>tbd</a:t>
+            </a:r>
+            <a:r>
+              <a:rPr lang="en-US" sz="1600" b="1" dirty="0"/>
+              <a:t>)</a:t>
+            </a:r>
+          </a:p>
+          <a:p>
+            <a:pPr>
+              <a:spcBef>
+                <a:spcPts val="400"/>
+              </a:spcBef>
+            </a:pPr>
+            <a:r>
+              <a:rPr lang="en-US" sz="1600" dirty="0"/>
+              <a:t>Individual modules may be cited as </a:t>
+            </a:r>
+            <a:r>
+              <a:rPr lang="en-US" sz="1600" i="1" dirty="0"/>
+              <a:t>Speaker, Module Title</a:t>
+            </a:r>
+            <a:r>
+              <a:rPr lang="en-US" sz="1600" dirty="0"/>
+              <a:t>, in Better Scientific Software tutorial…</a:t>
+            </a:r>
+          </a:p>
+          <a:p>
+            <a:pPr marL="0" indent="0">
+              <a:spcBef>
+                <a:spcPts val="800"/>
+              </a:spcBef>
+              <a:buNone/>
+            </a:pPr>
+            <a:r>
+              <a:rPr lang="en-US" sz="2000" b="1" dirty="0"/>
+              <a:t>Acknowledgements</a:t>
+            </a:r>
+          </a:p>
+          <a:p>
+            <a:pPr>
+              <a:spcBef>
+                <a:spcPts val="400"/>
+              </a:spcBef>
+            </a:pPr>
+            <a:r>
+              <a:rPr lang="en-US" sz="1400" dirty="0"/>
+              <a:t>Additional contributors include: Mike </a:t>
+            </a:r>
+            <a:r>
+              <a:rPr lang="en-US" sz="1400" dirty="0" err="1"/>
+              <a:t>Heroux</a:t>
+            </a:r>
+            <a:r>
+              <a:rPr lang="en-US" sz="1400" dirty="0"/>
+              <a:t>, Alicia </a:t>
+            </a:r>
+            <a:r>
+              <a:rPr lang="en-US" sz="1400" dirty="0" err="1"/>
+              <a:t>Klinvex</a:t>
+            </a:r>
+            <a:r>
+              <a:rPr lang="en-US" sz="1400" dirty="0"/>
+              <a:t>, Mark Miller, Jared O’Neal, Katherine Riley, Patricia A. Grubel, Deborah Stevens, James </a:t>
+            </a:r>
+            <a:r>
+              <a:rPr lang="en-US" sz="1400" dirty="0" err="1"/>
+              <a:t>Willenbring</a:t>
+            </a:r>
+            <a:endParaRPr lang="en-US" sz="1400" dirty="0"/>
+          </a:p>
+          <a:p>
+            <a:pPr>
+              <a:spcBef>
+                <a:spcPts val="400"/>
+              </a:spcBef>
+            </a:pPr>
+            <a:r>
+              <a:rPr lang="en-US" sz="1400" dirty="0"/>
+              <a:t>This work was supported by the U.S. Department of Energy Office of Science, Office of Advanced Scientific Computing Research (ASCR), and by the </a:t>
+            </a:r>
+            <a:r>
+              <a:rPr lang="en-US" sz="1400" dirty="0" err="1"/>
+              <a:t>Exascale</a:t>
+            </a:r>
+            <a:r>
+              <a:rPr lang="en-US" sz="1400" dirty="0"/>
+              <a:t> Computing Project (17-SC-20-SC), a collaborative effort of the U.S. Department of Energy Office of Science and the National Nuclear Security Administration</a:t>
+            </a:r>
+            <a:r>
+              <a:rPr lang="en-US" sz="1400" i="1" dirty="0"/>
+              <a:t>.</a:t>
+            </a:r>
+            <a:endParaRPr lang="en-US" sz="1400" dirty="0"/>
+          </a:p>
+          <a:p>
+            <a:pPr>
+              <a:spcBef>
+                <a:spcPts val="400"/>
+              </a:spcBef>
+            </a:pPr>
+            <a:r>
+              <a:rPr lang="en-US" sz="1400" dirty="0"/>
+              <a:t>This work was performed in part at the Argonne National Laboratory, which is managed by </a:t>
+            </a:r>
+            <a:r>
+              <a:rPr lang="en-US" sz="1400" dirty="0" err="1"/>
+              <a:t>UChicago</a:t>
+            </a:r>
+            <a:r>
+              <a:rPr lang="en-US" sz="1400" dirty="0"/>
+              <a:t> Argonne, LLC for the U.S. Department of Energy under Contract No. DE-AC02-06CH11357.</a:t>
+            </a:r>
+          </a:p>
+          <a:p>
+            <a:pPr>
+              <a:spcBef>
+                <a:spcPts val="400"/>
+              </a:spcBef>
+            </a:pPr>
+            <a:r>
+              <a:rPr lang="en-US" sz="1400" dirty="0"/>
+              <a:t>This work was performed in part at the Oak Ridge National Laboratory, which is managed by UT-Battelle, LLC for the U.S. Department of Energy under Contract No. DE-AC05-00OR22725.</a:t>
+            </a:r>
+          </a:p>
+          <a:p>
+            <a:pPr>
+              <a:spcBef>
+                <a:spcPts val="400"/>
+              </a:spcBef>
+            </a:pPr>
+            <a:r>
+              <a:rPr lang="en-US" sz="1400" dirty="0"/>
+              <a:t>This work was performed in part at the Lawrence Livermore National Laboratory, which is managed by Lawrence Livermore National Security, LLC for the U.S. Department of Energy under Contract No. DE-AC52-07NA27344.</a:t>
+            </a:r>
+          </a:p>
+          <a:p>
+            <a:pPr>
+              <a:spcBef>
+                <a:spcPts val="400"/>
+              </a:spcBef>
+            </a:pPr>
+            <a:r>
+              <a:rPr lang="en-US" sz="1400" dirty="0"/>
+              <a:t>This work was performed in part at the Los Alamos National Laboratory, which is managed by Triad National Security, LLC for the U.S. Department of Energy under Contract No.89233218CNA000001</a:t>
+            </a:r>
+          </a:p>
+          <a:p>
+            <a:pPr>
+              <a:spcBef>
+                <a:spcPts val="400"/>
+              </a:spcBef>
+            </a:pPr>
+            <a:r>
+              <a:rPr lang="en-US" sz="1400" dirty="0"/>
+              <a:t>This work was performed in part at Sandia National Laboratories. Sandia National Laboratories is a multi-mission laboratory managed and operated by National Technology and Engineering Solutions of Sandia, LLC., a wholly owned subsidiary of Honeywell International, Inc., for the U.S. Department of Energy’s National Nuclear Security Administration under contract DE-NA0003525.</a:t>
+            </a:r>
+          </a:p>
+        </p:txBody>
+      </p:sp>
+      <p:pic>
+        <p:nvPicPr>
+          <p:cNvPr id="4" name="Picture 2" descr="https://licensebuttons.net/l/by/4.0/88x31.png">
+            <a:extLst>
+              <a:ext uri="{FF2B5EF4-FFF2-40B4-BE49-F238E27FC236}">
+                <a16:creationId xmlns:a16="http://schemas.microsoft.com/office/drawing/2014/main" id="{61840015-22A0-4634-A2DE-AA05F998FD3A}"/>
+              </a:ext>
+            </a:extLst>
+          </p:cNvPr>
+          <p:cNvPicPr>
+            <a:picLocks noChangeAspect="1" noChangeArrowheads="1"/>
+          </p:cNvPicPr>
+          <p:nvPr/>
+        </p:nvPicPr>
+        <p:blipFill>
+          <a:blip r:embed="rId4">
+            <a:extLst>
+              <a:ext uri="{28A0092B-C50C-407E-A947-70E740481C1C}">
+                <a14:useLocalDpi xmlns:a14="http://schemas.microsoft.com/office/drawing/2010/main" val="0"/>
+              </a:ext>
+            </a:extLst>
+          </a:blip>
+          <a:srcRect/>
+          <a:stretch>
+            <a:fillRect/>
+          </a:stretch>
+        </p:blipFill>
+        <p:spPr bwMode="auto">
+          <a:xfrm>
+            <a:off x="10249254" y="570111"/>
+            <a:ext cx="1661258" cy="585216"/>
+          </a:xfrm>
+          <a:prstGeom prst="rect">
+            <a:avLst/>
+          </a:prstGeom>
+          <a:noFill/>
+          <a:extLst>
+            <a:ext uri="{909E8E84-426E-40DD-AFC4-6F175D3DCCD1}">
+              <a14:hiddenFill xmlns:a14="http://schemas.microsoft.com/office/drawing/2010/main">
+                <a:solidFill>
+                  <a:srgbClr val="FFFFFF"/>
+                </a:solidFill>
+              </a14:hiddenFill>
+            </a:ext>
+          </a:extLst>
+        </p:spPr>
+      </p:pic>
+    </p:spTree>
+    <p:extLst>
+      <p:ext uri="{BB962C8B-B14F-4D97-AF65-F5344CB8AC3E}">
+        <p14:creationId xmlns:p14="http://schemas.microsoft.com/office/powerpoint/2010/main" val="1028539889"/>
+      </p:ext>
+    </p:extLst>
+  </p:cSld>
+  <p:clrMapOvr>
+    <a:masterClrMapping/>
+  </p:clrMapOvr>
+</p:sld>
+</file>
+
+<file path=ppt/slides/slide3.xml><?xml version="1.0" encoding="utf-8"?>
+<p:sld xmlns:a="http://schemas.openxmlformats.org/drawingml/2006/main" xmlns:r="http://schemas.openxmlformats.org/officeDocument/2006/relationships" xmlns:p="http://schemas.openxmlformats.org/presentationml/2006/main">
+  <p:cSld>
+    <p:spTree>
+      <p:nvGrpSpPr>
+        <p:cNvPr id="1" name=""/>
+        <p:cNvGrpSpPr/>
+        <p:nvPr/>
+      </p:nvGrpSpPr>
+      <p:grpSpPr>
+        <a:xfrm>
+          <a:off x="0" y="0"/>
+          <a:ext cx="0" cy="0"/>
+          <a:chOff x="0" y="0"/>
+          <a:chExt cx="0" cy="0"/>
+        </a:xfrm>
+      </p:grpSpPr>
+      <p:sp>
+        <p:nvSpPr>
+          <p:cNvPr id="38" name="Title 1"/>
+          <p:cNvSpPr>
+            <a:spLocks noGrp="1"/>
+          </p:cNvSpPr>
+          <p:nvPr>
+            <p:ph type="title"/>
+          </p:nvPr>
+        </p:nvSpPr>
+        <p:spPr>
+          <a:xfrm>
+            <a:off x="804462" y="233314"/>
+            <a:ext cx="8227457" cy="510904"/>
+          </a:xfrm>
+        </p:spPr>
+        <p:txBody>
+          <a:bodyPr/>
+          <a:lstStyle/>
+          <a:p>
+            <a:r>
+              <a:rPr lang="en-US" dirty="0"/>
+              <a:t>How to build your test suite?</a:t>
+            </a:r>
+          </a:p>
+        </p:txBody>
+      </p:sp>
+      <p:sp>
+        <p:nvSpPr>
+          <p:cNvPr id="21" name="Content Placeholder 4"/>
+          <p:cNvSpPr>
+            <a:spLocks noGrp="1"/>
+          </p:cNvSpPr>
+          <p:nvPr>
+            <p:ph sz="quarter" idx="1"/>
+          </p:nvPr>
+        </p:nvSpPr>
+        <p:spPr>
+          <a:xfrm>
+            <a:off x="880642" y="1012372"/>
+            <a:ext cx="10357629" cy="4916480"/>
+          </a:xfrm>
+        </p:spPr>
+        <p:txBody>
+          <a:bodyPr numCol="2">
+            <a:normAutofit/>
+          </a:bodyPr>
+          <a:lstStyle/>
+          <a:p>
+            <a:r>
+              <a:rPr lang="en-US" dirty="0"/>
+              <a:t>Two “levels”</a:t>
+            </a:r>
+          </a:p>
+          <a:p>
+            <a:pPr lvl="1"/>
+            <a:r>
+              <a:rPr lang="en-US" dirty="0"/>
+              <a:t>Regression testing </a:t>
+            </a:r>
+          </a:p>
+          <a:p>
+            <a:pPr lvl="2"/>
+            <a:r>
+              <a:rPr lang="en-US" dirty="0"/>
+              <a:t>May be long running</a:t>
+            </a:r>
+          </a:p>
+          <a:p>
+            <a:pPr lvl="2"/>
+            <a:r>
+              <a:rPr lang="en-US" dirty="0"/>
+              <a:t>Provide comprehensive coverage</a:t>
+            </a:r>
+          </a:p>
+          <a:p>
+            <a:pPr lvl="1"/>
+            <a:r>
+              <a:rPr lang="en-US" dirty="0"/>
+              <a:t>Continuous integration</a:t>
+            </a:r>
+          </a:p>
+          <a:p>
+            <a:pPr lvl="2"/>
+            <a:r>
+              <a:rPr lang="en-US" dirty="0"/>
+              <a:t>Quick diagnosis of error</a:t>
+            </a:r>
+          </a:p>
+          <a:p>
+            <a:r>
+              <a:rPr lang="en-US" dirty="0"/>
+              <a:t>A mix of different granularities works well</a:t>
+            </a:r>
+          </a:p>
+          <a:p>
+            <a:pPr lvl="1"/>
+            <a:r>
+              <a:rPr lang="en-US" dirty="0"/>
+              <a:t>Unit tests for isolating component or sub-component level faults </a:t>
+            </a:r>
+          </a:p>
+          <a:p>
+            <a:pPr lvl="1"/>
+            <a:r>
+              <a:rPr lang="en-US" dirty="0"/>
+              <a:t>Integration tests with simple to complex configuration and system level</a:t>
+            </a:r>
+          </a:p>
+          <a:p>
+            <a:pPr lvl="1"/>
+            <a:r>
+              <a:rPr lang="en-US" dirty="0"/>
+              <a:t>Restart tests</a:t>
+            </a:r>
+          </a:p>
+          <a:p>
+            <a:r>
+              <a:rPr lang="en-US" dirty="0"/>
+              <a:t> Rules of thumb</a:t>
+            </a:r>
+          </a:p>
+          <a:p>
+            <a:pPr lvl="1"/>
+            <a:r>
+              <a:rPr lang="en-US" dirty="0"/>
+              <a:t>Simple </a:t>
+            </a:r>
+          </a:p>
+          <a:p>
+            <a:pPr lvl="1"/>
+            <a:r>
+              <a:rPr lang="en-US" dirty="0"/>
+              <a:t>Enable quick pin-pointing </a:t>
+            </a:r>
+          </a:p>
+          <a:p>
+            <a:pPr marL="346075" lvl="1" indent="0">
+              <a:buNone/>
+            </a:pPr>
+            <a:endParaRPr lang="en-US" dirty="0"/>
+          </a:p>
+          <a:p>
+            <a:pPr marL="346075" lvl="1" indent="0">
+              <a:buNone/>
+            </a:pPr>
+            <a:r>
+              <a:rPr lang="en-US" dirty="0"/>
+              <a:t>Useful resources </a:t>
+            </a:r>
+            <a:r>
+              <a:rPr lang="en-US" dirty="0">
+                <a:hlinkClick r:id="rId3"/>
+              </a:rPr>
+              <a:t>https://ideas-productivity.org/resources/howtos/</a:t>
+            </a:r>
+            <a:endParaRPr lang="en-US" dirty="0"/>
+          </a:p>
+        </p:txBody>
+      </p:sp>
+    </p:spTree>
+    <p:extLst>
+      <p:ext uri="{BB962C8B-B14F-4D97-AF65-F5344CB8AC3E}">
+        <p14:creationId xmlns:p14="http://schemas.microsoft.com/office/powerpoint/2010/main" val="441676309"/>
+      </p:ext>
+    </p:extLst>
+  </p:cSld>
+  <p:clrMapOvr>
+    <a:masterClrMapping/>
+  </p:clrMapOvr>
+  <mc:AlternateContent xmlns:mc="http://schemas.openxmlformats.org/markup-compatibility/2006" xmlns:p14="http://schemas.microsoft.com/office/powerpoint/2010/main">
+    <mc:Choice Requires="p14">
+      <p:transition spd="slow" p14:dur="2000" advTm="138898"/>
+    </mc:Choice>
+    <mc:Fallback xmlns="">
+      <p:transition spd="slow" advTm="138898"/>
+    </mc:Fallback>
+  </mc:AlternateContent>
+</p:sld>
+</file>
+
+<file path=ppt/slides/slide4.xml><?xml version="1.0" encoding="utf-8"?>
+<p:sld xmlns:a="http://schemas.openxmlformats.org/drawingml/2006/main" xmlns:r="http://schemas.openxmlformats.org/officeDocument/2006/relationships" xmlns:p="http://schemas.openxmlformats.org/presentationml/2006/main">
+  <p:cSld>
+    <p:spTree>
+      <p:nvGrpSpPr>
+        <p:cNvPr id="1" name=""/>
+        <p:cNvGrpSpPr/>
+        <p:nvPr/>
+      </p:nvGrpSpPr>
+      <p:grpSpPr>
+        <a:xfrm>
+          <a:off x="0" y="0"/>
+          <a:ext cx="0" cy="0"/>
+          <a:chOff x="0" y="0"/>
+          <a:chExt cx="0" cy="0"/>
+        </a:xfrm>
+      </p:grpSpPr>
+      <p:sp>
+        <p:nvSpPr>
+          <p:cNvPr id="2" name="Title 1"/>
+          <p:cNvSpPr>
+            <a:spLocks noGrp="1"/>
+          </p:cNvSpPr>
+          <p:nvPr>
+            <p:ph type="title"/>
+          </p:nvPr>
+        </p:nvSpPr>
+        <p:spPr/>
+        <p:txBody>
+          <a:bodyPr>
+            <a:normAutofit/>
+          </a:bodyPr>
+          <a:lstStyle/>
+          <a:p>
+            <a:r>
+              <a:rPr lang="en-US" dirty="0"/>
+              <a:t>Why not always use the most stringent testing?</a:t>
+            </a:r>
+          </a:p>
+        </p:txBody>
+      </p:sp>
+      <p:sp>
+        <p:nvSpPr>
+          <p:cNvPr id="5" name="Content Placeholder 4"/>
+          <p:cNvSpPr>
+            <a:spLocks noGrp="1"/>
+          </p:cNvSpPr>
+          <p:nvPr>
+            <p:ph sz="quarter" idx="1"/>
+          </p:nvPr>
+        </p:nvSpPr>
+        <p:spPr>
+          <a:xfrm>
+            <a:off x="368424" y="1039350"/>
+            <a:ext cx="11534016" cy="5407170"/>
+          </a:xfrm>
+        </p:spPr>
+        <p:txBody>
+          <a:bodyPr>
+            <a:normAutofit/>
+          </a:bodyPr>
+          <a:lstStyle/>
+          <a:p>
+            <a:r>
+              <a:rPr lang="en-US" dirty="0"/>
+              <a:t>Effort spent in devising running and maintaining test suite is a tax on team resources</a:t>
+            </a:r>
+          </a:p>
+          <a:p>
+            <a:r>
+              <a:rPr lang="en-US" dirty="0"/>
+              <a:t>When the tax is too high…</a:t>
+            </a:r>
+          </a:p>
+          <a:p>
+            <a:pPr lvl="1"/>
+            <a:r>
+              <a:rPr lang="en-US" dirty="0"/>
+              <a:t>Team cannot meet code-use objectives</a:t>
+            </a:r>
+          </a:p>
+          <a:p>
+            <a:r>
+              <a:rPr lang="en-US" dirty="0"/>
+              <a:t>When is the tax is too low…</a:t>
+            </a:r>
+          </a:p>
+          <a:p>
+            <a:pPr lvl="1"/>
+            <a:r>
+              <a:rPr lang="en-US" dirty="0"/>
+              <a:t>Necessary oversight not provided</a:t>
+            </a:r>
+          </a:p>
+          <a:p>
+            <a:pPr lvl="1"/>
+            <a:r>
+              <a:rPr lang="en-US" dirty="0"/>
+              <a:t>Defects in code sneak through </a:t>
+            </a:r>
+          </a:p>
+          <a:p>
+            <a:r>
+              <a:rPr lang="en-US" b="1" dirty="0">
+                <a:solidFill>
+                  <a:schemeClr val="bg1"/>
+                </a:solidFill>
+                <a:highlight>
+                  <a:srgbClr val="43B1E5"/>
+                </a:highlight>
+              </a:rPr>
+              <a:t>Team Meeting!</a:t>
+            </a:r>
+            <a:r>
+              <a:rPr lang="en-US" dirty="0"/>
+              <a:t> Evaluate project needs:</a:t>
+            </a:r>
+          </a:p>
+          <a:p>
+            <a:pPr lvl="1"/>
+            <a:r>
+              <a:rPr lang="en-US" dirty="0"/>
+              <a:t>Objectives: expected use of the code</a:t>
+            </a:r>
+          </a:p>
+          <a:p>
+            <a:pPr lvl="1"/>
+            <a:r>
+              <a:rPr lang="en-US" dirty="0"/>
+              <a:t>Lifecycle stage: new or production or refactoring</a:t>
+            </a:r>
+          </a:p>
+          <a:p>
+            <a:pPr lvl="1"/>
+            <a:r>
+              <a:rPr lang="en-US" dirty="0"/>
+              <a:t>Team: size and degree of heterogeneity</a:t>
+            </a:r>
+          </a:p>
+          <a:p>
+            <a:pPr lvl="1"/>
+            <a:r>
+              <a:rPr lang="en-US" dirty="0"/>
+              <a:t>Lifetime: one off or ongoing production</a:t>
+            </a:r>
+          </a:p>
+          <a:p>
+            <a:pPr lvl="1"/>
+            <a:r>
+              <a:rPr lang="en-US" dirty="0"/>
+              <a:t>Complexity: modules and their interactions</a:t>
+            </a:r>
+          </a:p>
+          <a:p>
+            <a:pPr lvl="1"/>
+            <a:endParaRPr lang="en-US" dirty="0"/>
+          </a:p>
+        </p:txBody>
+      </p:sp>
+      <p:grpSp>
+        <p:nvGrpSpPr>
+          <p:cNvPr id="8" name="Group 7">
+            <a:extLst>
+              <a:ext uri="{FF2B5EF4-FFF2-40B4-BE49-F238E27FC236}">
+                <a16:creationId xmlns:a16="http://schemas.microsoft.com/office/drawing/2014/main" id="{4F52AD71-49C7-F743-AB85-85CD4BA5138B}"/>
+              </a:ext>
+            </a:extLst>
+          </p:cNvPr>
+          <p:cNvGrpSpPr/>
+          <p:nvPr/>
+        </p:nvGrpSpPr>
+        <p:grpSpPr>
+          <a:xfrm>
+            <a:off x="8374783" y="4201194"/>
+            <a:ext cx="2079986" cy="1631092"/>
+            <a:chOff x="9658247" y="3805881"/>
+            <a:chExt cx="2079986" cy="1631092"/>
+          </a:xfrm>
+        </p:grpSpPr>
+        <p:sp>
+          <p:nvSpPr>
+            <p:cNvPr id="7" name="Rectangle 6">
+              <a:extLst>
+                <a:ext uri="{FF2B5EF4-FFF2-40B4-BE49-F238E27FC236}">
+                  <a16:creationId xmlns:a16="http://schemas.microsoft.com/office/drawing/2014/main" id="{21CD3229-5C0E-644A-9E27-95DBEE5BDB8C}"/>
+                </a:ext>
+              </a:extLst>
+            </p:cNvPr>
+            <p:cNvSpPr/>
+            <p:nvPr/>
+          </p:nvSpPr>
+          <p:spPr>
+            <a:xfrm>
+              <a:off x="9658247" y="3805881"/>
+              <a:ext cx="2079986" cy="1631092"/>
+            </a:xfrm>
+            <a:prstGeom prst="rect">
+              <a:avLst/>
+            </a:prstGeom>
+            <a:solidFill>
+              <a:schemeClr val="accent3">
+                <a:alpha val="58000"/>
+              </a:schemeClr>
+            </a:solidFill>
+            <a:ln>
+              <a:noFill/>
+            </a:ln>
+            <a:effectLst>
+              <a:outerShdw blurRad="44450" dist="27940" dir="5400000" algn="ctr">
+                <a:srgbClr val="000000">
+                  <a:alpha val="32000"/>
+                </a:srgbClr>
+              </a:outerShdw>
+            </a:effectLst>
+          </p:spPr>
+          <p:txBody>
+            <a:bodyPr rot="0" spcFirstLastPara="0" vertOverflow="overflow" horzOverflow="overflow" vert="horz" wrap="square" lIns="121851" tIns="60925" rIns="121851" bIns="60925" numCol="1" spcCol="0" rtlCol="0" fromWordArt="0" anchor="ctr" anchorCtr="0" forceAA="0" compatLnSpc="1">
+              <a:prstTxWarp prst="textNoShape">
+                <a:avLst/>
+              </a:prstTxWarp>
+              <a:noAutofit/>
+            </a:bodyPr>
+            <a:lstStyle/>
+            <a:p>
+              <a:pPr algn="ctr">
+                <a:lnSpc>
+                  <a:spcPct val="90000"/>
+                </a:lnSpc>
+              </a:pPr>
+              <a:endParaRPr lang="en-US" sz="2000" dirty="0">
+                <a:solidFill>
+                  <a:schemeClr val="bg1"/>
+                </a:solidFill>
+              </a:endParaRPr>
+            </a:p>
+          </p:txBody>
+        </p:sp>
+        <p:sp>
+          <p:nvSpPr>
+            <p:cNvPr id="4" name="Rectangle 3">
+              <a:extLst>
+                <a:ext uri="{FF2B5EF4-FFF2-40B4-BE49-F238E27FC236}">
+                  <a16:creationId xmlns:a16="http://schemas.microsoft.com/office/drawing/2014/main" id="{C391ED94-7A5C-414B-8853-D5F0C063BB90}"/>
+                </a:ext>
+              </a:extLst>
+            </p:cNvPr>
+            <p:cNvSpPr/>
+            <p:nvPr/>
+          </p:nvSpPr>
+          <p:spPr>
+            <a:xfrm>
+              <a:off x="10056889" y="4079744"/>
+              <a:ext cx="1285103" cy="1083365"/>
+            </a:xfrm>
+            <a:prstGeom prst="rect">
+              <a:avLst/>
+            </a:prstGeom>
+            <a:solidFill>
+              <a:srgbClr val="FF0000"/>
+            </a:solidFill>
+            <a:ln>
+              <a:noFill/>
+            </a:ln>
+            <a:effectLst>
+              <a:outerShdw blurRad="44450" dist="27940" dir="5400000" algn="ctr">
+                <a:srgbClr val="000000">
+                  <a:alpha val="32000"/>
+                </a:srgbClr>
+              </a:outerShdw>
+            </a:effectLst>
+          </p:spPr>
+          <p:txBody>
+            <a:bodyPr rot="0" spcFirstLastPara="0" vertOverflow="overflow" horzOverflow="overflow" vert="horz" wrap="square" lIns="121851" tIns="60925" rIns="121851" bIns="60925" numCol="1" spcCol="0" rtlCol="0" fromWordArt="0" anchor="ctr" anchorCtr="0" forceAA="0" compatLnSpc="1">
+              <a:prstTxWarp prst="textNoShape">
+                <a:avLst/>
+              </a:prstTxWarp>
+              <a:noAutofit/>
+            </a:bodyPr>
+            <a:lstStyle/>
+            <a:p>
+              <a:pPr algn="ctr">
+                <a:lnSpc>
+                  <a:spcPct val="90000"/>
+                </a:lnSpc>
+              </a:pPr>
+              <a:r>
+                <a:rPr lang="en-US" sz="2000" dirty="0">
+                  <a:solidFill>
+                    <a:schemeClr val="bg1"/>
+                  </a:solidFill>
+                </a:rPr>
+                <a:t>rank 3</a:t>
+              </a:r>
+            </a:p>
+          </p:txBody>
+        </p:sp>
+      </p:grpSp>
+      <p:grpSp>
+        <p:nvGrpSpPr>
+          <p:cNvPr id="9" name="Group 8">
+            <a:extLst>
+              <a:ext uri="{FF2B5EF4-FFF2-40B4-BE49-F238E27FC236}">
+                <a16:creationId xmlns:a16="http://schemas.microsoft.com/office/drawing/2014/main" id="{9D9D52F9-164F-C14E-AF03-DD3B5FF29853}"/>
+              </a:ext>
+            </a:extLst>
+          </p:cNvPr>
+          <p:cNvGrpSpPr/>
+          <p:nvPr/>
+        </p:nvGrpSpPr>
+        <p:grpSpPr>
+          <a:xfrm>
+            <a:off x="9658247" y="3144205"/>
+            <a:ext cx="2079986" cy="1631092"/>
+            <a:chOff x="9658247" y="3805881"/>
+            <a:chExt cx="2079986" cy="1631092"/>
+          </a:xfrm>
+        </p:grpSpPr>
+        <p:sp>
+          <p:nvSpPr>
+            <p:cNvPr id="10" name="Rectangle 9">
+              <a:extLst>
+                <a:ext uri="{FF2B5EF4-FFF2-40B4-BE49-F238E27FC236}">
+                  <a16:creationId xmlns:a16="http://schemas.microsoft.com/office/drawing/2014/main" id="{77CCBD93-666E-C549-9297-51219A2BBC13}"/>
+                </a:ext>
+              </a:extLst>
+            </p:cNvPr>
+            <p:cNvSpPr/>
+            <p:nvPr/>
+          </p:nvSpPr>
+          <p:spPr>
+            <a:xfrm>
+              <a:off x="9658247" y="3805881"/>
+              <a:ext cx="2079986" cy="1631092"/>
+            </a:xfrm>
+            <a:prstGeom prst="rect">
+              <a:avLst/>
+            </a:prstGeom>
+            <a:solidFill>
+              <a:schemeClr val="accent3">
+                <a:alpha val="58000"/>
+              </a:schemeClr>
+            </a:solidFill>
+            <a:ln>
+              <a:noFill/>
+            </a:ln>
+            <a:effectLst>
+              <a:outerShdw blurRad="44450" dist="27940" dir="5400000" algn="ctr">
+                <a:srgbClr val="000000">
+                  <a:alpha val="32000"/>
+                </a:srgbClr>
+              </a:outerShdw>
+            </a:effectLst>
+          </p:spPr>
+          <p:txBody>
+            <a:bodyPr rot="0" spcFirstLastPara="0" vertOverflow="overflow" horzOverflow="overflow" vert="horz" wrap="square" lIns="121851" tIns="60925" rIns="121851" bIns="60925" numCol="1" spcCol="0" rtlCol="0" fromWordArt="0" anchor="ctr" anchorCtr="0" forceAA="0" compatLnSpc="1">
+              <a:prstTxWarp prst="textNoShape">
+                <a:avLst/>
+              </a:prstTxWarp>
+              <a:noAutofit/>
+            </a:bodyPr>
+            <a:lstStyle/>
+            <a:p>
+              <a:pPr algn="ctr">
+                <a:lnSpc>
+                  <a:spcPct val="90000"/>
+                </a:lnSpc>
+              </a:pPr>
+              <a:endParaRPr lang="en-US" sz="2000" dirty="0">
+                <a:solidFill>
+                  <a:schemeClr val="bg1"/>
+                </a:solidFill>
+              </a:endParaRPr>
+            </a:p>
+          </p:txBody>
+        </p:sp>
+        <p:sp>
+          <p:nvSpPr>
+            <p:cNvPr id="11" name="Rectangle 10">
+              <a:extLst>
+                <a:ext uri="{FF2B5EF4-FFF2-40B4-BE49-F238E27FC236}">
+                  <a16:creationId xmlns:a16="http://schemas.microsoft.com/office/drawing/2014/main" id="{4505E698-532E-6E49-A9DB-2E823F84AF90}"/>
+                </a:ext>
+              </a:extLst>
+            </p:cNvPr>
+            <p:cNvSpPr/>
+            <p:nvPr/>
+          </p:nvSpPr>
+          <p:spPr>
+            <a:xfrm>
+              <a:off x="10056889" y="4079744"/>
+              <a:ext cx="1285103" cy="1083365"/>
+            </a:xfrm>
+            <a:prstGeom prst="rect">
+              <a:avLst/>
+            </a:prstGeom>
+            <a:solidFill>
+              <a:srgbClr val="FF0000"/>
+            </a:solidFill>
+            <a:ln>
+              <a:noFill/>
+            </a:ln>
+            <a:effectLst>
+              <a:outerShdw blurRad="44450" dist="27940" dir="5400000" algn="ctr">
+                <a:srgbClr val="000000">
+                  <a:alpha val="32000"/>
+                </a:srgbClr>
+              </a:outerShdw>
+            </a:effectLst>
+          </p:spPr>
+          <p:txBody>
+            <a:bodyPr rot="0" spcFirstLastPara="0" vertOverflow="overflow" horzOverflow="overflow" vert="horz" wrap="square" lIns="121851" tIns="60925" rIns="121851" bIns="60925" numCol="1" spcCol="0" rtlCol="0" fromWordArt="0" anchor="ctr" anchorCtr="0" forceAA="0" compatLnSpc="1">
+              <a:prstTxWarp prst="textNoShape">
+                <a:avLst/>
+              </a:prstTxWarp>
+              <a:noAutofit/>
+            </a:bodyPr>
+            <a:lstStyle/>
+            <a:p>
+              <a:pPr algn="ctr">
+                <a:lnSpc>
+                  <a:spcPct val="90000"/>
+                </a:lnSpc>
+              </a:pPr>
+              <a:r>
+                <a:rPr lang="en-US" sz="2000" dirty="0">
+                  <a:solidFill>
+                    <a:schemeClr val="bg1"/>
+                  </a:solidFill>
+                </a:rPr>
+                <a:t>rank 2</a:t>
+              </a:r>
+            </a:p>
+          </p:txBody>
+        </p:sp>
+      </p:grpSp>
+      <p:sp>
+        <p:nvSpPr>
+          <p:cNvPr id="12" name="TextBox 11">
+            <a:extLst>
+              <a:ext uri="{FF2B5EF4-FFF2-40B4-BE49-F238E27FC236}">
+                <a16:creationId xmlns:a16="http://schemas.microsoft.com/office/drawing/2014/main" id="{4DFF52E9-D81A-FC4B-A3C2-D1EA25461CDB}"/>
+              </a:ext>
+            </a:extLst>
+          </p:cNvPr>
+          <p:cNvSpPr txBox="1"/>
+          <p:nvPr/>
+        </p:nvSpPr>
+        <p:spPr>
+          <a:xfrm>
+            <a:off x="10077604" y="4424679"/>
+            <a:ext cx="1201867" cy="433965"/>
+          </a:xfrm>
+          <a:prstGeom prst="rect">
+            <a:avLst/>
+          </a:prstGeom>
+          <a:noFill/>
+        </p:spPr>
+        <p:txBody>
+          <a:bodyPr wrap="none" lIns="118872" tIns="91440" rIns="118872" bIns="91440" rtlCol="0" anchor="ctr" anchorCtr="0">
+            <a:spAutoFit/>
+          </a:bodyPr>
+          <a:lstStyle/>
+          <a:p>
+            <a:pPr algn="l">
+              <a:lnSpc>
+                <a:spcPct val="90000"/>
+              </a:lnSpc>
+            </a:pPr>
+            <a:r>
+              <a:rPr lang="en-US" dirty="0"/>
+              <a:t>halo cells</a:t>
+            </a:r>
+          </a:p>
+        </p:txBody>
+      </p:sp>
+    </p:spTree>
+    <p:extLst>
+      <p:ext uri="{BB962C8B-B14F-4D97-AF65-F5344CB8AC3E}">
+        <p14:creationId xmlns:p14="http://schemas.microsoft.com/office/powerpoint/2010/main" val="3445731576"/>
+      </p:ext>
+    </p:extLst>
+  </p:cSld>
+  <p:clrMapOvr>
+    <a:masterClrMapping/>
+  </p:clrMapOvr>
+  <mc:AlternateContent xmlns:mc="http://schemas.openxmlformats.org/markup-compatibility/2006" xmlns:p14="http://schemas.microsoft.com/office/powerpoint/2010/main">
+    <mc:Choice Requires="p14">
+      <p:transition spd="slow" p14:dur="2000" advTm="120709"/>
+    </mc:Choice>
+    <mc:Fallback xmlns="">
+      <p:transition spd="slow" advTm="120709"/>
+    </mc:Fallback>
+  </mc:AlternateContent>
+</p:sld>
+</file>
+
+<file path=ppt/slides/slide5.xml><?xml version="1.0" encoding="utf-8"?>
+<p:sld xmlns:a="http://schemas.openxmlformats.org/drawingml/2006/main" xmlns:r="http://schemas.openxmlformats.org/officeDocument/2006/relationships" xmlns:p="http://schemas.openxmlformats.org/presentationml/2006/main">
+  <p:cSld>
+    <p:spTree>
+      <p:nvGrpSpPr>
+        <p:cNvPr id="1" name=""/>
+        <p:cNvGrpSpPr/>
+        <p:nvPr/>
+      </p:nvGrpSpPr>
+      <p:grpSpPr>
+        <a:xfrm>
+          <a:off x="0" y="0"/>
+          <a:ext cx="0" cy="0"/>
+          <a:chOff x="0" y="0"/>
+          <a:chExt cx="0" cy="0"/>
+        </a:xfrm>
+      </p:grpSpPr>
+      <p:sp>
+        <p:nvSpPr>
+          <p:cNvPr id="2" name="Title 1"/>
+          <p:cNvSpPr>
+            <a:spLocks noGrp="1"/>
+          </p:cNvSpPr>
+          <p:nvPr>
+            <p:ph type="title"/>
+          </p:nvPr>
+        </p:nvSpPr>
+        <p:spPr/>
+        <p:txBody>
+          <a:bodyPr/>
+          <a:lstStyle/>
+          <a:p>
+            <a:r>
+              <a:rPr lang="en-US" dirty="0"/>
+              <a:t>Additional Notes: Good Testing Practices</a:t>
+            </a:r>
+            <a:br>
+              <a:rPr lang="en-US" dirty="0"/>
+            </a:br>
+            <a:endParaRPr lang="en-US" dirty="0"/>
+          </a:p>
+        </p:txBody>
+      </p:sp>
+      <p:sp>
+        <p:nvSpPr>
+          <p:cNvPr id="5" name="Content Placeholder 4"/>
+          <p:cNvSpPr>
+            <a:spLocks noGrp="1"/>
+          </p:cNvSpPr>
+          <p:nvPr>
+            <p:ph sz="quarter" idx="1"/>
+          </p:nvPr>
+        </p:nvSpPr>
+        <p:spPr>
+          <a:xfrm>
+            <a:off x="368424" y="1177290"/>
+            <a:ext cx="11369809" cy="4047778"/>
+          </a:xfrm>
+        </p:spPr>
+        <p:txBody>
+          <a:bodyPr/>
+          <a:lstStyle/>
+          <a:p>
+            <a:r>
+              <a:rPr lang="en-US" dirty="0"/>
+              <a:t>Verify Code coverage</a:t>
+            </a:r>
+          </a:p>
+          <a:p>
+            <a:r>
+              <a:rPr lang="en-US" dirty="0"/>
+              <a:t>Must have consistent policy on dealing with failed tests</a:t>
+            </a:r>
+          </a:p>
+          <a:p>
+            <a:pPr lvl="1"/>
+            <a:r>
+              <a:rPr lang="en-US" dirty="0"/>
+              <a:t>Issue tracking</a:t>
+            </a:r>
+          </a:p>
+          <a:p>
+            <a:pPr lvl="2"/>
+            <a:r>
+              <a:rPr lang="en-US" dirty="0"/>
+              <a:t>How quickly does it need to be fixed?</a:t>
+            </a:r>
+          </a:p>
+          <a:p>
+            <a:pPr lvl="2"/>
+            <a:r>
+              <a:rPr lang="en-US" dirty="0"/>
+              <a:t>Who is responsible for fixing it?</a:t>
+            </a:r>
+          </a:p>
+          <a:p>
+            <a:r>
+              <a:rPr lang="en-US" dirty="0"/>
+              <a:t>Someone should be watching the test suite</a:t>
+            </a:r>
+          </a:p>
+          <a:p>
+            <a:r>
+              <a:rPr lang="en-US" dirty="0"/>
+              <a:t>When refactoring or adding new features, run a regression suite before check in</a:t>
+            </a:r>
+          </a:p>
+          <a:p>
+            <a:pPr lvl="1"/>
+            <a:r>
+              <a:rPr lang="en-US" dirty="0"/>
+              <a:t>Add new regression tests or modify existing ones for the new features</a:t>
+            </a:r>
+          </a:p>
+          <a:p>
+            <a:r>
+              <a:rPr lang="en-US" dirty="0"/>
+              <a:t>Code review before releasing test suite is useful</a:t>
+            </a:r>
+          </a:p>
+          <a:p>
+            <a:pPr lvl="1"/>
+            <a:r>
+              <a:rPr lang="en-US" dirty="0"/>
+              <a:t>Another person may spot issues you didn’t</a:t>
+            </a:r>
+          </a:p>
+          <a:p>
+            <a:pPr lvl="1"/>
+            <a:r>
+              <a:rPr lang="en-US" dirty="0"/>
+              <a:t>Incredibly cost-effective</a:t>
+            </a:r>
+          </a:p>
+          <a:p>
+            <a:endParaRPr lang="en-US" dirty="0"/>
+          </a:p>
+        </p:txBody>
+      </p:sp>
+    </p:spTree>
+    <p:extLst>
+      <p:ext uri="{BB962C8B-B14F-4D97-AF65-F5344CB8AC3E}">
+        <p14:creationId xmlns:p14="http://schemas.microsoft.com/office/powerpoint/2010/main" val="2338338090"/>
+      </p:ext>
+    </p:extLst>
+  </p:cSld>
+  <p:clrMapOvr>
+    <a:masterClrMapping/>
+  </p:clrMapOvr>
+  <mc:AlternateContent xmlns:mc="http://schemas.openxmlformats.org/markup-compatibility/2006" xmlns:p14="http://schemas.microsoft.com/office/powerpoint/2010/main">
+    <mc:Choice Requires="p14">
+      <p:transition spd="slow" p14:dur="2000" advTm="50364"/>
+    </mc:Choice>
+    <mc:Fallback xmlns="">
+      <p:transition spd="slow" advTm="50364"/>
+    </mc:Fallback>
+  </mc:AlternateContent>
+</p:sld>
+</file>
+
+<file path=ppt/slides/slide6.xml><?xml version="1.0" encoding="utf-8"?>
+<p:sld xmlns:a="http://schemas.openxmlformats.org/drawingml/2006/main" xmlns:r="http://schemas.openxmlformats.org/officeDocument/2006/relationships" xmlns:p="http://schemas.openxmlformats.org/presentationml/2006/main">
+  <p:cSld>
+    <p:spTree>
+      <p:nvGrpSpPr>
+        <p:cNvPr id="1" name=""/>
+        <p:cNvGrpSpPr/>
+        <p:nvPr/>
+      </p:nvGrpSpPr>
+      <p:grpSpPr>
+        <a:xfrm>
+          <a:off x="0" y="0"/>
+          <a:ext cx="0" cy="0"/>
+          <a:chOff x="0" y="0"/>
+          <a:chExt cx="0" cy="0"/>
+        </a:xfrm>
+      </p:grpSpPr>
+      <p:sp>
+        <p:nvSpPr>
+          <p:cNvPr id="2" name="Title 1"/>
+          <p:cNvSpPr>
+            <a:spLocks noGrp="1"/>
+          </p:cNvSpPr>
+          <p:nvPr>
+            <p:ph type="title"/>
+          </p:nvPr>
+        </p:nvSpPr>
+        <p:spPr/>
+        <p:txBody>
+          <a:bodyPr/>
+          <a:lstStyle/>
+          <a:p>
+            <a:r>
+              <a:rPr lang="en-US" dirty="0"/>
+              <a:t>Example 1: Test Development For a New Code</a:t>
+            </a:r>
+          </a:p>
+        </p:txBody>
+      </p:sp>
+      <p:sp>
+        <p:nvSpPr>
+          <p:cNvPr id="3" name="Content Placeholder 2"/>
+          <p:cNvSpPr>
+            <a:spLocks noGrp="1"/>
+          </p:cNvSpPr>
+          <p:nvPr>
+            <p:ph sz="quarter" idx="1"/>
+          </p:nvPr>
+        </p:nvSpPr>
+        <p:spPr>
+          <a:xfrm>
+            <a:off x="574481" y="1078042"/>
+            <a:ext cx="9953475" cy="4803773"/>
+          </a:xfrm>
+        </p:spPr>
+        <p:txBody>
+          <a:bodyPr>
+            <a:normAutofit fontScale="92500" lnSpcReduction="10000"/>
+          </a:bodyPr>
+          <a:lstStyle/>
+          <a:p>
+            <a:r>
+              <a:rPr lang="en-US" sz="3600" dirty="0"/>
+              <a:t>Development of tests and diagnostics goes hand-in-hand with code development</a:t>
+            </a:r>
+          </a:p>
+          <a:p>
+            <a:pPr lvl="1"/>
+            <a:endParaRPr lang="en-US" sz="3200" dirty="0"/>
+          </a:p>
+          <a:p>
+            <a:pPr lvl="1"/>
+            <a:r>
+              <a:rPr lang="en-US" sz="3200" dirty="0"/>
+              <a:t> Compare against simpler analytical or semi-analytical solutions</a:t>
+            </a:r>
+          </a:p>
+          <a:p>
+            <a:pPr lvl="1"/>
+            <a:r>
+              <a:rPr lang="en-US" sz="3200" dirty="0"/>
+              <a:t> Build granularity into testing</a:t>
+            </a:r>
+          </a:p>
+          <a:p>
+            <a:pPr lvl="1"/>
+            <a:r>
+              <a:rPr lang="en-US" sz="3200" dirty="0"/>
+              <a:t> Use scaffolding ideas to build confidence </a:t>
+            </a:r>
+          </a:p>
+          <a:p>
+            <a:pPr lvl="1"/>
+            <a:r>
+              <a:rPr lang="en-US" sz="3200" dirty="0"/>
+              <a:t> Always inject errors to verify that the test is w</a:t>
+            </a:r>
+            <a:r>
+              <a:rPr lang="en-US" sz="2800" dirty="0"/>
+              <a:t>orking</a:t>
+            </a:r>
+          </a:p>
+          <a:p>
+            <a:pPr lvl="1"/>
+            <a:r>
+              <a:rPr lang="en-US" sz="3200" dirty="0"/>
+              <a:t> Non-trivial to devise good tests, but extremely important</a:t>
+            </a:r>
+          </a:p>
+        </p:txBody>
+      </p:sp>
+    </p:spTree>
+    <p:extLst>
+      <p:ext uri="{BB962C8B-B14F-4D97-AF65-F5344CB8AC3E}">
+        <p14:creationId xmlns:p14="http://schemas.microsoft.com/office/powerpoint/2010/main" val="3446077621"/>
+      </p:ext>
+    </p:extLst>
+  </p:cSld>
+  <p:clrMapOvr>
+    <a:masterClrMapping/>
+  </p:clrMapOvr>
+  <mc:AlternateContent xmlns:mc="http://schemas.openxmlformats.org/markup-compatibility/2006" xmlns:p14="http://schemas.microsoft.com/office/powerpoint/2010/main">
+    <mc:Choice Requires="p14">
+      <p:transition spd="slow" p14:dur="2000" advTm="77038"/>
+    </mc:Choice>
+    <mc:Fallback xmlns="">
+      <p:transition spd="slow" advTm="77038"/>
+    </mc:Fallback>
+  </mc:AlternateContent>
+</p:sld>
+</file>
+
+<file path=ppt/slides/slide7.xml><?xml version="1.0" encoding="utf-8"?>
+<p:sld xmlns:a="http://schemas.openxmlformats.org/drawingml/2006/main" xmlns:r="http://schemas.openxmlformats.org/officeDocument/2006/relationships" xmlns:p="http://schemas.openxmlformats.org/presentationml/2006/main">
+  <p:cSld>
+    <p:spTree>
+      <p:nvGrpSpPr>
+        <p:cNvPr id="1" name=""/>
+        <p:cNvGrpSpPr/>
+        <p:nvPr/>
+      </p:nvGrpSpPr>
+      <p:grpSpPr>
+        <a:xfrm>
+          <a:off x="0" y="0"/>
+          <a:ext cx="0" cy="0"/>
+          <a:chOff x="0" y="0"/>
+          <a:chExt cx="0" cy="0"/>
+        </a:xfrm>
+      </p:grpSpPr>
+      <p:sp>
+        <p:nvSpPr>
+          <p:cNvPr id="95" name="Oval 94">
+            <a:extLst>
+              <a:ext uri="{FF2B5EF4-FFF2-40B4-BE49-F238E27FC236}">
+                <a16:creationId xmlns:a16="http://schemas.microsoft.com/office/drawing/2014/main" id="{C6F036D0-B212-4D4C-92EB-F4E41908B8C6}"/>
+              </a:ext>
+            </a:extLst>
+          </p:cNvPr>
+          <p:cNvSpPr/>
+          <p:nvPr/>
+        </p:nvSpPr>
+        <p:spPr>
+          <a:xfrm>
+            <a:off x="8246534" y="3430960"/>
+            <a:ext cx="3064933" cy="1663689"/>
+          </a:xfrm>
+          <a:prstGeom prst="ellipse">
+            <a:avLst/>
+          </a:prstGeom>
+          <a:solidFill>
+            <a:schemeClr val="accent3">
+              <a:lumMod val="40000"/>
+              <a:lumOff val="60000"/>
+              <a:alpha val="61000"/>
+            </a:schemeClr>
+          </a:solidFill>
+          <a:ln>
+            <a:solidFill>
+              <a:schemeClr val="accent1"/>
+            </a:solidFill>
+          </a:ln>
+          <a:effectLst/>
+          <a:scene3d>
+            <a:camera prst="orthographicFront">
+              <a:rot lat="0" lon="0" rev="0"/>
+            </a:camera>
+            <a:lightRig rig="threePt" dir="t">
+              <a:rot lat="0" lon="0" rev="1200000"/>
+            </a:lightRig>
+          </a:scene3d>
+          <a:sp3d/>
+        </p:spPr>
+        <p:style>
+          <a:lnRef idx="0">
+            <a:schemeClr val="accent1"/>
+          </a:lnRef>
+          <a:fillRef idx="3">
+            <a:schemeClr val="accent1"/>
+          </a:fillRef>
+          <a:effectRef idx="3">
+            <a:schemeClr val="accent1"/>
+          </a:effectRef>
+          <a:fontRef idx="minor">
+            <a:schemeClr val="lt1"/>
+          </a:fontRef>
+        </p:style>
+        <p:txBody>
+          <a:bodyPr rot="0" spcFirstLastPara="0" vertOverflow="overflow" horzOverflow="overflow" vert="horz" wrap="square" lIns="45720" tIns="45720" rIns="45720" bIns="45720" numCol="1" spcCol="0" rtlCol="0" fromWordArt="0" anchor="ctr" anchorCtr="0" forceAA="0" compatLnSpc="1">
+            <a:prstTxWarp prst="textNoShape">
+              <a:avLst/>
+            </a:prstTxWarp>
+            <a:noAutofit/>
+          </a:bodyPr>
+          <a:lstStyle/>
+          <a:p>
+            <a:pPr algn="ctr">
+              <a:lnSpc>
+                <a:spcPct val="90000"/>
+              </a:lnSpc>
+            </a:pPr>
+            <a:endParaRPr lang="en-US" dirty="0">
+              <a:solidFill>
+                <a:schemeClr val="tx1"/>
+              </a:solidFill>
+            </a:endParaRPr>
+          </a:p>
+        </p:txBody>
+      </p:sp>
+      <p:sp>
+        <p:nvSpPr>
+          <p:cNvPr id="5" name="Content Placeholder 4"/>
+          <p:cNvSpPr>
+            <a:spLocks noGrp="1"/>
+          </p:cNvSpPr>
+          <p:nvPr>
+            <p:ph sz="quarter" idx="1"/>
+          </p:nvPr>
+        </p:nvSpPr>
+        <p:spPr>
+          <a:xfrm>
+            <a:off x="364489" y="1459000"/>
+            <a:ext cx="5594773" cy="4280215"/>
+          </a:xfrm>
+        </p:spPr>
+        <p:txBody>
+          <a:bodyPr>
+            <a:normAutofit fontScale="77500" lnSpcReduction="20000"/>
+          </a:bodyPr>
+          <a:lstStyle/>
+          <a:p>
+            <a:pPr marL="0" indent="0">
+              <a:buNone/>
+            </a:pPr>
+            <a:r>
+              <a:rPr lang="en-US" dirty="0"/>
+              <a:t>There may not be existing tests</a:t>
+            </a:r>
+          </a:p>
+          <a:p>
+            <a:endParaRPr lang="en-US" dirty="0"/>
+          </a:p>
+          <a:p>
+            <a:r>
+              <a:rPr lang="en-US" dirty="0"/>
+              <a:t>Isolate a small area of the code</a:t>
+            </a:r>
+          </a:p>
+          <a:p>
+            <a:r>
+              <a:rPr lang="en-US" dirty="0"/>
+              <a:t>Dump a useful state snapshot</a:t>
+            </a:r>
+          </a:p>
+          <a:p>
+            <a:r>
+              <a:rPr lang="en-US" dirty="0"/>
+              <a:t>Build a test driver</a:t>
+            </a:r>
+          </a:p>
+          <a:p>
+            <a:pPr lvl="1"/>
+            <a:r>
+              <a:rPr lang="en-US" dirty="0"/>
+              <a:t>Start with only the files in the area</a:t>
+            </a:r>
+          </a:p>
+          <a:p>
+            <a:pPr lvl="1"/>
+            <a:r>
+              <a:rPr lang="en-US" dirty="0"/>
+              <a:t>Link in dependencies</a:t>
+            </a:r>
+          </a:p>
+          <a:p>
+            <a:pPr lvl="3"/>
+            <a:r>
+              <a:rPr lang="en-US" dirty="0"/>
+              <a:t>Copy if any customizations needed</a:t>
+            </a:r>
+          </a:p>
+          <a:p>
+            <a:r>
+              <a:rPr lang="en-US" dirty="0"/>
+              <a:t>Read in the state snapshot</a:t>
+            </a:r>
+          </a:p>
+          <a:p>
+            <a:r>
+              <a:rPr lang="en-US" dirty="0"/>
+              <a:t>Restart from the saved state</a:t>
+            </a:r>
+          </a:p>
+          <a:p>
+            <a:r>
+              <a:rPr lang="en-US" dirty="0"/>
+              <a:t>Verify correctness</a:t>
+            </a:r>
+          </a:p>
+          <a:p>
+            <a:pPr lvl="1"/>
+            <a:r>
+              <a:rPr lang="en-US" dirty="0"/>
+              <a:t>Always inject errors to verify that the test is working</a:t>
+            </a:r>
+          </a:p>
+          <a:p>
+            <a:endParaRPr lang="en-US" dirty="0"/>
+          </a:p>
+        </p:txBody>
+      </p:sp>
+      <p:grpSp>
+        <p:nvGrpSpPr>
+          <p:cNvPr id="40" name="Group 39">
+            <a:extLst>
+              <a:ext uri="{FF2B5EF4-FFF2-40B4-BE49-F238E27FC236}">
+                <a16:creationId xmlns:a16="http://schemas.microsoft.com/office/drawing/2014/main" id="{2B7157F6-68FB-914B-897D-D3186982AB0F}"/>
+              </a:ext>
+            </a:extLst>
+          </p:cNvPr>
+          <p:cNvGrpSpPr/>
+          <p:nvPr/>
+        </p:nvGrpSpPr>
+        <p:grpSpPr>
+          <a:xfrm>
+            <a:off x="7552267" y="2344790"/>
+            <a:ext cx="694267" cy="457200"/>
+            <a:chOff x="8382000" y="3589867"/>
+            <a:chExt cx="694267" cy="457200"/>
+          </a:xfrm>
+        </p:grpSpPr>
+        <p:cxnSp>
+          <p:nvCxnSpPr>
+            <p:cNvPr id="37" name="Straight Connector 36">
+              <a:extLst>
+                <a:ext uri="{FF2B5EF4-FFF2-40B4-BE49-F238E27FC236}">
+                  <a16:creationId xmlns:a16="http://schemas.microsoft.com/office/drawing/2014/main" id="{AA0765B6-92EE-374A-88A3-A231413912E5}"/>
+                </a:ext>
+              </a:extLst>
+            </p:cNvPr>
+            <p:cNvCxnSpPr/>
+            <p:nvPr/>
+          </p:nvCxnSpPr>
+          <p:spPr>
+            <a:xfrm flipV="1">
+              <a:off x="8382000" y="3606800"/>
+              <a:ext cx="355600" cy="440267"/>
+            </a:xfrm>
+            <a:prstGeom prst="line">
+              <a:avLst/>
+            </a:prstGeom>
+          </p:spPr>
+          <p:style>
+            <a:lnRef idx="1">
+              <a:schemeClr val="accent1"/>
+            </a:lnRef>
+            <a:fillRef idx="0">
+              <a:schemeClr val="accent1"/>
+            </a:fillRef>
+            <a:effectRef idx="0">
+              <a:schemeClr val="accent1"/>
+            </a:effectRef>
+            <a:fontRef idx="minor">
+              <a:schemeClr val="tx1"/>
+            </a:fontRef>
+          </p:style>
+        </p:cxnSp>
+        <p:cxnSp>
+          <p:nvCxnSpPr>
+            <p:cNvPr id="39" name="Straight Connector 38">
+              <a:extLst>
+                <a:ext uri="{FF2B5EF4-FFF2-40B4-BE49-F238E27FC236}">
+                  <a16:creationId xmlns:a16="http://schemas.microsoft.com/office/drawing/2014/main" id="{493671EF-D4E4-534B-A906-5EA8A0FC376C}"/>
+                </a:ext>
+              </a:extLst>
+            </p:cNvPr>
+            <p:cNvCxnSpPr>
+              <a:cxnSpLocks/>
+            </p:cNvCxnSpPr>
+            <p:nvPr/>
+          </p:nvCxnSpPr>
+          <p:spPr>
+            <a:xfrm>
+              <a:off x="8754533" y="3589867"/>
+              <a:ext cx="321734" cy="457200"/>
+            </a:xfrm>
+            <a:prstGeom prst="line">
+              <a:avLst/>
+            </a:prstGeom>
+          </p:spPr>
+          <p:style>
+            <a:lnRef idx="1">
+              <a:schemeClr val="accent1"/>
+            </a:lnRef>
+            <a:fillRef idx="0">
+              <a:schemeClr val="accent1"/>
+            </a:fillRef>
+            <a:effectRef idx="0">
+              <a:schemeClr val="accent1"/>
+            </a:effectRef>
+            <a:fontRef idx="minor">
+              <a:schemeClr val="tx1"/>
+            </a:fontRef>
+          </p:style>
+        </p:cxnSp>
+      </p:grpSp>
+      <p:grpSp>
+        <p:nvGrpSpPr>
+          <p:cNvPr id="42" name="Group 41">
+            <a:extLst>
+              <a:ext uri="{FF2B5EF4-FFF2-40B4-BE49-F238E27FC236}">
+                <a16:creationId xmlns:a16="http://schemas.microsoft.com/office/drawing/2014/main" id="{3184F758-ED67-FB4C-917E-F17590BC5BAD}"/>
+              </a:ext>
+            </a:extLst>
+          </p:cNvPr>
+          <p:cNvGrpSpPr/>
+          <p:nvPr/>
+        </p:nvGrpSpPr>
+        <p:grpSpPr>
+          <a:xfrm>
+            <a:off x="9059333" y="1356147"/>
+            <a:ext cx="694267" cy="457200"/>
+            <a:chOff x="8382000" y="3589867"/>
+            <a:chExt cx="694267" cy="457200"/>
+          </a:xfrm>
+        </p:grpSpPr>
+        <p:cxnSp>
+          <p:nvCxnSpPr>
+            <p:cNvPr id="43" name="Straight Connector 42">
+              <a:extLst>
+                <a:ext uri="{FF2B5EF4-FFF2-40B4-BE49-F238E27FC236}">
+                  <a16:creationId xmlns:a16="http://schemas.microsoft.com/office/drawing/2014/main" id="{BAE7D001-50DD-A445-8572-8AC23F89B1DC}"/>
+                </a:ext>
+              </a:extLst>
+            </p:cNvPr>
+            <p:cNvCxnSpPr/>
+            <p:nvPr/>
+          </p:nvCxnSpPr>
+          <p:spPr>
+            <a:xfrm flipV="1">
+              <a:off x="8382000" y="3606800"/>
+              <a:ext cx="355600" cy="440267"/>
+            </a:xfrm>
+            <a:prstGeom prst="line">
+              <a:avLst/>
+            </a:prstGeom>
+          </p:spPr>
+          <p:style>
+            <a:lnRef idx="1">
+              <a:schemeClr val="accent1"/>
+            </a:lnRef>
+            <a:fillRef idx="0">
+              <a:schemeClr val="accent1"/>
+            </a:fillRef>
+            <a:effectRef idx="0">
+              <a:schemeClr val="accent1"/>
+            </a:effectRef>
+            <a:fontRef idx="minor">
+              <a:schemeClr val="tx1"/>
+            </a:fontRef>
+          </p:style>
+        </p:cxnSp>
+        <p:cxnSp>
+          <p:nvCxnSpPr>
+            <p:cNvPr id="44" name="Straight Connector 43">
+              <a:extLst>
+                <a:ext uri="{FF2B5EF4-FFF2-40B4-BE49-F238E27FC236}">
+                  <a16:creationId xmlns:a16="http://schemas.microsoft.com/office/drawing/2014/main" id="{C9FB2A67-75DE-F943-89D3-2B8964DDAE4E}"/>
+                </a:ext>
+              </a:extLst>
+            </p:cNvPr>
+            <p:cNvCxnSpPr>
+              <a:cxnSpLocks/>
+            </p:cNvCxnSpPr>
+            <p:nvPr/>
+          </p:nvCxnSpPr>
+          <p:spPr>
+            <a:xfrm>
+              <a:off x="8754533" y="3589867"/>
+              <a:ext cx="321734" cy="457200"/>
+            </a:xfrm>
+            <a:prstGeom prst="line">
+              <a:avLst/>
+            </a:prstGeom>
+          </p:spPr>
+          <p:style>
+            <a:lnRef idx="1">
+              <a:schemeClr val="accent1"/>
+            </a:lnRef>
+            <a:fillRef idx="0">
+              <a:schemeClr val="accent1"/>
+            </a:fillRef>
+            <a:effectRef idx="0">
+              <a:schemeClr val="accent1"/>
+            </a:effectRef>
+            <a:fontRef idx="minor">
+              <a:schemeClr val="tx1"/>
+            </a:fontRef>
+          </p:style>
+        </p:cxnSp>
+      </p:grpSp>
+      <p:grpSp>
+        <p:nvGrpSpPr>
+          <p:cNvPr id="45" name="Group 44">
+            <a:extLst>
+              <a:ext uri="{FF2B5EF4-FFF2-40B4-BE49-F238E27FC236}">
+                <a16:creationId xmlns:a16="http://schemas.microsoft.com/office/drawing/2014/main" id="{5BB89184-8F31-3448-B94E-25B9FDB9122F}"/>
+              </a:ext>
+            </a:extLst>
+          </p:cNvPr>
+          <p:cNvGrpSpPr/>
+          <p:nvPr/>
+        </p:nvGrpSpPr>
+        <p:grpSpPr>
+          <a:xfrm>
+            <a:off x="7230533" y="1887590"/>
+            <a:ext cx="694267" cy="457200"/>
+            <a:chOff x="8382000" y="3589867"/>
+            <a:chExt cx="694267" cy="457200"/>
+          </a:xfrm>
+        </p:grpSpPr>
+        <p:cxnSp>
+          <p:nvCxnSpPr>
+            <p:cNvPr id="46" name="Straight Connector 45">
+              <a:extLst>
+                <a:ext uri="{FF2B5EF4-FFF2-40B4-BE49-F238E27FC236}">
+                  <a16:creationId xmlns:a16="http://schemas.microsoft.com/office/drawing/2014/main" id="{300A5468-2CE4-1F48-BDCD-92F9E8A123E0}"/>
+                </a:ext>
+              </a:extLst>
+            </p:cNvPr>
+            <p:cNvCxnSpPr/>
+            <p:nvPr/>
+          </p:nvCxnSpPr>
+          <p:spPr>
+            <a:xfrm flipV="1">
+              <a:off x="8382000" y="3606800"/>
+              <a:ext cx="355600" cy="440267"/>
+            </a:xfrm>
+            <a:prstGeom prst="line">
+              <a:avLst/>
+            </a:prstGeom>
+          </p:spPr>
+          <p:style>
+            <a:lnRef idx="1">
+              <a:schemeClr val="accent1"/>
+            </a:lnRef>
+            <a:fillRef idx="0">
+              <a:schemeClr val="accent1"/>
+            </a:fillRef>
+            <a:effectRef idx="0">
+              <a:schemeClr val="accent1"/>
+            </a:effectRef>
+            <a:fontRef idx="minor">
+              <a:schemeClr val="tx1"/>
+            </a:fontRef>
+          </p:style>
+        </p:cxnSp>
+        <p:cxnSp>
+          <p:nvCxnSpPr>
+            <p:cNvPr id="47" name="Straight Connector 46">
+              <a:extLst>
+                <a:ext uri="{FF2B5EF4-FFF2-40B4-BE49-F238E27FC236}">
+                  <a16:creationId xmlns:a16="http://schemas.microsoft.com/office/drawing/2014/main" id="{84370E17-522F-324B-A40D-F59A80DD6F3A}"/>
+                </a:ext>
+              </a:extLst>
+            </p:cNvPr>
+            <p:cNvCxnSpPr>
+              <a:cxnSpLocks/>
+            </p:cNvCxnSpPr>
+            <p:nvPr/>
+          </p:nvCxnSpPr>
+          <p:spPr>
+            <a:xfrm>
+              <a:off x="8754533" y="3589867"/>
+              <a:ext cx="321734" cy="457200"/>
+            </a:xfrm>
+            <a:prstGeom prst="line">
+              <a:avLst/>
+            </a:prstGeom>
+          </p:spPr>
+          <p:style>
+            <a:lnRef idx="1">
+              <a:schemeClr val="accent1"/>
+            </a:lnRef>
+            <a:fillRef idx="0">
+              <a:schemeClr val="accent1"/>
+            </a:fillRef>
+            <a:effectRef idx="0">
+              <a:schemeClr val="accent1"/>
+            </a:effectRef>
+            <a:fontRef idx="minor">
+              <a:schemeClr val="tx1"/>
+            </a:fontRef>
+          </p:style>
+        </p:cxnSp>
+      </p:grpSp>
+      <p:grpSp>
+        <p:nvGrpSpPr>
+          <p:cNvPr id="48" name="Group 47">
+            <a:extLst>
+              <a:ext uri="{FF2B5EF4-FFF2-40B4-BE49-F238E27FC236}">
+                <a16:creationId xmlns:a16="http://schemas.microsoft.com/office/drawing/2014/main" id="{B6B3BB53-52A3-704B-9EB9-231AA3DEC809}"/>
+              </a:ext>
+            </a:extLst>
+          </p:cNvPr>
+          <p:cNvGrpSpPr/>
+          <p:nvPr/>
+        </p:nvGrpSpPr>
+        <p:grpSpPr>
+          <a:xfrm>
+            <a:off x="7636933" y="1430390"/>
+            <a:ext cx="694267" cy="457200"/>
+            <a:chOff x="8382000" y="3589867"/>
+            <a:chExt cx="694267" cy="457200"/>
+          </a:xfrm>
+        </p:grpSpPr>
+        <p:cxnSp>
+          <p:nvCxnSpPr>
+            <p:cNvPr id="49" name="Straight Connector 48">
+              <a:extLst>
+                <a:ext uri="{FF2B5EF4-FFF2-40B4-BE49-F238E27FC236}">
+                  <a16:creationId xmlns:a16="http://schemas.microsoft.com/office/drawing/2014/main" id="{351055DD-08C0-154E-845D-5A70BB0C5540}"/>
+                </a:ext>
+              </a:extLst>
+            </p:cNvPr>
+            <p:cNvCxnSpPr/>
+            <p:nvPr/>
+          </p:nvCxnSpPr>
+          <p:spPr>
+            <a:xfrm flipV="1">
+              <a:off x="8382000" y="3606800"/>
+              <a:ext cx="355600" cy="440267"/>
+            </a:xfrm>
+            <a:prstGeom prst="line">
+              <a:avLst/>
+            </a:prstGeom>
+          </p:spPr>
+          <p:style>
+            <a:lnRef idx="1">
+              <a:schemeClr val="accent1"/>
+            </a:lnRef>
+            <a:fillRef idx="0">
+              <a:schemeClr val="accent1"/>
+            </a:fillRef>
+            <a:effectRef idx="0">
+              <a:schemeClr val="accent1"/>
+            </a:effectRef>
+            <a:fontRef idx="minor">
+              <a:schemeClr val="tx1"/>
+            </a:fontRef>
+          </p:style>
+        </p:cxnSp>
+        <p:cxnSp>
+          <p:nvCxnSpPr>
+            <p:cNvPr id="50" name="Straight Connector 49">
+              <a:extLst>
+                <a:ext uri="{FF2B5EF4-FFF2-40B4-BE49-F238E27FC236}">
+                  <a16:creationId xmlns:a16="http://schemas.microsoft.com/office/drawing/2014/main" id="{7B727DA0-AE4C-C340-A0BE-DA09AB89DA94}"/>
+                </a:ext>
+              </a:extLst>
+            </p:cNvPr>
+            <p:cNvCxnSpPr>
+              <a:cxnSpLocks/>
+            </p:cNvCxnSpPr>
+            <p:nvPr/>
+          </p:nvCxnSpPr>
+          <p:spPr>
+            <a:xfrm>
+              <a:off x="8754533" y="3589867"/>
+              <a:ext cx="321734" cy="457200"/>
+            </a:xfrm>
+            <a:prstGeom prst="line">
+              <a:avLst/>
+            </a:prstGeom>
+          </p:spPr>
+          <p:style>
+            <a:lnRef idx="1">
+              <a:schemeClr val="accent1"/>
+            </a:lnRef>
+            <a:fillRef idx="0">
+              <a:schemeClr val="accent1"/>
+            </a:fillRef>
+            <a:effectRef idx="0">
+              <a:schemeClr val="accent1"/>
+            </a:effectRef>
+            <a:fontRef idx="minor">
+              <a:schemeClr val="tx1"/>
+            </a:fontRef>
+          </p:style>
+        </p:cxnSp>
+      </p:grpSp>
+      <p:grpSp>
+        <p:nvGrpSpPr>
+          <p:cNvPr id="51" name="Group 50">
+            <a:extLst>
+              <a:ext uri="{FF2B5EF4-FFF2-40B4-BE49-F238E27FC236}">
+                <a16:creationId xmlns:a16="http://schemas.microsoft.com/office/drawing/2014/main" id="{B04C04B3-9E81-4C4D-B230-37EE6A63598B}"/>
+              </a:ext>
+            </a:extLst>
+          </p:cNvPr>
+          <p:cNvGrpSpPr/>
+          <p:nvPr/>
+        </p:nvGrpSpPr>
+        <p:grpSpPr>
+          <a:xfrm>
+            <a:off x="8009466" y="956256"/>
+            <a:ext cx="694267" cy="457200"/>
+            <a:chOff x="8382000" y="3589867"/>
+            <a:chExt cx="694267" cy="457200"/>
+          </a:xfrm>
+        </p:grpSpPr>
+        <p:cxnSp>
+          <p:nvCxnSpPr>
+            <p:cNvPr id="52" name="Straight Connector 51">
+              <a:extLst>
+                <a:ext uri="{FF2B5EF4-FFF2-40B4-BE49-F238E27FC236}">
+                  <a16:creationId xmlns:a16="http://schemas.microsoft.com/office/drawing/2014/main" id="{F22A477C-16C2-CD48-A6E8-3D6B8A8DC0A7}"/>
+                </a:ext>
+              </a:extLst>
+            </p:cNvPr>
+            <p:cNvCxnSpPr/>
+            <p:nvPr/>
+          </p:nvCxnSpPr>
+          <p:spPr>
+            <a:xfrm flipV="1">
+              <a:off x="8382000" y="3606800"/>
+              <a:ext cx="355600" cy="440267"/>
+            </a:xfrm>
+            <a:prstGeom prst="line">
+              <a:avLst/>
+            </a:prstGeom>
+          </p:spPr>
+          <p:style>
+            <a:lnRef idx="1">
+              <a:schemeClr val="accent1"/>
+            </a:lnRef>
+            <a:fillRef idx="0">
+              <a:schemeClr val="accent1"/>
+            </a:fillRef>
+            <a:effectRef idx="0">
+              <a:schemeClr val="accent1"/>
+            </a:effectRef>
+            <a:fontRef idx="minor">
+              <a:schemeClr val="tx1"/>
+            </a:fontRef>
+          </p:style>
+        </p:cxnSp>
+        <p:cxnSp>
+          <p:nvCxnSpPr>
+            <p:cNvPr id="53" name="Straight Connector 52">
+              <a:extLst>
+                <a:ext uri="{FF2B5EF4-FFF2-40B4-BE49-F238E27FC236}">
+                  <a16:creationId xmlns:a16="http://schemas.microsoft.com/office/drawing/2014/main" id="{83A4AC5F-0305-9A4E-BA1F-34F60B6426AE}"/>
+                </a:ext>
+              </a:extLst>
+            </p:cNvPr>
+            <p:cNvCxnSpPr>
+              <a:cxnSpLocks/>
+            </p:cNvCxnSpPr>
+            <p:nvPr/>
+          </p:nvCxnSpPr>
+          <p:spPr>
+            <a:xfrm>
+              <a:off x="8754533" y="3589867"/>
+              <a:ext cx="321734" cy="457200"/>
+            </a:xfrm>
+            <a:prstGeom prst="line">
+              <a:avLst/>
+            </a:prstGeom>
+          </p:spPr>
+          <p:style>
+            <a:lnRef idx="1">
+              <a:schemeClr val="accent1"/>
+            </a:lnRef>
+            <a:fillRef idx="0">
+              <a:schemeClr val="accent1"/>
+            </a:fillRef>
+            <a:effectRef idx="0">
+              <a:schemeClr val="accent1"/>
+            </a:effectRef>
+            <a:fontRef idx="minor">
+              <a:schemeClr val="tx1"/>
+            </a:fontRef>
+          </p:style>
+        </p:cxnSp>
+      </p:grpSp>
+      <p:grpSp>
+        <p:nvGrpSpPr>
+          <p:cNvPr id="54" name="Group 53">
+            <a:extLst>
+              <a:ext uri="{FF2B5EF4-FFF2-40B4-BE49-F238E27FC236}">
+                <a16:creationId xmlns:a16="http://schemas.microsoft.com/office/drawing/2014/main" id="{BDB5604C-FF83-3B46-88FF-2FDFAFE0544B}"/>
+              </a:ext>
+            </a:extLst>
+          </p:cNvPr>
+          <p:cNvGrpSpPr/>
+          <p:nvPr/>
+        </p:nvGrpSpPr>
+        <p:grpSpPr>
+          <a:xfrm>
+            <a:off x="8398932" y="465189"/>
+            <a:ext cx="694267" cy="457200"/>
+            <a:chOff x="8382000" y="3589867"/>
+            <a:chExt cx="694267" cy="457200"/>
+          </a:xfrm>
+        </p:grpSpPr>
+        <p:cxnSp>
+          <p:nvCxnSpPr>
+            <p:cNvPr id="55" name="Straight Connector 54">
+              <a:extLst>
+                <a:ext uri="{FF2B5EF4-FFF2-40B4-BE49-F238E27FC236}">
+                  <a16:creationId xmlns:a16="http://schemas.microsoft.com/office/drawing/2014/main" id="{B3F82FDF-D9C6-B94A-8F6E-D0D690E0B650}"/>
+                </a:ext>
+              </a:extLst>
+            </p:cNvPr>
+            <p:cNvCxnSpPr/>
+            <p:nvPr/>
+          </p:nvCxnSpPr>
+          <p:spPr>
+            <a:xfrm flipV="1">
+              <a:off x="8382000" y="3606800"/>
+              <a:ext cx="355600" cy="440267"/>
+            </a:xfrm>
+            <a:prstGeom prst="line">
+              <a:avLst/>
+            </a:prstGeom>
+          </p:spPr>
+          <p:style>
+            <a:lnRef idx="1">
+              <a:schemeClr val="accent1"/>
+            </a:lnRef>
+            <a:fillRef idx="0">
+              <a:schemeClr val="accent1"/>
+            </a:fillRef>
+            <a:effectRef idx="0">
+              <a:schemeClr val="accent1"/>
+            </a:effectRef>
+            <a:fontRef idx="minor">
+              <a:schemeClr val="tx1"/>
+            </a:fontRef>
+          </p:style>
+        </p:cxnSp>
+        <p:cxnSp>
+          <p:nvCxnSpPr>
+            <p:cNvPr id="56" name="Straight Connector 55">
+              <a:extLst>
+                <a:ext uri="{FF2B5EF4-FFF2-40B4-BE49-F238E27FC236}">
+                  <a16:creationId xmlns:a16="http://schemas.microsoft.com/office/drawing/2014/main" id="{14D64041-E257-C443-9BAE-5EF881E42AF8}"/>
+                </a:ext>
+              </a:extLst>
+            </p:cNvPr>
+            <p:cNvCxnSpPr>
+              <a:cxnSpLocks/>
+            </p:cNvCxnSpPr>
+            <p:nvPr/>
+          </p:nvCxnSpPr>
+          <p:spPr>
+            <a:xfrm>
+              <a:off x="8754533" y="3589867"/>
+              <a:ext cx="321734" cy="457200"/>
+            </a:xfrm>
+            <a:prstGeom prst="line">
+              <a:avLst/>
+            </a:prstGeom>
+          </p:spPr>
+          <p:style>
+            <a:lnRef idx="1">
+              <a:schemeClr val="accent1"/>
+            </a:lnRef>
+            <a:fillRef idx="0">
+              <a:schemeClr val="accent1"/>
+            </a:fillRef>
+            <a:effectRef idx="0">
+              <a:schemeClr val="accent1"/>
+            </a:effectRef>
+            <a:fontRef idx="minor">
+              <a:schemeClr val="tx1"/>
+            </a:fontRef>
+          </p:style>
+        </p:cxnSp>
+      </p:grpSp>
+      <p:grpSp>
+        <p:nvGrpSpPr>
+          <p:cNvPr id="57" name="Group 56">
+            <a:extLst>
+              <a:ext uri="{FF2B5EF4-FFF2-40B4-BE49-F238E27FC236}">
+                <a16:creationId xmlns:a16="http://schemas.microsoft.com/office/drawing/2014/main" id="{99935801-F138-7640-8D95-80A8D1D12447}"/>
+              </a:ext>
+            </a:extLst>
+          </p:cNvPr>
+          <p:cNvGrpSpPr/>
+          <p:nvPr/>
+        </p:nvGrpSpPr>
+        <p:grpSpPr>
+          <a:xfrm>
+            <a:off x="9389531" y="1830280"/>
+            <a:ext cx="694267" cy="457200"/>
+            <a:chOff x="8382000" y="3589867"/>
+            <a:chExt cx="694267" cy="457200"/>
+          </a:xfrm>
+        </p:grpSpPr>
+        <p:cxnSp>
+          <p:nvCxnSpPr>
+            <p:cNvPr id="58" name="Straight Connector 57">
+              <a:extLst>
+                <a:ext uri="{FF2B5EF4-FFF2-40B4-BE49-F238E27FC236}">
+                  <a16:creationId xmlns:a16="http://schemas.microsoft.com/office/drawing/2014/main" id="{2551DC58-4E14-6842-BC81-0627237EFA7F}"/>
+                </a:ext>
+              </a:extLst>
+            </p:cNvPr>
+            <p:cNvCxnSpPr/>
+            <p:nvPr/>
+          </p:nvCxnSpPr>
+          <p:spPr>
+            <a:xfrm flipV="1">
+              <a:off x="8382000" y="3606800"/>
+              <a:ext cx="355600" cy="440267"/>
+            </a:xfrm>
+            <a:prstGeom prst="line">
+              <a:avLst/>
+            </a:prstGeom>
+          </p:spPr>
+          <p:style>
+            <a:lnRef idx="1">
+              <a:schemeClr val="accent1"/>
+            </a:lnRef>
+            <a:fillRef idx="0">
+              <a:schemeClr val="accent1"/>
+            </a:fillRef>
+            <a:effectRef idx="0">
+              <a:schemeClr val="accent1"/>
+            </a:effectRef>
+            <a:fontRef idx="minor">
+              <a:schemeClr val="tx1"/>
+            </a:fontRef>
+          </p:style>
+        </p:cxnSp>
+        <p:cxnSp>
+          <p:nvCxnSpPr>
+            <p:cNvPr id="59" name="Straight Connector 58">
+              <a:extLst>
+                <a:ext uri="{FF2B5EF4-FFF2-40B4-BE49-F238E27FC236}">
+                  <a16:creationId xmlns:a16="http://schemas.microsoft.com/office/drawing/2014/main" id="{488D97B7-1C92-C745-94BB-01E7335874B2}"/>
+                </a:ext>
+              </a:extLst>
+            </p:cNvPr>
+            <p:cNvCxnSpPr>
+              <a:cxnSpLocks/>
+            </p:cNvCxnSpPr>
+            <p:nvPr/>
+          </p:nvCxnSpPr>
+          <p:spPr>
+            <a:xfrm>
+              <a:off x="8754533" y="3589867"/>
+              <a:ext cx="321734" cy="457200"/>
+            </a:xfrm>
+            <a:prstGeom prst="line">
+              <a:avLst/>
+            </a:prstGeom>
+          </p:spPr>
+          <p:style>
+            <a:lnRef idx="1">
+              <a:schemeClr val="accent1"/>
+            </a:lnRef>
+            <a:fillRef idx="0">
+              <a:schemeClr val="accent1"/>
+            </a:fillRef>
+            <a:effectRef idx="0">
+              <a:schemeClr val="accent1"/>
+            </a:effectRef>
+            <a:fontRef idx="minor">
+              <a:schemeClr val="tx1"/>
+            </a:fontRef>
+          </p:style>
+        </p:cxnSp>
+      </p:grpSp>
+      <p:grpSp>
+        <p:nvGrpSpPr>
+          <p:cNvPr id="60" name="Group 59">
+            <a:extLst>
+              <a:ext uri="{FF2B5EF4-FFF2-40B4-BE49-F238E27FC236}">
+                <a16:creationId xmlns:a16="http://schemas.microsoft.com/office/drawing/2014/main" id="{0B600A38-B359-9340-BFD4-15BC74F80C2E}"/>
+              </a:ext>
+            </a:extLst>
+          </p:cNvPr>
+          <p:cNvGrpSpPr/>
+          <p:nvPr/>
+        </p:nvGrpSpPr>
+        <p:grpSpPr>
+          <a:xfrm>
+            <a:off x="8746065" y="922389"/>
+            <a:ext cx="694267" cy="457200"/>
+            <a:chOff x="8382000" y="3589867"/>
+            <a:chExt cx="694267" cy="457200"/>
+          </a:xfrm>
+        </p:grpSpPr>
+        <p:cxnSp>
+          <p:nvCxnSpPr>
+            <p:cNvPr id="61" name="Straight Connector 60">
+              <a:extLst>
+                <a:ext uri="{FF2B5EF4-FFF2-40B4-BE49-F238E27FC236}">
+                  <a16:creationId xmlns:a16="http://schemas.microsoft.com/office/drawing/2014/main" id="{351571A8-8F6C-9648-B497-C1C4A28855EB}"/>
+                </a:ext>
+              </a:extLst>
+            </p:cNvPr>
+            <p:cNvCxnSpPr/>
+            <p:nvPr/>
+          </p:nvCxnSpPr>
+          <p:spPr>
+            <a:xfrm flipV="1">
+              <a:off x="8382000" y="3606800"/>
+              <a:ext cx="355600" cy="440267"/>
+            </a:xfrm>
+            <a:prstGeom prst="line">
+              <a:avLst/>
+            </a:prstGeom>
+          </p:spPr>
+          <p:style>
+            <a:lnRef idx="1">
+              <a:schemeClr val="accent1"/>
+            </a:lnRef>
+            <a:fillRef idx="0">
+              <a:schemeClr val="accent1"/>
+            </a:fillRef>
+            <a:effectRef idx="0">
+              <a:schemeClr val="accent1"/>
+            </a:effectRef>
+            <a:fontRef idx="minor">
+              <a:schemeClr val="tx1"/>
+            </a:fontRef>
+          </p:style>
+        </p:cxnSp>
+        <p:cxnSp>
+          <p:nvCxnSpPr>
+            <p:cNvPr id="62" name="Straight Connector 61">
+              <a:extLst>
+                <a:ext uri="{FF2B5EF4-FFF2-40B4-BE49-F238E27FC236}">
+                  <a16:creationId xmlns:a16="http://schemas.microsoft.com/office/drawing/2014/main" id="{D3386662-8D92-6648-8C33-23872A5CFE03}"/>
+                </a:ext>
+              </a:extLst>
+            </p:cNvPr>
+            <p:cNvCxnSpPr>
+              <a:cxnSpLocks/>
+            </p:cNvCxnSpPr>
+            <p:nvPr/>
+          </p:nvCxnSpPr>
+          <p:spPr>
+            <a:xfrm>
+              <a:off x="8754533" y="3589867"/>
+              <a:ext cx="321734" cy="457200"/>
+            </a:xfrm>
+            <a:prstGeom prst="line">
+              <a:avLst/>
+            </a:prstGeom>
+          </p:spPr>
+          <p:style>
+            <a:lnRef idx="1">
+              <a:schemeClr val="accent1"/>
+            </a:lnRef>
+            <a:fillRef idx="0">
+              <a:schemeClr val="accent1"/>
+            </a:fillRef>
+            <a:effectRef idx="0">
+              <a:schemeClr val="accent1"/>
+            </a:effectRef>
+            <a:fontRef idx="minor">
+              <a:schemeClr val="tx1"/>
+            </a:fontRef>
+          </p:style>
+        </p:cxnSp>
+      </p:grpSp>
+      <p:grpSp>
+        <p:nvGrpSpPr>
+          <p:cNvPr id="63" name="Group 62">
+            <a:extLst>
+              <a:ext uri="{FF2B5EF4-FFF2-40B4-BE49-F238E27FC236}">
+                <a16:creationId xmlns:a16="http://schemas.microsoft.com/office/drawing/2014/main" id="{E5231996-B9F7-A14C-9B46-6D84E907B913}"/>
+              </a:ext>
+            </a:extLst>
+          </p:cNvPr>
+          <p:cNvGrpSpPr/>
+          <p:nvPr/>
+        </p:nvGrpSpPr>
+        <p:grpSpPr>
+          <a:xfrm>
+            <a:off x="8991598" y="2306847"/>
+            <a:ext cx="694267" cy="457200"/>
+            <a:chOff x="8382000" y="3589867"/>
+            <a:chExt cx="694267" cy="457200"/>
+          </a:xfrm>
+        </p:grpSpPr>
+        <p:cxnSp>
+          <p:nvCxnSpPr>
+            <p:cNvPr id="64" name="Straight Connector 63">
+              <a:extLst>
+                <a:ext uri="{FF2B5EF4-FFF2-40B4-BE49-F238E27FC236}">
+                  <a16:creationId xmlns:a16="http://schemas.microsoft.com/office/drawing/2014/main" id="{035F007A-2219-CB40-8138-5D6CAA31BBB0}"/>
+                </a:ext>
+              </a:extLst>
+            </p:cNvPr>
+            <p:cNvCxnSpPr/>
+            <p:nvPr/>
+          </p:nvCxnSpPr>
+          <p:spPr>
+            <a:xfrm flipV="1">
+              <a:off x="8382000" y="3606800"/>
+              <a:ext cx="355600" cy="440267"/>
+            </a:xfrm>
+            <a:prstGeom prst="line">
+              <a:avLst/>
+            </a:prstGeom>
+          </p:spPr>
+          <p:style>
+            <a:lnRef idx="1">
+              <a:schemeClr val="accent1"/>
+            </a:lnRef>
+            <a:fillRef idx="0">
+              <a:schemeClr val="accent1"/>
+            </a:fillRef>
+            <a:effectRef idx="0">
+              <a:schemeClr val="accent1"/>
+            </a:effectRef>
+            <a:fontRef idx="minor">
+              <a:schemeClr val="tx1"/>
+            </a:fontRef>
+          </p:style>
+        </p:cxnSp>
+        <p:cxnSp>
+          <p:nvCxnSpPr>
+            <p:cNvPr id="65" name="Straight Connector 64">
+              <a:extLst>
+                <a:ext uri="{FF2B5EF4-FFF2-40B4-BE49-F238E27FC236}">
+                  <a16:creationId xmlns:a16="http://schemas.microsoft.com/office/drawing/2014/main" id="{5AE77DF9-04E6-284B-8B2F-0EF85BBC94FB}"/>
+                </a:ext>
+              </a:extLst>
+            </p:cNvPr>
+            <p:cNvCxnSpPr>
+              <a:cxnSpLocks/>
+            </p:cNvCxnSpPr>
+            <p:nvPr/>
+          </p:nvCxnSpPr>
+          <p:spPr>
+            <a:xfrm>
+              <a:off x="8754533" y="3589867"/>
+              <a:ext cx="321734" cy="457200"/>
+            </a:xfrm>
+            <a:prstGeom prst="line">
+              <a:avLst/>
+            </a:prstGeom>
+          </p:spPr>
+          <p:style>
+            <a:lnRef idx="1">
+              <a:schemeClr val="accent1"/>
+            </a:lnRef>
+            <a:fillRef idx="0">
+              <a:schemeClr val="accent1"/>
+            </a:fillRef>
+            <a:effectRef idx="0">
+              <a:schemeClr val="accent1"/>
+            </a:effectRef>
+            <a:fontRef idx="minor">
+              <a:schemeClr val="tx1"/>
+            </a:fontRef>
+          </p:style>
+        </p:cxnSp>
+      </p:grpSp>
+      <p:grpSp>
+        <p:nvGrpSpPr>
+          <p:cNvPr id="66" name="Group 65">
+            <a:extLst>
+              <a:ext uri="{FF2B5EF4-FFF2-40B4-BE49-F238E27FC236}">
+                <a16:creationId xmlns:a16="http://schemas.microsoft.com/office/drawing/2014/main" id="{AC45B4E7-CC48-924D-ABC3-CB20FA572B76}"/>
+              </a:ext>
+            </a:extLst>
+          </p:cNvPr>
+          <p:cNvGrpSpPr/>
+          <p:nvPr/>
+        </p:nvGrpSpPr>
+        <p:grpSpPr>
+          <a:xfrm>
+            <a:off x="9338731" y="2797913"/>
+            <a:ext cx="694267" cy="457200"/>
+            <a:chOff x="8382000" y="3589867"/>
+            <a:chExt cx="694267" cy="457200"/>
+          </a:xfrm>
+        </p:grpSpPr>
+        <p:cxnSp>
+          <p:nvCxnSpPr>
+            <p:cNvPr id="67" name="Straight Connector 66">
+              <a:extLst>
+                <a:ext uri="{FF2B5EF4-FFF2-40B4-BE49-F238E27FC236}">
+                  <a16:creationId xmlns:a16="http://schemas.microsoft.com/office/drawing/2014/main" id="{B7E81909-C116-8644-8FC4-242F4F5F2D61}"/>
+                </a:ext>
+              </a:extLst>
+            </p:cNvPr>
+            <p:cNvCxnSpPr/>
+            <p:nvPr/>
+          </p:nvCxnSpPr>
+          <p:spPr>
+            <a:xfrm flipV="1">
+              <a:off x="8382000" y="3606800"/>
+              <a:ext cx="355600" cy="440267"/>
+            </a:xfrm>
+            <a:prstGeom prst="line">
+              <a:avLst/>
+            </a:prstGeom>
+          </p:spPr>
+          <p:style>
+            <a:lnRef idx="1">
+              <a:schemeClr val="accent1"/>
+            </a:lnRef>
+            <a:fillRef idx="0">
+              <a:schemeClr val="accent1"/>
+            </a:fillRef>
+            <a:effectRef idx="0">
+              <a:schemeClr val="accent1"/>
+            </a:effectRef>
+            <a:fontRef idx="minor">
+              <a:schemeClr val="tx1"/>
+            </a:fontRef>
+          </p:style>
+        </p:cxnSp>
+        <p:cxnSp>
+          <p:nvCxnSpPr>
+            <p:cNvPr id="68" name="Straight Connector 67">
+              <a:extLst>
+                <a:ext uri="{FF2B5EF4-FFF2-40B4-BE49-F238E27FC236}">
+                  <a16:creationId xmlns:a16="http://schemas.microsoft.com/office/drawing/2014/main" id="{7DD20809-3E6F-5A41-8ADD-CB747F2E4032}"/>
+                </a:ext>
+              </a:extLst>
+            </p:cNvPr>
+            <p:cNvCxnSpPr>
+              <a:cxnSpLocks/>
+            </p:cNvCxnSpPr>
+            <p:nvPr/>
+          </p:nvCxnSpPr>
+          <p:spPr>
+            <a:xfrm>
+              <a:off x="8754533" y="3589867"/>
+              <a:ext cx="321734" cy="457200"/>
+            </a:xfrm>
+            <a:prstGeom prst="line">
+              <a:avLst/>
+            </a:prstGeom>
+          </p:spPr>
+          <p:style>
+            <a:lnRef idx="1">
+              <a:schemeClr val="accent1"/>
+            </a:lnRef>
+            <a:fillRef idx="0">
+              <a:schemeClr val="accent1"/>
+            </a:fillRef>
+            <a:effectRef idx="0">
+              <a:schemeClr val="accent1"/>
+            </a:effectRef>
+            <a:fontRef idx="minor">
+              <a:schemeClr val="tx1"/>
+            </a:fontRef>
+          </p:style>
+        </p:cxnSp>
+      </p:grpSp>
+      <p:sp>
+        <p:nvSpPr>
+          <p:cNvPr id="72" name="Oval 71">
+            <a:extLst>
+              <a:ext uri="{FF2B5EF4-FFF2-40B4-BE49-F238E27FC236}">
+                <a16:creationId xmlns:a16="http://schemas.microsoft.com/office/drawing/2014/main" id="{A4F3E7B2-685A-BD4B-A776-4BA1219968B5}"/>
+              </a:ext>
+            </a:extLst>
+          </p:cNvPr>
+          <p:cNvSpPr/>
+          <p:nvPr/>
+        </p:nvSpPr>
+        <p:spPr>
+          <a:xfrm>
+            <a:off x="8810362" y="2581856"/>
+            <a:ext cx="1654435" cy="444657"/>
+          </a:xfrm>
+          <a:prstGeom prst="ellipse">
+            <a:avLst/>
+          </a:prstGeom>
+          <a:solidFill>
+            <a:schemeClr val="accent2">
+              <a:lumMod val="60000"/>
+              <a:lumOff val="40000"/>
+            </a:schemeClr>
+          </a:solidFill>
+          <a:ln>
+            <a:solidFill>
+              <a:schemeClr val="accent2"/>
+            </a:solidFill>
+          </a:ln>
+          <a:effectLst/>
+          <a:scene3d>
+            <a:camera prst="orthographicFront">
+              <a:rot lat="0" lon="0" rev="0"/>
+            </a:camera>
+            <a:lightRig rig="threePt" dir="t">
+              <a:rot lat="0" lon="0" rev="1200000"/>
+            </a:lightRig>
+          </a:scene3d>
+          <a:sp3d/>
+        </p:spPr>
+        <p:style>
+          <a:lnRef idx="0">
+            <a:schemeClr val="accent1"/>
+          </a:lnRef>
+          <a:fillRef idx="3">
+            <a:schemeClr val="accent1"/>
+          </a:fillRef>
+          <a:effectRef idx="3">
+            <a:schemeClr val="accent1"/>
+          </a:effectRef>
+          <a:fontRef idx="minor">
+            <a:schemeClr val="lt1"/>
+          </a:fontRef>
+        </p:style>
+        <p:txBody>
+          <a:bodyPr rot="0" spcFirstLastPara="0" vertOverflow="overflow" horzOverflow="overflow" vert="horz" wrap="square" lIns="45720" tIns="45720" rIns="45720" bIns="45720" numCol="1" spcCol="0" rtlCol="0" fromWordArt="0" anchor="ctr" anchorCtr="0" forceAA="0" compatLnSpc="1">
+            <a:prstTxWarp prst="textNoShape">
+              <a:avLst/>
+            </a:prstTxWarp>
+            <a:noAutofit/>
+          </a:bodyPr>
+          <a:lstStyle/>
+          <a:p>
+            <a:pPr algn="ctr">
+              <a:lnSpc>
+                <a:spcPct val="90000"/>
+              </a:lnSpc>
+            </a:pPr>
+            <a:r>
+              <a:rPr lang="en-US" dirty="0">
+                <a:solidFill>
+                  <a:schemeClr val="tx1"/>
+                </a:solidFill>
+              </a:rPr>
+              <a:t>state</a:t>
+            </a:r>
+          </a:p>
+        </p:txBody>
+      </p:sp>
+      <p:sp>
+        <p:nvSpPr>
+          <p:cNvPr id="73" name="Oval 72">
+            <a:extLst>
+              <a:ext uri="{FF2B5EF4-FFF2-40B4-BE49-F238E27FC236}">
+                <a16:creationId xmlns:a16="http://schemas.microsoft.com/office/drawing/2014/main" id="{AFB95790-A1AB-144C-B10E-17C0DD49D6CE}"/>
+              </a:ext>
+            </a:extLst>
+          </p:cNvPr>
+          <p:cNvSpPr/>
+          <p:nvPr/>
+        </p:nvSpPr>
+        <p:spPr>
+          <a:xfrm>
+            <a:off x="9209211" y="4290316"/>
+            <a:ext cx="939799" cy="541867"/>
+          </a:xfrm>
+          <a:prstGeom prst="ellipse">
+            <a:avLst/>
+          </a:prstGeom>
+          <a:solidFill>
+            <a:schemeClr val="accent5">
+              <a:lumMod val="75000"/>
+            </a:schemeClr>
+          </a:solidFill>
+          <a:ln>
+            <a:solidFill>
+              <a:schemeClr val="accent5">
+                <a:lumMod val="75000"/>
+              </a:schemeClr>
+            </a:solidFill>
+          </a:ln>
+          <a:effectLst/>
+          <a:scene3d>
+            <a:camera prst="orthographicFront">
+              <a:rot lat="0" lon="0" rev="0"/>
+            </a:camera>
+            <a:lightRig rig="threePt" dir="t">
+              <a:rot lat="0" lon="0" rev="1200000"/>
+            </a:lightRig>
+          </a:scene3d>
+          <a:sp3d/>
+        </p:spPr>
+        <p:style>
+          <a:lnRef idx="0">
+            <a:schemeClr val="accent1"/>
+          </a:lnRef>
+          <a:fillRef idx="3">
+            <a:schemeClr val="accent1"/>
+          </a:fillRef>
+          <a:effectRef idx="3">
+            <a:schemeClr val="accent1"/>
+          </a:effectRef>
+          <a:fontRef idx="minor">
+            <a:schemeClr val="lt1"/>
+          </a:fontRef>
+        </p:style>
+        <p:txBody>
+          <a:bodyPr rot="0" spcFirstLastPara="0" vertOverflow="overflow" horzOverflow="overflow" vert="horz" wrap="square" lIns="45720" tIns="45720" rIns="45720" bIns="45720" numCol="1" spcCol="0" rtlCol="0" fromWordArt="0" anchor="ctr" anchorCtr="0" forceAA="0" compatLnSpc="1">
+            <a:prstTxWarp prst="textNoShape">
+              <a:avLst/>
+            </a:prstTxWarp>
+            <a:noAutofit/>
+          </a:bodyPr>
+          <a:lstStyle/>
+          <a:p>
+            <a:pPr algn="ctr">
+              <a:lnSpc>
+                <a:spcPct val="90000"/>
+              </a:lnSpc>
+            </a:pPr>
+            <a:r>
+              <a:rPr lang="en-US" dirty="0">
+                <a:solidFill>
+                  <a:schemeClr val="tx1"/>
+                </a:solidFill>
+              </a:rPr>
+              <a:t>driver</a:t>
+            </a:r>
+          </a:p>
+        </p:txBody>
+      </p:sp>
+      <p:cxnSp>
+        <p:nvCxnSpPr>
+          <p:cNvPr id="75" name="Curved Connector 74">
+            <a:extLst>
+              <a:ext uri="{FF2B5EF4-FFF2-40B4-BE49-F238E27FC236}">
+                <a16:creationId xmlns:a16="http://schemas.microsoft.com/office/drawing/2014/main" id="{E847AD42-38EB-F041-8F86-32E104FE8FDF}"/>
+              </a:ext>
+            </a:extLst>
+          </p:cNvPr>
+          <p:cNvCxnSpPr>
+            <a:stCxn id="73" idx="2"/>
+          </p:cNvCxnSpPr>
+          <p:nvPr/>
+        </p:nvCxnSpPr>
+        <p:spPr>
+          <a:xfrm rot="10800000" flipV="1">
+            <a:off x="8983127" y="4561249"/>
+            <a:ext cx="226085" cy="533399"/>
+          </a:xfrm>
+          <a:prstGeom prst="curvedConnector2">
+            <a:avLst/>
+          </a:prstGeom>
+          <a:ln>
+            <a:tailEnd type="triangle"/>
+          </a:ln>
+        </p:spPr>
+        <p:style>
+          <a:lnRef idx="1">
+            <a:schemeClr val="accent1"/>
+          </a:lnRef>
+          <a:fillRef idx="0">
+            <a:schemeClr val="accent1"/>
+          </a:fillRef>
+          <a:effectRef idx="0">
+            <a:schemeClr val="accent1"/>
+          </a:effectRef>
+          <a:fontRef idx="minor">
+            <a:schemeClr val="tx1"/>
+          </a:fontRef>
+        </p:style>
+      </p:cxnSp>
+      <p:cxnSp>
+        <p:nvCxnSpPr>
+          <p:cNvPr id="81" name="Curved Connector 80">
+            <a:extLst>
+              <a:ext uri="{FF2B5EF4-FFF2-40B4-BE49-F238E27FC236}">
+                <a16:creationId xmlns:a16="http://schemas.microsoft.com/office/drawing/2014/main" id="{9B3F9AD8-0AA2-7345-8095-8CB40DEF40E1}"/>
+              </a:ext>
+            </a:extLst>
+          </p:cNvPr>
+          <p:cNvCxnSpPr>
+            <a:cxnSpLocks/>
+            <a:endCxn id="73" idx="6"/>
+          </p:cNvCxnSpPr>
+          <p:nvPr/>
+        </p:nvCxnSpPr>
+        <p:spPr>
+          <a:xfrm rot="16200000" flipH="1">
+            <a:off x="8992679" y="3404919"/>
+            <a:ext cx="2273768" cy="38894"/>
+          </a:xfrm>
+          <a:prstGeom prst="curvedConnector4">
+            <a:avLst>
+              <a:gd name="adj1" fmla="val 6805"/>
+              <a:gd name="adj2" fmla="val 1863254"/>
+            </a:avLst>
+          </a:prstGeom>
+          <a:ln>
+            <a:prstDash val="sysDash"/>
+            <a:tailEnd type="triangle"/>
+          </a:ln>
+        </p:spPr>
+        <p:style>
+          <a:lnRef idx="1">
+            <a:schemeClr val="accent4"/>
+          </a:lnRef>
+          <a:fillRef idx="0">
+            <a:schemeClr val="accent4"/>
+          </a:fillRef>
+          <a:effectRef idx="0">
+            <a:schemeClr val="accent4"/>
+          </a:effectRef>
+          <a:fontRef idx="minor">
+            <a:schemeClr val="tx1"/>
+          </a:fontRef>
+        </p:style>
+      </p:cxnSp>
+      <p:sp>
+        <p:nvSpPr>
+          <p:cNvPr id="85" name="Oval 84">
+            <a:extLst>
+              <a:ext uri="{FF2B5EF4-FFF2-40B4-BE49-F238E27FC236}">
+                <a16:creationId xmlns:a16="http://schemas.microsoft.com/office/drawing/2014/main" id="{85C20A78-026D-A540-8D67-5B41C1D07DAE}"/>
+              </a:ext>
+            </a:extLst>
+          </p:cNvPr>
+          <p:cNvSpPr/>
+          <p:nvPr/>
+        </p:nvSpPr>
+        <p:spPr>
+          <a:xfrm>
+            <a:off x="8331200" y="1847213"/>
+            <a:ext cx="186267" cy="218654"/>
+          </a:xfrm>
+          <a:prstGeom prst="ellipse">
+            <a:avLst/>
+          </a:prstGeom>
+          <a:solidFill>
+            <a:schemeClr val="accent4">
+              <a:lumMod val="60000"/>
+              <a:lumOff val="40000"/>
+            </a:schemeClr>
+          </a:solidFill>
+          <a:ln>
+            <a:solidFill>
+              <a:schemeClr val="accent4">
+                <a:lumMod val="60000"/>
+                <a:lumOff val="40000"/>
+              </a:schemeClr>
+            </a:solidFill>
+          </a:ln>
+          <a:effectLst/>
+          <a:scene3d>
+            <a:camera prst="orthographicFront">
+              <a:rot lat="0" lon="0" rev="0"/>
+            </a:camera>
+            <a:lightRig rig="threePt" dir="t">
+              <a:rot lat="0" lon="0" rev="1200000"/>
+            </a:lightRig>
+          </a:scene3d>
+          <a:sp3d/>
+        </p:spPr>
+        <p:style>
+          <a:lnRef idx="0">
+            <a:schemeClr val="accent1"/>
+          </a:lnRef>
+          <a:fillRef idx="3">
+            <a:schemeClr val="accent1"/>
+          </a:fillRef>
+          <a:effectRef idx="3">
+            <a:schemeClr val="accent1"/>
+          </a:effectRef>
+          <a:fontRef idx="minor">
+            <a:schemeClr val="lt1"/>
+          </a:fontRef>
+        </p:style>
+        <p:txBody>
+          <a:bodyPr rot="0" spcFirstLastPara="0" vertOverflow="overflow" horzOverflow="overflow" vert="horz" wrap="square" lIns="45720" tIns="45720" rIns="45720" bIns="45720" numCol="1" spcCol="0" rtlCol="0" fromWordArt="0" anchor="ctr" anchorCtr="0" forceAA="0" compatLnSpc="1">
+            <a:prstTxWarp prst="textNoShape">
+              <a:avLst/>
+            </a:prstTxWarp>
+            <a:noAutofit/>
+          </a:bodyPr>
+          <a:lstStyle/>
+          <a:p>
+            <a:pPr algn="ctr">
+              <a:lnSpc>
+                <a:spcPct val="90000"/>
+              </a:lnSpc>
+            </a:pPr>
+            <a:endParaRPr lang="en-US" dirty="0">
+              <a:solidFill>
+                <a:schemeClr val="tx1"/>
+              </a:solidFill>
+            </a:endParaRPr>
+          </a:p>
+        </p:txBody>
+      </p:sp>
+      <p:cxnSp>
+        <p:nvCxnSpPr>
+          <p:cNvPr id="97" name="Straight Arrow Connector 96">
+            <a:extLst>
+              <a:ext uri="{FF2B5EF4-FFF2-40B4-BE49-F238E27FC236}">
+                <a16:creationId xmlns:a16="http://schemas.microsoft.com/office/drawing/2014/main" id="{2C91ABF6-2D03-4C44-B9FF-F1F2B192E963}"/>
+              </a:ext>
+            </a:extLst>
+          </p:cNvPr>
+          <p:cNvCxnSpPr>
+            <a:stCxn id="73" idx="0"/>
+          </p:cNvCxnSpPr>
+          <p:nvPr/>
+        </p:nvCxnSpPr>
+        <p:spPr>
+          <a:xfrm flipV="1">
+            <a:off x="9679111" y="3826933"/>
+            <a:ext cx="6754" cy="463383"/>
+          </a:xfrm>
+          <a:prstGeom prst="straightConnector1">
+            <a:avLst/>
+          </a:prstGeom>
+          <a:ln>
+            <a:tailEnd type="triangle"/>
+          </a:ln>
+        </p:spPr>
+        <p:style>
+          <a:lnRef idx="1">
+            <a:schemeClr val="accent1"/>
+          </a:lnRef>
+          <a:fillRef idx="0">
+            <a:schemeClr val="accent1"/>
+          </a:fillRef>
+          <a:effectRef idx="0">
+            <a:schemeClr val="accent1"/>
+          </a:effectRef>
+          <a:fontRef idx="minor">
+            <a:schemeClr val="tx1"/>
+          </a:fontRef>
+        </p:style>
+      </p:cxnSp>
+      <p:sp>
+        <p:nvSpPr>
+          <p:cNvPr id="69" name="Title 1">
+            <a:extLst>
+              <a:ext uri="{FF2B5EF4-FFF2-40B4-BE49-F238E27FC236}">
+                <a16:creationId xmlns:a16="http://schemas.microsoft.com/office/drawing/2014/main" id="{0087BD33-70F0-2C46-B0E3-8296A066D74A}"/>
+              </a:ext>
+            </a:extLst>
+          </p:cNvPr>
+          <p:cNvSpPr txBox="1">
+            <a:spLocks/>
+          </p:cNvSpPr>
+          <p:nvPr/>
+        </p:nvSpPr>
+        <p:spPr bwMode="auto">
+          <a:xfrm>
+            <a:off x="518160" y="563880"/>
+            <a:ext cx="11372473" cy="914400"/>
+          </a:xfrm>
+          <a:prstGeom prst="rect">
+            <a:avLst/>
+          </a:prstGeom>
+          <a:noFill/>
+          <a:ln w="9525">
+            <a:noFill/>
+            <a:miter lim="800000"/>
+            <a:headEnd/>
+            <a:tailEnd/>
+          </a:ln>
+        </p:spPr>
+        <p:txBody>
+          <a:bodyPr vert="horz" wrap="square" lIns="91440" tIns="45720" rIns="91440" bIns="45720" numCol="1" anchor="t" anchorCtr="0" compatLnSpc="1">
+            <a:prstTxWarp prst="textNoShape">
+              <a:avLst/>
+            </a:prstTxWarp>
+            <a:noAutofit/>
+          </a:bodyPr>
+          <a:lstStyle>
+            <a:lvl1pPr marL="0" indent="0" algn="l" rtl="0" eaLnBrk="1" fontAlgn="base" hangingPunct="1">
+              <a:lnSpc>
+                <a:spcPct val="85000"/>
+              </a:lnSpc>
+              <a:spcBef>
+                <a:spcPct val="0"/>
+              </a:spcBef>
+              <a:spcAft>
+                <a:spcPct val="0"/>
+              </a:spcAft>
+              <a:defRPr sz="2800" b="1" kern="1200" baseline="0">
+                <a:solidFill>
+                  <a:schemeClr val="tx1"/>
+                </a:solidFill>
+                <a:latin typeface="+mn-lt"/>
+                <a:ea typeface="+mj-ea"/>
+                <a:cs typeface="+mj-cs"/>
+              </a:defRPr>
+            </a:lvl1pPr>
+            <a:lvl2pPr algn="l" rtl="0" eaLnBrk="1" fontAlgn="base" hangingPunct="1">
+              <a:lnSpc>
+                <a:spcPct val="85000"/>
+              </a:lnSpc>
+              <a:spcBef>
+                <a:spcPct val="0"/>
+              </a:spcBef>
+              <a:spcAft>
+                <a:spcPct val="0"/>
+              </a:spcAft>
+              <a:defRPr sz="3000">
+                <a:solidFill>
+                  <a:srgbClr val="006C3A"/>
+                </a:solidFill>
+                <a:latin typeface="Arial Black" pitchFamily="34" charset="0"/>
+              </a:defRPr>
+            </a:lvl2pPr>
+            <a:lvl3pPr algn="l" rtl="0" eaLnBrk="1" fontAlgn="base" hangingPunct="1">
+              <a:lnSpc>
+                <a:spcPct val="85000"/>
+              </a:lnSpc>
+              <a:spcBef>
+                <a:spcPct val="0"/>
+              </a:spcBef>
+              <a:spcAft>
+                <a:spcPct val="0"/>
+              </a:spcAft>
+              <a:defRPr sz="3000">
+                <a:solidFill>
+                  <a:srgbClr val="006C3A"/>
+                </a:solidFill>
+                <a:latin typeface="Arial Black" pitchFamily="34" charset="0"/>
+              </a:defRPr>
+            </a:lvl3pPr>
+            <a:lvl4pPr algn="l" rtl="0" eaLnBrk="1" fontAlgn="base" hangingPunct="1">
+              <a:lnSpc>
+                <a:spcPct val="85000"/>
+              </a:lnSpc>
+              <a:spcBef>
+                <a:spcPct val="0"/>
+              </a:spcBef>
+              <a:spcAft>
+                <a:spcPct val="0"/>
+              </a:spcAft>
+              <a:defRPr sz="3000">
+                <a:solidFill>
+                  <a:srgbClr val="006C3A"/>
+                </a:solidFill>
+                <a:latin typeface="Arial Black" pitchFamily="34" charset="0"/>
+              </a:defRPr>
+            </a:lvl4pPr>
+            <a:lvl5pPr algn="l" rtl="0" eaLnBrk="1" fontAlgn="base" hangingPunct="1">
+              <a:lnSpc>
+                <a:spcPct val="85000"/>
+              </a:lnSpc>
+              <a:spcBef>
+                <a:spcPct val="0"/>
+              </a:spcBef>
+              <a:spcAft>
+                <a:spcPct val="0"/>
+              </a:spcAft>
+              <a:defRPr sz="3000">
+                <a:solidFill>
+                  <a:srgbClr val="006C3A"/>
+                </a:solidFill>
+                <a:latin typeface="Arial Black" pitchFamily="34" charset="0"/>
+              </a:defRPr>
+            </a:lvl5pPr>
+            <a:lvl6pPr marL="457200" algn="l" rtl="0" eaLnBrk="1" fontAlgn="base" hangingPunct="1">
+              <a:lnSpc>
+                <a:spcPct val="85000"/>
+              </a:lnSpc>
+              <a:spcBef>
+                <a:spcPct val="0"/>
+              </a:spcBef>
+              <a:spcAft>
+                <a:spcPct val="0"/>
+              </a:spcAft>
+              <a:defRPr sz="3000">
+                <a:solidFill>
+                  <a:srgbClr val="006C3A"/>
+                </a:solidFill>
+                <a:latin typeface="Arial Black" pitchFamily="34" charset="0"/>
+              </a:defRPr>
+            </a:lvl6pPr>
+            <a:lvl7pPr marL="914400" algn="l" rtl="0" eaLnBrk="1" fontAlgn="base" hangingPunct="1">
+              <a:lnSpc>
+                <a:spcPct val="85000"/>
+              </a:lnSpc>
+              <a:spcBef>
+                <a:spcPct val="0"/>
+              </a:spcBef>
+              <a:spcAft>
+                <a:spcPct val="0"/>
+              </a:spcAft>
+              <a:defRPr sz="3000">
+                <a:solidFill>
+                  <a:srgbClr val="006C3A"/>
+                </a:solidFill>
+                <a:latin typeface="Arial Black" pitchFamily="34" charset="0"/>
+              </a:defRPr>
+            </a:lvl7pPr>
+            <a:lvl8pPr marL="1371600" algn="l" rtl="0" eaLnBrk="1" fontAlgn="base" hangingPunct="1">
+              <a:lnSpc>
+                <a:spcPct val="85000"/>
+              </a:lnSpc>
+              <a:spcBef>
+                <a:spcPct val="0"/>
+              </a:spcBef>
+              <a:spcAft>
+                <a:spcPct val="0"/>
+              </a:spcAft>
+              <a:defRPr sz="3000">
+                <a:solidFill>
+                  <a:srgbClr val="006C3A"/>
+                </a:solidFill>
+                <a:latin typeface="Arial Black" pitchFamily="34" charset="0"/>
+              </a:defRPr>
+            </a:lvl8pPr>
+            <a:lvl9pPr marL="1828800" algn="l" rtl="0" eaLnBrk="1" fontAlgn="base" hangingPunct="1">
+              <a:lnSpc>
+                <a:spcPct val="85000"/>
+              </a:lnSpc>
+              <a:spcBef>
+                <a:spcPct val="0"/>
+              </a:spcBef>
+              <a:spcAft>
+                <a:spcPct val="0"/>
+              </a:spcAft>
+              <a:defRPr sz="3000">
+                <a:solidFill>
+                  <a:srgbClr val="006C3A"/>
+                </a:solidFill>
+                <a:latin typeface="Arial Black" pitchFamily="34" charset="0"/>
+              </a:defRPr>
+            </a:lvl9pPr>
+          </a:lstStyle>
+          <a:p>
+            <a:r>
+              <a:rPr lang="en-US" dirty="0"/>
+              <a:t>Example 2:</a:t>
+            </a:r>
+          </a:p>
+          <a:p>
+            <a:r>
+              <a:rPr lang="en-US" dirty="0"/>
+              <a:t>Test Development For a Legacy Code</a:t>
+            </a:r>
+          </a:p>
+        </p:txBody>
+      </p:sp>
+    </p:spTree>
+    <p:custDataLst>
+      <p:tags r:id="rId1"/>
+    </p:custDataLst>
+    <p:extLst>
+      <p:ext uri="{BB962C8B-B14F-4D97-AF65-F5344CB8AC3E}">
+        <p14:creationId xmlns:p14="http://schemas.microsoft.com/office/powerpoint/2010/main" val="1433666175"/>
+      </p:ext>
+    </p:extLst>
+  </p:cSld>
+  <p:clrMapOvr>
+    <a:masterClrMapping/>
+  </p:clrMapOvr>
+  <mc:AlternateContent xmlns:mc="http://schemas.openxmlformats.org/markup-compatibility/2006" xmlns:p14="http://schemas.microsoft.com/office/powerpoint/2010/main">
+    <mc:Choice Requires="p14">
+      <p:transition spd="slow" p14:dur="2000" advTm="161795"/>
+    </mc:Choice>
+    <mc:Fallback xmlns="">
+      <p:transition spd="slow" advTm="161795"/>
+    </mc:Fallback>
+  </mc:AlternateContent>
+  <p:timing>
+    <p:tnLst>
+      <p:par>
+        <p:cTn id="1" dur="indefinite" restart="never" nodeType="tmRoot">
+          <p:childTnLst>
+            <p:seq concurrent="1" nextAc="seek">
+              <p:cTn id="2" dur="indefinite" nodeType="mainSeq">
+                <p:childTnLst>
+                  <p:par>
+                    <p:cTn id="3" fill="hold">
+                      <p:stCondLst>
+                        <p:cond delay="indefinite"/>
+                      </p:stCondLst>
+                      <p:childTnLst>
+                        <p:par>
+                          <p:cTn id="4" fill="hold">
+                            <p:stCondLst>
+                              <p:cond delay="0"/>
+                            </p:stCondLst>
+                            <p:childTnLst>
+                              <p:par>
+                                <p:cTn id="5" presetID="42" presetClass="path" presetSubtype="0" accel="50000" decel="50000" fill="hold" nodeType="clickEffect">
+                                  <p:stCondLst>
+                                    <p:cond delay="0"/>
+                                  </p:stCondLst>
+                                  <p:childTnLst>
+                                    <p:animMotion origin="layout" path="M 2.02917E-6 -3.7037E-6 L -0.06382 0.3169 " pathEditMode="relative" rAng="0" ptsTypes="AA">
+                                      <p:cBhvr>
+                                        <p:cTn id="6" dur="2000" fill="hold"/>
+                                        <p:tgtEl>
+                                          <p:spTgt spid="66"/>
+                                        </p:tgtEl>
+                                        <p:attrNameLst>
+                                          <p:attrName>ppt_x</p:attrName>
+                                          <p:attrName>ppt_y</p:attrName>
+                                        </p:attrNameLst>
+                                      </p:cBhvr>
+                                      <p:rCtr x="-3191" y="15833"/>
+                                    </p:animMotion>
+                                  </p:childTnLst>
+                                </p:cTn>
+                              </p:par>
+                            </p:childTnLst>
+                          </p:cTn>
+                        </p:par>
+                      </p:childTnLst>
+                    </p:cTn>
+                  </p:par>
+                  <p:par>
+                    <p:cTn id="7" fill="hold">
+                      <p:stCondLst>
+                        <p:cond delay="indefinite"/>
+                      </p:stCondLst>
+                      <p:childTnLst>
+                        <p:par>
+                          <p:cTn id="8" fill="hold">
+                            <p:stCondLst>
+                              <p:cond delay="0"/>
+                            </p:stCondLst>
+                            <p:childTnLst>
+                              <p:par>
+                                <p:cTn id="9" presetID="1" presetClass="entr" presetSubtype="0" fill="hold" grpId="0" nodeType="clickEffect">
+                                  <p:stCondLst>
+                                    <p:cond delay="0"/>
+                                  </p:stCondLst>
+                                  <p:childTnLst>
+                                    <p:set>
+                                      <p:cBhvr>
+                                        <p:cTn id="10" dur="1" fill="hold">
+                                          <p:stCondLst>
+                                            <p:cond delay="0"/>
+                                          </p:stCondLst>
+                                        </p:cTn>
+                                        <p:tgtEl>
+                                          <p:spTgt spid="72"/>
+                                        </p:tgtEl>
+                                        <p:attrNameLst>
+                                          <p:attrName>style.visibility</p:attrName>
+                                        </p:attrNameLst>
+                                      </p:cBhvr>
+                                      <p:to>
+                                        <p:strVal val="visible"/>
+                                      </p:to>
+                                    </p:set>
+                                  </p:childTnLst>
+                                </p:cTn>
+                              </p:par>
+                            </p:childTnLst>
+                          </p:cTn>
+                        </p:par>
+                      </p:childTnLst>
+                    </p:cTn>
+                  </p:par>
+                  <p:par>
+                    <p:cTn id="11" fill="hold">
+                      <p:stCondLst>
+                        <p:cond delay="indefinite"/>
+                      </p:stCondLst>
+                      <p:childTnLst>
+                        <p:par>
+                          <p:cTn id="12" fill="hold">
+                            <p:stCondLst>
+                              <p:cond delay="0"/>
+                            </p:stCondLst>
+                            <p:childTnLst>
+                              <p:par>
+                                <p:cTn id="13" presetID="1" presetClass="entr" presetSubtype="0" fill="hold" grpId="0" nodeType="clickEffect">
+                                  <p:stCondLst>
+                                    <p:cond delay="0"/>
+                                  </p:stCondLst>
+                                  <p:childTnLst>
+                                    <p:set>
+                                      <p:cBhvr>
+                                        <p:cTn id="14" dur="1" fill="hold">
+                                          <p:stCondLst>
+                                            <p:cond delay="0"/>
+                                          </p:stCondLst>
+                                        </p:cTn>
+                                        <p:tgtEl>
+                                          <p:spTgt spid="73"/>
+                                        </p:tgtEl>
+                                        <p:attrNameLst>
+                                          <p:attrName>style.visibility</p:attrName>
+                                        </p:attrNameLst>
+                                      </p:cBhvr>
+                                      <p:to>
+                                        <p:strVal val="visible"/>
+                                      </p:to>
+                                    </p:set>
+                                  </p:childTnLst>
+                                </p:cTn>
+                              </p:par>
+                            </p:childTnLst>
+                          </p:cTn>
+                        </p:par>
+                      </p:childTnLst>
+                    </p:cTn>
+                  </p:par>
+                  <p:par>
+                    <p:cTn id="15" fill="hold">
+                      <p:stCondLst>
+                        <p:cond delay="indefinite"/>
+                      </p:stCondLst>
+                      <p:childTnLst>
+                        <p:par>
+                          <p:cTn id="16" fill="hold">
+                            <p:stCondLst>
+                              <p:cond delay="0"/>
+                            </p:stCondLst>
+                            <p:childTnLst>
+                              <p:par>
+                                <p:cTn id="17" presetID="1" presetClass="entr" presetSubtype="0" fill="hold" nodeType="clickEffect">
+                                  <p:stCondLst>
+                                    <p:cond delay="0"/>
+                                  </p:stCondLst>
+                                  <p:childTnLst>
+                                    <p:set>
+                                      <p:cBhvr>
+                                        <p:cTn id="18" dur="1" fill="hold">
+                                          <p:stCondLst>
+                                            <p:cond delay="0"/>
+                                          </p:stCondLst>
+                                        </p:cTn>
+                                        <p:tgtEl>
+                                          <p:spTgt spid="81"/>
+                                        </p:tgtEl>
+                                        <p:attrNameLst>
+                                          <p:attrName>style.visibility</p:attrName>
+                                        </p:attrNameLst>
+                                      </p:cBhvr>
+                                      <p:to>
+                                        <p:strVal val="visible"/>
+                                      </p:to>
+                                    </p:set>
+                                  </p:childTnLst>
+                                </p:cTn>
+                              </p:par>
+                            </p:childTnLst>
+                          </p:cTn>
+                        </p:par>
+                      </p:childTnLst>
+                    </p:cTn>
+                  </p:par>
+                  <p:par>
+                    <p:cTn id="19" fill="hold">
+                      <p:stCondLst>
+                        <p:cond delay="indefinite"/>
+                      </p:stCondLst>
+                      <p:childTnLst>
+                        <p:par>
+                          <p:cTn id="20" fill="hold">
+                            <p:stCondLst>
+                              <p:cond delay="0"/>
+                            </p:stCondLst>
+                            <p:childTnLst>
+                              <p:par>
+                                <p:cTn id="21" presetID="1" presetClass="entr" presetSubtype="0" fill="hold" grpId="1" nodeType="clickEffect">
+                                  <p:stCondLst>
+                                    <p:cond delay="0"/>
+                                  </p:stCondLst>
+                                  <p:childTnLst>
+                                    <p:set>
+                                      <p:cBhvr>
+                                        <p:cTn id="22" dur="1" fill="hold">
+                                          <p:stCondLst>
+                                            <p:cond delay="0"/>
+                                          </p:stCondLst>
+                                        </p:cTn>
+                                        <p:tgtEl>
+                                          <p:spTgt spid="85"/>
+                                        </p:tgtEl>
+                                        <p:attrNameLst>
+                                          <p:attrName>style.visibility</p:attrName>
+                                        </p:attrNameLst>
+                                      </p:cBhvr>
+                                      <p:to>
+                                        <p:strVal val="visible"/>
+                                      </p:to>
+                                    </p:set>
+                                  </p:childTnLst>
+                                </p:cTn>
+                              </p:par>
+                            </p:childTnLst>
+                          </p:cTn>
+                        </p:par>
+                      </p:childTnLst>
+                    </p:cTn>
+                  </p:par>
+                  <p:par>
+                    <p:cTn id="23" fill="hold">
+                      <p:stCondLst>
+                        <p:cond delay="indefinite"/>
+                      </p:stCondLst>
+                      <p:childTnLst>
+                        <p:par>
+                          <p:cTn id="24" fill="hold">
+                            <p:stCondLst>
+                              <p:cond delay="0"/>
+                            </p:stCondLst>
+                            <p:childTnLst>
+                              <p:par>
+                                <p:cTn id="25" presetID="0" presetClass="path" presetSubtype="0" accel="50000" decel="50000" fill="hold" grpId="0" nodeType="clickEffect">
+                                  <p:stCondLst>
+                                    <p:cond delay="0"/>
+                                  </p:stCondLst>
+                                  <p:childTnLst>
+                                    <p:animMotion origin="layout" path="M 0.00221 -0.00741 L 0.11265 0.41944 " pathEditMode="relative" ptsTypes="AA">
+                                      <p:cBhvr>
+                                        <p:cTn id="26" dur="2000" fill="hold"/>
+                                        <p:tgtEl>
+                                          <p:spTgt spid="85"/>
+                                        </p:tgtEl>
+                                        <p:attrNameLst>
+                                          <p:attrName>ppt_x</p:attrName>
+                                          <p:attrName>ppt_y</p:attrName>
+                                        </p:attrNameLst>
+                                      </p:cBhvr>
+                                    </p:animMotion>
+                                  </p:childTnLst>
+                                </p:cTn>
+                              </p:par>
+                            </p:childTnLst>
+                          </p:cTn>
+                        </p:par>
+                      </p:childTnLst>
+                    </p:cTn>
+                  </p:par>
+                  <p:par>
+                    <p:cTn id="27" fill="hold">
+                      <p:stCondLst>
+                        <p:cond delay="indefinite"/>
+                      </p:stCondLst>
+                      <p:childTnLst>
+                        <p:par>
+                          <p:cTn id="28" fill="hold">
+                            <p:stCondLst>
+                              <p:cond delay="0"/>
+                            </p:stCondLst>
+                            <p:childTnLst>
+                              <p:par>
+                                <p:cTn id="29" presetID="0" presetClass="path" presetSubtype="0" accel="50000" decel="50000" fill="hold" grpId="1" nodeType="clickEffect">
+                                  <p:stCondLst>
+                                    <p:cond delay="0"/>
+                                  </p:stCondLst>
+                                  <p:childTnLst>
+                                    <p:animMotion origin="layout" path="M 0 0 L 0 0.13009 " pathEditMode="relative" ptsTypes="AA">
+                                      <p:cBhvr>
+                                        <p:cTn id="30" dur="2000" fill="hold"/>
+                                        <p:tgtEl>
+                                          <p:spTgt spid="72"/>
+                                        </p:tgtEl>
+                                        <p:attrNameLst>
+                                          <p:attrName>ppt_x</p:attrName>
+                                          <p:attrName>ppt_y</p:attrName>
+                                        </p:attrNameLst>
+                                      </p:cBhvr>
+                                    </p:animMotion>
+                                  </p:childTnLst>
+                                </p:cTn>
+                              </p:par>
+                            </p:childTnLst>
+                          </p:cTn>
+                        </p:par>
+                      </p:childTnLst>
+                    </p:cTn>
+                  </p:par>
+                  <p:par>
+                    <p:cTn id="31" fill="hold">
+                      <p:stCondLst>
+                        <p:cond delay="indefinite"/>
+                      </p:stCondLst>
+                      <p:childTnLst>
+                        <p:par>
+                          <p:cTn id="32" fill="hold">
+                            <p:stCondLst>
+                              <p:cond delay="0"/>
+                            </p:stCondLst>
+                            <p:childTnLst>
+                              <p:par>
+                                <p:cTn id="33" presetID="1" presetClass="entr" presetSubtype="0" fill="hold" grpId="0" nodeType="clickEffect">
+                                  <p:stCondLst>
+                                    <p:cond delay="0"/>
+                                  </p:stCondLst>
+                                  <p:childTnLst>
+                                    <p:set>
+                                      <p:cBhvr>
+                                        <p:cTn id="34" dur="1" fill="hold">
+                                          <p:stCondLst>
+                                            <p:cond delay="0"/>
+                                          </p:stCondLst>
+                                        </p:cTn>
+                                        <p:tgtEl>
+                                          <p:spTgt spid="95"/>
+                                        </p:tgtEl>
+                                        <p:attrNameLst>
+                                          <p:attrName>style.visibility</p:attrName>
+                                        </p:attrNameLst>
+                                      </p:cBhvr>
+                                      <p:to>
+                                        <p:strVal val="visible"/>
+                                      </p:to>
+                                    </p:set>
+                                  </p:childTnLst>
+                                </p:cTn>
+                              </p:par>
+                            </p:childTnLst>
+                          </p:cTn>
+                        </p:par>
+                      </p:childTnLst>
+                    </p:cTn>
+                  </p:par>
+                  <p:par>
+                    <p:cTn id="35" fill="hold">
+                      <p:stCondLst>
+                        <p:cond delay="indefinite"/>
+                      </p:stCondLst>
+                      <p:childTnLst>
+                        <p:par>
+                          <p:cTn id="36" fill="hold">
+                            <p:stCondLst>
+                              <p:cond delay="0"/>
+                            </p:stCondLst>
+                            <p:childTnLst>
+                              <p:par>
+                                <p:cTn id="37" presetID="1" presetClass="entr" presetSubtype="0" fill="hold" nodeType="clickEffect">
+                                  <p:stCondLst>
+                                    <p:cond delay="0"/>
+                                  </p:stCondLst>
+                                  <p:childTnLst>
+                                    <p:set>
+                                      <p:cBhvr>
+                                        <p:cTn id="38" dur="1" fill="hold">
+                                          <p:stCondLst>
+                                            <p:cond delay="0"/>
+                                          </p:stCondLst>
+                                        </p:cTn>
+                                        <p:tgtEl>
+                                          <p:spTgt spid="97"/>
+                                        </p:tgtEl>
+                                        <p:attrNameLst>
+                                          <p:attrName>style.visibility</p:attrName>
+                                        </p:attrNameLst>
+                                      </p:cBhvr>
+                                      <p:to>
+                                        <p:strVal val="visible"/>
+                                      </p:to>
+                                    </p:set>
+                                  </p:childTnLst>
+                                </p:cTn>
+                              </p:par>
+                            </p:childTnLst>
+                          </p:cTn>
+                        </p:par>
+                      </p:childTnLst>
+                    </p:cTn>
+                  </p:par>
+                  <p:par>
+                    <p:cTn id="39" fill="hold">
+                      <p:stCondLst>
+                        <p:cond delay="indefinite"/>
+                      </p:stCondLst>
+                      <p:childTnLst>
+                        <p:par>
+                          <p:cTn id="40" fill="hold">
+                            <p:stCondLst>
+                              <p:cond delay="0"/>
+                            </p:stCondLst>
+                            <p:childTnLst>
+                              <p:par>
+                                <p:cTn id="41" presetID="1" presetClass="entr" presetSubtype="0" fill="hold" nodeType="clickEffect">
+                                  <p:stCondLst>
+                                    <p:cond delay="0"/>
+                                  </p:stCondLst>
+                                  <p:childTnLst>
+                                    <p:set>
+                                      <p:cBhvr>
+                                        <p:cTn id="42" dur="1" fill="hold">
+                                          <p:stCondLst>
+                                            <p:cond delay="0"/>
+                                          </p:stCondLst>
+                                        </p:cTn>
+                                        <p:tgtEl>
+                                          <p:spTgt spid="75"/>
+                                        </p:tgtEl>
+                                        <p:attrNameLst>
+                                          <p:attrName>style.visibility</p:attrName>
+                                        </p:attrNameLst>
+                                      </p:cBhvr>
+                                      <p:to>
+                                        <p:strVal val="visible"/>
+                                      </p:to>
+                                    </p:set>
+                                  </p:childTnLst>
+                                </p:cTn>
+                              </p:par>
+                            </p:childTnLst>
+                          </p:cTn>
+                        </p:par>
+                      </p:childTnLst>
+                    </p:cTn>
+                  </p:par>
+                </p:childTnLst>
+              </p:cTn>
+              <p:prevCondLst>
+                <p:cond evt="onPrev" delay="0">
+                  <p:tgtEl>
+                    <p:sldTgt/>
+                  </p:tgtEl>
+                </p:cond>
+              </p:prevCondLst>
+              <p:nextCondLst>
+                <p:cond evt="onNext" delay="0">
+                  <p:tgtEl>
+                    <p:sldTgt/>
+                  </p:tgtEl>
+                </p:cond>
+              </p:nextCondLst>
+            </p:seq>
+          </p:childTnLst>
+        </p:cTn>
+      </p:par>
+    </p:tnLst>
+    <p:bldLst>
+      <p:bldP spid="95" grpId="0" animBg="1"/>
+      <p:bldP spid="72" grpId="0" animBg="1"/>
+      <p:bldP spid="72" grpId="1" animBg="1"/>
+      <p:bldP spid="73" grpId="0" animBg="1"/>
+      <p:bldP spid="85" grpId="0" animBg="1"/>
+      <p:bldP spid="85" grpId="1" animBg="1"/>
+    </p:bldLst>
+  </p:timing>
+</p:sld>
+</file>
+
+<file path=ppt/slides/slide8.xml><?xml version="1.0" encoding="utf-8"?>
+<p:sld xmlns:a="http://schemas.openxmlformats.org/drawingml/2006/main" xmlns:r="http://schemas.openxmlformats.org/officeDocument/2006/relationships" xmlns:p="http://schemas.openxmlformats.org/presentationml/2006/main">
+  <p:cSld>
+    <p:spTree>
+      <p:nvGrpSpPr>
+        <p:cNvPr id="1" name=""/>
+        <p:cNvGrpSpPr/>
+        <p:nvPr/>
+      </p:nvGrpSpPr>
+      <p:grpSpPr>
+        <a:xfrm>
+          <a:off x="0" y="0"/>
+          <a:ext cx="0" cy="0"/>
+          <a:chOff x="0" y="0"/>
+          <a:chExt cx="0" cy="0"/>
+        </a:xfrm>
+      </p:grpSpPr>
+      <p:sp>
+        <p:nvSpPr>
+          <p:cNvPr id="2" name="Title 1">
+            <a:extLst>
+              <a:ext uri="{FF2B5EF4-FFF2-40B4-BE49-F238E27FC236}">
+                <a16:creationId xmlns:a16="http://schemas.microsoft.com/office/drawing/2014/main" id="{E5D0BC0F-AE8E-364D-829C-80FE6B2421CB}"/>
+              </a:ext>
+            </a:extLst>
+          </p:cNvPr>
+          <p:cNvSpPr>
+            <a:spLocks noGrp="1"/>
+          </p:cNvSpPr>
+          <p:nvPr>
+            <p:ph type="title"/>
+          </p:nvPr>
+        </p:nvSpPr>
+        <p:spPr/>
+        <p:txBody>
+          <a:bodyPr/>
+          <a:lstStyle/>
+          <a:p>
+            <a:r>
+              <a:rPr lang="en-US" dirty="0"/>
+              <a:t>Example 3: Structuring Tests to pinpoint bugs</a:t>
+            </a:r>
+            <a:br>
+              <a:rPr lang="en-US" dirty="0"/>
+            </a:br>
+            <a:endParaRPr lang="en-US" dirty="0"/>
+          </a:p>
+        </p:txBody>
+      </p:sp>
+      <p:sp>
+        <p:nvSpPr>
+          <p:cNvPr id="3" name="Content Placeholder 2">
+            <a:extLst>
+              <a:ext uri="{FF2B5EF4-FFF2-40B4-BE49-F238E27FC236}">
+                <a16:creationId xmlns:a16="http://schemas.microsoft.com/office/drawing/2014/main" id="{35C292C8-7C70-414C-96AC-F2D88843B964}"/>
+              </a:ext>
+            </a:extLst>
+          </p:cNvPr>
+          <p:cNvSpPr>
+            <a:spLocks noGrp="1"/>
+          </p:cNvSpPr>
+          <p:nvPr>
+            <p:ph idx="1"/>
+          </p:nvPr>
+        </p:nvSpPr>
+        <p:spPr>
+          <a:xfrm>
+            <a:off x="365760" y="1615440"/>
+            <a:ext cx="5134495" cy="4272742"/>
+          </a:xfrm>
+        </p:spPr>
+        <p:txBody>
+          <a:bodyPr/>
+          <a:lstStyle/>
+          <a:p>
+            <a:r>
+              <a:rPr lang="en-US" dirty="0"/>
+              <a:t>Bottom-up picture (shim if needed)</a:t>
+            </a:r>
+          </a:p>
+          <a:p>
+            <a:pPr lvl="1"/>
+            <a:r>
+              <a:rPr lang="en-US" dirty="0"/>
+              <a:t>Components can be exercised against known simpler applications</a:t>
+            </a:r>
+          </a:p>
+          <a:p>
+            <a:pPr lvl="1"/>
+            <a:r>
+              <a:rPr lang="en-US" dirty="0"/>
+              <a:t>Same applies to combination of components</a:t>
+            </a:r>
+          </a:p>
+          <a:p>
+            <a:r>
+              <a:rPr lang="en-US" dirty="0"/>
+              <a:t>Build a scaffolding of verification tests to gain confidence</a:t>
+            </a:r>
+          </a:p>
+          <a:p>
+            <a:pPr marL="346075" lvl="1" indent="0">
+              <a:buNone/>
+            </a:pPr>
+            <a:endParaRPr lang="en-US" dirty="0"/>
+          </a:p>
+        </p:txBody>
+      </p:sp>
+      <p:grpSp>
+        <p:nvGrpSpPr>
+          <p:cNvPr id="4" name="Group 3">
+            <a:extLst>
+              <a:ext uri="{FF2B5EF4-FFF2-40B4-BE49-F238E27FC236}">
+                <a16:creationId xmlns:a16="http://schemas.microsoft.com/office/drawing/2014/main" id="{CED43FD5-A8C1-F54E-B2C6-9E9A7A00C8BB}"/>
+              </a:ext>
+            </a:extLst>
+          </p:cNvPr>
+          <p:cNvGrpSpPr/>
+          <p:nvPr/>
+        </p:nvGrpSpPr>
+        <p:grpSpPr>
+          <a:xfrm>
+            <a:off x="5500255" y="673260"/>
+            <a:ext cx="6591349" cy="4860015"/>
+            <a:chOff x="3304135" y="1211668"/>
+            <a:chExt cx="6591349" cy="4860015"/>
+          </a:xfrm>
+        </p:grpSpPr>
+        <p:sp>
+          <p:nvSpPr>
+            <p:cNvPr id="5" name="Donut 4">
+              <a:extLst>
+                <a:ext uri="{FF2B5EF4-FFF2-40B4-BE49-F238E27FC236}">
+                  <a16:creationId xmlns:a16="http://schemas.microsoft.com/office/drawing/2014/main" id="{8DE58AA3-6E1E-BE42-9F89-BDAE22ABC129}"/>
+                </a:ext>
+              </a:extLst>
+            </p:cNvPr>
+            <p:cNvSpPr/>
+            <p:nvPr/>
+          </p:nvSpPr>
+          <p:spPr>
+            <a:xfrm>
+              <a:off x="3540904" y="4312862"/>
+              <a:ext cx="1847200" cy="1758821"/>
+            </a:xfrm>
+            <a:prstGeom prst="donut">
+              <a:avLst/>
+            </a:prstGeom>
+            <a:solidFill>
+              <a:schemeClr val="accent6">
+                <a:lumMod val="40000"/>
+                <a:lumOff val="60000"/>
+              </a:schemeClr>
+            </a:solidFill>
+            <a:ln>
+              <a:solidFill>
+                <a:schemeClr val="tx1"/>
+              </a:solidFill>
+            </a:ln>
+          </p:spPr>
+          <p:style>
+            <a:lnRef idx="1">
+              <a:schemeClr val="accent1"/>
+            </a:lnRef>
+            <a:fillRef idx="3">
+              <a:schemeClr val="accent1"/>
+            </a:fillRef>
+            <a:effectRef idx="2">
+              <a:schemeClr val="accent1"/>
+            </a:effectRef>
+            <a:fontRef idx="minor">
+              <a:schemeClr val="lt1"/>
+            </a:fontRef>
+          </p:style>
+          <p:txBody>
+            <a:bodyPr rtlCol="0" anchor="ctr"/>
+            <a:lstStyle/>
+            <a:p>
+              <a:pPr algn="ctr"/>
+              <a:r>
+                <a:rPr lang="en-US" dirty="0">
+                  <a:solidFill>
+                    <a:schemeClr val="tx1"/>
+                  </a:solidFill>
+                </a:rPr>
+                <a:t>Unit test</a:t>
+              </a:r>
+            </a:p>
+          </p:txBody>
+        </p:sp>
+        <p:sp>
+          <p:nvSpPr>
+            <p:cNvPr id="6" name="Block Arc 5">
+              <a:extLst>
+                <a:ext uri="{FF2B5EF4-FFF2-40B4-BE49-F238E27FC236}">
+                  <a16:creationId xmlns:a16="http://schemas.microsoft.com/office/drawing/2014/main" id="{FA657B8F-95C7-D44F-AC13-32ACCE427E9D}"/>
+                </a:ext>
+              </a:extLst>
+            </p:cNvPr>
+            <p:cNvSpPr/>
+            <p:nvPr/>
+          </p:nvSpPr>
+          <p:spPr>
+            <a:xfrm>
+              <a:off x="3304135" y="2286536"/>
+              <a:ext cx="2309000" cy="2026325"/>
+            </a:xfrm>
+            <a:prstGeom prst="blockArc">
+              <a:avLst/>
+            </a:prstGeom>
+            <a:solidFill>
+              <a:schemeClr val="accent6">
+                <a:lumMod val="40000"/>
+                <a:lumOff val="60000"/>
+              </a:schemeClr>
+            </a:solidFill>
+            <a:ln>
+              <a:solidFill>
+                <a:schemeClr val="tx1"/>
+              </a:solidFill>
+            </a:ln>
+          </p:spPr>
+          <p:style>
+            <a:lnRef idx="1">
+              <a:schemeClr val="accent1"/>
+            </a:lnRef>
+            <a:fillRef idx="3">
+              <a:schemeClr val="accent1"/>
+            </a:fillRef>
+            <a:effectRef idx="2">
+              <a:schemeClr val="accent1"/>
+            </a:effectRef>
+            <a:fontRef idx="minor">
+              <a:schemeClr val="lt1"/>
+            </a:fontRef>
+          </p:style>
+          <p:txBody>
+            <a:bodyPr rtlCol="0" anchor="ctr"/>
+            <a:lstStyle/>
+            <a:p>
+              <a:pPr algn="ctr"/>
+              <a:endParaRPr lang="en-US">
+                <a:solidFill>
+                  <a:schemeClr val="tx1"/>
+                </a:solidFill>
+              </a:endParaRPr>
+            </a:p>
+          </p:txBody>
+        </p:sp>
+        <p:sp>
+          <p:nvSpPr>
+            <p:cNvPr id="7" name="Block Arc 6">
+              <a:extLst>
+                <a:ext uri="{FF2B5EF4-FFF2-40B4-BE49-F238E27FC236}">
+                  <a16:creationId xmlns:a16="http://schemas.microsoft.com/office/drawing/2014/main" id="{8C26E3A5-01DF-554A-9CE0-F83C73B0A51A}"/>
+                </a:ext>
+              </a:extLst>
+            </p:cNvPr>
+            <p:cNvSpPr/>
+            <p:nvPr/>
+          </p:nvSpPr>
+          <p:spPr>
+            <a:xfrm flipV="1">
+              <a:off x="3304135" y="2285405"/>
+              <a:ext cx="2309000" cy="2027456"/>
+            </a:xfrm>
+            <a:prstGeom prst="blockArc">
+              <a:avLst/>
+            </a:prstGeom>
+            <a:solidFill>
+              <a:schemeClr val="accent3">
+                <a:lumMod val="75000"/>
+              </a:schemeClr>
+            </a:solidFill>
+            <a:ln>
+              <a:solidFill>
+                <a:schemeClr val="tx1"/>
+              </a:solidFill>
+            </a:ln>
+          </p:spPr>
+          <p:style>
+            <a:lnRef idx="1">
+              <a:schemeClr val="accent1"/>
+            </a:lnRef>
+            <a:fillRef idx="3">
+              <a:schemeClr val="accent1"/>
+            </a:fillRef>
+            <a:effectRef idx="2">
+              <a:schemeClr val="accent1"/>
+            </a:effectRef>
+            <a:fontRef idx="minor">
+              <a:schemeClr val="lt1"/>
+            </a:fontRef>
+          </p:style>
+          <p:txBody>
+            <a:bodyPr rtlCol="0" anchor="ctr"/>
+            <a:lstStyle/>
+            <a:p>
+              <a:pPr algn="ctr"/>
+              <a:endParaRPr lang="en-US">
+                <a:ln>
+                  <a:solidFill>
+                    <a:srgbClr val="9BBB59"/>
+                  </a:solidFill>
+                </a:ln>
+                <a:solidFill>
+                  <a:schemeClr val="accent3">
+                    <a:lumMod val="75000"/>
+                  </a:schemeClr>
+                </a:solidFill>
+              </a:endParaRPr>
+            </a:p>
+          </p:txBody>
+        </p:sp>
+        <p:sp>
+          <p:nvSpPr>
+            <p:cNvPr id="8" name="TextBox 7">
+              <a:extLst>
+                <a:ext uri="{FF2B5EF4-FFF2-40B4-BE49-F238E27FC236}">
+                  <a16:creationId xmlns:a16="http://schemas.microsoft.com/office/drawing/2014/main" id="{08FCA895-A7E9-F949-9B76-56112C06C5BC}"/>
+                </a:ext>
+              </a:extLst>
+            </p:cNvPr>
+            <p:cNvSpPr txBox="1"/>
+            <p:nvPr/>
+          </p:nvSpPr>
+          <p:spPr>
+            <a:xfrm>
+              <a:off x="3930007" y="3059544"/>
+              <a:ext cx="1031051" cy="369332"/>
+            </a:xfrm>
+            <a:prstGeom prst="rect">
+              <a:avLst/>
+            </a:prstGeom>
+            <a:noFill/>
+          </p:spPr>
+          <p:txBody>
+            <a:bodyPr wrap="none" rtlCol="0">
+              <a:spAutoFit/>
+            </a:bodyPr>
+            <a:lstStyle/>
+            <a:p>
+              <a:r>
+                <a:rPr lang="en-US" dirty="0"/>
+                <a:t>Unit test</a:t>
+              </a:r>
+            </a:p>
+          </p:txBody>
+        </p:sp>
+        <p:sp>
+          <p:nvSpPr>
+            <p:cNvPr id="9" name="Rectangle 8">
+              <a:extLst>
+                <a:ext uri="{FF2B5EF4-FFF2-40B4-BE49-F238E27FC236}">
+                  <a16:creationId xmlns:a16="http://schemas.microsoft.com/office/drawing/2014/main" id="{283F9715-7634-0744-8505-079BCADA5C89}"/>
+                </a:ext>
+              </a:extLst>
+            </p:cNvPr>
+            <p:cNvSpPr/>
+            <p:nvPr/>
+          </p:nvSpPr>
+          <p:spPr>
+            <a:xfrm>
+              <a:off x="7507401" y="1284297"/>
+              <a:ext cx="408055" cy="202024"/>
+            </a:xfrm>
+            <a:prstGeom prst="rect">
+              <a:avLst/>
+            </a:prstGeom>
+            <a:solidFill>
+              <a:schemeClr val="accent3">
+                <a:lumMod val="75000"/>
+              </a:schemeClr>
+            </a:solidFill>
+            <a:ln>
+              <a:solidFill>
+                <a:schemeClr val="tx1"/>
+              </a:solidFill>
+            </a:ln>
+          </p:spPr>
+          <p:style>
+            <a:lnRef idx="1">
+              <a:schemeClr val="accent1"/>
+            </a:lnRef>
+            <a:fillRef idx="3">
+              <a:schemeClr val="accent1"/>
+            </a:fillRef>
+            <a:effectRef idx="2">
+              <a:schemeClr val="accent1"/>
+            </a:effectRef>
+            <a:fontRef idx="minor">
+              <a:schemeClr val="lt1"/>
+            </a:fontRef>
+          </p:style>
+          <p:txBody>
+            <a:bodyPr rtlCol="0" anchor="ctr"/>
+            <a:lstStyle/>
+            <a:p>
+              <a:pPr algn="ctr"/>
+              <a:endParaRPr lang="en-US"/>
+            </a:p>
+          </p:txBody>
+        </p:sp>
+        <p:sp>
+          <p:nvSpPr>
+            <p:cNvPr id="10" name="Rectangle 9">
+              <a:extLst>
+                <a:ext uri="{FF2B5EF4-FFF2-40B4-BE49-F238E27FC236}">
+                  <a16:creationId xmlns:a16="http://schemas.microsoft.com/office/drawing/2014/main" id="{9D953E38-8BCA-9640-B2FA-D0D1A572BCBA}"/>
+                </a:ext>
+              </a:extLst>
+            </p:cNvPr>
+            <p:cNvSpPr/>
+            <p:nvPr/>
+          </p:nvSpPr>
+          <p:spPr>
+            <a:xfrm>
+              <a:off x="7507401" y="1783024"/>
+              <a:ext cx="408055" cy="202024"/>
+            </a:xfrm>
+            <a:prstGeom prst="rect">
+              <a:avLst/>
+            </a:prstGeom>
+            <a:solidFill>
+              <a:schemeClr val="accent6">
+                <a:lumMod val="40000"/>
+                <a:lumOff val="60000"/>
+              </a:schemeClr>
+            </a:solidFill>
+            <a:ln>
+              <a:solidFill>
+                <a:schemeClr val="tx1"/>
+              </a:solidFill>
+            </a:ln>
+          </p:spPr>
+          <p:style>
+            <a:lnRef idx="1">
+              <a:schemeClr val="accent1"/>
+            </a:lnRef>
+            <a:fillRef idx="3">
+              <a:schemeClr val="accent1"/>
+            </a:fillRef>
+            <a:effectRef idx="2">
+              <a:schemeClr val="accent1"/>
+            </a:effectRef>
+            <a:fontRef idx="minor">
+              <a:schemeClr val="lt1"/>
+            </a:fontRef>
+          </p:style>
+          <p:txBody>
+            <a:bodyPr rtlCol="0" anchor="ctr"/>
+            <a:lstStyle/>
+            <a:p>
+              <a:pPr algn="ctr"/>
+              <a:endParaRPr lang="en-US"/>
+            </a:p>
+          </p:txBody>
+        </p:sp>
+        <p:sp>
+          <p:nvSpPr>
+            <p:cNvPr id="11" name="TextBox 10">
+              <a:extLst>
+                <a:ext uri="{FF2B5EF4-FFF2-40B4-BE49-F238E27FC236}">
+                  <a16:creationId xmlns:a16="http://schemas.microsoft.com/office/drawing/2014/main" id="{BB593106-7995-0146-A61C-AA30D3C88C1B}"/>
+                </a:ext>
+              </a:extLst>
+            </p:cNvPr>
+            <p:cNvSpPr txBox="1"/>
+            <p:nvPr/>
+          </p:nvSpPr>
+          <p:spPr>
+            <a:xfrm>
+              <a:off x="7915456" y="1670987"/>
+              <a:ext cx="1441420" cy="646331"/>
+            </a:xfrm>
+            <a:prstGeom prst="rect">
+              <a:avLst/>
+            </a:prstGeom>
+            <a:noFill/>
+          </p:spPr>
+          <p:txBody>
+            <a:bodyPr wrap="none" rtlCol="0">
+              <a:spAutoFit/>
+            </a:bodyPr>
+            <a:lstStyle/>
+            <a:p>
+              <a:r>
+                <a:rPr lang="en-US" dirty="0"/>
+                <a:t>Mocked up </a:t>
+              </a:r>
+            </a:p>
+            <a:p>
+              <a:r>
+                <a:rPr lang="en-US" dirty="0"/>
+                <a:t>dependency</a:t>
+              </a:r>
+            </a:p>
+          </p:txBody>
+        </p:sp>
+        <p:sp>
+          <p:nvSpPr>
+            <p:cNvPr id="12" name="TextBox 11">
+              <a:extLst>
+                <a:ext uri="{FF2B5EF4-FFF2-40B4-BE49-F238E27FC236}">
+                  <a16:creationId xmlns:a16="http://schemas.microsoft.com/office/drawing/2014/main" id="{79799BDB-C20C-2443-9BB8-7F690DB08D4C}"/>
+                </a:ext>
+              </a:extLst>
+            </p:cNvPr>
+            <p:cNvSpPr txBox="1"/>
+            <p:nvPr/>
+          </p:nvSpPr>
+          <p:spPr>
+            <a:xfrm>
+              <a:off x="7915455" y="1211668"/>
+              <a:ext cx="1980029" cy="369332"/>
+            </a:xfrm>
+            <a:prstGeom prst="rect">
+              <a:avLst/>
+            </a:prstGeom>
+            <a:noFill/>
+          </p:spPr>
+          <p:txBody>
+            <a:bodyPr wrap="none" rtlCol="0">
+              <a:spAutoFit/>
+            </a:bodyPr>
+            <a:lstStyle/>
+            <a:p>
+              <a:r>
+                <a:rPr lang="en-US" dirty="0"/>
+                <a:t>Real dependency</a:t>
+              </a:r>
+            </a:p>
+          </p:txBody>
+        </p:sp>
+        <p:sp>
+          <p:nvSpPr>
+            <p:cNvPr id="13" name="Block Arc 12">
+              <a:extLst>
+                <a:ext uri="{FF2B5EF4-FFF2-40B4-BE49-F238E27FC236}">
+                  <a16:creationId xmlns:a16="http://schemas.microsoft.com/office/drawing/2014/main" id="{CE87C671-1F12-AC40-9BC4-1B091AE498DB}"/>
+                </a:ext>
+              </a:extLst>
+            </p:cNvPr>
+            <p:cNvSpPr/>
+            <p:nvPr/>
+          </p:nvSpPr>
+          <p:spPr>
+            <a:xfrm>
+              <a:off x="6352900" y="2320868"/>
+              <a:ext cx="2309000" cy="2026325"/>
+            </a:xfrm>
+            <a:prstGeom prst="blockArc">
+              <a:avLst/>
+            </a:prstGeom>
+            <a:solidFill>
+              <a:schemeClr val="accent3">
+                <a:lumMod val="75000"/>
+              </a:schemeClr>
+            </a:solidFill>
+            <a:ln>
+              <a:solidFill>
+                <a:schemeClr val="tx1"/>
+              </a:solidFill>
+            </a:ln>
+          </p:spPr>
+          <p:style>
+            <a:lnRef idx="1">
+              <a:schemeClr val="accent1"/>
+            </a:lnRef>
+            <a:fillRef idx="3">
+              <a:schemeClr val="accent1"/>
+            </a:fillRef>
+            <a:effectRef idx="2">
+              <a:schemeClr val="accent1"/>
+            </a:effectRef>
+            <a:fontRef idx="minor">
+              <a:schemeClr val="lt1"/>
+            </a:fontRef>
+          </p:style>
+          <p:txBody>
+            <a:bodyPr rtlCol="0" anchor="ctr"/>
+            <a:lstStyle/>
+            <a:p>
+              <a:pPr algn="ctr"/>
+              <a:endParaRPr lang="en-US">
+                <a:solidFill>
+                  <a:schemeClr val="tx1"/>
+                </a:solidFill>
+              </a:endParaRPr>
+            </a:p>
+          </p:txBody>
+        </p:sp>
+        <p:sp>
+          <p:nvSpPr>
+            <p:cNvPr id="14" name="Block Arc 13">
+              <a:extLst>
+                <a:ext uri="{FF2B5EF4-FFF2-40B4-BE49-F238E27FC236}">
+                  <a16:creationId xmlns:a16="http://schemas.microsoft.com/office/drawing/2014/main" id="{7BF11E91-E16B-E741-997E-AF813D313E3B}"/>
+                </a:ext>
+              </a:extLst>
+            </p:cNvPr>
+            <p:cNvSpPr/>
+            <p:nvPr/>
+          </p:nvSpPr>
+          <p:spPr>
+            <a:xfrm flipV="1">
+              <a:off x="6352900" y="2319737"/>
+              <a:ext cx="2309000" cy="2027456"/>
+            </a:xfrm>
+            <a:prstGeom prst="blockArc">
+              <a:avLst/>
+            </a:prstGeom>
+            <a:solidFill>
+              <a:schemeClr val="accent3">
+                <a:lumMod val="75000"/>
+              </a:schemeClr>
+            </a:solidFill>
+            <a:ln>
+              <a:solidFill>
+                <a:schemeClr val="tx1"/>
+              </a:solidFill>
+            </a:ln>
+          </p:spPr>
+          <p:style>
+            <a:lnRef idx="1">
+              <a:schemeClr val="accent1"/>
+            </a:lnRef>
+            <a:fillRef idx="3">
+              <a:schemeClr val="accent1"/>
+            </a:fillRef>
+            <a:effectRef idx="2">
+              <a:schemeClr val="accent1"/>
+            </a:effectRef>
+            <a:fontRef idx="minor">
+              <a:schemeClr val="lt1"/>
+            </a:fontRef>
+          </p:style>
+          <p:txBody>
+            <a:bodyPr rtlCol="0" anchor="ctr"/>
+            <a:lstStyle/>
+            <a:p>
+              <a:pPr algn="ctr"/>
+              <a:endParaRPr lang="en-US">
+                <a:ln>
+                  <a:solidFill>
+                    <a:srgbClr val="9BBB59"/>
+                  </a:solidFill>
+                </a:ln>
+                <a:solidFill>
+                  <a:schemeClr val="accent3">
+                    <a:lumMod val="75000"/>
+                  </a:schemeClr>
+                </a:solidFill>
+              </a:endParaRPr>
+            </a:p>
+          </p:txBody>
+        </p:sp>
+        <p:sp>
+          <p:nvSpPr>
+            <p:cNvPr id="15" name="TextBox 14">
+              <a:extLst>
+                <a:ext uri="{FF2B5EF4-FFF2-40B4-BE49-F238E27FC236}">
+                  <a16:creationId xmlns:a16="http://schemas.microsoft.com/office/drawing/2014/main" id="{F7FEFA12-95D3-2043-A9C4-533287D19328}"/>
+                </a:ext>
+              </a:extLst>
+            </p:cNvPr>
+            <p:cNvSpPr txBox="1"/>
+            <p:nvPr/>
+          </p:nvSpPr>
+          <p:spPr>
+            <a:xfrm>
+              <a:off x="6978772" y="3093876"/>
+              <a:ext cx="1031051" cy="369332"/>
+            </a:xfrm>
+            <a:prstGeom prst="rect">
+              <a:avLst/>
+            </a:prstGeom>
+            <a:noFill/>
+          </p:spPr>
+          <p:txBody>
+            <a:bodyPr wrap="none" rtlCol="0">
+              <a:spAutoFit/>
+            </a:bodyPr>
+            <a:lstStyle/>
+            <a:p>
+              <a:r>
+                <a:rPr lang="en-US" dirty="0"/>
+                <a:t>Unit test</a:t>
+              </a:r>
+            </a:p>
+          </p:txBody>
+        </p:sp>
+        <p:sp>
+          <p:nvSpPr>
+            <p:cNvPr id="16" name="Right Arrow 15">
+              <a:extLst>
+                <a:ext uri="{FF2B5EF4-FFF2-40B4-BE49-F238E27FC236}">
+                  <a16:creationId xmlns:a16="http://schemas.microsoft.com/office/drawing/2014/main" id="{63EB76E8-8912-8543-9442-4548F1A4F1B6}"/>
+                </a:ext>
+              </a:extLst>
+            </p:cNvPr>
+            <p:cNvSpPr/>
+            <p:nvPr/>
+          </p:nvSpPr>
+          <p:spPr>
+            <a:xfrm>
+              <a:off x="5767840" y="3142863"/>
+              <a:ext cx="519745" cy="369332"/>
+            </a:xfrm>
+            <a:prstGeom prst="rightArrow">
+              <a:avLst/>
+            </a:prstGeom>
+            <a:solidFill>
+              <a:schemeClr val="tx1"/>
+            </a:solidFill>
+          </p:spPr>
+          <p:style>
+            <a:lnRef idx="1">
+              <a:schemeClr val="accent1"/>
+            </a:lnRef>
+            <a:fillRef idx="3">
+              <a:schemeClr val="accent1"/>
+            </a:fillRef>
+            <a:effectRef idx="2">
+              <a:schemeClr val="accent1"/>
+            </a:effectRef>
+            <a:fontRef idx="minor">
+              <a:schemeClr val="lt1"/>
+            </a:fontRef>
+          </p:style>
+          <p:txBody>
+            <a:bodyPr rtlCol="0" anchor="ctr"/>
+            <a:lstStyle/>
+            <a:p>
+              <a:pPr algn="ctr"/>
+              <a:endParaRPr lang="en-US"/>
+            </a:p>
+          </p:txBody>
+        </p:sp>
+      </p:grpSp>
+    </p:spTree>
+    <p:custDataLst>
+      <p:tags r:id="rId1"/>
+    </p:custDataLst>
+    <p:extLst>
+      <p:ext uri="{BB962C8B-B14F-4D97-AF65-F5344CB8AC3E}">
+        <p14:creationId xmlns:p14="http://schemas.microsoft.com/office/powerpoint/2010/main" val="1663136704"/>
+      </p:ext>
+    </p:extLst>
+  </p:cSld>
+  <p:clrMapOvr>
+    <a:masterClrMapping/>
+  </p:clrMapOvr>
+  <mc:AlternateContent xmlns:mc="http://schemas.openxmlformats.org/markup-compatibility/2006" xmlns:p14="http://schemas.microsoft.com/office/powerpoint/2010/main">
+    <mc:Choice Requires="p14">
+      <p:transition spd="slow" p14:dur="2000" advTm="197886"/>
+    </mc:Choice>
+    <mc:Fallback xmlns="">
+      <p:transition spd="slow" advTm="197886"/>
+    </mc:Fallback>
+  </mc:AlternateContent>
+  <p:timing>
+    <p:tnLst>
+      <p:par>
+        <p:cTn id="1" dur="indefinite" restart="never" nodeType="tmRoot">
+          <p:childTnLst>
+            <p:seq concurrent="1" nextAc="seek">
+              <p:cTn id="2" dur="indefinite" nodeType="mainSeq">
+                <p:childTnLst>
+                  <p:par>
+                    <p:cTn id="3" fill="hold">
+                      <p:stCondLst>
+                        <p:cond delay="indefinite"/>
+                      </p:stCondLst>
+                      <p:childTnLst>
+                        <p:par>
+                          <p:cTn id="4" fill="hold">
+                            <p:stCondLst>
+                              <p:cond delay="0"/>
+                            </p:stCondLst>
+                            <p:childTnLst>
+                              <p:par>
+                                <p:cTn id="5" presetID="1" presetClass="entr" presetSubtype="0" fill="hold" nodeType="clickEffect">
+                                  <p:stCondLst>
+                                    <p:cond delay="0"/>
+                                  </p:stCondLst>
+                                  <p:childTnLst>
+                                    <p:set>
+                                      <p:cBhvr>
+                                        <p:cTn id="6" dur="1" fill="hold">
+                                          <p:stCondLst>
+                                            <p:cond delay="0"/>
+                                          </p:stCondLst>
+                                        </p:cTn>
+                                        <p:tgtEl>
+                                          <p:spTgt spid="4"/>
+                                        </p:tgtEl>
+                                        <p:attrNameLst>
+                                          <p:attrName>style.visibility</p:attrName>
+                                        </p:attrNameLst>
+                                      </p:cBhvr>
+                                      <p:to>
+                                        <p:strVal val="visible"/>
+                                      </p:to>
+                                    </p:set>
+                                  </p:childTnLst>
+                                </p:cTn>
+                              </p:par>
+                            </p:childTnLst>
+                          </p:cTn>
+                        </p:par>
+                      </p:childTnLst>
+                    </p:cTn>
+                  </p:par>
+                </p:childTnLst>
+              </p:cTn>
+              <p:prevCondLst>
+                <p:cond evt="onPrev" delay="0">
+                  <p:tgtEl>
+                    <p:sldTgt/>
+                  </p:tgtEl>
+                </p:cond>
+              </p:prevCondLst>
+              <p:nextCondLst>
+                <p:cond evt="onNext" delay="0">
+                  <p:tgtEl>
+                    <p:sldTgt/>
+                  </p:tgtEl>
+                </p:cond>
+              </p:nextCondLst>
+            </p:seq>
+          </p:childTnLst>
+        </p:cTn>
+      </p:par>
+    </p:tnLst>
+  </p:timing>
+</p:sld>
+</file>
+
+<file path=ppt/slides/slide9.xml><?xml version="1.0" encoding="utf-8"?>
+<p:sld xmlns:a="http://schemas.openxmlformats.org/drawingml/2006/main" xmlns:r="http://schemas.openxmlformats.org/officeDocument/2006/relationships" xmlns:p="http://schemas.openxmlformats.org/presentationml/2006/main">
+  <p:cSld>
+    <p:spTree>
+      <p:nvGrpSpPr>
+        <p:cNvPr id="1" name=""/>
+        <p:cNvGrpSpPr/>
+        <p:nvPr/>
+      </p:nvGrpSpPr>
+      <p:grpSpPr>
+        <a:xfrm>
+          <a:off x="0" y="0"/>
+          <a:ext cx="0" cy="0"/>
+          <a:chOff x="0" y="0"/>
+          <a:chExt cx="0" cy="0"/>
+        </a:xfrm>
+      </p:grpSpPr>
+      <p:sp>
+        <p:nvSpPr>
+          <p:cNvPr id="2" name="Title 1"/>
+          <p:cNvSpPr>
+            <a:spLocks noGrp="1"/>
+          </p:cNvSpPr>
+          <p:nvPr>
+            <p:ph type="title"/>
+          </p:nvPr>
+        </p:nvSpPr>
+        <p:spPr/>
+        <p:txBody>
+          <a:bodyPr/>
+          <a:lstStyle/>
+          <a:p>
+            <a:r>
+              <a:rPr lang="en-US" dirty="0"/>
+              <a:t>Example 3: Structured Testing</a:t>
+            </a:r>
+          </a:p>
+        </p:txBody>
+      </p:sp>
+      <p:sp>
+        <p:nvSpPr>
+          <p:cNvPr id="5" name="Content Placeholder 4"/>
+          <p:cNvSpPr>
+            <a:spLocks noGrp="1"/>
+          </p:cNvSpPr>
+          <p:nvPr>
+            <p:ph sz="quarter" idx="1"/>
+          </p:nvPr>
+        </p:nvSpPr>
+        <p:spPr>
+          <a:xfrm>
+            <a:off x="496346" y="943897"/>
+            <a:ext cx="4761454" cy="4893023"/>
+          </a:xfrm>
+        </p:spPr>
+        <p:txBody>
+          <a:bodyPr/>
+          <a:lstStyle/>
+          <a:p>
+            <a:pPr marL="0" indent="0">
+              <a:buNone/>
+            </a:pPr>
+            <a:r>
+              <a:rPr lang="en-US" b="1" dirty="0"/>
+              <a:t>Unit test for Grid halo cell fill</a:t>
+            </a:r>
+          </a:p>
+          <a:p>
+            <a:r>
+              <a:rPr lang="en-US" dirty="0"/>
+              <a:t>Verification of guard/ghost/halo  cell fill</a:t>
+            </a:r>
+          </a:p>
+          <a:p>
+            <a:r>
+              <a:rPr lang="en-US" dirty="0"/>
+              <a:t>Initialize field on interior cells (red)</a:t>
+            </a:r>
+          </a:p>
+          <a:p>
+            <a:r>
+              <a:rPr lang="en-US" dirty="0"/>
+              <a:t>Apply guard cell fill</a:t>
+            </a:r>
+          </a:p>
+          <a:p>
+            <a:r>
+              <a:rPr lang="en-US" dirty="0"/>
+              <a:t>Check for equivalence with known fill pattern</a:t>
+            </a:r>
+          </a:p>
+        </p:txBody>
+      </p:sp>
+      <p:pic>
+        <p:nvPicPr>
+          <p:cNvPr id="7" name="Picture 3"/>
+          <p:cNvPicPr>
+            <a:picLocks noChangeAspect="1" noChangeArrowheads="1"/>
+          </p:cNvPicPr>
+          <p:nvPr/>
+        </p:nvPicPr>
+        <p:blipFill rotWithShape="1">
+          <a:blip r:embed="rId4" cstate="email">
+            <a:extLst>
+              <a:ext uri="{28A0092B-C50C-407E-A947-70E740481C1C}">
+                <a14:useLocalDpi xmlns:a14="http://schemas.microsoft.com/office/drawing/2010/main" val="0"/>
+              </a:ext>
+            </a:extLst>
+          </a:blip>
+          <a:srcRect t="8785" b="22588"/>
+          <a:stretch/>
+        </p:blipFill>
+        <p:spPr>
+          <a:xfrm>
+            <a:off x="5704700" y="1517589"/>
+            <a:ext cx="4960523" cy="3846313"/>
+          </a:xfrm>
+          <a:prstGeom prst="rect">
+            <a:avLst/>
+          </a:prstGeom>
+        </p:spPr>
+      </p:pic>
+      <p:sp>
+        <p:nvSpPr>
+          <p:cNvPr id="6" name="Donut 5">
+            <a:extLst>
+              <a:ext uri="{FF2B5EF4-FFF2-40B4-BE49-F238E27FC236}">
+                <a16:creationId xmlns:a16="http://schemas.microsoft.com/office/drawing/2014/main" id="{AF11DFE6-1CA6-7B47-BB91-0A4FD7EE6189}"/>
+              </a:ext>
+            </a:extLst>
+          </p:cNvPr>
+          <p:cNvSpPr/>
+          <p:nvPr/>
+        </p:nvSpPr>
+        <p:spPr>
+          <a:xfrm>
+            <a:off x="164373" y="4461000"/>
+            <a:ext cx="1847200" cy="1758821"/>
+          </a:xfrm>
+          <a:prstGeom prst="donut">
+            <a:avLst/>
+          </a:prstGeom>
+          <a:solidFill>
+            <a:schemeClr val="accent6">
+              <a:lumMod val="40000"/>
+              <a:lumOff val="60000"/>
+            </a:schemeClr>
+          </a:solidFill>
+          <a:ln>
+            <a:solidFill>
+              <a:schemeClr val="tx1"/>
+            </a:solidFill>
+          </a:ln>
+        </p:spPr>
+        <p:style>
+          <a:lnRef idx="1">
+            <a:schemeClr val="accent1"/>
+          </a:lnRef>
+          <a:fillRef idx="3">
+            <a:schemeClr val="accent1"/>
+          </a:fillRef>
+          <a:effectRef idx="2">
+            <a:schemeClr val="accent1"/>
+          </a:effectRef>
+          <a:fontRef idx="minor">
+            <a:schemeClr val="lt1"/>
+          </a:fontRef>
+        </p:style>
+        <p:txBody>
+          <a:bodyPr rtlCol="0" anchor="ctr"/>
+          <a:lstStyle/>
+          <a:p>
+            <a:pPr algn="ctr"/>
+            <a:r>
+              <a:rPr lang="en-US" dirty="0" err="1">
+                <a:solidFill>
+                  <a:schemeClr val="tx1"/>
+                </a:solidFill>
+              </a:rPr>
+              <a:t>gc</a:t>
+            </a:r>
+            <a:r>
+              <a:rPr lang="en-US" dirty="0">
+                <a:solidFill>
+                  <a:schemeClr val="tx1"/>
+                </a:solidFill>
+              </a:rPr>
+              <a:t> test</a:t>
+            </a:r>
+          </a:p>
+        </p:txBody>
+      </p:sp>
+      <p:sp>
+        <p:nvSpPr>
+          <p:cNvPr id="8" name="Donut 7">
+            <a:extLst>
+              <a:ext uri="{FF2B5EF4-FFF2-40B4-BE49-F238E27FC236}">
+                <a16:creationId xmlns:a16="http://schemas.microsoft.com/office/drawing/2014/main" id="{C8782544-B531-1D40-A502-BF7E9615BCB6}"/>
+              </a:ext>
+            </a:extLst>
+          </p:cNvPr>
+          <p:cNvSpPr/>
+          <p:nvPr/>
+        </p:nvSpPr>
+        <p:spPr>
+          <a:xfrm>
+            <a:off x="2578899" y="4460999"/>
+            <a:ext cx="1847200" cy="1758821"/>
+          </a:xfrm>
+          <a:prstGeom prst="donut">
+            <a:avLst/>
+          </a:prstGeom>
+          <a:solidFill>
+            <a:schemeClr val="accent6">
+              <a:lumMod val="40000"/>
+              <a:lumOff val="60000"/>
+            </a:schemeClr>
+          </a:solidFill>
+          <a:ln>
+            <a:solidFill>
+              <a:schemeClr val="tx1"/>
+            </a:solidFill>
+          </a:ln>
+        </p:spPr>
+        <p:style>
+          <a:lnRef idx="1">
+            <a:schemeClr val="accent1"/>
+          </a:lnRef>
+          <a:fillRef idx="3">
+            <a:schemeClr val="accent1"/>
+          </a:fillRef>
+          <a:effectRef idx="2">
+            <a:schemeClr val="accent1"/>
+          </a:effectRef>
+          <a:fontRef idx="minor">
+            <a:schemeClr val="lt1"/>
+          </a:fontRef>
+        </p:style>
+        <p:txBody>
+          <a:bodyPr rtlCol="0" anchor="ctr"/>
+          <a:lstStyle/>
+          <a:p>
+            <a:pPr algn="ctr"/>
+            <a:r>
+              <a:rPr lang="en-US" dirty="0">
+                <a:solidFill>
+                  <a:schemeClr val="tx1"/>
+                </a:solidFill>
+              </a:rPr>
+              <a:t>Eos test</a:t>
+            </a:r>
+          </a:p>
+        </p:txBody>
+      </p:sp>
+      <p:sp>
+        <p:nvSpPr>
+          <p:cNvPr id="3" name="TextBox 2">
+            <a:extLst>
+              <a:ext uri="{FF2B5EF4-FFF2-40B4-BE49-F238E27FC236}">
+                <a16:creationId xmlns:a16="http://schemas.microsoft.com/office/drawing/2014/main" id="{EA2BEC30-2CA8-E946-81D4-8C60BCD9EF89}"/>
+              </a:ext>
+            </a:extLst>
+          </p:cNvPr>
+          <p:cNvSpPr txBox="1"/>
+          <p:nvPr/>
+        </p:nvSpPr>
+        <p:spPr>
+          <a:xfrm>
+            <a:off x="1471938" y="6350589"/>
+            <a:ext cx="6229334" cy="433965"/>
+          </a:xfrm>
+          <a:prstGeom prst="rect">
+            <a:avLst/>
+          </a:prstGeom>
+          <a:noFill/>
+        </p:spPr>
+        <p:txBody>
+          <a:bodyPr wrap="none" lIns="118872" tIns="91440" rIns="118872" bIns="91440" rtlCol="0" anchor="ctr" anchorCtr="0">
+            <a:spAutoFit/>
+          </a:bodyPr>
+          <a:lstStyle/>
+          <a:p>
+            <a:pPr algn="l">
+              <a:lnSpc>
+                <a:spcPct val="90000"/>
+              </a:lnSpc>
+            </a:pPr>
+            <a:r>
+              <a:rPr lang="en-US" dirty="0"/>
+              <a:t>Next, build an EOS Test – is E(V,T) consistent with P(V,T)?</a:t>
+            </a:r>
+          </a:p>
+        </p:txBody>
+      </p:sp>
+    </p:spTree>
+    <p:custDataLst>
+      <p:tags r:id="rId1"/>
+    </p:custDataLst>
+    <p:extLst>
+      <p:ext uri="{BB962C8B-B14F-4D97-AF65-F5344CB8AC3E}">
+        <p14:creationId xmlns:p14="http://schemas.microsoft.com/office/powerpoint/2010/main" val="2442379966"/>
+      </p:ext>
+    </p:extLst>
+  </p:cSld>
+  <p:clrMapOvr>
+    <a:masterClrMapping/>
+  </p:clrMapOvr>
+  <mc:AlternateContent xmlns:mc="http://schemas.openxmlformats.org/markup-compatibility/2006" xmlns:p14="http://schemas.microsoft.com/office/powerpoint/2010/main">
+    <mc:Choice Requires="p14">
+      <p:transition spd="slow" p14:dur="2000" advTm="126757"/>
+    </mc:Choice>
+    <mc:Fallback xmlns="">
+      <p:transition spd="slow" advTm="126757"/>
+    </mc:Fallback>
+  </mc:AlternateContent>
+  <p:timing>
+    <p:tnLst>
+      <p:par>
+        <p:cTn id="1" dur="indefinite" restart="never" nodeType="tmRoot">
+          <p:childTnLst>
+            <p:seq concurrent="1" nextAc="seek">
+              <p:cTn id="2" dur="indefinite" nodeType="mainSeq">
+                <p:childTnLst>
+                  <p:par>
+                    <p:cTn id="3" fill="hold">
+                      <p:stCondLst>
+                        <p:cond delay="indefinite"/>
+                      </p:stCondLst>
+                      <p:childTnLst>
+                        <p:par>
+                          <p:cTn id="4" fill="hold">
+                            <p:stCondLst>
+                              <p:cond delay="0"/>
+                            </p:stCondLst>
+                            <p:childTnLst>
+                              <p:par>
+                                <p:cTn id="5" presetID="1" presetClass="entr" presetSubtype="0" fill="hold" grpId="0" nodeType="clickEffect">
+                                  <p:stCondLst>
+                                    <p:cond delay="0"/>
+                                  </p:stCondLst>
+                                  <p:childTnLst>
+                                    <p:set>
+                                      <p:cBhvr>
+                                        <p:cTn id="6" dur="1" fill="hold">
+                                          <p:stCondLst>
+                                            <p:cond delay="0"/>
+                                          </p:stCondLst>
+                                        </p:cTn>
+                                        <p:tgtEl>
+                                          <p:spTgt spid="6"/>
+                                        </p:tgtEl>
+                                        <p:attrNameLst>
+                                          <p:attrName>style.visibility</p:attrName>
+                                        </p:attrNameLst>
+                                      </p:cBhvr>
+                                      <p:to>
+                                        <p:strVal val="visible"/>
+                                      </p:to>
+                                    </p:set>
+                                  </p:childTnLst>
+                                </p:cTn>
+                              </p:par>
+                            </p:childTnLst>
+                          </p:cTn>
+                        </p:par>
+                      </p:childTnLst>
+                    </p:cTn>
+                  </p:par>
+                  <p:par>
+                    <p:cTn id="7" fill="hold">
+                      <p:stCondLst>
+                        <p:cond delay="indefinite"/>
+                      </p:stCondLst>
+                      <p:childTnLst>
+                        <p:par>
+                          <p:cTn id="8" fill="hold">
+                            <p:stCondLst>
+                              <p:cond delay="0"/>
+                            </p:stCondLst>
+                            <p:childTnLst>
+                              <p:par>
+                                <p:cTn id="9" presetID="1" presetClass="entr" presetSubtype="0" fill="hold" grpId="0" nodeType="clickEffect">
+                                  <p:stCondLst>
+                                    <p:cond delay="0"/>
+                                  </p:stCondLst>
+                                  <p:childTnLst>
+                                    <p:set>
+                                      <p:cBhvr>
+                                        <p:cTn id="10" dur="1" fill="hold">
+                                          <p:stCondLst>
+                                            <p:cond delay="0"/>
+                                          </p:stCondLst>
+                                        </p:cTn>
+                                        <p:tgtEl>
+                                          <p:spTgt spid="8"/>
+                                        </p:tgtEl>
+                                        <p:attrNameLst>
+                                          <p:attrName>style.visibility</p:attrName>
+                                        </p:attrNameLst>
+                                      </p:cBhvr>
+                                      <p:to>
+                                        <p:strVal val="visible"/>
+                                      </p:to>
+                                    </p:set>
+                                  </p:childTnLst>
+                                </p:cTn>
+                              </p:par>
+                            </p:childTnLst>
+                          </p:cTn>
+                        </p:par>
+                      </p:childTnLst>
+                    </p:cTn>
+                  </p:par>
+                </p:childTnLst>
+              </p:cTn>
+              <p:prevCondLst>
+                <p:cond evt="onPrev" delay="0">
+                  <p:tgtEl>
+                    <p:sldTgt/>
+                  </p:tgtEl>
+                </p:cond>
+              </p:prevCondLst>
+              <p:nextCondLst>
+                <p:cond evt="onNext" delay="0">
+                  <p:tgtEl>
+                    <p:sldTgt/>
+                  </p:tgtEl>
+                </p:cond>
+              </p:nextCondLst>
+            </p:seq>
+          </p:childTnLst>
+        </p:cTn>
+      </p:par>
+    </p:tnLst>
+    <p:bldLst>
+      <p:bldP spid="6" grpId="0" animBg="1"/>
+      <p:bldP spid="8" grpId="0" animBg="1"/>
+    </p:bldLst>
+  </p:timing>
+</p:sld>
+</file>
+
 <file path=ppt/tags/tag1.xml><?xml version="1.0" encoding="utf-8"?>
+<p:tagLst xmlns:a="http://schemas.openxmlformats.org/drawingml/2006/main" xmlns:r="http://schemas.openxmlformats.org/officeDocument/2006/relationships" xmlns:p="http://schemas.openxmlformats.org/presentationml/2006/main">
+  <p:tag name="TIMING" val="|25.8|7|19.3|5.6|9|17.8|16.3|3.9|16.6|0.7"/>
+</p:tagLst>
+</file>
+
+<file path=ppt/tags/tag2.xml><?xml version="1.0" encoding="utf-8"?>
 <p:tagLst xmlns:a="http://schemas.openxmlformats.org/drawingml/2006/main" xmlns:r="http://schemas.openxmlformats.org/officeDocument/2006/relationships" xmlns:p="http://schemas.openxmlformats.org/presentationml/2006/main">
   <p:tag name="TIMING" val="|58.4"/>
 </p:tagLst>
 </file>
 
-<file path=ppt/tags/tag2.xml><?xml version="1.0" encoding="utf-8"?>
+<file path=ppt/tags/tag3.xml><?xml version="1.0" encoding="utf-8"?>
 <p:tagLst xmlns:a="http://schemas.openxmlformats.org/drawingml/2006/main" xmlns:r="http://schemas.openxmlformats.org/officeDocument/2006/relationships" xmlns:p="http://schemas.openxmlformats.org/presentationml/2006/main">
   <p:tag name="TIMING" val="|102|13.3"/>
 </p:tagLst>
 </file>
 
-<file path=ppt/tags/tag3.xml><?xml version="1.0" encoding="utf-8"?>
+<file path=ppt/tags/tag4.xml><?xml version="1.0" encoding="utf-8"?>
 <p:tagLst xmlns:a="http://schemas.openxmlformats.org/drawingml/2006/main" xmlns:r="http://schemas.openxmlformats.org/officeDocument/2006/relationships" xmlns:p="http://schemas.openxmlformats.org/presentationml/2006/main">
   <p:tag name="TIMING" val="|87.2|3.4|1.7|15|27"/>
 </p:tagLst>
@@ -10131,6 +15235,12 @@
 </file>
 
 <file path=customXml/item1.xml><?xml version="1.0" encoding="utf-8"?>
+<p:properties xmlns:p="http://schemas.microsoft.com/office/2006/metadata/properties" xmlns:xsi="http://www.w3.org/2001/XMLSchema-instance" xmlns:pc="http://schemas.microsoft.com/office/infopath/2007/PartnerControls">
+  <documentManagement/>
+</p:properties>
+</file>
+
+<file path=customXml/item2.xml><?xml version="1.0" encoding="utf-8"?>
 <?mso-contentType ?>
 <FormTemplates xmlns="http://schemas.microsoft.com/sharepoint/v3/contenttype/forms">
   <Display>DocumentLibraryForm</Display>
@@ -10139,7 +15249,7 @@
 </FormTemplates>
 </file>
 
-<file path=customXml/item2.xml><?xml version="1.0" encoding="utf-8"?>
+<file path=customXml/item3.xml><?xml version="1.0" encoding="utf-8"?>
 <ct:contentTypeSchema xmlns:ct="http://schemas.microsoft.com/office/2006/metadata/contentType" xmlns:ma="http://schemas.microsoft.com/office/2006/metadata/properties/metaAttributes" ct:_="" ma:_="" ma:contentTypeName="Document" ma:contentTypeID="0x010100565464437F680748A68B85EB6594EA7D" ma:contentTypeVersion="0" ma:contentTypeDescription="Create a new document." ma:contentTypeScope="" ma:versionID="fe3f4dd58d5914c51cfc6deaa8ad845c">
   <xsd:schema xmlns:xsd="http://www.w3.org/2001/XMLSchema" xmlns:p="http://schemas.microsoft.com/office/2006/metadata/properties" targetNamespace="http://schemas.microsoft.com/office/2006/metadata/properties" ma:root="true" ma:fieldsID="4aeb20c0e3442673af7ee10786458764">
     <xsd:element name="properties">
@@ -10188,13 +15298,22 @@
 </ct:contentTypeSchema>
 </file>
 
-<file path=customXml/item3.xml><?xml version="1.0" encoding="utf-8"?>
-<p:properties xmlns:p="http://schemas.microsoft.com/office/2006/metadata/properties" xmlns:xsi="http://www.w3.org/2001/XMLSchema-instance" xmlns:pc="http://schemas.microsoft.com/office/infopath/2007/PartnerControls">
-  <documentManagement/>
-</p:properties>
+<file path=customXml/itemProps1.xml><?xml version="1.0" encoding="utf-8"?>
+<ds:datastoreItem xmlns:ds="http://schemas.openxmlformats.org/officeDocument/2006/customXml" ds:itemID="{A50EC660-24D0-43A0-AE5E-E274115E726B}">
+  <ds:schemaRefs>
+    <ds:schemaRef ds:uri="http://purl.org/dc/terms/"/>
+    <ds:schemaRef ds:uri="http://schemas.openxmlformats.org/package/2006/metadata/core-properties"/>
+    <ds:schemaRef ds:uri="http://schemas.microsoft.com/office/2006/documentManagement/types"/>
+    <ds:schemaRef ds:uri="http://purl.org/dc/elements/1.1/"/>
+    <ds:schemaRef ds:uri="http://schemas.microsoft.com/office/2006/metadata/properties"/>
+    <ds:schemaRef ds:uri="http://www.w3.org/XML/1998/namespace"/>
+    <ds:schemaRef ds:uri="http://purl.org/dc/dcmitype/"/>
+    <ds:schemaRef ds:uri="http://schemas.microsoft.com/office/infopath/2007/PartnerControls"/>
+  </ds:schemaRefs>
+</ds:datastoreItem>
 </file>
 
-<file path=customXml/itemProps1.xml><?xml version="1.0" encoding="utf-8"?>
+<file path=customXml/itemProps2.xml><?xml version="1.0" encoding="utf-8"?>
 <ds:datastoreItem xmlns:ds="http://schemas.openxmlformats.org/officeDocument/2006/customXml" ds:itemID="{19E20559-B232-4371-8690-E3D8007EDB82}">
   <ds:schemaRefs>
     <ds:schemaRef ds:uri="http://schemas.microsoft.com/sharepoint/v3/contenttype/forms"/>
@@ -10202,7 +15321,7 @@
 </ds:datastoreItem>
 </file>
 
-<file path=customXml/itemProps2.xml><?xml version="1.0" encoding="utf-8"?>
+<file path=customXml/itemProps3.xml><?xml version="1.0" encoding="utf-8"?>
 <ds:datastoreItem xmlns:ds="http://schemas.openxmlformats.org/officeDocument/2006/customXml" ds:itemID="{E8DB7DEB-074E-4EE8-9B6E-FD277323109C}">
   <ds:schemaRefs>
     <ds:schemaRef ds:uri="http://schemas.microsoft.com/office/2006/metadata/contentType"/>
@@ -10215,19 +15334,4 @@
     <ds:schemaRef ds:uri="http://schemas.microsoft.com/office/internal/2005/internalDocumentation"/>
   </ds:schemaRefs>
 </ds:datastoreItem>
-</file>
-
-<file path=customXml/itemProps3.xml><?xml version="1.0" encoding="utf-8"?>
-<ds:datastoreItem xmlns:ds="http://schemas.openxmlformats.org/officeDocument/2006/customXml" ds:itemID="{A50EC660-24D0-43A0-AE5E-E274115E726B}">
-  <ds:schemaRefs>
-    <ds:schemaRef ds:uri="http://purl.org/dc/terms/"/>
-    <ds:schemaRef ds:uri="http://schemas.openxmlformats.org/package/2006/metadata/core-properties"/>
-    <ds:schemaRef ds:uri="http://schemas.microsoft.com/office/2006/documentManagement/types"/>
-    <ds:schemaRef ds:uri="http://purl.org/dc/elements/1.1/"/>
-    <ds:schemaRef ds:uri="http://schemas.microsoft.com/office/2006/metadata/properties"/>
-    <ds:schemaRef ds:uri="http://www.w3.org/XML/1998/namespace"/>
-    <ds:schemaRef ds:uri="http://purl.org/dc/dcmitype/"/>
-    <ds:schemaRef ds:uri="http://schemas.microsoft.com/office/infopath/2007/PartnerControls"/>
-  </ds:schemaRefs>
-</ds:datastoreItem>
 </file>
--- a/final-presentations/2021-03-25-iss/06-testing2.pptx
+++ b/final-presentations/2021-03-25-iss/06-testing2.pptx
@@ -267,7 +267,7 @@
           <a:p>
             <a:fld id="{0B842F42-2CE9-4E35-95C1-410DC08A50B1}" type="datetimeFigureOut">
               <a:rPr lang="en-US" smtClean="0"/>
-              <a:t>3/16/21</a:t>
+              <a:t>3/22/21</a:t>
             </a:fld>
             <a:endParaRPr lang="en-US"/>
           </a:p>
@@ -432,7 +432,7 @@
           <a:p>
             <a:fld id="{6F282904-F315-4730-8D91-37D99E141A6F}" type="datetimeFigureOut">
               <a:rPr lang="en-US" smtClean="0"/>
-              <a:t>3/16/21</a:t>
+              <a:t>3/22/21</a:t>
             </a:fld>
             <a:endParaRPr lang="en-US"/>
           </a:p>
@@ -882,7 +882,7 @@
                 <a:ea typeface="+mn-ea"/>
                 <a:cs typeface="+mn-cs"/>
               </a:rPr>
-              <a:t>This test can be developed further too.  Changing out the uniform grid for an adaptive mesh, or turning on options for re-gridding should reduce the errors.  If this is not the case, there is a way to quickly pinpoint the underlying cause.</a:t>
+              <a:t>This test can be developed further too.  Changing out the uniform grid for an adaptive mesh, or turning on options for re-gridding should reduce the errors.  If this is not the case, there is a way to quickly pinpoint the underlying cause. The thought-process for analyzing test results can work as follows...</a:t>
             </a:r>
           </a:p>
         </p:txBody>
@@ -1246,31 +1246,7 @@
                 <a:ea typeface="+mn-ea"/>
                 <a:cs typeface="+mn-cs"/>
               </a:rPr>
-              <a:t>Let's think about this problem as "selecting the right tests."  Taking a step back, there are two 'levels' of tests (regression testing and CI-type tests), and there are multiple 'granularities' of tests (from unit to integration).  Computer scientists tend to gravitate towards tests that run quickly and check data structures, types, definitions, syntax, and error reporting.  These quick tests are great for a continuous integration suite.  Domain scientists tend to think of ways to compare program outputs to external </a:t>
-            </a:r>
-            <a:r>
-              <a:rPr lang="en-US" sz="1200" kern="1200" dirty="0" err="1">
-                <a:solidFill>
-                  <a:schemeClr val="tx1"/>
-                </a:solidFill>
-                <a:effectLst/>
-                <a:latin typeface="+mn-lt"/>
-                <a:ea typeface="+mn-ea"/>
-                <a:cs typeface="+mn-cs"/>
-              </a:rPr>
-              <a:t>mesures</a:t>
-            </a:r>
-            <a:r>
-              <a:rPr lang="en-US" sz="1200" kern="1200" dirty="0">
-                <a:solidFill>
-                  <a:schemeClr val="tx1"/>
-                </a:solidFill>
-                <a:effectLst/>
-                <a:latin typeface="+mn-lt"/>
-                <a:ea typeface="+mn-ea"/>
-                <a:cs typeface="+mn-cs"/>
-              </a:rPr>
-              <a:t> - like known solutions and example run cases.  These tests can be long-running, and need interpretation to understand what's going on.  Such tests are often better suited for regression testing - which can be set up to run on dedicated servers on a nightly or weekly schedule.</a:t>
+              <a:t>Let's think about this problem as "selecting the right tests."  Taking a step back, there are two 'levels' of tests (regression testing and CI-type tests), and there are multiple 'granularities' of tests (from unit to integration).  Computer scientists tend to gravitate towards tests that run quickly and check data structures, types, definitions, syntax, and error reporting.  These quick tests are great for a continuous integration suite.  Domain scientists tend to think of ways to compare program outputs to external measures - like known solutions and example run cases.  These tests can be long-running, and need interpretation to understand what's going on.  Such tests are often better suited for regression testing - which can be set up to run on dedicated servers on a nightly or weekly schedule.</a:t>
             </a:r>
           </a:p>
           <a:p>
@@ -1684,7 +1660,7 @@
                 <a:ea typeface="+mn-ea"/>
                 <a:cs typeface="+mn-cs"/>
               </a:rPr>
-              <a:t> Dubey's work with the E3SM and Flash codes.  Example 1 is an ideal case.  You're developing a new code, and develop your diagnostics as your developing the code itself.  Taking the extra time to harden those diagnostics into a test suite will save you headaches later.  You'll likely have a lot of comparisons against known, expected solutions.  You should try and make things as granular as possible, though.  The scaffolding idea, discussed next, finds a way to "build up" a program, testing each new piece.  Remember to inject errors, so that you know your code will discover </a:t>
+              <a:t> Dubey's work with the E3SM and Flash codes.  Example 1 is an ideal case.  You're developing a new code, and develop your diagnostics as your developing the code itself.  Taking the extra time to harden those diagnostics into a test suite will save you headaches later.  You'll likely have a lot of comparisons against known, expected solutions.  You should try and make things as granular as possible, though.  The scaffolding idea, discussed later, finds a way to "build up" a program, testing each new piece.  Remember to inject errors, so that you know your code will discover </a:t>
             </a:r>
             <a:r>
               <a:rPr lang="en-US" sz="1200" kern="1200" dirty="0" err="1">
@@ -2159,31 +2135,7 @@
                 <a:ea typeface="+mn-ea"/>
                 <a:cs typeface="+mn-cs"/>
               </a:rPr>
-              <a:t>Here's another example of </a:t>
-            </a:r>
-            <a:r>
-              <a:rPr lang="en-US" sz="1200" kern="1200" dirty="0" err="1">
-                <a:solidFill>
-                  <a:schemeClr val="tx1"/>
-                </a:solidFill>
-                <a:effectLst/>
-                <a:latin typeface="+mn-lt"/>
-                <a:ea typeface="+mn-ea"/>
-                <a:cs typeface="+mn-cs"/>
-              </a:rPr>
-              <a:t>veryifying</a:t>
-            </a:r>
-            <a:r>
-              <a:rPr lang="en-US" sz="1200" kern="1200" dirty="0">
-                <a:solidFill>
-                  <a:schemeClr val="tx1"/>
-                </a:solidFill>
-                <a:effectLst/>
-                <a:latin typeface="+mn-lt"/>
-                <a:ea typeface="+mn-ea"/>
-                <a:cs typeface="+mn-cs"/>
-              </a:rPr>
-              <a:t> the halo exchange on a cell grid.  The test initializes interior cells with a known function, does the halo exchange, and checks whether the guard cell has been properly copied over.  Similarly, a unit test can be written to verify parts of the computations - like computing energy from pressure and temperature.</a:t>
+              <a:t>Here's another example of verifying the halo exchange on a cell grid.  The test initializes interior cells with a known function, does the halo exchange, and checks whether the guard cell has been properly copied over.  Similarly, a unit test can be written to verify parts of the computations - like computing energy from pressure and temperature.</a:t>
             </a:r>
           </a:p>
         </p:txBody>
@@ -2943,7 +2895,7 @@
           <a:noFill/>
           <a:extLst>
             <a:ext uri="{909E8E84-426E-40dd-AFC4-6F175D3DCCD1}">
-              <a14:hiddenFill xmlns="" xmlns:a14="http://schemas.microsoft.com/office/drawing/2010/main">
+              <a14:hiddenFill xmlns:a14="http://schemas.microsoft.com/office/drawing/2010/main" xmlns="">
                 <a:solidFill>
                   <a:srgbClr val="FFFFFF"/>
                 </a:solidFill>
@@ -3097,7 +3049,7 @@
           <a:noFill/>
           <a:extLst>
             <a:ext uri="{909E8E84-426E-40dd-AFC4-6F175D3DCCD1}">
-              <a14:hiddenFill xmlns="" xmlns:a14="http://schemas.microsoft.com/office/drawing/2010/main">
+              <a14:hiddenFill xmlns:a14="http://schemas.microsoft.com/office/drawing/2010/main" xmlns="">
                 <a:solidFill>
                   <a:srgbClr val="FFFFFF"/>
                 </a:solidFill>
@@ -7121,7 +7073,7 @@
           <a:noFill/>
           <a:extLst>
             <a:ext uri="{909E8E84-426E-40dd-AFC4-6F175D3DCCD1}">
-              <a14:hiddenFill xmlns="" xmlns:a14="http://schemas.microsoft.com/office/drawing/2010/main">
+              <a14:hiddenFill xmlns:a14="http://schemas.microsoft.com/office/drawing/2010/main" xmlns="">
                 <a:solidFill>
                   <a:srgbClr val="FFFFFF"/>
                 </a:solidFill>
@@ -9417,7 +9369,7 @@
             </a:pPr>
             <a:r>
               <a:rPr lang="en-US" dirty="0"/>
-              <a:t>Tests at various difficulties – CI vs. regression</a:t>
+              <a:t>Tests at various complexities – CI vs. regression</a:t>
             </a:r>
           </a:p>
           <a:p>
@@ -15235,21 +15187,6 @@
 </file>
 
 <file path=customXml/item1.xml><?xml version="1.0" encoding="utf-8"?>
-<p:properties xmlns:p="http://schemas.microsoft.com/office/2006/metadata/properties" xmlns:xsi="http://www.w3.org/2001/XMLSchema-instance" xmlns:pc="http://schemas.microsoft.com/office/infopath/2007/PartnerControls">
-  <documentManagement/>
-</p:properties>
-</file>
-
-<file path=customXml/item2.xml><?xml version="1.0" encoding="utf-8"?>
-<?mso-contentType ?>
-<FormTemplates xmlns="http://schemas.microsoft.com/sharepoint/v3/contenttype/forms">
-  <Display>DocumentLibraryForm</Display>
-  <Edit>DocumentLibraryForm</Edit>
-  <New>DocumentLibraryForm</New>
-</FormTemplates>
-</file>
-
-<file path=customXml/item3.xml><?xml version="1.0" encoding="utf-8"?>
 <ct:contentTypeSchema xmlns:ct="http://schemas.microsoft.com/office/2006/metadata/contentType" xmlns:ma="http://schemas.microsoft.com/office/2006/metadata/properties/metaAttributes" ct:_="" ma:_="" ma:contentTypeName="Document" ma:contentTypeID="0x010100565464437F680748A68B85EB6594EA7D" ma:contentTypeVersion="0" ma:contentTypeDescription="Create a new document." ma:contentTypeScope="" ma:versionID="fe3f4dd58d5914c51cfc6deaa8ad845c">
   <xsd:schema xmlns:xsd="http://www.w3.org/2001/XMLSchema" xmlns:p="http://schemas.microsoft.com/office/2006/metadata/properties" targetNamespace="http://schemas.microsoft.com/office/2006/metadata/properties" ma:root="true" ma:fieldsID="4aeb20c0e3442673af7ee10786458764">
     <xsd:element name="properties">
@@ -15298,17 +15235,32 @@
 </ct:contentTypeSchema>
 </file>
 
+<file path=customXml/item2.xml><?xml version="1.0" encoding="utf-8"?>
+<?mso-contentType ?>
+<FormTemplates xmlns="http://schemas.microsoft.com/sharepoint/v3/contenttype/forms">
+  <Display>DocumentLibraryForm</Display>
+  <Edit>DocumentLibraryForm</Edit>
+  <New>DocumentLibraryForm</New>
+</FormTemplates>
+</file>
+
+<file path=customXml/item3.xml><?xml version="1.0" encoding="utf-8"?>
+<p:properties xmlns:p="http://schemas.microsoft.com/office/2006/metadata/properties" xmlns:xsi="http://www.w3.org/2001/XMLSchema-instance" xmlns:pc="http://schemas.microsoft.com/office/infopath/2007/PartnerControls">
+  <documentManagement/>
+</p:properties>
+</file>
+
 <file path=customXml/itemProps1.xml><?xml version="1.0" encoding="utf-8"?>
-<ds:datastoreItem xmlns:ds="http://schemas.openxmlformats.org/officeDocument/2006/customXml" ds:itemID="{A50EC660-24D0-43A0-AE5E-E274115E726B}">
+<ds:datastoreItem xmlns:ds="http://schemas.openxmlformats.org/officeDocument/2006/customXml" ds:itemID="{E8DB7DEB-074E-4EE8-9B6E-FD277323109C}">
   <ds:schemaRefs>
+    <ds:schemaRef ds:uri="http://schemas.microsoft.com/office/2006/metadata/contentType"/>
+    <ds:schemaRef ds:uri="http://schemas.microsoft.com/office/2006/metadata/properties/metaAttributes"/>
+    <ds:schemaRef ds:uri="http://www.w3.org/2001/XMLSchema"/>
+    <ds:schemaRef ds:uri="http://schemas.microsoft.com/office/2006/metadata/properties"/>
+    <ds:schemaRef ds:uri="http://schemas.openxmlformats.org/package/2006/metadata/core-properties"/>
+    <ds:schemaRef ds:uri="http://purl.org/dc/elements/1.1/"/>
     <ds:schemaRef ds:uri="http://purl.org/dc/terms/"/>
-    <ds:schemaRef ds:uri="http://schemas.openxmlformats.org/package/2006/metadata/core-properties"/>
-    <ds:schemaRef ds:uri="http://schemas.microsoft.com/office/2006/documentManagement/types"/>
-    <ds:schemaRef ds:uri="http://purl.org/dc/elements/1.1/"/>
-    <ds:schemaRef ds:uri="http://schemas.microsoft.com/office/2006/metadata/properties"/>
-    <ds:schemaRef ds:uri="http://www.w3.org/XML/1998/namespace"/>
-    <ds:schemaRef ds:uri="http://purl.org/dc/dcmitype/"/>
-    <ds:schemaRef ds:uri="http://schemas.microsoft.com/office/infopath/2007/PartnerControls"/>
+    <ds:schemaRef ds:uri="http://schemas.microsoft.com/office/internal/2005/internalDocumentation"/>
   </ds:schemaRefs>
 </ds:datastoreItem>
 </file>
@@ -15322,16 +15274,16 @@
 </file>
 
 <file path=customXml/itemProps3.xml><?xml version="1.0" encoding="utf-8"?>
-<ds:datastoreItem xmlns:ds="http://schemas.openxmlformats.org/officeDocument/2006/customXml" ds:itemID="{E8DB7DEB-074E-4EE8-9B6E-FD277323109C}">
+<ds:datastoreItem xmlns:ds="http://schemas.openxmlformats.org/officeDocument/2006/customXml" ds:itemID="{A50EC660-24D0-43A0-AE5E-E274115E726B}">
   <ds:schemaRefs>
-    <ds:schemaRef ds:uri="http://schemas.microsoft.com/office/2006/metadata/contentType"/>
-    <ds:schemaRef ds:uri="http://schemas.microsoft.com/office/2006/metadata/properties/metaAttributes"/>
-    <ds:schemaRef ds:uri="http://www.w3.org/2001/XMLSchema"/>
+    <ds:schemaRef ds:uri="http://purl.org/dc/terms/"/>
+    <ds:schemaRef ds:uri="http://schemas.openxmlformats.org/package/2006/metadata/core-properties"/>
+    <ds:schemaRef ds:uri="http://schemas.microsoft.com/office/2006/documentManagement/types"/>
+    <ds:schemaRef ds:uri="http://purl.org/dc/elements/1.1/"/>
     <ds:schemaRef ds:uri="http://schemas.microsoft.com/office/2006/metadata/properties"/>
-    <ds:schemaRef ds:uri="http://schemas.openxmlformats.org/package/2006/metadata/core-properties"/>
-    <ds:schemaRef ds:uri="http://purl.org/dc/elements/1.1/"/>
-    <ds:schemaRef ds:uri="http://purl.org/dc/terms/"/>
-    <ds:schemaRef ds:uri="http://schemas.microsoft.com/office/internal/2005/internalDocumentation"/>
+    <ds:schemaRef ds:uri="http://www.w3.org/XML/1998/namespace"/>
+    <ds:schemaRef ds:uri="http://purl.org/dc/dcmitype/"/>
+    <ds:schemaRef ds:uri="http://schemas.microsoft.com/office/infopath/2007/PartnerControls"/>
   </ds:schemaRefs>
 </ds:datastoreItem>
 </file>
--- a/final-presentations/2021-03-25-iss/06-testing2.pptx
+++ b/final-presentations/2021-03-25-iss/06-testing2.pptx
@@ -5,14 +5,14 @@
     <p:sldMasterId id="2147483935" r:id="rId4"/>
   </p:sldMasterIdLst>
   <p:notesMasterIdLst>
-    <p:notesMasterId r:id="rId18"/>
+    <p:notesMasterId r:id="rId19"/>
   </p:notesMasterIdLst>
   <p:handoutMasterIdLst>
-    <p:handoutMasterId r:id="rId19"/>
+    <p:handoutMasterId r:id="rId20"/>
   </p:handoutMasterIdLst>
   <p:sldIdLst>
     <p:sldId id="631" r:id="rId5"/>
-    <p:sldId id="626" r:id="rId6"/>
+    <p:sldId id="320" r:id="rId6"/>
     <p:sldId id="487" r:id="rId7"/>
     <p:sldId id="465" r:id="rId8"/>
     <p:sldId id="579" r:id="rId9"/>
@@ -24,6 +24,7 @@
     <p:sldId id="486" r:id="rId15"/>
     <p:sldId id="586" r:id="rId16"/>
     <p:sldId id="571" r:id="rId17"/>
+    <p:sldId id="265" r:id="rId18"/>
   </p:sldIdLst>
   <p:sldSz cx="12188825" cy="6858000"/>
   <p:notesSz cx="7010400" cy="9296400"/>
@@ -267,7 +268,7 @@
           <a:p>
             <a:fld id="{0B842F42-2CE9-4E35-95C1-410DC08A50B1}" type="datetimeFigureOut">
               <a:rPr lang="en-US" smtClean="0"/>
-              <a:t>3/22/21</a:t>
+              <a:t>3/22/2021</a:t>
             </a:fld>
             <a:endParaRPr lang="en-US"/>
           </a:p>
@@ -432,7 +433,7 @@
           <a:p>
             <a:fld id="{6F282904-F315-4730-8D91-37D99E141A6F}" type="datetimeFigureOut">
               <a:rPr lang="en-US" smtClean="0"/>
-              <a:t>3/22/21</a:t>
+              <a:t>3/22/2021</a:t>
             </a:fld>
             <a:endParaRPr lang="en-US"/>
           </a:p>
@@ -2895,7 +2896,7 @@
           <a:noFill/>
           <a:extLst>
             <a:ext uri="{909E8E84-426E-40dd-AFC4-6F175D3DCCD1}">
-              <a14:hiddenFill xmlns:a14="http://schemas.microsoft.com/office/drawing/2010/main" xmlns="">
+              <a14:hiddenFill xmlns="" xmlns:a14="http://schemas.microsoft.com/office/drawing/2010/main">
                 <a:solidFill>
                   <a:srgbClr val="FFFFFF"/>
                 </a:solidFill>
@@ -3049,7 +3050,7 @@
           <a:noFill/>
           <a:extLst>
             <a:ext uri="{909E8E84-426E-40dd-AFC4-6F175D3DCCD1}">
-              <a14:hiddenFill xmlns:a14="http://schemas.microsoft.com/office/drawing/2010/main" xmlns="">
+              <a14:hiddenFill xmlns="" xmlns:a14="http://schemas.microsoft.com/office/drawing/2010/main">
                 <a:solidFill>
                   <a:srgbClr val="FFFFFF"/>
                 </a:solidFill>
@@ -6684,8 +6685,8 @@
         </p:nvSpPr>
         <p:spPr>
           <a:xfrm>
-            <a:off x="4736917" y="1998821"/>
-            <a:ext cx="3539707" cy="2855400"/>
+            <a:off x="3177633" y="1856581"/>
+            <a:ext cx="7226207" cy="2855400"/>
           </a:xfrm>
           <a:prstGeom prst="rect">
             <a:avLst/>
@@ -6711,7 +6712,7 @@
               <a:buSzPts val="2000"/>
             </a:pPr>
             <a:r>
-              <a:rPr lang="en-US" b="1" dirty="0">
+              <a:rPr lang="en-US" u="sng" dirty="0">
                 <a:solidFill>
                   <a:srgbClr val="000000"/>
                 </a:solidFill>
@@ -6726,13 +6727,18 @@
               </a:rPr>
             </a:br>
             <a:r>
-              <a:rPr lang="en-US" sz="1800" dirty="0">
+              <a:rPr lang="en-US" sz="2000" dirty="0">
                 <a:solidFill>
                   <a:srgbClr val="000000"/>
                 </a:solidFill>
               </a:rPr>
               <a:t>Oak Ridge National Laboratory</a:t>
             </a:r>
+            <a:endParaRPr lang="en-US" sz="1800" dirty="0">
+              <a:solidFill>
+                <a:srgbClr val="000000"/>
+              </a:solidFill>
+            </a:endParaRPr>
           </a:p>
           <a:p>
             <a:pPr marL="0" lvl="0" indent="0" algn="l" rtl="0">
@@ -6749,12 +6755,12 @@
               <a:buNone/>
             </a:pPr>
             <a:r>
-              <a:rPr lang="en-US" b="1" dirty="0">
+              <a:rPr lang="en-US" dirty="0">
                 <a:solidFill>
                   <a:srgbClr val="000000"/>
                 </a:solidFill>
               </a:rPr>
-              <a:t>Rinku Gupta</a:t>
+              <a:t>Anshu Dubey, Rinku Gupta</a:t>
             </a:r>
             <a:br>
               <a:rPr lang="en-US" dirty="0">
@@ -6764,7 +6770,7 @@
               </a:rPr>
             </a:br>
             <a:r>
-              <a:rPr lang="en-US" sz="1800" dirty="0">
+              <a:rPr lang="en-US" sz="2000" dirty="0">
                 <a:solidFill>
                   <a:srgbClr val="000000"/>
                 </a:solidFill>
@@ -6773,55 +6779,16 @@
             </a:r>
           </a:p>
           <a:p>
-            <a:pPr marL="0" indent="0">
-              <a:buClr>
-                <a:srgbClr val="000000"/>
-              </a:buClr>
-              <a:buSzPts val="2000"/>
-            </a:pPr>
-            <a:r>
-              <a:rPr lang="en-US" b="1" dirty="0" err="1">
-                <a:solidFill>
-                  <a:srgbClr val="000000"/>
-                </a:solidFill>
-              </a:rPr>
-              <a:t>Anshu</a:t>
-            </a:r>
-            <a:r>
-              <a:rPr lang="en-US" b="1" dirty="0">
-                <a:solidFill>
-                  <a:srgbClr val="000000"/>
-                </a:solidFill>
-              </a:rPr>
-              <a:t> Dubey</a:t>
-            </a:r>
-            <a:br>
-              <a:rPr lang="en-US" dirty="0">
-                <a:solidFill>
-                  <a:srgbClr val="000000"/>
-                </a:solidFill>
-              </a:rPr>
-            </a:br>
-            <a:r>
-              <a:rPr lang="en-US" sz="1800" dirty="0">
-                <a:solidFill>
-                  <a:srgbClr val="000000"/>
-                </a:solidFill>
-              </a:rPr>
-              <a:t>Argonne National Laboratory</a:t>
-            </a:r>
-            <a:endParaRPr lang="en-US" sz="1800" dirty="0"/>
-          </a:p>
-          <a:p>
-            <a:pPr marL="0" indent="0">
+            <a:pPr>
               <a:lnSpc>
                 <a:spcPct val="100000"/>
               </a:lnSpc>
-              <a:spcBef>
-                <a:spcPts val="0"/>
-              </a:spcBef>
               <a:buSzPts val="2000"/>
             </a:pPr>
+            <a:r>
+              <a:rPr lang="en-US" dirty="0"/>
+              <a:t>Better Scientific Software Tutorial, ISS, March 2021</a:t>
+            </a:r>
             <a:endParaRPr lang="en-US" sz="1400" dirty="0"/>
           </a:p>
           <a:p>
@@ -6887,49 +6854,6 @@
               <a:buNone/>
             </a:pPr>
             <a:endParaRPr sz="2000" dirty="0"/>
-          </a:p>
-        </p:txBody>
-      </p:sp>
-      <p:sp>
-        <p:nvSpPr>
-          <p:cNvPr id="10" name="Rectangle 9">
-            <a:extLst>
-              <a:ext uri="{FF2B5EF4-FFF2-40B4-BE49-F238E27FC236}">
-                <a16:creationId xmlns:a16="http://schemas.microsoft.com/office/drawing/2014/main" id="{CA9ED99E-FE82-7B46-A1FD-FD051AAE9373}"/>
-              </a:ext>
-            </a:extLst>
-          </p:cNvPr>
-          <p:cNvSpPr/>
-          <p:nvPr/>
-        </p:nvSpPr>
-        <p:spPr>
-          <a:xfrm>
-            <a:off x="7384026" y="5657306"/>
-            <a:ext cx="6092825" cy="646331"/>
-          </a:xfrm>
-          <a:prstGeom prst="rect">
-            <a:avLst/>
-          </a:prstGeom>
-        </p:spPr>
-        <p:txBody>
-          <a:bodyPr>
-            <a:spAutoFit/>
-          </a:bodyPr>
-          <a:lstStyle/>
-          <a:p>
-            <a:pPr>
-              <a:spcBef>
-                <a:spcPts val="2400"/>
-              </a:spcBef>
-            </a:pPr>
-            <a:r>
-              <a:rPr lang="en-US" b="1" dirty="0"/>
-              <a:t>NCAR ISS Tutorial, March 2021</a:t>
-            </a:r>
-            <a:br>
-              <a:rPr lang="en-US" dirty="0"/>
-            </a:br>
-            <a:endParaRPr lang="en-US" dirty="0"/>
           </a:p>
         </p:txBody>
       </p:sp>
@@ -7073,7 +6997,7 @@
           <a:noFill/>
           <a:extLst>
             <a:ext uri="{909E8E84-426E-40dd-AFC4-6F175D3DCCD1}">
-              <a14:hiddenFill xmlns:a14="http://schemas.microsoft.com/office/drawing/2010/main" xmlns="">
+              <a14:hiddenFill xmlns="" xmlns:a14="http://schemas.microsoft.com/office/drawing/2010/main">
                 <a:solidFill>
                   <a:srgbClr val="FFFFFF"/>
                 </a:solidFill>
@@ -9418,6 +9342,1612 @@
 </p:sld>
 </file>
 
+<file path=ppt/slides/slide14.xml><?xml version="1.0" encoding="utf-8"?>
+<p:sld xmlns:a="http://schemas.openxmlformats.org/drawingml/2006/main" xmlns:r="http://schemas.openxmlformats.org/officeDocument/2006/relationships" xmlns:p="http://schemas.openxmlformats.org/presentationml/2006/main">
+  <p:cSld>
+    <p:spTree>
+      <p:nvGrpSpPr>
+        <p:cNvPr id="1" name=""/>
+        <p:cNvGrpSpPr/>
+        <p:nvPr/>
+      </p:nvGrpSpPr>
+      <p:grpSpPr>
+        <a:xfrm>
+          <a:off x="0" y="0"/>
+          <a:ext cx="0" cy="0"/>
+          <a:chOff x="0" y="0"/>
+          <a:chExt cx="0" cy="0"/>
+        </a:xfrm>
+      </p:grpSpPr>
+      <p:sp>
+        <p:nvSpPr>
+          <p:cNvPr id="2" name="Title 1">
+            <a:extLst>
+              <a:ext uri="{FF2B5EF4-FFF2-40B4-BE49-F238E27FC236}">
+                <a16:creationId xmlns:a16="http://schemas.microsoft.com/office/drawing/2014/main" id="{2D652AD8-340F-4E8B-B0C4-7ABAA20B6F6A}"/>
+              </a:ext>
+            </a:extLst>
+          </p:cNvPr>
+          <p:cNvSpPr>
+            <a:spLocks noGrp="1"/>
+          </p:cNvSpPr>
+          <p:nvPr>
+            <p:ph type="title"/>
+          </p:nvPr>
+        </p:nvSpPr>
+        <p:spPr/>
+        <p:txBody>
+          <a:bodyPr/>
+          <a:lstStyle/>
+          <a:p>
+            <a:r>
+              <a:rPr lang="en-US" dirty="0"/>
+              <a:t>Agenda</a:t>
+            </a:r>
+          </a:p>
+        </p:txBody>
+      </p:sp>
+      <p:graphicFrame>
+        <p:nvGraphicFramePr>
+          <p:cNvPr id="4" name="Content Placeholder 3">
+            <a:extLst>
+              <a:ext uri="{FF2B5EF4-FFF2-40B4-BE49-F238E27FC236}">
+                <a16:creationId xmlns:a16="http://schemas.microsoft.com/office/drawing/2014/main" id="{A0943BB2-2F98-4DD2-873B-1E619A0C771D}"/>
+              </a:ext>
+            </a:extLst>
+          </p:cNvPr>
+          <p:cNvGraphicFramePr>
+            <a:graphicFrameLocks noGrp="1"/>
+          </p:cNvGraphicFramePr>
+          <p:nvPr>
+            <p:ph idx="1"/>
+          </p:nvPr>
+        </p:nvGraphicFramePr>
+        <p:xfrm>
+          <a:off x="1055369" y="916940"/>
+          <a:ext cx="10078086" cy="5024120"/>
+        </p:xfrm>
+        <a:graphic>
+          <a:graphicData uri="http://schemas.openxmlformats.org/drawingml/2006/table">
+            <a:tbl>
+              <a:tblPr firstRow="1" bandRow="1">
+                <a:tableStyleId>{5C22544A-7EE6-4342-B048-85BDC9FD1C3A}</a:tableStyleId>
+              </a:tblPr>
+              <a:tblGrid>
+                <a:gridCol w="1826183">
+                  <a:extLst>
+                    <a:ext uri="{9D8B030D-6E8A-4147-A177-3AD203B41FA5}">
+                      <a16:colId xmlns:a16="http://schemas.microsoft.com/office/drawing/2014/main" val="3446576009"/>
+                    </a:ext>
+                  </a:extLst>
+                </a:gridCol>
+                <a:gridCol w="1003610">
+                  <a:extLst>
+                    <a:ext uri="{9D8B030D-6E8A-4147-A177-3AD203B41FA5}">
+                      <a16:colId xmlns:a16="http://schemas.microsoft.com/office/drawing/2014/main" val="339314737"/>
+                    </a:ext>
+                  </a:extLst>
+                </a:gridCol>
+                <a:gridCol w="4293220">
+                  <a:extLst>
+                    <a:ext uri="{9D8B030D-6E8A-4147-A177-3AD203B41FA5}">
+                      <a16:colId xmlns:a16="http://schemas.microsoft.com/office/drawing/2014/main" val="1263998808"/>
+                    </a:ext>
+                  </a:extLst>
+                </a:gridCol>
+                <a:gridCol w="2955073">
+                  <a:extLst>
+                    <a:ext uri="{9D8B030D-6E8A-4147-A177-3AD203B41FA5}">
+                      <a16:colId xmlns:a16="http://schemas.microsoft.com/office/drawing/2014/main" val="4097899022"/>
+                    </a:ext>
+                  </a:extLst>
+                </a:gridCol>
+              </a:tblGrid>
+              <a:tr h="370840">
+                <a:tc>
+                  <a:txBody>
+                    <a:bodyPr/>
+                    <a:lstStyle/>
+                    <a:p>
+                      <a:pPr algn="l">
+                        <a:lnSpc>
+                          <a:spcPct val="100000"/>
+                        </a:lnSpc>
+                      </a:pPr>
+                      <a:r>
+                        <a:rPr lang="en-US" sz="1800" dirty="0">
+                          <a:latin typeface="+mn-lt"/>
+                        </a:rPr>
+                        <a:t>Time (MDT)</a:t>
+                      </a:r>
+                    </a:p>
+                  </a:txBody>
+                  <a:tcPr/>
+                </a:tc>
+                <a:tc>
+                  <a:txBody>
+                    <a:bodyPr/>
+                    <a:lstStyle/>
+                    <a:p>
+                      <a:pPr>
+                        <a:lnSpc>
+                          <a:spcPct val="100000"/>
+                        </a:lnSpc>
+                      </a:pPr>
+                      <a:r>
+                        <a:rPr lang="en-US" sz="1800" dirty="0">
+                          <a:latin typeface="+mn-lt"/>
+                        </a:rPr>
+                        <a:t>Module</a:t>
+                      </a:r>
+                    </a:p>
+                  </a:txBody>
+                  <a:tcPr/>
+                </a:tc>
+                <a:tc>
+                  <a:txBody>
+                    <a:bodyPr/>
+                    <a:lstStyle/>
+                    <a:p>
+                      <a:pPr>
+                        <a:lnSpc>
+                          <a:spcPct val="100000"/>
+                        </a:lnSpc>
+                      </a:pPr>
+                      <a:r>
+                        <a:rPr lang="en-US" sz="1800" dirty="0">
+                          <a:latin typeface="+mn-lt"/>
+                        </a:rPr>
+                        <a:t>Topic</a:t>
+                      </a:r>
+                    </a:p>
+                  </a:txBody>
+                  <a:tcPr/>
+                </a:tc>
+                <a:tc>
+                  <a:txBody>
+                    <a:bodyPr/>
+                    <a:lstStyle/>
+                    <a:p>
+                      <a:pPr>
+                        <a:lnSpc>
+                          <a:spcPct val="100000"/>
+                        </a:lnSpc>
+                      </a:pPr>
+                      <a:r>
+                        <a:rPr lang="en-US" sz="1800" dirty="0">
+                          <a:latin typeface="+mn-lt"/>
+                        </a:rPr>
+                        <a:t>Speaker</a:t>
+                      </a:r>
+                    </a:p>
+                  </a:txBody>
+                  <a:tcPr/>
+                </a:tc>
+                <a:extLst>
+                  <a:ext uri="{0D108BD9-81ED-4DB2-BD59-A6C34878D82A}">
+                    <a16:rowId xmlns:a16="http://schemas.microsoft.com/office/drawing/2014/main" val="3602420430"/>
+                  </a:ext>
+                </a:extLst>
+              </a:tr>
+              <a:tr h="370840">
+                <a:tc>
+                  <a:txBody>
+                    <a:bodyPr/>
+                    <a:lstStyle/>
+                    <a:p>
+                      <a:pPr rtl="0" fontAlgn="t">
+                        <a:spcBef>
+                          <a:spcPts val="0"/>
+                        </a:spcBef>
+                        <a:spcAft>
+                          <a:spcPts val="0"/>
+                        </a:spcAft>
+                      </a:pPr>
+                      <a:r>
+                        <a:rPr lang="en-US" sz="1800" b="0" i="0" u="none" strike="noStrike" dirty="0">
+                          <a:solidFill>
+                            <a:srgbClr val="000000"/>
+                          </a:solidFill>
+                          <a:effectLst/>
+                          <a:latin typeface="+mn-lt"/>
+                        </a:rPr>
+                        <a:t>1:00pm-1:05pm</a:t>
+                      </a:r>
+                      <a:endParaRPr lang="en-US" sz="1800" dirty="0">
+                        <a:effectLst/>
+                        <a:latin typeface="+mn-lt"/>
+                      </a:endParaRPr>
+                    </a:p>
+                  </a:txBody>
+                  <a:tcPr marL="63500" marR="63500" marT="63500" marB="63500"/>
+                </a:tc>
+                <a:tc>
+                  <a:txBody>
+                    <a:bodyPr/>
+                    <a:lstStyle/>
+                    <a:p>
+                      <a:pPr>
+                        <a:lnSpc>
+                          <a:spcPct val="100000"/>
+                        </a:lnSpc>
+                      </a:pPr>
+                      <a:r>
+                        <a:rPr lang="en-US" sz="1800" dirty="0">
+                          <a:latin typeface="+mn-lt"/>
+                        </a:rPr>
+                        <a:t>00</a:t>
+                      </a:r>
+                    </a:p>
+                  </a:txBody>
+                  <a:tcPr/>
+                </a:tc>
+                <a:tc>
+                  <a:txBody>
+                    <a:bodyPr/>
+                    <a:lstStyle/>
+                    <a:p>
+                      <a:pPr>
+                        <a:lnSpc>
+                          <a:spcPct val="100000"/>
+                        </a:lnSpc>
+                      </a:pPr>
+                      <a:r>
+                        <a:rPr lang="en-US" sz="1800" b="0" i="0" u="none" strike="noStrike" kern="1200" dirty="0">
+                          <a:solidFill>
+                            <a:schemeClr val="dk1"/>
+                          </a:solidFill>
+                          <a:effectLst/>
+                          <a:latin typeface="+mn-lt"/>
+                          <a:ea typeface="+mn-ea"/>
+                          <a:cs typeface="+mn-cs"/>
+                        </a:rPr>
+                        <a:t>Introduction</a:t>
+                      </a:r>
+                      <a:endParaRPr lang="en-US" sz="1800" dirty="0">
+                        <a:latin typeface="+mn-lt"/>
+                      </a:endParaRPr>
+                    </a:p>
+                  </a:txBody>
+                  <a:tcPr/>
+                </a:tc>
+                <a:tc>
+                  <a:txBody>
+                    <a:bodyPr/>
+                    <a:lstStyle/>
+                    <a:p>
+                      <a:pPr>
+                        <a:lnSpc>
+                          <a:spcPct val="100000"/>
+                        </a:lnSpc>
+                      </a:pPr>
+                      <a:r>
+                        <a:rPr lang="en-US" sz="1800" dirty="0">
+                          <a:latin typeface="+mn-lt"/>
+                        </a:rPr>
+                        <a:t>David E. Bernholdt, ORNL</a:t>
+                      </a:r>
+                    </a:p>
+                  </a:txBody>
+                  <a:tcPr/>
+                </a:tc>
+                <a:extLst>
+                  <a:ext uri="{0D108BD9-81ED-4DB2-BD59-A6C34878D82A}">
+                    <a16:rowId xmlns:a16="http://schemas.microsoft.com/office/drawing/2014/main" val="4236476034"/>
+                  </a:ext>
+                </a:extLst>
+              </a:tr>
+              <a:tr h="370840">
+                <a:tc>
+                  <a:txBody>
+                    <a:bodyPr/>
+                    <a:lstStyle/>
+                    <a:p>
+                      <a:pPr rtl="0" fontAlgn="t">
+                        <a:spcBef>
+                          <a:spcPts val="0"/>
+                        </a:spcBef>
+                        <a:spcAft>
+                          <a:spcPts val="0"/>
+                        </a:spcAft>
+                      </a:pPr>
+                      <a:r>
+                        <a:rPr lang="en-US" sz="1800" b="0" i="0" u="none" strike="noStrike" dirty="0">
+                          <a:solidFill>
+                            <a:srgbClr val="000000"/>
+                          </a:solidFill>
+                          <a:effectLst/>
+                          <a:latin typeface="+mn-lt"/>
+                        </a:rPr>
+                        <a:t>1:05pm-1:15pm</a:t>
+                      </a:r>
+                      <a:endParaRPr lang="en-US" sz="1800" dirty="0">
+                        <a:effectLst/>
+                        <a:latin typeface="+mn-lt"/>
+                      </a:endParaRPr>
+                    </a:p>
+                  </a:txBody>
+                  <a:tcPr marL="63500" marR="63500" marT="63500" marB="63500"/>
+                </a:tc>
+                <a:tc>
+                  <a:txBody>
+                    <a:bodyPr/>
+                    <a:lstStyle/>
+                    <a:p>
+                      <a:pPr marL="0" marR="0" lvl="0" indent="0" algn="l" defTabSz="914400" rtl="0" eaLnBrk="1" fontAlgn="auto" latinLnBrk="0" hangingPunct="1">
+                        <a:lnSpc>
+                          <a:spcPct val="100000"/>
+                        </a:lnSpc>
+                        <a:spcBef>
+                          <a:spcPts val="0"/>
+                        </a:spcBef>
+                        <a:spcAft>
+                          <a:spcPts val="0"/>
+                        </a:spcAft>
+                        <a:buClrTx/>
+                        <a:buSzTx/>
+                        <a:buFontTx/>
+                        <a:buNone/>
+                        <a:tabLst/>
+                        <a:defRPr/>
+                      </a:pPr>
+                      <a:r>
+                        <a:rPr lang="en-US" sz="1800" dirty="0">
+                          <a:latin typeface="+mn-lt"/>
+                        </a:rPr>
+                        <a:t>01</a:t>
+                      </a:r>
+                    </a:p>
+                  </a:txBody>
+                  <a:tcPr/>
+                </a:tc>
+                <a:tc>
+                  <a:txBody>
+                    <a:bodyPr/>
+                    <a:lstStyle/>
+                    <a:p>
+                      <a:pPr marL="0" marR="0" lvl="0" indent="0" algn="l" defTabSz="914400" rtl="0" eaLnBrk="1" fontAlgn="auto" latinLnBrk="0" hangingPunct="1">
+                        <a:lnSpc>
+                          <a:spcPct val="100000"/>
+                        </a:lnSpc>
+                        <a:spcBef>
+                          <a:spcPts val="0"/>
+                        </a:spcBef>
+                        <a:spcAft>
+                          <a:spcPts val="0"/>
+                        </a:spcAft>
+                        <a:buClrTx/>
+                        <a:buSzTx/>
+                        <a:buFontTx/>
+                        <a:buNone/>
+                        <a:tabLst/>
+                        <a:defRPr/>
+                      </a:pPr>
+                      <a:r>
+                        <a:rPr lang="en-US" sz="1800" b="0" i="0" u="none" strike="noStrike" kern="1200" dirty="0">
+                          <a:solidFill>
+                            <a:schemeClr val="dk1"/>
+                          </a:solidFill>
+                          <a:effectLst/>
+                          <a:latin typeface="+mn-lt"/>
+                          <a:ea typeface="+mn-ea"/>
+                          <a:cs typeface="+mn-cs"/>
+                        </a:rPr>
+                        <a:t>Motivation and Overview of Best Practices in HPC Software Development</a:t>
+                      </a:r>
+                      <a:endParaRPr lang="en-US" sz="1800" dirty="0">
+                        <a:latin typeface="+mn-lt"/>
+                      </a:endParaRPr>
+                    </a:p>
+                  </a:txBody>
+                  <a:tcPr/>
+                </a:tc>
+                <a:tc>
+                  <a:txBody>
+                    <a:bodyPr/>
+                    <a:lstStyle/>
+                    <a:p>
+                      <a:pPr marL="0" marR="0" lvl="0" indent="0" algn="l" defTabSz="914400" rtl="0" eaLnBrk="1" fontAlgn="auto" latinLnBrk="0" hangingPunct="1">
+                        <a:lnSpc>
+                          <a:spcPct val="100000"/>
+                        </a:lnSpc>
+                        <a:spcBef>
+                          <a:spcPts val="0"/>
+                        </a:spcBef>
+                        <a:spcAft>
+                          <a:spcPts val="0"/>
+                        </a:spcAft>
+                        <a:buClrTx/>
+                        <a:buSzTx/>
+                        <a:buFontTx/>
+                        <a:buNone/>
+                        <a:tabLst/>
+                        <a:defRPr/>
+                      </a:pPr>
+                      <a:r>
+                        <a:rPr lang="en-US" sz="1800" dirty="0">
+                          <a:latin typeface="+mn-lt"/>
+                        </a:rPr>
+                        <a:t>David E. Bernholdt, ORNL</a:t>
+                      </a:r>
+                    </a:p>
+                  </a:txBody>
+                  <a:tcPr/>
+                </a:tc>
+                <a:extLst>
+                  <a:ext uri="{0D108BD9-81ED-4DB2-BD59-A6C34878D82A}">
+                    <a16:rowId xmlns:a16="http://schemas.microsoft.com/office/drawing/2014/main" val="18592124"/>
+                  </a:ext>
+                </a:extLst>
+              </a:tr>
+              <a:tr h="370840">
+                <a:tc>
+                  <a:txBody>
+                    <a:bodyPr/>
+                    <a:lstStyle/>
+                    <a:p>
+                      <a:pPr rtl="0" fontAlgn="t">
+                        <a:spcBef>
+                          <a:spcPts val="0"/>
+                        </a:spcBef>
+                        <a:spcAft>
+                          <a:spcPts val="0"/>
+                        </a:spcAft>
+                      </a:pPr>
+                      <a:r>
+                        <a:rPr lang="en-US" sz="1800" b="0" i="0" u="none" strike="noStrike" dirty="0">
+                          <a:solidFill>
+                            <a:srgbClr val="000000"/>
+                          </a:solidFill>
+                          <a:effectLst/>
+                          <a:latin typeface="+mn-lt"/>
+                        </a:rPr>
+                        <a:t>1:15pm-1:45pm</a:t>
+                      </a:r>
+                      <a:endParaRPr lang="en-US" sz="1800" dirty="0">
+                        <a:effectLst/>
+                        <a:latin typeface="+mn-lt"/>
+                      </a:endParaRPr>
+                    </a:p>
+                  </a:txBody>
+                  <a:tcPr marL="63500" marR="63500" marT="63500" marB="63500"/>
+                </a:tc>
+                <a:tc>
+                  <a:txBody>
+                    <a:bodyPr/>
+                    <a:lstStyle/>
+                    <a:p>
+                      <a:pPr>
+                        <a:lnSpc>
+                          <a:spcPct val="100000"/>
+                        </a:lnSpc>
+                      </a:pPr>
+                      <a:r>
+                        <a:rPr lang="en-US" sz="1800" dirty="0">
+                          <a:latin typeface="+mn-lt"/>
+                        </a:rPr>
+                        <a:t>02</a:t>
+                      </a:r>
+                    </a:p>
+                  </a:txBody>
+                  <a:tcPr/>
+                </a:tc>
+                <a:tc>
+                  <a:txBody>
+                    <a:bodyPr/>
+                    <a:lstStyle/>
+                    <a:p>
+                      <a:pPr>
+                        <a:lnSpc>
+                          <a:spcPct val="100000"/>
+                        </a:lnSpc>
+                      </a:pPr>
+                      <a:r>
+                        <a:rPr lang="en-US" sz="1800" dirty="0">
+                          <a:latin typeface="+mn-lt"/>
+                        </a:rPr>
+                        <a:t>Agile Methodologies</a:t>
+                      </a:r>
+                    </a:p>
+                  </a:txBody>
+                  <a:tcPr/>
+                </a:tc>
+                <a:tc>
+                  <a:txBody>
+                    <a:bodyPr/>
+                    <a:lstStyle/>
+                    <a:p>
+                      <a:pPr>
+                        <a:lnSpc>
+                          <a:spcPct val="100000"/>
+                        </a:lnSpc>
+                      </a:pPr>
+                      <a:r>
+                        <a:rPr lang="en-US" sz="1800" dirty="0">
+                          <a:latin typeface="+mn-lt"/>
+                        </a:rPr>
+                        <a:t>Rinku K. Gupta, ANL</a:t>
+                      </a:r>
+                    </a:p>
+                  </a:txBody>
+                  <a:tcPr/>
+                </a:tc>
+                <a:extLst>
+                  <a:ext uri="{0D108BD9-81ED-4DB2-BD59-A6C34878D82A}">
+                    <a16:rowId xmlns:a16="http://schemas.microsoft.com/office/drawing/2014/main" val="3991164013"/>
+                  </a:ext>
+                </a:extLst>
+              </a:tr>
+              <a:tr h="370840">
+                <a:tc>
+                  <a:txBody>
+                    <a:bodyPr/>
+                    <a:lstStyle/>
+                    <a:p>
+                      <a:pPr rtl="0" fontAlgn="t">
+                        <a:spcBef>
+                          <a:spcPts val="0"/>
+                        </a:spcBef>
+                        <a:spcAft>
+                          <a:spcPts val="0"/>
+                        </a:spcAft>
+                      </a:pPr>
+                      <a:r>
+                        <a:rPr lang="en-US" sz="1800" dirty="0">
+                          <a:effectLst/>
+                          <a:latin typeface="+mn-lt"/>
+                        </a:rPr>
+                        <a:t>1:45pm-2:00pm</a:t>
+                      </a:r>
+                    </a:p>
+                  </a:txBody>
+                  <a:tcPr marL="63500" marR="63500" marT="63500" marB="63500"/>
+                </a:tc>
+                <a:tc>
+                  <a:txBody>
+                    <a:bodyPr/>
+                    <a:lstStyle/>
+                    <a:p>
+                      <a:pPr>
+                        <a:lnSpc>
+                          <a:spcPct val="100000"/>
+                        </a:lnSpc>
+                      </a:pPr>
+                      <a:r>
+                        <a:rPr lang="en-US" sz="1800" i="0" dirty="0">
+                          <a:solidFill>
+                            <a:schemeClr val="tx1"/>
+                          </a:solidFill>
+                          <a:latin typeface="+mn-lt"/>
+                        </a:rPr>
+                        <a:t>03</a:t>
+                      </a:r>
+                    </a:p>
+                  </a:txBody>
+                  <a:tcPr/>
+                </a:tc>
+                <a:tc>
+                  <a:txBody>
+                    <a:bodyPr/>
+                    <a:lstStyle/>
+                    <a:p>
+                      <a:pPr marL="0" marR="0" lvl="0" indent="0" algn="l" defTabSz="914400" rtl="0" eaLnBrk="1" fontAlgn="auto" latinLnBrk="0" hangingPunct="1">
+                        <a:lnSpc>
+                          <a:spcPct val="100000"/>
+                        </a:lnSpc>
+                        <a:spcBef>
+                          <a:spcPts val="0"/>
+                        </a:spcBef>
+                        <a:spcAft>
+                          <a:spcPts val="0"/>
+                        </a:spcAft>
+                        <a:buClrTx/>
+                        <a:buSzTx/>
+                        <a:buFontTx/>
+                        <a:buNone/>
+                        <a:tabLst/>
+                        <a:defRPr/>
+                      </a:pPr>
+                      <a:r>
+                        <a:rPr lang="en-US" sz="1800" b="0" i="0" u="none" strike="noStrike" kern="1200" dirty="0">
+                          <a:solidFill>
+                            <a:schemeClr val="dk1"/>
+                          </a:solidFill>
+                          <a:effectLst/>
+                          <a:latin typeface="+mn-lt"/>
+                          <a:ea typeface="+mn-ea"/>
+                          <a:cs typeface="+mn-cs"/>
+                        </a:rPr>
+                        <a:t>Git Workflows</a:t>
+                      </a:r>
+                      <a:endParaRPr lang="en-US" sz="1800" dirty="0">
+                        <a:latin typeface="+mn-lt"/>
+                      </a:endParaRPr>
+                    </a:p>
+                  </a:txBody>
+                  <a:tcPr/>
+                </a:tc>
+                <a:tc>
+                  <a:txBody>
+                    <a:bodyPr/>
+                    <a:lstStyle/>
+                    <a:p>
+                      <a:pPr>
+                        <a:lnSpc>
+                          <a:spcPct val="100000"/>
+                        </a:lnSpc>
+                      </a:pPr>
+                      <a:r>
+                        <a:rPr lang="en-US" sz="1800" dirty="0">
+                          <a:latin typeface="+mn-lt"/>
+                        </a:rPr>
+                        <a:t>Rinku K. Gupta, ANL</a:t>
+                      </a:r>
+                    </a:p>
+                  </a:txBody>
+                  <a:tcPr/>
+                </a:tc>
+                <a:extLst>
+                  <a:ext uri="{0D108BD9-81ED-4DB2-BD59-A6C34878D82A}">
+                    <a16:rowId xmlns:a16="http://schemas.microsoft.com/office/drawing/2014/main" val="1350023114"/>
+                  </a:ext>
+                </a:extLst>
+              </a:tr>
+              <a:tr h="370840">
+                <a:tc>
+                  <a:txBody>
+                    <a:bodyPr/>
+                    <a:lstStyle/>
+                    <a:p>
+                      <a:pPr rtl="0" fontAlgn="t">
+                        <a:spcBef>
+                          <a:spcPts val="0"/>
+                        </a:spcBef>
+                        <a:spcAft>
+                          <a:spcPts val="0"/>
+                        </a:spcAft>
+                      </a:pPr>
+                      <a:r>
+                        <a:rPr lang="en-US" sz="1800" b="0" i="0" u="none" strike="noStrike" dirty="0">
+                          <a:solidFill>
+                            <a:schemeClr val="tx1"/>
+                          </a:solidFill>
+                          <a:effectLst/>
+                          <a:latin typeface="+mn-lt"/>
+                        </a:rPr>
+                        <a:t>2:00pm-2:20pm</a:t>
+                      </a:r>
+                      <a:endParaRPr lang="en-US" sz="1800" i="0" dirty="0">
+                        <a:solidFill>
+                          <a:schemeClr val="tx1"/>
+                        </a:solidFill>
+                        <a:effectLst/>
+                        <a:latin typeface="+mn-lt"/>
+                      </a:endParaRPr>
+                    </a:p>
+                  </a:txBody>
+                  <a:tcPr marL="63500" marR="63500" marT="63500" marB="63500"/>
+                </a:tc>
+                <a:tc>
+                  <a:txBody>
+                    <a:bodyPr/>
+                    <a:lstStyle/>
+                    <a:p>
+                      <a:pPr>
+                        <a:lnSpc>
+                          <a:spcPct val="100000"/>
+                        </a:lnSpc>
+                      </a:pPr>
+                      <a:r>
+                        <a:rPr lang="en-US" sz="1800" i="0" dirty="0">
+                          <a:solidFill>
+                            <a:schemeClr val="tx1"/>
+                          </a:solidFill>
+                          <a:latin typeface="+mn-lt"/>
+                        </a:rPr>
+                        <a:t>04</a:t>
+                      </a:r>
+                    </a:p>
+                  </a:txBody>
+                  <a:tcPr/>
+                </a:tc>
+                <a:tc>
+                  <a:txBody>
+                    <a:bodyPr/>
+                    <a:lstStyle/>
+                    <a:p>
+                      <a:pPr marL="0" marR="0" lvl="0" indent="0" algn="l" defTabSz="914400" rtl="0" eaLnBrk="1" fontAlgn="auto" latinLnBrk="0" hangingPunct="1">
+                        <a:lnSpc>
+                          <a:spcPct val="100000"/>
+                        </a:lnSpc>
+                        <a:spcBef>
+                          <a:spcPts val="0"/>
+                        </a:spcBef>
+                        <a:spcAft>
+                          <a:spcPts val="0"/>
+                        </a:spcAft>
+                        <a:buClrTx/>
+                        <a:buSzTx/>
+                        <a:buFontTx/>
+                        <a:buNone/>
+                        <a:tabLst/>
+                        <a:defRPr/>
+                      </a:pPr>
+                      <a:r>
+                        <a:rPr lang="en-US" sz="1800" i="0" dirty="0">
+                          <a:solidFill>
+                            <a:schemeClr val="tx1"/>
+                          </a:solidFill>
+                          <a:latin typeface="+mn-lt"/>
+                        </a:rPr>
+                        <a:t>Software Testing 1</a:t>
+                      </a:r>
+                    </a:p>
+                  </a:txBody>
+                  <a:tcPr/>
+                </a:tc>
+                <a:tc>
+                  <a:txBody>
+                    <a:bodyPr/>
+                    <a:lstStyle/>
+                    <a:p>
+                      <a:pPr>
+                        <a:lnSpc>
+                          <a:spcPct val="100000"/>
+                        </a:lnSpc>
+                      </a:pPr>
+                      <a:r>
+                        <a:rPr lang="en-US" sz="1800" i="0" dirty="0">
+                          <a:solidFill>
+                            <a:schemeClr val="tx1"/>
+                          </a:solidFill>
+                          <a:latin typeface="+mn-lt"/>
+                        </a:rPr>
+                        <a:t>David M. Rogers, ORNL</a:t>
+                      </a:r>
+                    </a:p>
+                  </a:txBody>
+                  <a:tcPr/>
+                </a:tc>
+                <a:extLst>
+                  <a:ext uri="{0D108BD9-81ED-4DB2-BD59-A6C34878D82A}">
+                    <a16:rowId xmlns:a16="http://schemas.microsoft.com/office/drawing/2014/main" val="1922613886"/>
+                  </a:ext>
+                </a:extLst>
+              </a:tr>
+              <a:tr h="370840">
+                <a:tc>
+                  <a:txBody>
+                    <a:bodyPr/>
+                    <a:lstStyle/>
+                    <a:p>
+                      <a:pPr rtl="0" fontAlgn="t">
+                        <a:spcBef>
+                          <a:spcPts val="0"/>
+                        </a:spcBef>
+                        <a:spcAft>
+                          <a:spcPts val="0"/>
+                        </a:spcAft>
+                      </a:pPr>
+                      <a:r>
+                        <a:rPr lang="en-US" sz="1800" b="0" i="1" u="none" strike="noStrike" dirty="0">
+                          <a:solidFill>
+                            <a:schemeClr val="tx2"/>
+                          </a:solidFill>
+                          <a:effectLst/>
+                          <a:latin typeface="+mn-lt"/>
+                        </a:rPr>
+                        <a:t>2:20pm-2:40pm</a:t>
+                      </a:r>
+                      <a:endParaRPr lang="en-US" sz="1800" i="1" dirty="0">
+                        <a:solidFill>
+                          <a:schemeClr val="tx2"/>
+                        </a:solidFill>
+                        <a:effectLst/>
+                        <a:latin typeface="+mn-lt"/>
+                      </a:endParaRPr>
+                    </a:p>
+                  </a:txBody>
+                  <a:tcPr marL="63500" marR="63500" marT="63500" marB="63500"/>
+                </a:tc>
+                <a:tc>
+                  <a:txBody>
+                    <a:bodyPr/>
+                    <a:lstStyle/>
+                    <a:p>
+                      <a:pPr>
+                        <a:lnSpc>
+                          <a:spcPct val="100000"/>
+                        </a:lnSpc>
+                      </a:pPr>
+                      <a:endParaRPr lang="en-US" sz="1800" i="1" dirty="0">
+                        <a:solidFill>
+                          <a:schemeClr val="tx2"/>
+                        </a:solidFill>
+                        <a:latin typeface="+mn-lt"/>
+                      </a:endParaRPr>
+                    </a:p>
+                  </a:txBody>
+                  <a:tcPr/>
+                </a:tc>
+                <a:tc>
+                  <a:txBody>
+                    <a:bodyPr/>
+                    <a:lstStyle/>
+                    <a:p>
+                      <a:pPr>
+                        <a:lnSpc>
+                          <a:spcPct val="100000"/>
+                        </a:lnSpc>
+                      </a:pPr>
+                      <a:r>
+                        <a:rPr lang="en-US" sz="1800" i="1" dirty="0">
+                          <a:solidFill>
+                            <a:schemeClr val="tx2"/>
+                          </a:solidFill>
+                          <a:latin typeface="+mn-lt"/>
+                        </a:rPr>
+                        <a:t>Break (optional Q&amp;A)</a:t>
+                      </a:r>
+                    </a:p>
+                  </a:txBody>
+                  <a:tcPr/>
+                </a:tc>
+                <a:tc>
+                  <a:txBody>
+                    <a:bodyPr/>
+                    <a:lstStyle/>
+                    <a:p>
+                      <a:pPr>
+                        <a:lnSpc>
+                          <a:spcPct val="100000"/>
+                        </a:lnSpc>
+                      </a:pPr>
+                      <a:r>
+                        <a:rPr lang="en-US" sz="1800" i="1" dirty="0">
+                          <a:solidFill>
+                            <a:schemeClr val="tx2"/>
+                          </a:solidFill>
+                          <a:latin typeface="+mn-lt"/>
+                        </a:rPr>
+                        <a:t>All</a:t>
+                      </a:r>
+                    </a:p>
+                  </a:txBody>
+                  <a:tcPr/>
+                </a:tc>
+                <a:extLst>
+                  <a:ext uri="{0D108BD9-81ED-4DB2-BD59-A6C34878D82A}">
+                    <a16:rowId xmlns:a16="http://schemas.microsoft.com/office/drawing/2014/main" val="4193880066"/>
+                  </a:ext>
+                </a:extLst>
+              </a:tr>
+              <a:tr h="370840">
+                <a:tc>
+                  <a:txBody>
+                    <a:bodyPr/>
+                    <a:lstStyle/>
+                    <a:p>
+                      <a:pPr rtl="0" fontAlgn="t">
+                        <a:spcBef>
+                          <a:spcPts val="0"/>
+                        </a:spcBef>
+                        <a:spcAft>
+                          <a:spcPts val="0"/>
+                        </a:spcAft>
+                      </a:pPr>
+                      <a:r>
+                        <a:rPr lang="en-US" sz="1800" b="0" i="0" u="none" strike="noStrike" dirty="0">
+                          <a:solidFill>
+                            <a:srgbClr val="000000"/>
+                          </a:solidFill>
+                          <a:effectLst/>
+                          <a:latin typeface="+mn-lt"/>
+                        </a:rPr>
+                        <a:t>2:40pm-3:00pm</a:t>
+                      </a:r>
+                      <a:endParaRPr lang="en-US" sz="1800" dirty="0">
+                        <a:effectLst/>
+                        <a:latin typeface="+mn-lt"/>
+                      </a:endParaRPr>
+                    </a:p>
+                  </a:txBody>
+                  <a:tcPr marL="63500" marR="63500" marT="63500" marB="63500"/>
+                </a:tc>
+                <a:tc>
+                  <a:txBody>
+                    <a:bodyPr/>
+                    <a:lstStyle/>
+                    <a:p>
+                      <a:pPr>
+                        <a:lnSpc>
+                          <a:spcPct val="100000"/>
+                        </a:lnSpc>
+                      </a:pPr>
+                      <a:r>
+                        <a:rPr lang="en-US" sz="1800" i="0" dirty="0">
+                          <a:latin typeface="+mn-lt"/>
+                        </a:rPr>
+                        <a:t>05</a:t>
+                      </a:r>
+                    </a:p>
+                  </a:txBody>
+                  <a:tcPr/>
+                </a:tc>
+                <a:tc>
+                  <a:txBody>
+                    <a:bodyPr/>
+                    <a:lstStyle/>
+                    <a:p>
+                      <a:pPr marL="0" marR="0" lvl="0" indent="0" algn="l" defTabSz="914400" rtl="0" eaLnBrk="1" fontAlgn="auto" latinLnBrk="0" hangingPunct="1">
+                        <a:lnSpc>
+                          <a:spcPct val="100000"/>
+                        </a:lnSpc>
+                        <a:spcBef>
+                          <a:spcPts val="0"/>
+                        </a:spcBef>
+                        <a:spcAft>
+                          <a:spcPts val="0"/>
+                        </a:spcAft>
+                        <a:buClrTx/>
+                        <a:buSzTx/>
+                        <a:buFontTx/>
+                        <a:buNone/>
+                        <a:tabLst/>
+                        <a:defRPr/>
+                      </a:pPr>
+                      <a:r>
+                        <a:rPr lang="en-US" sz="1800" b="0" i="0" u="none" strike="noStrike" kern="1200" dirty="0">
+                          <a:solidFill>
+                            <a:schemeClr val="tx1"/>
+                          </a:solidFill>
+                          <a:effectLst/>
+                          <a:latin typeface="+mn-lt"/>
+                          <a:ea typeface="+mn-ea"/>
+                          <a:cs typeface="+mn-cs"/>
+                        </a:rPr>
+                        <a:t>Software Design</a:t>
+                      </a:r>
+                    </a:p>
+                  </a:txBody>
+                  <a:tcPr/>
+                </a:tc>
+                <a:tc>
+                  <a:txBody>
+                    <a:bodyPr/>
+                    <a:lstStyle/>
+                    <a:p>
+                      <a:pPr>
+                        <a:lnSpc>
+                          <a:spcPct val="100000"/>
+                        </a:lnSpc>
+                      </a:pPr>
+                      <a:r>
+                        <a:rPr lang="en-US" sz="1800" dirty="0">
+                          <a:latin typeface="+mn-lt"/>
+                        </a:rPr>
+                        <a:t>Anshu Dubey, ANL</a:t>
+                      </a:r>
+                    </a:p>
+                  </a:txBody>
+                  <a:tcPr/>
+                </a:tc>
+                <a:extLst>
+                  <a:ext uri="{0D108BD9-81ED-4DB2-BD59-A6C34878D82A}">
+                    <a16:rowId xmlns:a16="http://schemas.microsoft.com/office/drawing/2014/main" val="2444169840"/>
+                  </a:ext>
+                </a:extLst>
+              </a:tr>
+              <a:tr h="370840">
+                <a:tc>
+                  <a:txBody>
+                    <a:bodyPr/>
+                    <a:lstStyle/>
+                    <a:p>
+                      <a:pPr rtl="0" fontAlgn="t">
+                        <a:spcBef>
+                          <a:spcPts val="0"/>
+                        </a:spcBef>
+                        <a:spcAft>
+                          <a:spcPts val="0"/>
+                        </a:spcAft>
+                      </a:pPr>
+                      <a:r>
+                        <a:rPr lang="en-US" sz="1800" dirty="0">
+                          <a:effectLst/>
+                          <a:latin typeface="+mn-lt"/>
+                        </a:rPr>
+                        <a:t>3:00pm-3:15pm</a:t>
+                      </a:r>
+                    </a:p>
+                  </a:txBody>
+                  <a:tcPr marL="63500" marR="63500" marT="63500" marB="63500"/>
+                </a:tc>
+                <a:tc>
+                  <a:txBody>
+                    <a:bodyPr/>
+                    <a:lstStyle/>
+                    <a:p>
+                      <a:pPr>
+                        <a:lnSpc>
+                          <a:spcPct val="100000"/>
+                        </a:lnSpc>
+                      </a:pPr>
+                      <a:r>
+                        <a:rPr lang="en-US" sz="1800" i="0" dirty="0">
+                          <a:latin typeface="+mn-lt"/>
+                        </a:rPr>
+                        <a:t>06</a:t>
+                      </a:r>
+                    </a:p>
+                  </a:txBody>
+                  <a:tcPr/>
+                </a:tc>
+                <a:tc>
+                  <a:txBody>
+                    <a:bodyPr/>
+                    <a:lstStyle/>
+                    <a:p>
+                      <a:pPr>
+                        <a:lnSpc>
+                          <a:spcPct val="100000"/>
+                        </a:lnSpc>
+                      </a:pPr>
+                      <a:r>
+                        <a:rPr lang="en-US" sz="1800" i="0" dirty="0">
+                          <a:latin typeface="+mn-lt"/>
+                        </a:rPr>
+                        <a:t>Software Testing 2</a:t>
+                      </a:r>
+                    </a:p>
+                  </a:txBody>
+                  <a:tcPr/>
+                </a:tc>
+                <a:tc>
+                  <a:txBody>
+                    <a:bodyPr/>
+                    <a:lstStyle/>
+                    <a:p>
+                      <a:pPr marL="0" marR="0" lvl="0" indent="0" algn="l" defTabSz="914400" rtl="0" eaLnBrk="1" fontAlgn="auto" latinLnBrk="0" hangingPunct="1">
+                        <a:lnSpc>
+                          <a:spcPct val="100000"/>
+                        </a:lnSpc>
+                        <a:spcBef>
+                          <a:spcPts val="0"/>
+                        </a:spcBef>
+                        <a:spcAft>
+                          <a:spcPts val="0"/>
+                        </a:spcAft>
+                        <a:buClrTx/>
+                        <a:buSzTx/>
+                        <a:buFontTx/>
+                        <a:buNone/>
+                        <a:tabLst/>
+                        <a:defRPr/>
+                      </a:pPr>
+                      <a:r>
+                        <a:rPr lang="en-US" sz="1800" i="0" dirty="0">
+                          <a:solidFill>
+                            <a:schemeClr val="tx1"/>
+                          </a:solidFill>
+                          <a:latin typeface="+mn-lt"/>
+                        </a:rPr>
+                        <a:t>David M. Rogers</a:t>
+                      </a:r>
+                    </a:p>
+                  </a:txBody>
+                  <a:tcPr/>
+                </a:tc>
+                <a:extLst>
+                  <a:ext uri="{0D108BD9-81ED-4DB2-BD59-A6C34878D82A}">
+                    <a16:rowId xmlns:a16="http://schemas.microsoft.com/office/drawing/2014/main" val="387858574"/>
+                  </a:ext>
+                </a:extLst>
+              </a:tr>
+              <a:tr h="370840">
+                <a:tc>
+                  <a:txBody>
+                    <a:bodyPr/>
+                    <a:lstStyle/>
+                    <a:p>
+                      <a:pPr rtl="0" fontAlgn="t">
+                        <a:spcBef>
+                          <a:spcPts val="0"/>
+                        </a:spcBef>
+                        <a:spcAft>
+                          <a:spcPts val="0"/>
+                        </a:spcAft>
+                      </a:pPr>
+                      <a:r>
+                        <a:rPr lang="en-US" sz="1800" dirty="0">
+                          <a:effectLst/>
+                          <a:latin typeface="+mn-lt"/>
+                        </a:rPr>
+                        <a:t>3:15pm-3:40pm</a:t>
+                      </a:r>
+                    </a:p>
+                  </a:txBody>
+                  <a:tcPr marL="63500" marR="63500" marT="63500" marB="63500"/>
+                </a:tc>
+                <a:tc>
+                  <a:txBody>
+                    <a:bodyPr/>
+                    <a:lstStyle/>
+                    <a:p>
+                      <a:pPr>
+                        <a:lnSpc>
+                          <a:spcPct val="100000"/>
+                        </a:lnSpc>
+                      </a:pPr>
+                      <a:r>
+                        <a:rPr lang="en-US" sz="1800" i="0" dirty="0">
+                          <a:latin typeface="+mn-lt"/>
+                        </a:rPr>
+                        <a:t>07</a:t>
+                      </a:r>
+                    </a:p>
+                  </a:txBody>
+                  <a:tcPr/>
+                </a:tc>
+                <a:tc>
+                  <a:txBody>
+                    <a:bodyPr/>
+                    <a:lstStyle/>
+                    <a:p>
+                      <a:pPr>
+                        <a:lnSpc>
+                          <a:spcPct val="100000"/>
+                        </a:lnSpc>
+                      </a:pPr>
+                      <a:r>
+                        <a:rPr lang="en-US" sz="1800" i="0" dirty="0">
+                          <a:latin typeface="+mn-lt"/>
+                        </a:rPr>
+                        <a:t>Refactoring</a:t>
+                      </a:r>
+                    </a:p>
+                  </a:txBody>
+                  <a:tcPr/>
+                </a:tc>
+                <a:tc>
+                  <a:txBody>
+                    <a:bodyPr/>
+                    <a:lstStyle/>
+                    <a:p>
+                      <a:pPr>
+                        <a:lnSpc>
+                          <a:spcPct val="100000"/>
+                        </a:lnSpc>
+                      </a:pPr>
+                      <a:r>
+                        <a:rPr lang="en-US" sz="1800" dirty="0">
+                          <a:latin typeface="+mn-lt"/>
+                        </a:rPr>
+                        <a:t>Anshu Dubey, ANL</a:t>
+                      </a:r>
+                    </a:p>
+                  </a:txBody>
+                  <a:tcPr/>
+                </a:tc>
+                <a:extLst>
+                  <a:ext uri="{0D108BD9-81ED-4DB2-BD59-A6C34878D82A}">
+                    <a16:rowId xmlns:a16="http://schemas.microsoft.com/office/drawing/2014/main" val="2446830301"/>
+                  </a:ext>
+                </a:extLst>
+              </a:tr>
+              <a:tr h="370840">
+                <a:tc>
+                  <a:txBody>
+                    <a:bodyPr/>
+                    <a:lstStyle/>
+                    <a:p>
+                      <a:pPr rtl="0" fontAlgn="t">
+                        <a:spcBef>
+                          <a:spcPts val="0"/>
+                        </a:spcBef>
+                        <a:spcAft>
+                          <a:spcPts val="0"/>
+                        </a:spcAft>
+                      </a:pPr>
+                      <a:r>
+                        <a:rPr lang="en-US" sz="1800" dirty="0">
+                          <a:effectLst/>
+                          <a:latin typeface="+mn-lt"/>
+                        </a:rPr>
+                        <a:t>3:40pm-3:55pm</a:t>
+                      </a:r>
+                    </a:p>
+                  </a:txBody>
+                  <a:tcPr marL="63500" marR="63500" marT="63500" marB="63500"/>
+                </a:tc>
+                <a:tc>
+                  <a:txBody>
+                    <a:bodyPr/>
+                    <a:lstStyle/>
+                    <a:p>
+                      <a:pPr>
+                        <a:lnSpc>
+                          <a:spcPct val="100000"/>
+                        </a:lnSpc>
+                      </a:pPr>
+                      <a:r>
+                        <a:rPr lang="en-US" sz="1800" i="0" dirty="0">
+                          <a:latin typeface="+mn-lt"/>
+                        </a:rPr>
+                        <a:t>08</a:t>
+                      </a:r>
+                    </a:p>
+                  </a:txBody>
+                  <a:tcPr/>
+                </a:tc>
+                <a:tc>
+                  <a:txBody>
+                    <a:bodyPr/>
+                    <a:lstStyle/>
+                    <a:p>
+                      <a:pPr>
+                        <a:lnSpc>
+                          <a:spcPct val="100000"/>
+                        </a:lnSpc>
+                      </a:pPr>
+                      <a:r>
+                        <a:rPr lang="en-US" sz="1800" i="0" dirty="0">
+                          <a:latin typeface="+mn-lt"/>
+                        </a:rPr>
+                        <a:t>Reproducibility</a:t>
+                      </a:r>
+                    </a:p>
+                  </a:txBody>
+                  <a:tcPr/>
+                </a:tc>
+                <a:tc>
+                  <a:txBody>
+                    <a:bodyPr/>
+                    <a:lstStyle/>
+                    <a:p>
+                      <a:pPr>
+                        <a:lnSpc>
+                          <a:spcPct val="100000"/>
+                        </a:lnSpc>
+                      </a:pPr>
+                      <a:r>
+                        <a:rPr lang="en-US" sz="1800" dirty="0">
+                          <a:latin typeface="+mn-lt"/>
+                        </a:rPr>
+                        <a:t>David E. Bernholdt, ORNL</a:t>
+                      </a:r>
+                    </a:p>
+                  </a:txBody>
+                  <a:tcPr/>
+                </a:tc>
+                <a:extLst>
+                  <a:ext uri="{0D108BD9-81ED-4DB2-BD59-A6C34878D82A}">
+                    <a16:rowId xmlns:a16="http://schemas.microsoft.com/office/drawing/2014/main" val="1746784610"/>
+                  </a:ext>
+                </a:extLst>
+              </a:tr>
+              <a:tr h="370840">
+                <a:tc>
+                  <a:txBody>
+                    <a:bodyPr/>
+                    <a:lstStyle/>
+                    <a:p>
+                      <a:pPr rtl="0" fontAlgn="t">
+                        <a:spcBef>
+                          <a:spcPts val="0"/>
+                        </a:spcBef>
+                        <a:spcAft>
+                          <a:spcPts val="0"/>
+                        </a:spcAft>
+                      </a:pPr>
+                      <a:r>
+                        <a:rPr lang="en-US" sz="1800" dirty="0">
+                          <a:effectLst/>
+                          <a:latin typeface="+mn-lt"/>
+                        </a:rPr>
+                        <a:t>3:55pm-4:00pm</a:t>
+                      </a:r>
+                    </a:p>
+                  </a:txBody>
+                  <a:tcPr marL="63500" marR="63500" marT="63500" marB="63500"/>
+                </a:tc>
+                <a:tc>
+                  <a:txBody>
+                    <a:bodyPr/>
+                    <a:lstStyle/>
+                    <a:p>
+                      <a:pPr>
+                        <a:lnSpc>
+                          <a:spcPct val="100000"/>
+                        </a:lnSpc>
+                      </a:pPr>
+                      <a:r>
+                        <a:rPr lang="en-US" sz="1800" i="0" dirty="0">
+                          <a:latin typeface="+mn-lt"/>
+                        </a:rPr>
+                        <a:t>09</a:t>
+                      </a:r>
+                    </a:p>
+                  </a:txBody>
+                  <a:tcPr/>
+                </a:tc>
+                <a:tc>
+                  <a:txBody>
+                    <a:bodyPr/>
+                    <a:lstStyle/>
+                    <a:p>
+                      <a:pPr>
+                        <a:lnSpc>
+                          <a:spcPct val="100000"/>
+                        </a:lnSpc>
+                      </a:pPr>
+                      <a:r>
+                        <a:rPr lang="en-US" sz="1800" i="0" dirty="0">
+                          <a:latin typeface="+mn-lt"/>
+                        </a:rPr>
+                        <a:t>Summary</a:t>
+                      </a:r>
+                    </a:p>
+                  </a:txBody>
+                  <a:tcPr/>
+                </a:tc>
+                <a:tc>
+                  <a:txBody>
+                    <a:bodyPr/>
+                    <a:lstStyle/>
+                    <a:p>
+                      <a:pPr>
+                        <a:lnSpc>
+                          <a:spcPct val="100000"/>
+                        </a:lnSpc>
+                      </a:pPr>
+                      <a:r>
+                        <a:rPr lang="en-US" sz="1800" dirty="0">
+                          <a:latin typeface="+mn-lt"/>
+                        </a:rPr>
+                        <a:t>David E. Bernholdt, ORNL</a:t>
+                      </a:r>
+                    </a:p>
+                  </a:txBody>
+                  <a:tcPr/>
+                </a:tc>
+                <a:extLst>
+                  <a:ext uri="{0D108BD9-81ED-4DB2-BD59-A6C34878D82A}">
+                    <a16:rowId xmlns:a16="http://schemas.microsoft.com/office/drawing/2014/main" val="127038030"/>
+                  </a:ext>
+                </a:extLst>
+              </a:tr>
+            </a:tbl>
+          </a:graphicData>
+        </a:graphic>
+      </p:graphicFrame>
+      <p:grpSp>
+        <p:nvGrpSpPr>
+          <p:cNvPr id="5" name="Group 4">
+            <a:extLst>
+              <a:ext uri="{FF2B5EF4-FFF2-40B4-BE49-F238E27FC236}">
+                <a16:creationId xmlns:a16="http://schemas.microsoft.com/office/drawing/2014/main" id="{E481C384-B67A-4E1A-9712-8751F487059D}"/>
+              </a:ext>
+            </a:extLst>
+          </p:cNvPr>
+          <p:cNvGrpSpPr/>
+          <p:nvPr/>
+        </p:nvGrpSpPr>
+        <p:grpSpPr>
+          <a:xfrm>
+            <a:off x="649538" y="4506322"/>
+            <a:ext cx="10909739" cy="390939"/>
+            <a:chOff x="79513" y="1653208"/>
+            <a:chExt cx="12029799" cy="390939"/>
+          </a:xfrm>
+        </p:grpSpPr>
+        <p:cxnSp>
+          <p:nvCxnSpPr>
+            <p:cNvPr id="6" name="Straight Connector 5">
+              <a:extLst>
+                <a:ext uri="{FF2B5EF4-FFF2-40B4-BE49-F238E27FC236}">
+                  <a16:creationId xmlns:a16="http://schemas.microsoft.com/office/drawing/2014/main" id="{81FDDF4F-CEBB-4DB2-B54C-DBAC5A6EF985}"/>
+                </a:ext>
+              </a:extLst>
+            </p:cNvPr>
+            <p:cNvCxnSpPr>
+              <a:cxnSpLocks/>
+            </p:cNvCxnSpPr>
+            <p:nvPr/>
+          </p:nvCxnSpPr>
+          <p:spPr>
+            <a:xfrm>
+              <a:off x="530679" y="1848678"/>
+              <a:ext cx="11127467" cy="0"/>
+            </a:xfrm>
+            <a:prstGeom prst="line">
+              <a:avLst/>
+            </a:prstGeom>
+            <a:ln w="76200">
+              <a:solidFill>
+                <a:srgbClr val="FF0000"/>
+              </a:solidFill>
+            </a:ln>
+          </p:spPr>
+          <p:style>
+            <a:lnRef idx="1">
+              <a:schemeClr val="accent1"/>
+            </a:lnRef>
+            <a:fillRef idx="0">
+              <a:schemeClr val="accent1"/>
+            </a:fillRef>
+            <a:effectRef idx="0">
+              <a:schemeClr val="accent1"/>
+            </a:effectRef>
+            <a:fontRef idx="minor">
+              <a:schemeClr val="tx1"/>
+            </a:fontRef>
+          </p:style>
+        </p:cxnSp>
+        <p:sp>
+          <p:nvSpPr>
+            <p:cNvPr id="7" name="Arrow: Right 7">
+              <a:extLst>
+                <a:ext uri="{FF2B5EF4-FFF2-40B4-BE49-F238E27FC236}">
+                  <a16:creationId xmlns:a16="http://schemas.microsoft.com/office/drawing/2014/main" id="{7844F343-E894-4FE0-A6FA-018D93AF813D}"/>
+                </a:ext>
+              </a:extLst>
+            </p:cNvPr>
+            <p:cNvSpPr/>
+            <p:nvPr/>
+          </p:nvSpPr>
+          <p:spPr>
+            <a:xfrm>
+              <a:off x="79513" y="1653208"/>
+              <a:ext cx="451166" cy="390939"/>
+            </a:xfrm>
+            <a:prstGeom prst="rightArrow">
+              <a:avLst/>
+            </a:prstGeom>
+            <a:solidFill>
+              <a:srgbClr val="FF0000"/>
+            </a:solidFill>
+            <a:ln>
+              <a:solidFill>
+                <a:srgbClr val="FF0000"/>
+              </a:solidFill>
+            </a:ln>
+            <a:effectLst/>
+            <a:scene3d>
+              <a:camera prst="orthographicFront">
+                <a:rot lat="0" lon="0" rev="0"/>
+              </a:camera>
+              <a:lightRig rig="threePt" dir="t">
+                <a:rot lat="0" lon="0" rev="1200000"/>
+              </a:lightRig>
+            </a:scene3d>
+            <a:sp3d/>
+          </p:spPr>
+          <p:style>
+            <a:lnRef idx="0">
+              <a:schemeClr val="accent1"/>
+            </a:lnRef>
+            <a:fillRef idx="3">
+              <a:schemeClr val="accent1"/>
+            </a:fillRef>
+            <a:effectRef idx="3">
+              <a:schemeClr val="accent1"/>
+            </a:effectRef>
+            <a:fontRef idx="minor">
+              <a:schemeClr val="lt1"/>
+            </a:fontRef>
+          </p:style>
+          <p:txBody>
+            <a:bodyPr rot="0" spcFirstLastPara="0" vertOverflow="overflow" horzOverflow="overflow" vert="horz" wrap="square" lIns="45720" tIns="45720" rIns="45720" bIns="45720" numCol="1" spcCol="0" rtlCol="0" fromWordArt="0" anchor="ctr" anchorCtr="0" forceAA="0" compatLnSpc="1">
+              <a:prstTxWarp prst="textNoShape">
+                <a:avLst/>
+              </a:prstTxWarp>
+              <a:noAutofit/>
+            </a:bodyPr>
+            <a:lstStyle/>
+            <a:p>
+              <a:pPr algn="ctr">
+                <a:lnSpc>
+                  <a:spcPct val="90000"/>
+                </a:lnSpc>
+              </a:pPr>
+              <a:endParaRPr lang="en-US" dirty="0">
+                <a:solidFill>
+                  <a:schemeClr val="tx1"/>
+                </a:solidFill>
+              </a:endParaRPr>
+            </a:p>
+          </p:txBody>
+        </p:sp>
+        <p:sp>
+          <p:nvSpPr>
+            <p:cNvPr id="8" name="Arrow: Right 8">
+              <a:extLst>
+                <a:ext uri="{FF2B5EF4-FFF2-40B4-BE49-F238E27FC236}">
+                  <a16:creationId xmlns:a16="http://schemas.microsoft.com/office/drawing/2014/main" id="{BBFB6C66-6CBA-4D40-8622-561E8F751365}"/>
+                </a:ext>
+              </a:extLst>
+            </p:cNvPr>
+            <p:cNvSpPr/>
+            <p:nvPr/>
+          </p:nvSpPr>
+          <p:spPr>
+            <a:xfrm rot="10800000">
+              <a:off x="11658146" y="1653208"/>
+              <a:ext cx="451166" cy="390939"/>
+            </a:xfrm>
+            <a:prstGeom prst="rightArrow">
+              <a:avLst/>
+            </a:prstGeom>
+            <a:solidFill>
+              <a:srgbClr val="FF0000"/>
+            </a:solidFill>
+            <a:ln>
+              <a:solidFill>
+                <a:srgbClr val="FF0000"/>
+              </a:solidFill>
+            </a:ln>
+            <a:effectLst/>
+            <a:scene3d>
+              <a:camera prst="orthographicFront">
+                <a:rot lat="0" lon="0" rev="0"/>
+              </a:camera>
+              <a:lightRig rig="threePt" dir="t">
+                <a:rot lat="0" lon="0" rev="1200000"/>
+              </a:lightRig>
+            </a:scene3d>
+            <a:sp3d/>
+          </p:spPr>
+          <p:style>
+            <a:lnRef idx="0">
+              <a:schemeClr val="accent1"/>
+            </a:lnRef>
+            <a:fillRef idx="3">
+              <a:schemeClr val="accent1"/>
+            </a:fillRef>
+            <a:effectRef idx="3">
+              <a:schemeClr val="accent1"/>
+            </a:effectRef>
+            <a:fontRef idx="minor">
+              <a:schemeClr val="lt1"/>
+            </a:fontRef>
+          </p:style>
+          <p:txBody>
+            <a:bodyPr rot="0" spcFirstLastPara="0" vertOverflow="overflow" horzOverflow="overflow" vert="horz" wrap="square" lIns="45720" tIns="45720" rIns="45720" bIns="45720" numCol="1" spcCol="0" rtlCol="0" fromWordArt="0" anchor="ctr" anchorCtr="0" forceAA="0" compatLnSpc="1">
+              <a:prstTxWarp prst="textNoShape">
+                <a:avLst/>
+              </a:prstTxWarp>
+              <a:noAutofit/>
+            </a:bodyPr>
+            <a:lstStyle/>
+            <a:p>
+              <a:pPr algn="ctr">
+                <a:lnSpc>
+                  <a:spcPct val="90000"/>
+                </a:lnSpc>
+              </a:pPr>
+              <a:endParaRPr lang="en-US" dirty="0">
+                <a:solidFill>
+                  <a:schemeClr val="tx1"/>
+                </a:solidFill>
+              </a:endParaRPr>
+            </a:p>
+          </p:txBody>
+        </p:sp>
+      </p:grpSp>
+    </p:spTree>
+    <p:extLst>
+      <p:ext uri="{BB962C8B-B14F-4D97-AF65-F5344CB8AC3E}">
+        <p14:creationId xmlns:p14="http://schemas.microsoft.com/office/powerpoint/2010/main" val="1354062058"/>
+      </p:ext>
+    </p:extLst>
+  </p:cSld>
+  <p:clrMapOvr>
+    <a:masterClrMapping/>
+  </p:clrMapOvr>
+</p:sld>
+</file>
+
 <file path=ppt/slides/slide2.xml><?xml version="1.0" encoding="utf-8"?>
 <p:sld xmlns:a="http://schemas.openxmlformats.org/drawingml/2006/main" xmlns:r="http://schemas.openxmlformats.org/officeDocument/2006/relationships" xmlns:p="http://schemas.openxmlformats.org/presentationml/2006/main">
   <p:cSld>
@@ -9537,16 +11067,15 @@
             </a:pPr>
             <a:r>
               <a:rPr lang="en-US" sz="1600" b="1" dirty="0"/>
-              <a:t>Requested citation for the overall tutorial: David E. Bernholdt, Anshu Dubey, David M. Rogers, Rinku K. Gupta, Better Scientific Software tutorial, in ISS ‘21: 2021. DOI: (</a:t>
-            </a:r>
-            <a:r>
-              <a:rPr lang="en-US" sz="1600" b="1" dirty="0" err="1"/>
-              <a:t>tbd</a:t>
-            </a:r>
-            <a:r>
-              <a:rPr lang="en-US" sz="1600" b="1" dirty="0"/>
-              <a:t>)</a:t>
-            </a:r>
+              <a:t>The requested citation the overall tutorial is: David E. Bernholdt, Anshu Dubey, Rinku K. Gupta, and David M. Rogers, Better Scientific Software tutorial, in Improving Scientific Software conference, online, 2021. DOI: </a:t>
+            </a:r>
+            <a:r>
+              <a:rPr lang="en-US" sz="1600" b="1" dirty="0">
+                <a:hlinkClick r:id="rId4"/>
+              </a:rPr>
+              <a:t>10.6084/m9.figshare.14256257</a:t>
+            </a:r>
+            <a:endParaRPr lang="en-US" sz="1600" b="1" dirty="0"/>
           </a:p>
           <a:p>
             <a:pPr>
@@ -9603,7 +11132,7 @@
             </a:r>
             <a:r>
               <a:rPr lang="en-US" sz="1400" dirty="0"/>
-              <a:t>, Mark Miller, Jared O’Neal, Katherine Riley, Patricia A. Grubel, Deborah Stevens, James </a:t>
+              <a:t>, Mark Miller, Jared O’Neal, Katherine Riley, David Rogers, Deborah Stevens, James </a:t>
             </a:r>
             <a:r>
               <a:rPr lang="en-US" sz="1400" dirty="0" err="1"/>
@@ -9715,7 +11244,7 @@
           <p:nvPr/>
         </p:nvPicPr>
         <p:blipFill>
-          <a:blip r:embed="rId4">
+          <a:blip r:embed="rId5">
             <a:extLst>
               <a:ext uri="{28A0092B-C50C-407E-A947-70E740481C1C}">
                 <a14:useLocalDpi xmlns:a14="http://schemas.microsoft.com/office/drawing/2010/main" val="0"/>
@@ -9750,7 +11279,7 @@
     </p:spTree>
     <p:extLst>
       <p:ext uri="{BB962C8B-B14F-4D97-AF65-F5344CB8AC3E}">
-        <p14:creationId xmlns:p14="http://schemas.microsoft.com/office/powerpoint/2010/main" val="1028539889"/>
+        <p14:creationId xmlns:p14="http://schemas.microsoft.com/office/powerpoint/2010/main" val="978726433"/>
       </p:ext>
     </p:extLst>
   </p:cSld>
@@ -15187,6 +16716,21 @@
 </file>
 
 <file path=customXml/item1.xml><?xml version="1.0" encoding="utf-8"?>
+<p:properties xmlns:p="http://schemas.microsoft.com/office/2006/metadata/properties" xmlns:xsi="http://www.w3.org/2001/XMLSchema-instance" xmlns:pc="http://schemas.microsoft.com/office/infopath/2007/PartnerControls">
+  <documentManagement/>
+</p:properties>
+</file>
+
+<file path=customXml/item2.xml><?xml version="1.0" encoding="utf-8"?>
+<?mso-contentType ?>
+<FormTemplates xmlns="http://schemas.microsoft.com/sharepoint/v3/contenttype/forms">
+  <Display>DocumentLibraryForm</Display>
+  <Edit>DocumentLibraryForm</Edit>
+  <New>DocumentLibraryForm</New>
+</FormTemplates>
+</file>
+
+<file path=customXml/item3.xml><?xml version="1.0" encoding="utf-8"?>
 <ct:contentTypeSchema xmlns:ct="http://schemas.microsoft.com/office/2006/metadata/contentType" xmlns:ma="http://schemas.microsoft.com/office/2006/metadata/properties/metaAttributes" ct:_="" ma:_="" ma:contentTypeName="Document" ma:contentTypeID="0x010100565464437F680748A68B85EB6594EA7D" ma:contentTypeVersion="0" ma:contentTypeDescription="Create a new document." ma:contentTypeScope="" ma:versionID="fe3f4dd58d5914c51cfc6deaa8ad845c">
   <xsd:schema xmlns:xsd="http://www.w3.org/2001/XMLSchema" xmlns:p="http://schemas.microsoft.com/office/2006/metadata/properties" targetNamespace="http://schemas.microsoft.com/office/2006/metadata/properties" ma:root="true" ma:fieldsID="4aeb20c0e3442673af7ee10786458764">
     <xsd:element name="properties">
@@ -15235,32 +16779,17 @@
 </ct:contentTypeSchema>
 </file>
 
-<file path=customXml/item2.xml><?xml version="1.0" encoding="utf-8"?>
-<?mso-contentType ?>
-<FormTemplates xmlns="http://schemas.microsoft.com/sharepoint/v3/contenttype/forms">
-  <Display>DocumentLibraryForm</Display>
-  <Edit>DocumentLibraryForm</Edit>
-  <New>DocumentLibraryForm</New>
-</FormTemplates>
-</file>
-
-<file path=customXml/item3.xml><?xml version="1.0" encoding="utf-8"?>
-<p:properties xmlns:p="http://schemas.microsoft.com/office/2006/metadata/properties" xmlns:xsi="http://www.w3.org/2001/XMLSchema-instance" xmlns:pc="http://schemas.microsoft.com/office/infopath/2007/PartnerControls">
-  <documentManagement/>
-</p:properties>
-</file>
-
 <file path=customXml/itemProps1.xml><?xml version="1.0" encoding="utf-8"?>
-<ds:datastoreItem xmlns:ds="http://schemas.openxmlformats.org/officeDocument/2006/customXml" ds:itemID="{E8DB7DEB-074E-4EE8-9B6E-FD277323109C}">
+<ds:datastoreItem xmlns:ds="http://schemas.openxmlformats.org/officeDocument/2006/customXml" ds:itemID="{A50EC660-24D0-43A0-AE5E-E274115E726B}">
   <ds:schemaRefs>
-    <ds:schemaRef ds:uri="http://schemas.microsoft.com/office/2006/metadata/contentType"/>
-    <ds:schemaRef ds:uri="http://schemas.microsoft.com/office/2006/metadata/properties/metaAttributes"/>
-    <ds:schemaRef ds:uri="http://www.w3.org/2001/XMLSchema"/>
+    <ds:schemaRef ds:uri="http://purl.org/dc/terms/"/>
+    <ds:schemaRef ds:uri="http://schemas.openxmlformats.org/package/2006/metadata/core-properties"/>
+    <ds:schemaRef ds:uri="http://schemas.microsoft.com/office/2006/documentManagement/types"/>
+    <ds:schemaRef ds:uri="http://purl.org/dc/elements/1.1/"/>
     <ds:schemaRef ds:uri="http://schemas.microsoft.com/office/2006/metadata/properties"/>
-    <ds:schemaRef ds:uri="http://schemas.openxmlformats.org/package/2006/metadata/core-properties"/>
-    <ds:schemaRef ds:uri="http://purl.org/dc/elements/1.1/"/>
-    <ds:schemaRef ds:uri="http://purl.org/dc/terms/"/>
-    <ds:schemaRef ds:uri="http://schemas.microsoft.com/office/internal/2005/internalDocumentation"/>
+    <ds:schemaRef ds:uri="http://www.w3.org/XML/1998/namespace"/>
+    <ds:schemaRef ds:uri="http://purl.org/dc/dcmitype/"/>
+    <ds:schemaRef ds:uri="http://schemas.microsoft.com/office/infopath/2007/PartnerControls"/>
   </ds:schemaRefs>
 </ds:datastoreItem>
 </file>
@@ -15274,16 +16803,16 @@
 </file>
 
 <file path=customXml/itemProps3.xml><?xml version="1.0" encoding="utf-8"?>
-<ds:datastoreItem xmlns:ds="http://schemas.openxmlformats.org/officeDocument/2006/customXml" ds:itemID="{A50EC660-24D0-43A0-AE5E-E274115E726B}">
+<ds:datastoreItem xmlns:ds="http://schemas.openxmlformats.org/officeDocument/2006/customXml" ds:itemID="{E8DB7DEB-074E-4EE8-9B6E-FD277323109C}">
   <ds:schemaRefs>
+    <ds:schemaRef ds:uri="http://schemas.microsoft.com/office/2006/metadata/contentType"/>
+    <ds:schemaRef ds:uri="http://schemas.microsoft.com/office/2006/metadata/properties/metaAttributes"/>
+    <ds:schemaRef ds:uri="http://www.w3.org/2001/XMLSchema"/>
+    <ds:schemaRef ds:uri="http://schemas.microsoft.com/office/2006/metadata/properties"/>
+    <ds:schemaRef ds:uri="http://schemas.openxmlformats.org/package/2006/metadata/core-properties"/>
+    <ds:schemaRef ds:uri="http://purl.org/dc/elements/1.1/"/>
     <ds:schemaRef ds:uri="http://purl.org/dc/terms/"/>
-    <ds:schemaRef ds:uri="http://schemas.openxmlformats.org/package/2006/metadata/core-properties"/>
-    <ds:schemaRef ds:uri="http://schemas.microsoft.com/office/2006/documentManagement/types"/>
-    <ds:schemaRef ds:uri="http://purl.org/dc/elements/1.1/"/>
-    <ds:schemaRef ds:uri="http://schemas.microsoft.com/office/2006/metadata/properties"/>
-    <ds:schemaRef ds:uri="http://www.w3.org/XML/1998/namespace"/>
-    <ds:schemaRef ds:uri="http://purl.org/dc/dcmitype/"/>
-    <ds:schemaRef ds:uri="http://schemas.microsoft.com/office/infopath/2007/PartnerControls"/>
+    <ds:schemaRef ds:uri="http://schemas.microsoft.com/office/internal/2005/internalDocumentation"/>
   </ds:schemaRefs>
 </ds:datastoreItem>
 </file>
--- a/final-presentations/2021-03-25-iss/06-testing2.pptx
+++ b/final-presentations/2021-03-25-iss/06-testing2.pptx
@@ -2896,7 +2896,7 @@
           <a:noFill/>
           <a:extLst>
             <a:ext uri="{909E8E84-426E-40dd-AFC4-6F175D3DCCD1}">
-              <a14:hiddenFill xmlns="" xmlns:a14="http://schemas.microsoft.com/office/drawing/2010/main">
+              <a14:hiddenFill xmlns:a14="http://schemas.microsoft.com/office/drawing/2010/main" xmlns="">
                 <a:solidFill>
                   <a:srgbClr val="FFFFFF"/>
                 </a:solidFill>
@@ -3050,7 +3050,7 @@
           <a:noFill/>
           <a:extLst>
             <a:ext uri="{909E8E84-426E-40dd-AFC4-6F175D3DCCD1}">
-              <a14:hiddenFill xmlns="" xmlns:a14="http://schemas.microsoft.com/office/drawing/2010/main">
+              <a14:hiddenFill xmlns:a14="http://schemas.microsoft.com/office/drawing/2010/main" xmlns="">
                 <a:solidFill>
                   <a:srgbClr val="FFFFFF"/>
                 </a:solidFill>
@@ -6997,7 +6997,7 @@
           <a:noFill/>
           <a:extLst>
             <a:ext uri="{909E8E84-426E-40dd-AFC4-6F175D3DCCD1}">
-              <a14:hiddenFill xmlns="" xmlns:a14="http://schemas.microsoft.com/office/drawing/2010/main">
+              <a14:hiddenFill xmlns:a14="http://schemas.microsoft.com/office/drawing/2010/main" xmlns="">
                 <a:solidFill>
                   <a:srgbClr val="FFFFFF"/>
                 </a:solidFill>
@@ -16716,18 +16716,18 @@
 </file>
 
 <file path=customXml/item1.xml><?xml version="1.0" encoding="utf-8"?>
-<p:properties xmlns:p="http://schemas.microsoft.com/office/2006/metadata/properties" xmlns:xsi="http://www.w3.org/2001/XMLSchema-instance" xmlns:pc="http://schemas.microsoft.com/office/infopath/2007/PartnerControls">
-  <documentManagement/>
-</p:properties>
-</file>
-
-<file path=customXml/item2.xml><?xml version="1.0" encoding="utf-8"?>
 <?mso-contentType ?>
 <FormTemplates xmlns="http://schemas.microsoft.com/sharepoint/v3/contenttype/forms">
   <Display>DocumentLibraryForm</Display>
   <Edit>DocumentLibraryForm</Edit>
   <New>DocumentLibraryForm</New>
 </FormTemplates>
+</file>
+
+<file path=customXml/item2.xml><?xml version="1.0" encoding="utf-8"?>
+<p:properties xmlns:p="http://schemas.microsoft.com/office/2006/metadata/properties" xmlns:xsi="http://www.w3.org/2001/XMLSchema-instance" xmlns:pc="http://schemas.microsoft.com/office/infopath/2007/PartnerControls">
+  <documentManagement/>
+</p:properties>
 </file>
 
 <file path=customXml/item3.xml><?xml version="1.0" encoding="utf-8"?>
@@ -16780,6 +16780,14 @@
 </file>
 
 <file path=customXml/itemProps1.xml><?xml version="1.0" encoding="utf-8"?>
+<ds:datastoreItem xmlns:ds="http://schemas.openxmlformats.org/officeDocument/2006/customXml" ds:itemID="{19E20559-B232-4371-8690-E3D8007EDB82}">
+  <ds:schemaRefs>
+    <ds:schemaRef ds:uri="http://schemas.microsoft.com/sharepoint/v3/contenttype/forms"/>
+  </ds:schemaRefs>
+</ds:datastoreItem>
+</file>
+
+<file path=customXml/itemProps2.xml><?xml version="1.0" encoding="utf-8"?>
 <ds:datastoreItem xmlns:ds="http://schemas.openxmlformats.org/officeDocument/2006/customXml" ds:itemID="{A50EC660-24D0-43A0-AE5E-E274115E726B}">
   <ds:schemaRefs>
     <ds:schemaRef ds:uri="http://purl.org/dc/terms/"/>
@@ -16790,14 +16798,6 @@
     <ds:schemaRef ds:uri="http://www.w3.org/XML/1998/namespace"/>
     <ds:schemaRef ds:uri="http://purl.org/dc/dcmitype/"/>
     <ds:schemaRef ds:uri="http://schemas.microsoft.com/office/infopath/2007/PartnerControls"/>
-  </ds:schemaRefs>
-</ds:datastoreItem>
-</file>
-
-<file path=customXml/itemProps2.xml><?xml version="1.0" encoding="utf-8"?>
-<ds:datastoreItem xmlns:ds="http://schemas.openxmlformats.org/officeDocument/2006/customXml" ds:itemID="{19E20559-B232-4371-8690-E3D8007EDB82}">
-  <ds:schemaRefs>
-    <ds:schemaRef ds:uri="http://schemas.microsoft.com/sharepoint/v3/contenttype/forms"/>
   </ds:schemaRefs>
 </ds:datastoreItem>
 </file>
